--- a/Document/presentation/nam/8 voice notify.pptx
+++ b/Document/presentation/nam/8 voice notify.pptx
@@ -5,22 +5,20 @@
     <p:sldMasterId id="2147483660" r:id="rId1"/>
   </p:sldMasterIdLst>
   <p:notesMasterIdLst>
-    <p:notesMasterId r:id="rId15"/>
+    <p:notesMasterId r:id="rId13"/>
   </p:notesMasterIdLst>
   <p:sldIdLst>
     <p:sldId id="328" r:id="rId2"/>
     <p:sldId id="329" r:id="rId3"/>
     <p:sldId id="330" r:id="rId4"/>
     <p:sldId id="341" r:id="rId5"/>
-    <p:sldId id="336" r:id="rId6"/>
-    <p:sldId id="337" r:id="rId7"/>
-    <p:sldId id="339" r:id="rId8"/>
-    <p:sldId id="340" r:id="rId9"/>
-    <p:sldId id="342" r:id="rId10"/>
-    <p:sldId id="343" r:id="rId11"/>
-    <p:sldId id="344" r:id="rId12"/>
-    <p:sldId id="345" r:id="rId13"/>
-    <p:sldId id="335" r:id="rId14"/>
+    <p:sldId id="346" r:id="rId6"/>
+    <p:sldId id="347" r:id="rId7"/>
+    <p:sldId id="342" r:id="rId8"/>
+    <p:sldId id="343" r:id="rId9"/>
+    <p:sldId id="344" r:id="rId10"/>
+    <p:sldId id="345" r:id="rId11"/>
+    <p:sldId id="335" r:id="rId12"/>
   </p:sldIdLst>
   <p:sldSz cx="9144000" cy="6858000" type="screen4x3"/>
   <p:notesSz cx="6858000" cy="9144000"/>
@@ -209,7 +207,7 @@
           <a:p>
             <a:fld id="{7A8151B2-7AEE-B245-86B8-7AA2B9F69044}" type="datetimeFigureOut">
               <a:rPr lang="en-US" smtClean="0"/>
-              <a:t>12/12/2015</a:t>
+              <a:t>12/14/2015</a:t>
             </a:fld>
             <a:endParaRPr lang="en-US"/>
           </a:p>
@@ -521,6 +519,254 @@
           <a:bodyPr/>
           <a:lstStyle/>
           <a:p>
+            <a:r>
+              <a:rPr lang="en-US" dirty="0" err="1" smtClean="0"/>
+              <a:t>Vấn</a:t>
+            </a:r>
+            <a:r>
+              <a:rPr lang="en-US" baseline="0" dirty="0" smtClean="0"/>
+              <a:t> </a:t>
+            </a:r>
+            <a:r>
+              <a:rPr lang="en-US" baseline="0" dirty="0" err="1" smtClean="0"/>
+              <a:t>đề</a:t>
+            </a:r>
+            <a:r>
+              <a:rPr lang="en-US" baseline="0" dirty="0" smtClean="0"/>
+              <a:t> </a:t>
+            </a:r>
+            <a:r>
+              <a:rPr lang="en-US" baseline="0" dirty="0" err="1" smtClean="0"/>
+              <a:t>được</a:t>
+            </a:r>
+            <a:r>
+              <a:rPr lang="en-US" baseline="0" dirty="0" smtClean="0"/>
+              <a:t> </a:t>
+            </a:r>
+            <a:r>
+              <a:rPr lang="en-US" baseline="0" dirty="0" err="1" smtClean="0"/>
+              <a:t>đặt</a:t>
+            </a:r>
+            <a:r>
+              <a:rPr lang="en-US" baseline="0" dirty="0" smtClean="0"/>
+              <a:t> </a:t>
+            </a:r>
+            <a:r>
+              <a:rPr lang="en-US" baseline="0" dirty="0" err="1" smtClean="0"/>
+              <a:t>ra</a:t>
+            </a:r>
+            <a:r>
+              <a:rPr lang="en-US" baseline="0" dirty="0" smtClean="0"/>
+              <a:t> </a:t>
+            </a:r>
+            <a:r>
+              <a:rPr lang="en-US" baseline="0" dirty="0" err="1" smtClean="0"/>
+              <a:t>tiếp</a:t>
+            </a:r>
+            <a:r>
+              <a:rPr lang="en-US" baseline="0" dirty="0" smtClean="0"/>
+              <a:t> </a:t>
+            </a:r>
+            <a:r>
+              <a:rPr lang="en-US" baseline="0" dirty="0" err="1" smtClean="0"/>
+              <a:t>theo</a:t>
+            </a:r>
+            <a:r>
+              <a:rPr lang="en-US" baseline="0" dirty="0" smtClean="0"/>
+              <a:t> </a:t>
+            </a:r>
+            <a:r>
+              <a:rPr lang="en-US" baseline="0" dirty="0" err="1" smtClean="0"/>
+              <a:t>là</a:t>
+            </a:r>
+            <a:endParaRPr lang="en-US" baseline="0" dirty="0" smtClean="0"/>
+          </a:p>
+          <a:p>
+            <a:r>
+              <a:rPr lang="en-US" baseline="0" dirty="0" smtClean="0"/>
+              <a:t>Smart wear </a:t>
+            </a:r>
+            <a:r>
+              <a:rPr lang="en-US" baseline="0" dirty="0" err="1" smtClean="0"/>
+              <a:t>khá</a:t>
+            </a:r>
+            <a:r>
+              <a:rPr lang="en-US" baseline="0" dirty="0" smtClean="0"/>
+              <a:t> </a:t>
+            </a:r>
+            <a:r>
+              <a:rPr lang="en-US" baseline="0" dirty="0" err="1" smtClean="0"/>
+              <a:t>nhỏ</a:t>
+            </a:r>
+            <a:r>
+              <a:rPr lang="en-US" baseline="0" dirty="0" smtClean="0"/>
+              <a:t> </a:t>
+            </a:r>
+            <a:r>
+              <a:rPr lang="en-US" baseline="0" dirty="0" err="1" smtClean="0"/>
+              <a:t>và</a:t>
+            </a:r>
+            <a:r>
+              <a:rPr lang="en-US" baseline="0" dirty="0" smtClean="0"/>
+              <a:t> </a:t>
+            </a:r>
+            <a:r>
+              <a:rPr lang="en-US" baseline="0" dirty="0" err="1" smtClean="0"/>
+              <a:t>khó</a:t>
+            </a:r>
+            <a:r>
+              <a:rPr lang="en-US" baseline="0" dirty="0" smtClean="0"/>
+              <a:t> </a:t>
+            </a:r>
+            <a:r>
+              <a:rPr lang="en-US" baseline="0" dirty="0" err="1" smtClean="0"/>
+              <a:t>để</a:t>
+            </a:r>
+            <a:r>
+              <a:rPr lang="en-US" baseline="0" dirty="0" smtClean="0"/>
+              <a:t> </a:t>
+            </a:r>
+            <a:r>
+              <a:rPr lang="en-US" baseline="0" dirty="0" err="1" smtClean="0"/>
+              <a:t>nhìn</a:t>
+            </a:r>
+            <a:r>
+              <a:rPr lang="en-US" baseline="0" dirty="0" smtClean="0"/>
+              <a:t> </a:t>
+            </a:r>
+            <a:r>
+              <a:rPr lang="en-US" baseline="0" dirty="0" err="1" smtClean="0"/>
+              <a:t>rõ</a:t>
+            </a:r>
+            <a:r>
+              <a:rPr lang="en-US" baseline="0" dirty="0" smtClean="0"/>
+              <a:t> </a:t>
+            </a:r>
+            <a:r>
+              <a:rPr lang="en-US" baseline="0" dirty="0" err="1" smtClean="0"/>
+              <a:t>những</a:t>
+            </a:r>
+            <a:r>
+              <a:rPr lang="en-US" baseline="0" dirty="0" smtClean="0"/>
+              <a:t> </a:t>
+            </a:r>
+            <a:r>
+              <a:rPr lang="en-US" baseline="0" dirty="0" err="1" smtClean="0"/>
+              <a:t>thông</a:t>
+            </a:r>
+            <a:r>
+              <a:rPr lang="en-US" baseline="0" dirty="0" smtClean="0"/>
+              <a:t> tin </a:t>
+            </a:r>
+            <a:r>
+              <a:rPr lang="en-US" baseline="0" dirty="0" err="1" smtClean="0"/>
+              <a:t>trên</a:t>
+            </a:r>
+            <a:r>
+              <a:rPr lang="en-US" baseline="0" dirty="0" smtClean="0"/>
+              <a:t> </a:t>
+            </a:r>
+            <a:r>
+              <a:rPr lang="en-US" baseline="0" dirty="0" err="1" smtClean="0"/>
+              <a:t>đó</a:t>
+            </a:r>
+            <a:endParaRPr lang="en-US" baseline="0" dirty="0" smtClean="0"/>
+          </a:p>
+          <a:p>
+            <a:r>
+              <a:rPr lang="en-US" baseline="0" dirty="0" err="1" smtClean="0"/>
+              <a:t>Không</a:t>
+            </a:r>
+            <a:r>
+              <a:rPr lang="en-US" baseline="0" dirty="0" smtClean="0"/>
+              <a:t> </a:t>
+            </a:r>
+            <a:r>
+              <a:rPr lang="en-US" baseline="0" dirty="0" err="1" smtClean="0"/>
+              <a:t>phải</a:t>
+            </a:r>
+            <a:r>
+              <a:rPr lang="en-US" baseline="0" dirty="0" smtClean="0"/>
+              <a:t> </a:t>
+            </a:r>
+            <a:r>
+              <a:rPr lang="en-US" baseline="0" dirty="0" err="1" smtClean="0"/>
+              <a:t>ai</a:t>
+            </a:r>
+            <a:r>
+              <a:rPr lang="en-US" baseline="0" dirty="0" smtClean="0"/>
+              <a:t> </a:t>
+            </a:r>
+            <a:r>
+              <a:rPr lang="en-US" baseline="0" dirty="0" err="1" smtClean="0"/>
+              <a:t>cũng</a:t>
+            </a:r>
+            <a:r>
+              <a:rPr lang="en-US" baseline="0" dirty="0" smtClean="0"/>
+              <a:t> </a:t>
+            </a:r>
+            <a:r>
+              <a:rPr lang="en-US" baseline="0" dirty="0" err="1" smtClean="0"/>
+              <a:t>có</a:t>
+            </a:r>
+            <a:r>
+              <a:rPr lang="en-US" baseline="0" dirty="0" smtClean="0"/>
+              <a:t> smart wear</a:t>
+            </a:r>
+          </a:p>
+          <a:p>
+            <a:r>
+              <a:rPr lang="en-US" baseline="0" dirty="0" err="1" smtClean="0"/>
+              <a:t>Và</a:t>
+            </a:r>
+            <a:r>
+              <a:rPr lang="en-US" baseline="0" dirty="0" smtClean="0"/>
+              <a:t> </a:t>
+            </a:r>
+            <a:r>
+              <a:rPr lang="en-US" baseline="0" dirty="0" err="1" smtClean="0"/>
+              <a:t>giá</a:t>
+            </a:r>
+            <a:r>
+              <a:rPr lang="en-US" baseline="0" dirty="0" smtClean="0"/>
+              <a:t> </a:t>
+            </a:r>
+            <a:r>
+              <a:rPr lang="en-US" baseline="0" dirty="0" err="1" smtClean="0"/>
+              <a:t>của</a:t>
+            </a:r>
+            <a:r>
+              <a:rPr lang="en-US" baseline="0" dirty="0" smtClean="0"/>
+              <a:t> 1 </a:t>
+            </a:r>
+            <a:r>
+              <a:rPr lang="en-US" baseline="0" dirty="0" err="1" smtClean="0"/>
+              <a:t>cái</a:t>
+            </a:r>
+            <a:r>
+              <a:rPr lang="en-US" baseline="0" dirty="0" smtClean="0"/>
+              <a:t> smart wear </a:t>
+            </a:r>
+            <a:r>
+              <a:rPr lang="en-US" baseline="0" dirty="0" err="1" smtClean="0"/>
+              <a:t>ko</a:t>
+            </a:r>
+            <a:r>
+              <a:rPr lang="en-US" baseline="0" dirty="0" smtClean="0"/>
+              <a:t> </a:t>
+            </a:r>
+            <a:r>
+              <a:rPr lang="en-US" baseline="0" dirty="0" err="1" smtClean="0"/>
+              <a:t>hề</a:t>
+            </a:r>
+            <a:r>
+              <a:rPr lang="en-US" baseline="0" dirty="0" smtClean="0"/>
+              <a:t> </a:t>
+            </a:r>
+            <a:r>
+              <a:rPr lang="en-US" baseline="0" dirty="0" err="1" smtClean="0"/>
+              <a:t>rẻ</a:t>
+            </a:r>
             <a:endParaRPr lang="en-US" dirty="0"/>
           </a:p>
         </p:txBody>
@@ -552,6 +798,302 @@
     <p:extLst>
       <p:ext uri="{BB962C8B-B14F-4D97-AF65-F5344CB8AC3E}">
         <p14:creationId xmlns:p14="http://schemas.microsoft.com/office/powerpoint/2010/main" val="1317942306"/>
+      </p:ext>
+    </p:extLst>
+  </p:cSld>
+  <p:clrMapOvr>
+    <a:masterClrMapping/>
+  </p:clrMapOvr>
+</p:notes>
+</file>
+
+<file path=ppt/notesSlides/notesSlide10.xml><?xml version="1.0" encoding="utf-8"?>
+<p:notes xmlns:a="http://schemas.openxmlformats.org/drawingml/2006/main" xmlns:r="http://schemas.openxmlformats.org/officeDocument/2006/relationships" xmlns:p="http://schemas.openxmlformats.org/presentationml/2006/main">
+  <p:cSld>
+    <p:spTree>
+      <p:nvGrpSpPr>
+        <p:cNvPr id="1" name=""/>
+        <p:cNvGrpSpPr/>
+        <p:nvPr/>
+      </p:nvGrpSpPr>
+      <p:grpSpPr>
+        <a:xfrm>
+          <a:off x="0" y="0"/>
+          <a:ext cx="0" cy="0"/>
+          <a:chOff x="0" y="0"/>
+          <a:chExt cx="0" cy="0"/>
+        </a:xfrm>
+      </p:grpSpPr>
+      <p:sp>
+        <p:nvSpPr>
+          <p:cNvPr id="2" name="Slide Image Placeholder 1"/>
+          <p:cNvSpPr>
+            <a:spLocks noGrp="1" noRot="1" noChangeAspect="1"/>
+          </p:cNvSpPr>
+          <p:nvPr>
+            <p:ph type="sldImg"/>
+          </p:nvPr>
+        </p:nvSpPr>
+        <p:spPr/>
+      </p:sp>
+      <p:sp>
+        <p:nvSpPr>
+          <p:cNvPr id="3" name="Notes Placeholder 2"/>
+          <p:cNvSpPr>
+            <a:spLocks noGrp="1"/>
+          </p:cNvSpPr>
+          <p:nvPr>
+            <p:ph type="body" idx="1"/>
+          </p:nvPr>
+        </p:nvSpPr>
+        <p:spPr/>
+        <p:txBody>
+          <a:bodyPr/>
+          <a:lstStyle/>
+          <a:p>
+            <a:r>
+              <a:rPr lang="en-US" dirty="0" err="1" smtClean="0"/>
+              <a:t>Kể</a:t>
+            </a:r>
+            <a:r>
+              <a:rPr lang="en-US" baseline="0" dirty="0" smtClean="0"/>
+              <a:t> </a:t>
+            </a:r>
+            <a:r>
+              <a:rPr lang="en-US" baseline="0" dirty="0" err="1" smtClean="0"/>
+              <a:t>từ</a:t>
+            </a:r>
+            <a:r>
+              <a:rPr lang="en-US" baseline="0" dirty="0" smtClean="0"/>
+              <a:t> </a:t>
+            </a:r>
+            <a:r>
+              <a:rPr lang="en-US" baseline="0" dirty="0" err="1" smtClean="0"/>
+              <a:t>đó</a:t>
+            </a:r>
+            <a:r>
+              <a:rPr lang="en-US" baseline="0" dirty="0" smtClean="0"/>
+              <a:t> </a:t>
+            </a:r>
+            <a:r>
+              <a:rPr lang="en-US" baseline="0" dirty="0" err="1" smtClean="0"/>
+              <a:t>ứng</a:t>
+            </a:r>
+            <a:r>
+              <a:rPr lang="en-US" baseline="0" dirty="0" smtClean="0"/>
+              <a:t> </a:t>
+            </a:r>
+            <a:r>
+              <a:rPr lang="en-US" baseline="0" dirty="0" err="1" smtClean="0"/>
+              <a:t>dụng</a:t>
+            </a:r>
+            <a:r>
+              <a:rPr lang="en-US" baseline="0" dirty="0" smtClean="0"/>
+              <a:t> </a:t>
+            </a:r>
+            <a:r>
+              <a:rPr lang="en-US" baseline="0" dirty="0" err="1" smtClean="0"/>
+              <a:t>sẽ</a:t>
+            </a:r>
+            <a:r>
+              <a:rPr lang="en-US" baseline="0" dirty="0" smtClean="0"/>
+              <a:t> </a:t>
+            </a:r>
+            <a:r>
+              <a:rPr lang="en-US" baseline="0" dirty="0" err="1" smtClean="0"/>
+              <a:t>lấy</a:t>
+            </a:r>
+            <a:r>
+              <a:rPr lang="en-US" baseline="0" dirty="0" smtClean="0"/>
+              <a:t> </a:t>
+            </a:r>
+            <a:r>
+              <a:rPr lang="en-US" baseline="0" dirty="0" err="1" smtClean="0"/>
+              <a:t>những</a:t>
+            </a:r>
+            <a:r>
+              <a:rPr lang="en-US" baseline="0" dirty="0" smtClean="0"/>
+              <a:t> file audio </a:t>
+            </a:r>
+            <a:r>
+              <a:rPr lang="en-US" baseline="0" dirty="0" err="1" smtClean="0"/>
+              <a:t>cần</a:t>
+            </a:r>
+            <a:r>
+              <a:rPr lang="en-US" baseline="0" dirty="0" smtClean="0"/>
+              <a:t> </a:t>
+            </a:r>
+            <a:r>
+              <a:rPr lang="en-US" baseline="0" dirty="0" err="1" smtClean="0"/>
+              <a:t>thiệt</a:t>
+            </a:r>
+            <a:r>
+              <a:rPr lang="en-US" baseline="0" dirty="0" smtClean="0"/>
+              <a:t> </a:t>
+            </a:r>
+            <a:r>
+              <a:rPr lang="en-US" baseline="0" dirty="0" err="1" smtClean="0"/>
+              <a:t>trong</a:t>
+            </a:r>
+            <a:r>
+              <a:rPr lang="en-US" baseline="0" dirty="0" smtClean="0"/>
+              <a:t> Cache </a:t>
+            </a:r>
+            <a:r>
+              <a:rPr lang="en-US" baseline="0" dirty="0" err="1" smtClean="0"/>
+              <a:t>để</a:t>
+            </a:r>
+            <a:r>
+              <a:rPr lang="en-US" baseline="0" dirty="0" smtClean="0"/>
+              <a:t> </a:t>
+            </a:r>
+            <a:r>
+              <a:rPr lang="en-US" baseline="0" dirty="0" err="1" smtClean="0"/>
+              <a:t>thông</a:t>
+            </a:r>
+            <a:r>
+              <a:rPr lang="en-US" baseline="0" dirty="0" smtClean="0"/>
+              <a:t> </a:t>
+            </a:r>
+            <a:r>
+              <a:rPr lang="en-US" baseline="0" dirty="0" err="1" smtClean="0"/>
+              <a:t>báo</a:t>
+            </a:r>
+            <a:r>
+              <a:rPr lang="en-US" baseline="0" dirty="0" smtClean="0"/>
+              <a:t> </a:t>
+            </a:r>
+            <a:r>
+              <a:rPr lang="en-US" baseline="0" dirty="0" err="1" smtClean="0"/>
+              <a:t>cho</a:t>
+            </a:r>
+            <a:r>
+              <a:rPr lang="en-US" baseline="0" dirty="0" smtClean="0"/>
+              <a:t> </a:t>
+            </a:r>
+            <a:r>
+              <a:rPr lang="en-US" baseline="0" dirty="0" err="1" smtClean="0"/>
+              <a:t>người</a:t>
+            </a:r>
+            <a:r>
+              <a:rPr lang="en-US" baseline="0" dirty="0" smtClean="0"/>
+              <a:t> dung.</a:t>
+            </a:r>
+            <a:endParaRPr lang="en-US" dirty="0"/>
+          </a:p>
+        </p:txBody>
+      </p:sp>
+      <p:sp>
+        <p:nvSpPr>
+          <p:cNvPr id="4" name="Slide Number Placeholder 3"/>
+          <p:cNvSpPr>
+            <a:spLocks noGrp="1"/>
+          </p:cNvSpPr>
+          <p:nvPr>
+            <p:ph type="sldNum" sz="quarter" idx="10"/>
+          </p:nvPr>
+        </p:nvSpPr>
+        <p:spPr/>
+        <p:txBody>
+          <a:bodyPr/>
+          <a:lstStyle/>
+          <a:p>
+            <a:fld id="{21B4A46F-5531-C743-A588-5C76C648827C}" type="slidenum">
+              <a:rPr lang="en-US" smtClean="0"/>
+              <a:t>10</a:t>
+            </a:fld>
+            <a:endParaRPr lang="en-US"/>
+          </a:p>
+        </p:txBody>
+      </p:sp>
+    </p:spTree>
+    <p:extLst>
+      <p:ext uri="{BB962C8B-B14F-4D97-AF65-F5344CB8AC3E}">
+        <p14:creationId xmlns:p14="http://schemas.microsoft.com/office/powerpoint/2010/main" val="3893122008"/>
+      </p:ext>
+    </p:extLst>
+  </p:cSld>
+  <p:clrMapOvr>
+    <a:masterClrMapping/>
+  </p:clrMapOvr>
+</p:notes>
+</file>
+
+<file path=ppt/notesSlides/notesSlide11.xml><?xml version="1.0" encoding="utf-8"?>
+<p:notes xmlns:a="http://schemas.openxmlformats.org/drawingml/2006/main" xmlns:r="http://schemas.openxmlformats.org/officeDocument/2006/relationships" xmlns:p="http://schemas.openxmlformats.org/presentationml/2006/main">
+  <p:cSld>
+    <p:spTree>
+      <p:nvGrpSpPr>
+        <p:cNvPr id="1" name=""/>
+        <p:cNvGrpSpPr/>
+        <p:nvPr/>
+      </p:nvGrpSpPr>
+      <p:grpSpPr>
+        <a:xfrm>
+          <a:off x="0" y="0"/>
+          <a:ext cx="0" cy="0"/>
+          <a:chOff x="0" y="0"/>
+          <a:chExt cx="0" cy="0"/>
+        </a:xfrm>
+      </p:grpSpPr>
+      <p:sp>
+        <p:nvSpPr>
+          <p:cNvPr id="2" name="Slide Image Placeholder 1"/>
+          <p:cNvSpPr>
+            <a:spLocks noGrp="1" noRot="1" noChangeAspect="1"/>
+          </p:cNvSpPr>
+          <p:nvPr>
+            <p:ph type="sldImg"/>
+          </p:nvPr>
+        </p:nvSpPr>
+        <p:spPr/>
+      </p:sp>
+      <p:sp>
+        <p:nvSpPr>
+          <p:cNvPr id="3" name="Notes Placeholder 2"/>
+          <p:cNvSpPr>
+            <a:spLocks noGrp="1"/>
+          </p:cNvSpPr>
+          <p:nvPr>
+            <p:ph type="body" idx="1"/>
+          </p:nvPr>
+        </p:nvSpPr>
+        <p:spPr/>
+        <p:txBody>
+          <a:bodyPr/>
+          <a:lstStyle/>
+          <a:p>
+            <a:endParaRPr lang="en-US" dirty="0"/>
+          </a:p>
+        </p:txBody>
+      </p:sp>
+      <p:sp>
+        <p:nvSpPr>
+          <p:cNvPr id="4" name="Slide Number Placeholder 3"/>
+          <p:cNvSpPr>
+            <a:spLocks noGrp="1"/>
+          </p:cNvSpPr>
+          <p:nvPr>
+            <p:ph type="sldNum" sz="quarter" idx="10"/>
+          </p:nvPr>
+        </p:nvSpPr>
+        <p:spPr/>
+        <p:txBody>
+          <a:bodyPr/>
+          <a:lstStyle/>
+          <a:p>
+            <a:fld id="{2599C3E7-3278-1243-886F-92FF82204DB1}" type="slidenum">
+              <a:rPr lang="en-US" smtClean="0"/>
+              <a:t>11</a:t>
+            </a:fld>
+            <a:endParaRPr lang="en-US"/>
+          </a:p>
+        </p:txBody>
+      </p:sp>
+    </p:spTree>
+    <p:extLst>
+      <p:ext uri="{BB962C8B-B14F-4D97-AF65-F5344CB8AC3E}">
+        <p14:creationId xmlns:p14="http://schemas.microsoft.com/office/powerpoint/2010/main" val="681500476"/>
       </p:ext>
     </p:extLst>
   </p:cSld>
@@ -605,6 +1147,106 @@
           <a:bodyPr/>
           <a:lstStyle/>
           <a:p>
+            <a:r>
+              <a:rPr lang="en-US" dirty="0" smtClean="0"/>
+              <a:t>Do </a:t>
+            </a:r>
+            <a:r>
+              <a:rPr lang="en-US" dirty="0" err="1" smtClean="0"/>
+              <a:t>đó</a:t>
+            </a:r>
+            <a:r>
+              <a:rPr lang="en-US" baseline="0" dirty="0" smtClean="0"/>
+              <a:t> </a:t>
+            </a:r>
+            <a:r>
+              <a:rPr lang="en-US" baseline="0" dirty="0" err="1" smtClean="0"/>
+              <a:t>ứng</a:t>
+            </a:r>
+            <a:r>
+              <a:rPr lang="en-US" baseline="0" dirty="0" smtClean="0"/>
+              <a:t> </a:t>
+            </a:r>
+            <a:r>
+              <a:rPr lang="en-US" baseline="0" dirty="0" err="1" smtClean="0"/>
+              <a:t>dụng</a:t>
+            </a:r>
+            <a:r>
+              <a:rPr lang="en-US" baseline="0" dirty="0" smtClean="0"/>
+              <a:t> </a:t>
+            </a:r>
+            <a:r>
+              <a:rPr lang="en-US" baseline="0" dirty="0" err="1" smtClean="0"/>
+              <a:t>của</a:t>
+            </a:r>
+            <a:r>
+              <a:rPr lang="en-US" baseline="0" dirty="0" smtClean="0"/>
+              <a:t> </a:t>
+            </a:r>
+            <a:r>
+              <a:rPr lang="en-US" baseline="0" dirty="0" err="1" smtClean="0"/>
+              <a:t>chúng</a:t>
+            </a:r>
+            <a:r>
+              <a:rPr lang="en-US" baseline="0" dirty="0" smtClean="0"/>
+              <a:t> </a:t>
+            </a:r>
+            <a:r>
+              <a:rPr lang="en-US" baseline="0" dirty="0" err="1" smtClean="0"/>
+              <a:t>tôi</a:t>
+            </a:r>
+            <a:r>
+              <a:rPr lang="en-US" baseline="0" dirty="0" smtClean="0"/>
+              <a:t> </a:t>
+            </a:r>
+            <a:r>
+              <a:rPr lang="en-US" baseline="0" dirty="0" err="1" smtClean="0"/>
+              <a:t>cung</a:t>
+            </a:r>
+            <a:r>
+              <a:rPr lang="en-US" baseline="0" dirty="0" smtClean="0"/>
+              <a:t> </a:t>
+            </a:r>
+            <a:r>
+              <a:rPr lang="en-US" baseline="0" dirty="0" err="1" smtClean="0"/>
+              <a:t>cấp</a:t>
+            </a:r>
+            <a:r>
+              <a:rPr lang="en-US" baseline="0" dirty="0" smtClean="0"/>
+              <a:t> </a:t>
+            </a:r>
+            <a:r>
+              <a:rPr lang="en-US" baseline="0" dirty="0" err="1" smtClean="0"/>
+              <a:t>chức</a:t>
+            </a:r>
+            <a:r>
+              <a:rPr lang="en-US" baseline="0" dirty="0" smtClean="0"/>
+              <a:t> </a:t>
+            </a:r>
+            <a:r>
+              <a:rPr lang="en-US" baseline="0" dirty="0" err="1" smtClean="0"/>
+              <a:t>năng</a:t>
+            </a:r>
+            <a:r>
+              <a:rPr lang="en-US" baseline="0" dirty="0" smtClean="0"/>
+              <a:t> </a:t>
+            </a:r>
+            <a:r>
+              <a:rPr lang="en-US" baseline="0" dirty="0" err="1" smtClean="0"/>
+              <a:t>thông</a:t>
+            </a:r>
+            <a:r>
+              <a:rPr lang="en-US" baseline="0" dirty="0" smtClean="0"/>
+              <a:t> </a:t>
+            </a:r>
+            <a:r>
+              <a:rPr lang="en-US" baseline="0" dirty="0" err="1" smtClean="0"/>
+              <a:t>báo</a:t>
+            </a:r>
+            <a:r>
+              <a:rPr lang="en-US" baseline="0" dirty="0" smtClean="0"/>
+              <a:t> qua sound</a:t>
+            </a:r>
             <a:endParaRPr lang="en-US" dirty="0"/>
           </a:p>
         </p:txBody>
@@ -689,6 +1331,137 @@
           <a:bodyPr/>
           <a:lstStyle/>
           <a:p>
+            <a:r>
+              <a:rPr lang="en-US" dirty="0" smtClean="0"/>
+              <a:t>Sau </a:t>
+            </a:r>
+            <a:r>
+              <a:rPr lang="en-US" dirty="0" err="1" smtClean="0"/>
+              <a:t>đây</a:t>
+            </a:r>
+            <a:r>
+              <a:rPr lang="en-US" baseline="0" dirty="0" smtClean="0"/>
+              <a:t> </a:t>
+            </a:r>
+            <a:r>
+              <a:rPr lang="en-US" baseline="0" dirty="0" err="1" smtClean="0"/>
+              <a:t>là</a:t>
+            </a:r>
+            <a:r>
+              <a:rPr lang="en-US" baseline="0" dirty="0" smtClean="0"/>
+              <a:t> </a:t>
+            </a:r>
+            <a:r>
+              <a:rPr lang="en-US" baseline="0" dirty="0" err="1" smtClean="0"/>
+              <a:t>phần</a:t>
+            </a:r>
+            <a:r>
+              <a:rPr lang="en-US" baseline="0" dirty="0" smtClean="0"/>
+              <a:t> </a:t>
+            </a:r>
+            <a:r>
+              <a:rPr lang="en-US" baseline="0" dirty="0" err="1" smtClean="0"/>
+              <a:t>kiến</a:t>
+            </a:r>
+            <a:r>
+              <a:rPr lang="en-US" baseline="0" dirty="0" smtClean="0"/>
+              <a:t> </a:t>
+            </a:r>
+            <a:r>
+              <a:rPr lang="en-US" baseline="0" dirty="0" err="1" smtClean="0"/>
+              <a:t>trúc</a:t>
+            </a:r>
+            <a:r>
+              <a:rPr lang="en-US" baseline="0" dirty="0" smtClean="0"/>
+              <a:t> </a:t>
+            </a:r>
+            <a:r>
+              <a:rPr lang="en-US" baseline="0" dirty="0" err="1" smtClean="0"/>
+              <a:t>ứng</a:t>
+            </a:r>
+            <a:r>
+              <a:rPr lang="en-US" baseline="0" dirty="0" smtClean="0"/>
+              <a:t> </a:t>
+            </a:r>
+            <a:r>
+              <a:rPr lang="en-US" baseline="0" dirty="0" err="1" smtClean="0"/>
+              <a:t>dụng</a:t>
+            </a:r>
+            <a:r>
+              <a:rPr lang="en-US" baseline="0" dirty="0" smtClean="0"/>
+              <a:t> </a:t>
+            </a:r>
+            <a:r>
+              <a:rPr lang="en-US" baseline="0" dirty="0" err="1" smtClean="0"/>
+              <a:t>của</a:t>
+            </a:r>
+            <a:r>
+              <a:rPr lang="en-US" baseline="0" dirty="0" smtClean="0"/>
+              <a:t> </a:t>
+            </a:r>
+            <a:r>
+              <a:rPr lang="en-US" baseline="0" dirty="0" err="1" smtClean="0"/>
+              <a:t>chức</a:t>
+            </a:r>
+            <a:r>
+              <a:rPr lang="en-US" baseline="0" dirty="0" smtClean="0"/>
+              <a:t> </a:t>
+            </a:r>
+            <a:r>
+              <a:rPr lang="en-US" baseline="0" dirty="0" err="1" smtClean="0"/>
+              <a:t>năng</a:t>
+            </a:r>
+            <a:r>
+              <a:rPr lang="en-US" baseline="0" dirty="0" smtClean="0"/>
+              <a:t> </a:t>
+            </a:r>
+            <a:r>
+              <a:rPr lang="en-US" baseline="0" dirty="0" err="1" smtClean="0"/>
+              <a:t>này</a:t>
+            </a:r>
+            <a:endParaRPr lang="en-US" baseline="0" dirty="0" smtClean="0"/>
+          </a:p>
+          <a:p>
+            <a:r>
+              <a:rPr lang="en-US" baseline="0" dirty="0" err="1" smtClean="0"/>
+              <a:t>Đầu</a:t>
+            </a:r>
+            <a:r>
+              <a:rPr lang="en-US" baseline="0" dirty="0" smtClean="0"/>
+              <a:t> </a:t>
+            </a:r>
+            <a:r>
+              <a:rPr lang="en-US" baseline="0" dirty="0" err="1" smtClean="0"/>
+              <a:t>tiên</a:t>
+            </a:r>
+            <a:r>
+              <a:rPr lang="en-US" baseline="0" dirty="0" smtClean="0"/>
+              <a:t> </a:t>
+            </a:r>
+            <a:r>
+              <a:rPr lang="en-US" baseline="0" dirty="0" err="1" smtClean="0"/>
+              <a:t>khi</a:t>
+            </a:r>
+            <a:r>
+              <a:rPr lang="en-US" baseline="0" dirty="0" smtClean="0"/>
+              <a:t> </a:t>
+            </a:r>
+            <a:r>
+              <a:rPr lang="en-US" baseline="0" dirty="0" err="1" smtClean="0"/>
+              <a:t>người</a:t>
+            </a:r>
+            <a:r>
+              <a:rPr lang="en-US" baseline="0" dirty="0" smtClean="0"/>
+              <a:t> dung select </a:t>
+            </a:r>
+            <a:r>
+              <a:rPr lang="en-US" baseline="0" dirty="0" err="1" smtClean="0"/>
+              <a:t>nút</a:t>
+            </a:r>
+            <a:r>
+              <a:rPr lang="en-US" baseline="0" dirty="0" smtClean="0"/>
+              <a:t> download.</a:t>
+            </a:r>
             <a:endParaRPr lang="en-US" dirty="0"/>
           </a:p>
         </p:txBody>
@@ -773,6 +1546,54 @@
           <a:bodyPr/>
           <a:lstStyle/>
           <a:p>
+            <a:r>
+              <a:rPr lang="en-US" baseline="0" dirty="0" err="1" smtClean="0"/>
+              <a:t>Ưng</a:t>
+            </a:r>
+            <a:r>
+              <a:rPr lang="en-US" baseline="0" dirty="0" smtClean="0"/>
+              <a:t> </a:t>
+            </a:r>
+            <a:r>
+              <a:rPr lang="en-US" baseline="0" dirty="0" err="1" smtClean="0"/>
+              <a:t>dụng</a:t>
+            </a:r>
+            <a:r>
+              <a:rPr lang="en-US" baseline="0" dirty="0" smtClean="0"/>
+              <a:t> </a:t>
+            </a:r>
+            <a:r>
+              <a:rPr lang="en-US" baseline="0" dirty="0" err="1" smtClean="0"/>
+              <a:t>sẽ</a:t>
+            </a:r>
+            <a:r>
+              <a:rPr lang="en-US" baseline="0" dirty="0" smtClean="0"/>
+              <a:t> </a:t>
+            </a:r>
+            <a:r>
+              <a:rPr lang="en-US" baseline="0" dirty="0" err="1" smtClean="0"/>
+              <a:t>tạo</a:t>
+            </a:r>
+            <a:r>
+              <a:rPr lang="en-US" baseline="0" dirty="0" smtClean="0"/>
+              <a:t> </a:t>
+            </a:r>
+            <a:r>
+              <a:rPr lang="en-US" baseline="0" dirty="0" err="1" smtClean="0"/>
+              <a:t>ra</a:t>
+            </a:r>
+            <a:r>
+              <a:rPr lang="en-US" baseline="0" dirty="0" smtClean="0"/>
+              <a:t> 1 list </a:t>
+            </a:r>
+            <a:r>
+              <a:rPr lang="en-US" baseline="0" dirty="0" err="1" smtClean="0"/>
+              <a:t>chuỗi</a:t>
+            </a:r>
+            <a:r>
+              <a:rPr lang="en-US" baseline="0" dirty="0" smtClean="0"/>
+              <a:t> stings</a:t>
+            </a:r>
             <a:endParaRPr lang="en-US" dirty="0"/>
           </a:p>
         </p:txBody>
@@ -792,9 +1613,9 @@
           <a:bodyPr/>
           <a:lstStyle/>
           <a:p>
-            <a:fld id="{2599C3E7-3278-1243-886F-92FF82204DB1}" type="slidenum">
+            <a:fld id="{21B4A46F-5531-C743-A588-5C76C648827C}" type="slidenum">
               <a:rPr lang="en-US" smtClean="0"/>
-              <a:t>13</a:t>
+              <a:t>4</a:t>
             </a:fld>
             <a:endParaRPr lang="en-US"/>
           </a:p>
@@ -803,7 +1624,831 @@
     </p:spTree>
     <p:extLst>
       <p:ext uri="{BB962C8B-B14F-4D97-AF65-F5344CB8AC3E}">
-        <p14:creationId xmlns:p14="http://schemas.microsoft.com/office/powerpoint/2010/main" val="681500476"/>
+        <p14:creationId xmlns:p14="http://schemas.microsoft.com/office/powerpoint/2010/main" val="184068572"/>
+      </p:ext>
+    </p:extLst>
+  </p:cSld>
+  <p:clrMapOvr>
+    <a:masterClrMapping/>
+  </p:clrMapOvr>
+</p:notes>
+</file>
+
+<file path=ppt/notesSlides/notesSlide5.xml><?xml version="1.0" encoding="utf-8"?>
+<p:notes xmlns:a="http://schemas.openxmlformats.org/drawingml/2006/main" xmlns:r="http://schemas.openxmlformats.org/officeDocument/2006/relationships" xmlns:p="http://schemas.openxmlformats.org/presentationml/2006/main">
+  <p:cSld>
+    <p:spTree>
+      <p:nvGrpSpPr>
+        <p:cNvPr id="1" name=""/>
+        <p:cNvGrpSpPr/>
+        <p:nvPr/>
+      </p:nvGrpSpPr>
+      <p:grpSpPr>
+        <a:xfrm>
+          <a:off x="0" y="0"/>
+          <a:ext cx="0" cy="0"/>
+          <a:chOff x="0" y="0"/>
+          <a:chExt cx="0" cy="0"/>
+        </a:xfrm>
+      </p:grpSpPr>
+      <p:sp>
+        <p:nvSpPr>
+          <p:cNvPr id="2" name="Slide Image Placeholder 1"/>
+          <p:cNvSpPr>
+            <a:spLocks noGrp="1" noRot="1" noChangeAspect="1"/>
+          </p:cNvSpPr>
+          <p:nvPr>
+            <p:ph type="sldImg"/>
+          </p:nvPr>
+        </p:nvSpPr>
+        <p:spPr/>
+      </p:sp>
+      <p:sp>
+        <p:nvSpPr>
+          <p:cNvPr id="3" name="Notes Placeholder 2"/>
+          <p:cNvSpPr>
+            <a:spLocks noGrp="1"/>
+          </p:cNvSpPr>
+          <p:nvPr>
+            <p:ph type="body" idx="1"/>
+          </p:nvPr>
+        </p:nvSpPr>
+        <p:spPr/>
+        <p:txBody>
+          <a:bodyPr/>
+          <a:lstStyle/>
+          <a:p>
+            <a:r>
+              <a:rPr lang="en-US" dirty="0" err="1" smtClean="0"/>
+              <a:t>Và</a:t>
+            </a:r>
+            <a:r>
+              <a:rPr lang="en-US" baseline="0" dirty="0" smtClean="0"/>
+              <a:t> 1 </a:t>
+            </a:r>
+            <a:r>
+              <a:rPr lang="en-US" baseline="0" dirty="0" err="1" smtClean="0"/>
+              <a:t>phần</a:t>
+            </a:r>
+            <a:r>
+              <a:rPr lang="en-US" baseline="0" dirty="0" smtClean="0"/>
+              <a:t> </a:t>
+            </a:r>
+            <a:r>
+              <a:rPr lang="en-US" baseline="0" dirty="0" err="1" smtClean="0"/>
+              <a:t>tử</a:t>
+            </a:r>
+            <a:r>
+              <a:rPr lang="en-US" baseline="0" dirty="0" smtClean="0"/>
+              <a:t> string </a:t>
+            </a:r>
+            <a:r>
+              <a:rPr lang="en-US" baseline="0" dirty="0" err="1" smtClean="0"/>
+              <a:t>được</a:t>
+            </a:r>
+            <a:r>
+              <a:rPr lang="en-US" baseline="0" dirty="0" smtClean="0"/>
+              <a:t> </a:t>
+            </a:r>
+            <a:r>
+              <a:rPr lang="en-US" baseline="0" dirty="0" err="1" smtClean="0"/>
+              <a:t>lấy</a:t>
+            </a:r>
+            <a:r>
+              <a:rPr lang="en-US" baseline="0" dirty="0" smtClean="0"/>
+              <a:t> </a:t>
+            </a:r>
+            <a:r>
+              <a:rPr lang="en-US" baseline="0" dirty="0" err="1" smtClean="0"/>
+              <a:t>ra</a:t>
+            </a:r>
+            <a:r>
+              <a:rPr lang="en-US" baseline="0" dirty="0" smtClean="0"/>
+              <a:t> </a:t>
+            </a:r>
+            <a:r>
+              <a:rPr lang="en-US" baseline="0" dirty="0" err="1" smtClean="0"/>
+              <a:t>từ</a:t>
+            </a:r>
+            <a:r>
+              <a:rPr lang="en-US" baseline="0" dirty="0" smtClean="0"/>
+              <a:t> </a:t>
+            </a:r>
+            <a:r>
+              <a:rPr lang="en-US" baseline="0" dirty="0" err="1" smtClean="0"/>
+              <a:t>phần</a:t>
+            </a:r>
+            <a:r>
+              <a:rPr lang="en-US" baseline="0" dirty="0" smtClean="0"/>
+              <a:t> </a:t>
+            </a:r>
+            <a:r>
+              <a:rPr lang="en-US" baseline="0" dirty="0" err="1" smtClean="0"/>
+              <a:t>tử</a:t>
+            </a:r>
+            <a:r>
+              <a:rPr lang="en-US" baseline="0" dirty="0" smtClean="0"/>
+              <a:t> </a:t>
+            </a:r>
+            <a:r>
+              <a:rPr lang="en-US" baseline="0" dirty="0" err="1" smtClean="0"/>
+              <a:t>smallmessage</a:t>
+            </a:r>
+            <a:r>
+              <a:rPr lang="en-US" baseline="0" dirty="0" smtClean="0"/>
+              <a:t> </a:t>
+            </a:r>
+            <a:r>
+              <a:rPr lang="en-US" baseline="0" dirty="0" err="1" smtClean="0"/>
+              <a:t>trong</a:t>
+            </a:r>
+            <a:r>
+              <a:rPr lang="en-US" baseline="0" dirty="0" smtClean="0"/>
+              <a:t> class notify</a:t>
+            </a:r>
+            <a:endParaRPr lang="en-US" dirty="0"/>
+          </a:p>
+        </p:txBody>
+      </p:sp>
+      <p:sp>
+        <p:nvSpPr>
+          <p:cNvPr id="4" name="Slide Number Placeholder 3"/>
+          <p:cNvSpPr>
+            <a:spLocks noGrp="1"/>
+          </p:cNvSpPr>
+          <p:nvPr>
+            <p:ph type="sldNum" sz="quarter" idx="10"/>
+          </p:nvPr>
+        </p:nvSpPr>
+        <p:spPr/>
+        <p:txBody>
+          <a:bodyPr/>
+          <a:lstStyle/>
+          <a:p>
+            <a:fld id="{21B4A46F-5531-C743-A588-5C76C648827C}" type="slidenum">
+              <a:rPr lang="en-US" smtClean="0"/>
+              <a:t>5</a:t>
+            </a:fld>
+            <a:endParaRPr lang="en-US"/>
+          </a:p>
+        </p:txBody>
+      </p:sp>
+    </p:spTree>
+    <p:extLst>
+      <p:ext uri="{BB962C8B-B14F-4D97-AF65-F5344CB8AC3E}">
+        <p14:creationId xmlns:p14="http://schemas.microsoft.com/office/powerpoint/2010/main" val="2644887457"/>
+      </p:ext>
+    </p:extLst>
+  </p:cSld>
+  <p:clrMapOvr>
+    <a:masterClrMapping/>
+  </p:clrMapOvr>
+</p:notes>
+</file>
+
+<file path=ppt/notesSlides/notesSlide6.xml><?xml version="1.0" encoding="utf-8"?>
+<p:notes xmlns:a="http://schemas.openxmlformats.org/drawingml/2006/main" xmlns:r="http://schemas.openxmlformats.org/officeDocument/2006/relationships" xmlns:p="http://schemas.openxmlformats.org/presentationml/2006/main">
+  <p:cSld>
+    <p:spTree>
+      <p:nvGrpSpPr>
+        <p:cNvPr id="1" name=""/>
+        <p:cNvGrpSpPr/>
+        <p:nvPr/>
+      </p:nvGrpSpPr>
+      <p:grpSpPr>
+        <a:xfrm>
+          <a:off x="0" y="0"/>
+          <a:ext cx="0" cy="0"/>
+          <a:chOff x="0" y="0"/>
+          <a:chExt cx="0" cy="0"/>
+        </a:xfrm>
+      </p:grpSpPr>
+      <p:sp>
+        <p:nvSpPr>
+          <p:cNvPr id="2" name="Slide Image Placeholder 1"/>
+          <p:cNvSpPr>
+            <a:spLocks noGrp="1" noRot="1" noChangeAspect="1"/>
+          </p:cNvSpPr>
+          <p:nvPr>
+            <p:ph type="sldImg"/>
+          </p:nvPr>
+        </p:nvSpPr>
+        <p:spPr/>
+      </p:sp>
+      <p:sp>
+        <p:nvSpPr>
+          <p:cNvPr id="3" name="Notes Placeholder 2"/>
+          <p:cNvSpPr>
+            <a:spLocks noGrp="1"/>
+          </p:cNvSpPr>
+          <p:nvPr>
+            <p:ph type="body" idx="1"/>
+          </p:nvPr>
+        </p:nvSpPr>
+        <p:spPr/>
+        <p:txBody>
+          <a:bodyPr/>
+          <a:lstStyle/>
+          <a:p>
+            <a:r>
+              <a:rPr lang="en-US" dirty="0" err="1" smtClean="0"/>
+              <a:t>Từ</a:t>
+            </a:r>
+            <a:r>
+              <a:rPr lang="en-US" dirty="0" smtClean="0"/>
+              <a:t> </a:t>
+            </a:r>
+            <a:r>
+              <a:rPr lang="en-US" dirty="0" err="1" smtClean="0"/>
+              <a:t>đó</a:t>
+            </a:r>
+            <a:r>
+              <a:rPr lang="en-US" baseline="0" dirty="0" smtClean="0"/>
+              <a:t> 1 list notify </a:t>
+            </a:r>
+            <a:r>
+              <a:rPr lang="en-US" baseline="0" dirty="0" err="1" smtClean="0"/>
+              <a:t>sẽ</a:t>
+            </a:r>
+            <a:r>
+              <a:rPr lang="en-US" baseline="0" dirty="0" smtClean="0"/>
+              <a:t> </a:t>
+            </a:r>
+            <a:r>
+              <a:rPr lang="en-US" baseline="0" dirty="0" err="1" smtClean="0"/>
+              <a:t>đc</a:t>
+            </a:r>
+            <a:r>
+              <a:rPr lang="en-US" baseline="0" dirty="0" smtClean="0"/>
+              <a:t> 1 list strings</a:t>
+            </a:r>
+            <a:endParaRPr lang="en-US" dirty="0"/>
+          </a:p>
+        </p:txBody>
+      </p:sp>
+      <p:sp>
+        <p:nvSpPr>
+          <p:cNvPr id="4" name="Slide Number Placeholder 3"/>
+          <p:cNvSpPr>
+            <a:spLocks noGrp="1"/>
+          </p:cNvSpPr>
+          <p:nvPr>
+            <p:ph type="sldNum" sz="quarter" idx="10"/>
+          </p:nvPr>
+        </p:nvSpPr>
+        <p:spPr/>
+        <p:txBody>
+          <a:bodyPr/>
+          <a:lstStyle/>
+          <a:p>
+            <a:fld id="{21B4A46F-5531-C743-A588-5C76C648827C}" type="slidenum">
+              <a:rPr lang="en-US" smtClean="0"/>
+              <a:t>6</a:t>
+            </a:fld>
+            <a:endParaRPr lang="en-US"/>
+          </a:p>
+        </p:txBody>
+      </p:sp>
+    </p:spTree>
+    <p:extLst>
+      <p:ext uri="{BB962C8B-B14F-4D97-AF65-F5344CB8AC3E}">
+        <p14:creationId xmlns:p14="http://schemas.microsoft.com/office/powerpoint/2010/main" val="913322052"/>
+      </p:ext>
+    </p:extLst>
+  </p:cSld>
+  <p:clrMapOvr>
+    <a:masterClrMapping/>
+  </p:clrMapOvr>
+</p:notes>
+</file>
+
+<file path=ppt/notesSlides/notesSlide7.xml><?xml version="1.0" encoding="utf-8"?>
+<p:notes xmlns:a="http://schemas.openxmlformats.org/drawingml/2006/main" xmlns:r="http://schemas.openxmlformats.org/officeDocument/2006/relationships" xmlns:p="http://schemas.openxmlformats.org/presentationml/2006/main">
+  <p:cSld>
+    <p:spTree>
+      <p:nvGrpSpPr>
+        <p:cNvPr id="1" name=""/>
+        <p:cNvGrpSpPr/>
+        <p:nvPr/>
+      </p:nvGrpSpPr>
+      <p:grpSpPr>
+        <a:xfrm>
+          <a:off x="0" y="0"/>
+          <a:ext cx="0" cy="0"/>
+          <a:chOff x="0" y="0"/>
+          <a:chExt cx="0" cy="0"/>
+        </a:xfrm>
+      </p:grpSpPr>
+      <p:sp>
+        <p:nvSpPr>
+          <p:cNvPr id="2" name="Slide Image Placeholder 1"/>
+          <p:cNvSpPr>
+            <a:spLocks noGrp="1" noRot="1" noChangeAspect="1"/>
+          </p:cNvSpPr>
+          <p:nvPr>
+            <p:ph type="sldImg"/>
+          </p:nvPr>
+        </p:nvSpPr>
+        <p:spPr/>
+      </p:sp>
+      <p:sp>
+        <p:nvSpPr>
+          <p:cNvPr id="3" name="Notes Placeholder 2"/>
+          <p:cNvSpPr>
+            <a:spLocks noGrp="1"/>
+          </p:cNvSpPr>
+          <p:nvPr>
+            <p:ph type="body" idx="1"/>
+          </p:nvPr>
+        </p:nvSpPr>
+        <p:spPr/>
+        <p:txBody>
+          <a:bodyPr/>
+          <a:lstStyle/>
+          <a:p>
+            <a:r>
+              <a:rPr lang="en-US" dirty="0" smtClean="0"/>
+              <a:t>Sau </a:t>
+            </a:r>
+            <a:r>
+              <a:rPr lang="en-US" dirty="0" err="1" smtClean="0"/>
+              <a:t>đó</a:t>
+            </a:r>
+            <a:r>
+              <a:rPr lang="en-US" baseline="0" dirty="0" smtClean="0"/>
+              <a:t> </a:t>
+            </a:r>
+            <a:r>
+              <a:rPr lang="en-US" baseline="0" dirty="0" err="1" smtClean="0"/>
+              <a:t>ứng</a:t>
+            </a:r>
+            <a:r>
+              <a:rPr lang="en-US" baseline="0" dirty="0" smtClean="0"/>
+              <a:t> </a:t>
+            </a:r>
+            <a:r>
+              <a:rPr lang="en-US" baseline="0" dirty="0" err="1" smtClean="0"/>
+              <a:t>dụng</a:t>
+            </a:r>
+            <a:r>
+              <a:rPr lang="en-US" baseline="0" dirty="0" smtClean="0"/>
+              <a:t> </a:t>
+            </a:r>
+            <a:r>
+              <a:rPr lang="en-US" baseline="0" dirty="0" err="1" smtClean="0"/>
+              <a:t>lần</a:t>
+            </a:r>
+            <a:r>
+              <a:rPr lang="en-US" baseline="0" dirty="0" smtClean="0"/>
+              <a:t> </a:t>
+            </a:r>
+            <a:r>
+              <a:rPr lang="en-US" baseline="0" dirty="0" err="1" smtClean="0"/>
+              <a:t>lượt</a:t>
+            </a:r>
+            <a:r>
+              <a:rPr lang="en-US" baseline="0" dirty="0" smtClean="0"/>
+              <a:t> </a:t>
+            </a:r>
+            <a:r>
+              <a:rPr lang="en-US" baseline="0" dirty="0" err="1" smtClean="0"/>
+              <a:t>gửi</a:t>
+            </a:r>
+            <a:r>
+              <a:rPr lang="en-US" baseline="0" dirty="0" smtClean="0"/>
+              <a:t> </a:t>
+            </a:r>
+            <a:r>
+              <a:rPr lang="en-US" baseline="0" dirty="0" err="1" smtClean="0"/>
+              <a:t>các</a:t>
+            </a:r>
+            <a:r>
+              <a:rPr lang="en-US" baseline="0" dirty="0" smtClean="0"/>
+              <a:t> </a:t>
+            </a:r>
+            <a:r>
+              <a:rPr lang="en-US" baseline="0" dirty="0" err="1" smtClean="0"/>
+              <a:t>chuỗi</a:t>
+            </a:r>
+            <a:r>
+              <a:rPr lang="en-US" baseline="0" dirty="0" smtClean="0"/>
+              <a:t> string </a:t>
+            </a:r>
+            <a:r>
+              <a:rPr lang="en-US" baseline="0" dirty="0" err="1" smtClean="0"/>
+              <a:t>đó</a:t>
+            </a:r>
+            <a:r>
+              <a:rPr lang="en-US" baseline="0" dirty="0" smtClean="0"/>
+              <a:t> </a:t>
+            </a:r>
+            <a:r>
+              <a:rPr lang="en-US" baseline="0" dirty="0" err="1" smtClean="0"/>
+              <a:t>lên</a:t>
+            </a:r>
+            <a:r>
+              <a:rPr lang="en-US" baseline="0" dirty="0" smtClean="0"/>
+              <a:t> FPT service </a:t>
+            </a:r>
+            <a:r>
+              <a:rPr lang="en-US" baseline="0" dirty="0" err="1" smtClean="0"/>
+              <a:t>theo</a:t>
+            </a:r>
+            <a:r>
+              <a:rPr lang="en-US" baseline="0" dirty="0" smtClean="0"/>
+              <a:t> </a:t>
+            </a:r>
+            <a:r>
+              <a:rPr lang="en-US" baseline="0" dirty="0" err="1" smtClean="0"/>
+              <a:t>đúng</a:t>
+            </a:r>
+            <a:r>
+              <a:rPr lang="en-US" baseline="0" dirty="0" smtClean="0"/>
+              <a:t> </a:t>
+            </a:r>
+            <a:r>
+              <a:rPr lang="en-US" baseline="0" dirty="0" err="1" smtClean="0"/>
+              <a:t>cấu</a:t>
+            </a:r>
+            <a:r>
+              <a:rPr lang="en-US" baseline="0" dirty="0" smtClean="0"/>
+              <a:t> </a:t>
+            </a:r>
+            <a:r>
+              <a:rPr lang="en-US" baseline="0" dirty="0" err="1" smtClean="0"/>
+              <a:t>trúc</a:t>
+            </a:r>
+            <a:r>
+              <a:rPr lang="en-US" baseline="0" dirty="0" smtClean="0"/>
+              <a:t> </a:t>
+            </a:r>
+            <a:r>
+              <a:rPr lang="en-US" baseline="0" dirty="0" err="1" smtClean="0"/>
+              <a:t>đường</a:t>
+            </a:r>
+            <a:r>
+              <a:rPr lang="en-US" baseline="0" dirty="0" smtClean="0"/>
+              <a:t> link ở </a:t>
+            </a:r>
+            <a:r>
+              <a:rPr lang="en-US" baseline="0" dirty="0" err="1" smtClean="0"/>
+              <a:t>dưới</a:t>
+            </a:r>
+            <a:r>
+              <a:rPr lang="en-US" baseline="0" dirty="0" smtClean="0"/>
+              <a:t>.</a:t>
+            </a:r>
+            <a:endParaRPr lang="en-US" dirty="0"/>
+          </a:p>
+        </p:txBody>
+      </p:sp>
+      <p:sp>
+        <p:nvSpPr>
+          <p:cNvPr id="4" name="Slide Number Placeholder 3"/>
+          <p:cNvSpPr>
+            <a:spLocks noGrp="1"/>
+          </p:cNvSpPr>
+          <p:nvPr>
+            <p:ph type="sldNum" sz="quarter" idx="10"/>
+          </p:nvPr>
+        </p:nvSpPr>
+        <p:spPr/>
+        <p:txBody>
+          <a:bodyPr/>
+          <a:lstStyle/>
+          <a:p>
+            <a:fld id="{21B4A46F-5531-C743-A588-5C76C648827C}" type="slidenum">
+              <a:rPr lang="en-US" smtClean="0"/>
+              <a:t>7</a:t>
+            </a:fld>
+            <a:endParaRPr lang="en-US"/>
+          </a:p>
+        </p:txBody>
+      </p:sp>
+    </p:spTree>
+    <p:extLst>
+      <p:ext uri="{BB962C8B-B14F-4D97-AF65-F5344CB8AC3E}">
+        <p14:creationId xmlns:p14="http://schemas.microsoft.com/office/powerpoint/2010/main" val="416324929"/>
+      </p:ext>
+    </p:extLst>
+  </p:cSld>
+  <p:clrMapOvr>
+    <a:masterClrMapping/>
+  </p:clrMapOvr>
+</p:notes>
+</file>
+
+<file path=ppt/notesSlides/notesSlide8.xml><?xml version="1.0" encoding="utf-8"?>
+<p:notes xmlns:a="http://schemas.openxmlformats.org/drawingml/2006/main" xmlns:r="http://schemas.openxmlformats.org/officeDocument/2006/relationships" xmlns:p="http://schemas.openxmlformats.org/presentationml/2006/main">
+  <p:cSld>
+    <p:spTree>
+      <p:nvGrpSpPr>
+        <p:cNvPr id="1" name=""/>
+        <p:cNvGrpSpPr/>
+        <p:nvPr/>
+      </p:nvGrpSpPr>
+      <p:grpSpPr>
+        <a:xfrm>
+          <a:off x="0" y="0"/>
+          <a:ext cx="0" cy="0"/>
+          <a:chOff x="0" y="0"/>
+          <a:chExt cx="0" cy="0"/>
+        </a:xfrm>
+      </p:grpSpPr>
+      <p:sp>
+        <p:nvSpPr>
+          <p:cNvPr id="2" name="Slide Image Placeholder 1"/>
+          <p:cNvSpPr>
+            <a:spLocks noGrp="1" noRot="1" noChangeAspect="1"/>
+          </p:cNvSpPr>
+          <p:nvPr>
+            <p:ph type="sldImg"/>
+          </p:nvPr>
+        </p:nvSpPr>
+        <p:spPr/>
+      </p:sp>
+      <p:sp>
+        <p:nvSpPr>
+          <p:cNvPr id="3" name="Notes Placeholder 2"/>
+          <p:cNvSpPr>
+            <a:spLocks noGrp="1"/>
+          </p:cNvSpPr>
+          <p:nvPr>
+            <p:ph type="body" idx="1"/>
+          </p:nvPr>
+        </p:nvSpPr>
+        <p:spPr/>
+        <p:txBody>
+          <a:bodyPr/>
+          <a:lstStyle/>
+          <a:p>
+            <a:r>
+              <a:rPr lang="en-US" dirty="0" err="1" smtClean="0"/>
+              <a:t>Từ</a:t>
+            </a:r>
+            <a:r>
+              <a:rPr lang="en-US" baseline="0" dirty="0" smtClean="0"/>
+              <a:t> </a:t>
+            </a:r>
+            <a:r>
+              <a:rPr lang="en-US" baseline="0" dirty="0" err="1" smtClean="0"/>
+              <a:t>đó</a:t>
+            </a:r>
+            <a:r>
+              <a:rPr lang="en-US" baseline="0" dirty="0" smtClean="0"/>
+              <a:t> FPT service </a:t>
+            </a:r>
+            <a:r>
+              <a:rPr lang="en-US" baseline="0" dirty="0" err="1" smtClean="0"/>
+              <a:t>sẽ</a:t>
+            </a:r>
+            <a:r>
+              <a:rPr lang="en-US" baseline="0" dirty="0" smtClean="0"/>
+              <a:t> </a:t>
+            </a:r>
+            <a:r>
+              <a:rPr lang="en-US" baseline="0" dirty="0" err="1" smtClean="0"/>
+              <a:t>trả</a:t>
+            </a:r>
+            <a:r>
+              <a:rPr lang="en-US" baseline="0" dirty="0" smtClean="0"/>
+              <a:t> </a:t>
+            </a:r>
+            <a:r>
+              <a:rPr lang="en-US" baseline="0" dirty="0" err="1" smtClean="0"/>
+              <a:t>về</a:t>
+            </a:r>
+            <a:r>
+              <a:rPr lang="en-US" baseline="0" dirty="0" smtClean="0"/>
+              <a:t> list </a:t>
+            </a:r>
+            <a:r>
+              <a:rPr lang="en-US" baseline="0" dirty="0" err="1" smtClean="0"/>
+              <a:t>các</a:t>
+            </a:r>
+            <a:r>
+              <a:rPr lang="en-US" baseline="0" dirty="0" smtClean="0"/>
+              <a:t> file audio</a:t>
+            </a:r>
+            <a:endParaRPr lang="en-US" dirty="0"/>
+          </a:p>
+        </p:txBody>
+      </p:sp>
+      <p:sp>
+        <p:nvSpPr>
+          <p:cNvPr id="4" name="Slide Number Placeholder 3"/>
+          <p:cNvSpPr>
+            <a:spLocks noGrp="1"/>
+          </p:cNvSpPr>
+          <p:nvPr>
+            <p:ph type="sldNum" sz="quarter" idx="10"/>
+          </p:nvPr>
+        </p:nvSpPr>
+        <p:spPr/>
+        <p:txBody>
+          <a:bodyPr/>
+          <a:lstStyle/>
+          <a:p>
+            <a:fld id="{21B4A46F-5531-C743-A588-5C76C648827C}" type="slidenum">
+              <a:rPr lang="en-US" smtClean="0"/>
+              <a:t>8</a:t>
+            </a:fld>
+            <a:endParaRPr lang="en-US"/>
+          </a:p>
+        </p:txBody>
+      </p:sp>
+    </p:spTree>
+    <p:extLst>
+      <p:ext uri="{BB962C8B-B14F-4D97-AF65-F5344CB8AC3E}">
+        <p14:creationId xmlns:p14="http://schemas.microsoft.com/office/powerpoint/2010/main" val="2492957189"/>
+      </p:ext>
+    </p:extLst>
+  </p:cSld>
+  <p:clrMapOvr>
+    <a:masterClrMapping/>
+  </p:clrMapOvr>
+</p:notes>
+</file>
+
+<file path=ppt/notesSlides/notesSlide9.xml><?xml version="1.0" encoding="utf-8"?>
+<p:notes xmlns:a="http://schemas.openxmlformats.org/drawingml/2006/main" xmlns:r="http://schemas.openxmlformats.org/officeDocument/2006/relationships" xmlns:p="http://schemas.openxmlformats.org/presentationml/2006/main">
+  <p:cSld>
+    <p:spTree>
+      <p:nvGrpSpPr>
+        <p:cNvPr id="1" name=""/>
+        <p:cNvGrpSpPr/>
+        <p:nvPr/>
+      </p:nvGrpSpPr>
+      <p:grpSpPr>
+        <a:xfrm>
+          <a:off x="0" y="0"/>
+          <a:ext cx="0" cy="0"/>
+          <a:chOff x="0" y="0"/>
+          <a:chExt cx="0" cy="0"/>
+        </a:xfrm>
+      </p:grpSpPr>
+      <p:sp>
+        <p:nvSpPr>
+          <p:cNvPr id="2" name="Slide Image Placeholder 1"/>
+          <p:cNvSpPr>
+            <a:spLocks noGrp="1" noRot="1" noChangeAspect="1"/>
+          </p:cNvSpPr>
+          <p:nvPr>
+            <p:ph type="sldImg"/>
+          </p:nvPr>
+        </p:nvSpPr>
+        <p:spPr/>
+      </p:sp>
+      <p:sp>
+        <p:nvSpPr>
+          <p:cNvPr id="3" name="Notes Placeholder 2"/>
+          <p:cNvSpPr>
+            <a:spLocks noGrp="1"/>
+          </p:cNvSpPr>
+          <p:nvPr>
+            <p:ph type="body" idx="1"/>
+          </p:nvPr>
+        </p:nvSpPr>
+        <p:spPr/>
+        <p:txBody>
+          <a:bodyPr/>
+          <a:lstStyle/>
+          <a:p>
+            <a:r>
+              <a:rPr lang="en-US" dirty="0" err="1" smtClean="0"/>
+              <a:t>Và</a:t>
+            </a:r>
+            <a:r>
+              <a:rPr lang="en-US" baseline="0" dirty="0" smtClean="0"/>
+              <a:t> </a:t>
+            </a:r>
+            <a:r>
+              <a:rPr lang="en-US" baseline="0" dirty="0" err="1" smtClean="0"/>
+              <a:t>Ứng</a:t>
+            </a:r>
+            <a:r>
+              <a:rPr lang="en-US" baseline="0" dirty="0" smtClean="0"/>
+              <a:t> </a:t>
+            </a:r>
+            <a:r>
+              <a:rPr lang="en-US" baseline="0" dirty="0" err="1" smtClean="0"/>
+              <a:t>dụng</a:t>
+            </a:r>
+            <a:r>
+              <a:rPr lang="en-US" baseline="0" dirty="0" smtClean="0"/>
+              <a:t> </a:t>
+            </a:r>
+            <a:r>
+              <a:rPr lang="en-US" baseline="0" dirty="0" err="1" smtClean="0"/>
+              <a:t>sẽ</a:t>
+            </a:r>
+            <a:r>
+              <a:rPr lang="en-US" baseline="0" dirty="0" smtClean="0"/>
+              <a:t> </a:t>
+            </a:r>
+            <a:r>
+              <a:rPr lang="en-US" baseline="0" dirty="0" err="1" smtClean="0"/>
+              <a:t>chuyển</a:t>
+            </a:r>
+            <a:r>
+              <a:rPr lang="en-US" baseline="0" dirty="0" smtClean="0"/>
+              <a:t> </a:t>
+            </a:r>
+            <a:r>
+              <a:rPr lang="en-US" baseline="0" dirty="0" err="1" smtClean="0"/>
+              <a:t>cái</a:t>
+            </a:r>
+            <a:r>
+              <a:rPr lang="en-US" baseline="0" dirty="0" smtClean="0"/>
+              <a:t> file audio </a:t>
+            </a:r>
+            <a:r>
+              <a:rPr lang="en-US" baseline="0" dirty="0" err="1" smtClean="0"/>
+              <a:t>đó</a:t>
+            </a:r>
+            <a:r>
+              <a:rPr lang="en-US" baseline="0" dirty="0" smtClean="0"/>
+              <a:t> </a:t>
+            </a:r>
+            <a:r>
+              <a:rPr lang="en-US" baseline="0" dirty="0" err="1" smtClean="0"/>
+              <a:t>thành</a:t>
+            </a:r>
+            <a:r>
+              <a:rPr lang="en-US" baseline="0" dirty="0" smtClean="0"/>
+              <a:t> </a:t>
+            </a:r>
+            <a:r>
+              <a:rPr lang="en-US" baseline="0" dirty="0" err="1" smtClean="0"/>
+              <a:t>mảng</a:t>
+            </a:r>
+            <a:r>
+              <a:rPr lang="en-US" baseline="0" dirty="0" smtClean="0"/>
+              <a:t> byte </a:t>
+            </a:r>
+            <a:r>
+              <a:rPr lang="en-US" baseline="0" dirty="0" err="1" smtClean="0"/>
+              <a:t>và</a:t>
+            </a:r>
+            <a:r>
+              <a:rPr lang="en-US" baseline="0" dirty="0" smtClean="0"/>
+              <a:t> </a:t>
+            </a:r>
+            <a:r>
+              <a:rPr lang="en-US" baseline="0" dirty="0" err="1" smtClean="0"/>
+              <a:t>lưu</a:t>
+            </a:r>
+            <a:r>
+              <a:rPr lang="en-US" baseline="0" dirty="0" smtClean="0"/>
+              <a:t> </a:t>
+            </a:r>
+            <a:r>
+              <a:rPr lang="en-US" baseline="0" dirty="0" err="1" smtClean="0"/>
+              <a:t>vào</a:t>
+            </a:r>
+            <a:r>
+              <a:rPr lang="en-US" baseline="0" dirty="0" smtClean="0"/>
+              <a:t> </a:t>
+            </a:r>
+            <a:r>
+              <a:rPr lang="en-US" baseline="0" dirty="0" err="1" smtClean="0"/>
+              <a:t>trong</a:t>
+            </a:r>
+            <a:r>
+              <a:rPr lang="en-US" baseline="0" dirty="0" smtClean="0"/>
+              <a:t> cache</a:t>
+            </a:r>
+            <a:endParaRPr lang="en-US" dirty="0"/>
+          </a:p>
+        </p:txBody>
+      </p:sp>
+      <p:sp>
+        <p:nvSpPr>
+          <p:cNvPr id="4" name="Slide Number Placeholder 3"/>
+          <p:cNvSpPr>
+            <a:spLocks noGrp="1"/>
+          </p:cNvSpPr>
+          <p:nvPr>
+            <p:ph type="sldNum" sz="quarter" idx="10"/>
+          </p:nvPr>
+        </p:nvSpPr>
+        <p:spPr/>
+        <p:txBody>
+          <a:bodyPr/>
+          <a:lstStyle/>
+          <a:p>
+            <a:fld id="{21B4A46F-5531-C743-A588-5C76C648827C}" type="slidenum">
+              <a:rPr lang="en-US" smtClean="0"/>
+              <a:t>9</a:t>
+            </a:fld>
+            <a:endParaRPr lang="en-US"/>
+          </a:p>
+        </p:txBody>
+      </p:sp>
+    </p:spTree>
+    <p:extLst>
+      <p:ext uri="{BB962C8B-B14F-4D97-AF65-F5344CB8AC3E}">
+        <p14:creationId xmlns:p14="http://schemas.microsoft.com/office/powerpoint/2010/main" val="3438041040"/>
       </p:ext>
     </p:extLst>
   </p:cSld>
@@ -944,7 +2589,7 @@
           <a:p>
             <a:fld id="{94B1E4EC-92D8-4A33-94B0-5CDDBDDA3BE9}" type="datetimeFigureOut">
               <a:rPr lang="en-US" smtClean="0"/>
-              <a:t>12/12/2015</a:t>
+              <a:t>12/14/2015</a:t>
             </a:fld>
             <a:endParaRPr lang="en-US"/>
           </a:p>
@@ -1114,7 +2759,7 @@
           <a:p>
             <a:fld id="{94B1E4EC-92D8-4A33-94B0-5CDDBDDA3BE9}" type="datetimeFigureOut">
               <a:rPr lang="en-US" smtClean="0"/>
-              <a:t>12/12/2015</a:t>
+              <a:t>12/14/2015</a:t>
             </a:fld>
             <a:endParaRPr lang="en-US"/>
           </a:p>
@@ -1294,7 +2939,7 @@
           <a:p>
             <a:fld id="{94B1E4EC-92D8-4A33-94B0-5CDDBDDA3BE9}" type="datetimeFigureOut">
               <a:rPr lang="en-US" smtClean="0"/>
-              <a:t>12/12/2015</a:t>
+              <a:t>12/14/2015</a:t>
             </a:fld>
             <a:endParaRPr lang="en-US"/>
           </a:p>
@@ -1759,7 +3404,7 @@
           <a:p>
             <a:fld id="{94B1E4EC-92D8-4A33-94B0-5CDDBDDA3BE9}" type="datetimeFigureOut">
               <a:rPr lang="en-US" smtClean="0"/>
-              <a:t>12/12/2015</a:t>
+              <a:t>12/14/2015</a:t>
             </a:fld>
             <a:endParaRPr lang="en-US"/>
           </a:p>
@@ -2003,7 +3648,7 @@
           <a:p>
             <a:fld id="{94B1E4EC-92D8-4A33-94B0-5CDDBDDA3BE9}" type="datetimeFigureOut">
               <a:rPr lang="en-US" smtClean="0"/>
-              <a:t>12/12/2015</a:t>
+              <a:t>12/14/2015</a:t>
             </a:fld>
             <a:endParaRPr lang="en-US"/>
           </a:p>
@@ -2235,7 +3880,7 @@
           <a:p>
             <a:fld id="{94B1E4EC-92D8-4A33-94B0-5CDDBDDA3BE9}" type="datetimeFigureOut">
               <a:rPr lang="en-US" smtClean="0"/>
-              <a:t>12/12/2015</a:t>
+              <a:t>12/14/2015</a:t>
             </a:fld>
             <a:endParaRPr lang="en-US"/>
           </a:p>
@@ -2602,7 +4247,7 @@
           <a:p>
             <a:fld id="{94B1E4EC-92D8-4A33-94B0-5CDDBDDA3BE9}" type="datetimeFigureOut">
               <a:rPr lang="en-US" smtClean="0"/>
-              <a:t>12/12/2015</a:t>
+              <a:t>12/14/2015</a:t>
             </a:fld>
             <a:endParaRPr lang="en-US"/>
           </a:p>
@@ -2720,7 +4365,7 @@
           <a:p>
             <a:fld id="{94B1E4EC-92D8-4A33-94B0-5CDDBDDA3BE9}" type="datetimeFigureOut">
               <a:rPr lang="en-US" smtClean="0"/>
-              <a:t>12/12/2015</a:t>
+              <a:t>12/14/2015</a:t>
             </a:fld>
             <a:endParaRPr lang="en-US"/>
           </a:p>
@@ -2815,7 +4460,7 @@
           <a:p>
             <a:fld id="{94B1E4EC-92D8-4A33-94B0-5CDDBDDA3BE9}" type="datetimeFigureOut">
               <a:rPr lang="en-US" smtClean="0"/>
-              <a:t>12/12/2015</a:t>
+              <a:t>12/14/2015</a:t>
             </a:fld>
             <a:endParaRPr lang="en-US"/>
           </a:p>
@@ -3092,7 +4737,7 @@
           <a:p>
             <a:fld id="{94B1E4EC-92D8-4A33-94B0-5CDDBDDA3BE9}" type="datetimeFigureOut">
               <a:rPr lang="en-US" smtClean="0"/>
-              <a:t>12/12/2015</a:t>
+              <a:t>12/14/2015</a:t>
             </a:fld>
             <a:endParaRPr lang="en-US"/>
           </a:p>
@@ -3349,7 +4994,7 @@
           <a:p>
             <a:fld id="{94B1E4EC-92D8-4A33-94B0-5CDDBDDA3BE9}" type="datetimeFigureOut">
               <a:rPr lang="en-US" smtClean="0"/>
-              <a:t>12/12/2015</a:t>
+              <a:t>12/14/2015</a:t>
             </a:fld>
             <a:endParaRPr lang="en-US"/>
           </a:p>
@@ -3562,7 +5207,7 @@
           <a:p>
             <a:fld id="{94B1E4EC-92D8-4A33-94B0-5CDDBDDA3BE9}" type="datetimeFigureOut">
               <a:rPr lang="en-US" smtClean="0"/>
-              <a:t>12/12/2015</a:t>
+              <a:t>12/14/2015</a:t>
             </a:fld>
             <a:endParaRPr lang="en-US"/>
           </a:p>
@@ -4220,20 +5865,20 @@
           </a:lstStyle>
           <a:p>
             <a:r>
-              <a:rPr lang="en-US" smtClean="0"/>
+              <a:rPr lang="en-US" dirty="0" smtClean="0"/>
               <a:t>Smart wear is too small to view detail information</a:t>
             </a:r>
           </a:p>
           <a:p>
             <a:r>
-              <a:rPr lang="en-US" smtClean="0"/>
+              <a:rPr lang="en-US" dirty="0" smtClean="0"/>
               <a:t>Not everyone has smart wear.</a:t>
             </a:r>
           </a:p>
           <a:p>
             <a:r>
-              <a:rPr lang="en-US" smtClean="0"/>
-              <a:t>Price of android wear is not cheap.</a:t>
+              <a:rPr lang="en-US" dirty="0" smtClean="0"/>
+              <a:t>Price of smart wear is not cheap.</a:t>
             </a:r>
             <a:endParaRPr lang="en-US" dirty="0"/>
           </a:p>
@@ -4319,7 +5964,7 @@
           <p:nvPr/>
         </p:nvPicPr>
         <p:blipFill>
-          <a:blip r:embed="rId2" cstate="print">
+          <a:blip r:embed="rId3" cstate="print">
             <a:extLst>
               <a:ext uri="{28A0092B-C50C-407E-A947-70E740481C1C}">
                 <a14:useLocalDpi xmlns:a14="http://schemas.microsoft.com/office/drawing/2010/main" val="0"/>
@@ -4406,7 +6051,7 @@
           <p:nvPr/>
         </p:nvPicPr>
         <p:blipFill>
-          <a:blip r:embed="rId3">
+          <a:blip r:embed="rId4">
             <a:extLst>
               <a:ext uri="{28A0092B-C50C-407E-A947-70E740481C1C}">
                 <a14:useLocalDpi xmlns:a14="http://schemas.microsoft.com/office/drawing/2010/main" val="0"/>
@@ -4447,7 +6092,7 @@
           <p:nvPr/>
         </p:nvPicPr>
         <p:blipFill>
-          <a:blip r:embed="rId4"/>
+          <a:blip r:embed="rId5"/>
           <a:stretch>
             <a:fillRect/>
           </a:stretch>
@@ -4456,6 +6101,30 @@
           <a:xfrm>
             <a:off x="6557528" y="4332849"/>
             <a:ext cx="1887454" cy="1482095"/>
+          </a:xfrm>
+          <a:prstGeom prst="rect">
+            <a:avLst/>
+          </a:prstGeom>
+        </p:spPr>
+      </p:pic>
+      <p:pic>
+        <p:nvPicPr>
+          <p:cNvPr id="3" name="Picture 2"/>
+          <p:cNvPicPr>
+            <a:picLocks noChangeAspect="1"/>
+          </p:cNvPicPr>
+          <p:nvPr/>
+        </p:nvPicPr>
+        <p:blipFill>
+          <a:blip r:embed="rId6"/>
+          <a:stretch>
+            <a:fillRect/>
+          </a:stretch>
+        </p:blipFill>
+        <p:spPr>
+          <a:xfrm>
+            <a:off x="3571650" y="4290514"/>
+            <a:ext cx="1608430" cy="1559024"/>
           </a:xfrm>
           <a:prstGeom prst="rect">
             <a:avLst/>
@@ -4564,16 +6233,52 @@
           </a:fontRef>
         </p:style>
       </p:cxnSp>
-      <p:sp>
-        <p:nvSpPr>
-          <p:cNvPr id="14" name="TextBox 13"/>
+      <p:cxnSp>
+        <p:nvCxnSpPr>
+          <p:cNvPr id="12" name="Straight Arrow Connector 11"/>
+          <p:cNvCxnSpPr>
+            <a:stCxn id="2" idx="1"/>
+            <a:endCxn id="3" idx="3"/>
+          </p:cNvCxnSpPr>
+          <p:nvPr/>
+        </p:nvCxnSpPr>
+        <p:spPr>
+          <a:xfrm flipH="1" flipV="1">
+            <a:off x="5180080" y="5070026"/>
+            <a:ext cx="1377448" cy="3871"/>
+          </a:xfrm>
+          <a:prstGeom prst="straightConnector1">
+            <a:avLst/>
+          </a:prstGeom>
+          <a:ln>
+            <a:tailEnd type="triangle"/>
+          </a:ln>
+        </p:spPr>
+        <p:style>
+          <a:lnRef idx="1">
+            <a:schemeClr val="accent1"/>
+          </a:lnRef>
+          <a:fillRef idx="0">
+            <a:schemeClr val="accent1"/>
+          </a:fillRef>
+          <a:effectRef idx="0">
+            <a:schemeClr val="accent1"/>
+          </a:effectRef>
+          <a:fontRef idx="minor">
+            <a:schemeClr val="tx1"/>
+          </a:fontRef>
+        </p:style>
+      </p:cxnSp>
+      <p:sp>
+        <p:nvSpPr>
+          <p:cNvPr id="15" name="TextBox 14"/>
           <p:cNvSpPr txBox="1"/>
           <p:nvPr/>
         </p:nvSpPr>
         <p:spPr>
           <a:xfrm>
-            <a:off x="6802721" y="5794171"/>
-            <a:ext cx="1397067" cy="646331"/>
+            <a:off x="3577664" y="5932670"/>
+            <a:ext cx="1702710" cy="400110"/>
           </a:xfrm>
           <a:prstGeom prst="rect">
             <a:avLst/>
@@ -4581,23 +6286,22 @@
           <a:noFill/>
         </p:spPr>
         <p:txBody>
-          <a:bodyPr wrap="square" rtlCol="0">
+          <a:bodyPr wrap="none" rtlCol="0">
             <a:spAutoFit/>
           </a:bodyPr>
           <a:lstStyle/>
           <a:p>
-            <a:pPr algn="ctr"/>
-            <a:r>
-              <a:rPr lang="en-US" dirty="0" smtClean="0"/>
-              <a:t>Return list of audio files</a:t>
-            </a:r>
-            <a:endParaRPr lang="en-US" dirty="0"/>
-          </a:p>
-        </p:txBody>
-      </p:sp>
-      <p:sp>
-        <p:nvSpPr>
-          <p:cNvPr id="11" name="Rectangle 10"/>
+            <a:r>
+              <a:rPr lang="en-US" sz="2000" dirty="0" smtClean="0"/>
+              <a:t>Cache(100mb)</a:t>
+            </a:r>
+            <a:endParaRPr lang="en-US" sz="2000" dirty="0"/>
+          </a:p>
+        </p:txBody>
+      </p:sp>
+      <p:sp>
+        <p:nvSpPr>
+          <p:cNvPr id="16" name="Rectangle 15"/>
           <p:cNvSpPr/>
           <p:nvPr/>
         </p:nvSpPr>
@@ -4655,7 +6359,7 @@
       </p:sp>
       <p:sp>
         <p:nvSpPr>
-          <p:cNvPr id="12" name="TextBox 11"/>
+          <p:cNvPr id="17" name="TextBox 16"/>
           <p:cNvSpPr txBox="1"/>
           <p:nvPr/>
         </p:nvSpPr>
@@ -4685,7 +6389,7 @@
       </p:sp>
       <p:sp>
         <p:nvSpPr>
-          <p:cNvPr id="13" name="TextBox 12"/>
+          <p:cNvPr id="18" name="TextBox 17"/>
           <p:cNvSpPr txBox="1"/>
           <p:nvPr/>
         </p:nvSpPr>
@@ -4715,18 +6419,49 @@
       </p:sp>
       <p:sp>
         <p:nvSpPr>
-          <p:cNvPr id="3" name="Rectangle 2"/>
-          <p:cNvSpPr/>
+          <p:cNvPr id="19" name="TextBox 18"/>
+          <p:cNvSpPr txBox="1"/>
           <p:nvPr/>
         </p:nvSpPr>
         <p:spPr>
           <a:xfrm>
-            <a:off x="7501254" y="3563454"/>
-            <a:ext cx="892167" cy="400110"/>
+            <a:off x="6678912" y="5778782"/>
+            <a:ext cx="1644686" cy="707886"/>
           </a:xfrm>
           <a:prstGeom prst="rect">
             <a:avLst/>
           </a:prstGeom>
+          <a:noFill/>
+        </p:spPr>
+        <p:txBody>
+          <a:bodyPr wrap="square" rtlCol="0">
+            <a:spAutoFit/>
+          </a:bodyPr>
+          <a:lstStyle/>
+          <a:p>
+            <a:pPr algn="ctr"/>
+            <a:r>
+              <a:rPr lang="en-US" sz="2000" dirty="0" smtClean="0"/>
+              <a:t>List of audio files</a:t>
+            </a:r>
+            <a:endParaRPr lang="en-US" sz="2000" dirty="0"/>
+          </a:p>
+        </p:txBody>
+      </p:sp>
+      <p:sp>
+        <p:nvSpPr>
+          <p:cNvPr id="20" name="Rectangle 19"/>
+          <p:cNvSpPr/>
+          <p:nvPr/>
+        </p:nvSpPr>
+        <p:spPr>
+          <a:xfrm>
+            <a:off x="7501254" y="3563454"/>
+            <a:ext cx="892167" cy="400110"/>
+          </a:xfrm>
+          <a:prstGeom prst="rect">
+            <a:avLst/>
+          </a:prstGeom>
         </p:spPr>
         <p:txBody>
           <a:bodyPr wrap="none">
@@ -4742,10 +6477,194 @@
           </a:p>
         </p:txBody>
       </p:sp>
+      <p:sp>
+        <p:nvSpPr>
+          <p:cNvPr id="21" name="Rectangle 20"/>
+          <p:cNvSpPr/>
+          <p:nvPr/>
+        </p:nvSpPr>
+        <p:spPr>
+          <a:xfrm>
+            <a:off x="1936979" y="4666535"/>
+            <a:ext cx="1587550" cy="400110"/>
+          </a:xfrm>
+          <a:prstGeom prst="rect">
+            <a:avLst/>
+          </a:prstGeom>
+        </p:spPr>
+        <p:txBody>
+          <a:bodyPr wrap="none">
+            <a:spAutoFit/>
+          </a:bodyPr>
+          <a:lstStyle/>
+          <a:p>
+            <a:r>
+              <a:rPr lang="en-US" sz="2000" dirty="0" smtClean="0"/>
+              <a:t>Get audio file</a:t>
+            </a:r>
+            <a:endParaRPr lang="en-US" dirty="0"/>
+          </a:p>
+        </p:txBody>
+      </p:sp>
+      <p:sp>
+        <p:nvSpPr>
+          <p:cNvPr id="7" name="TextBox 6"/>
+          <p:cNvSpPr txBox="1"/>
+          <p:nvPr/>
+        </p:nvSpPr>
+        <p:spPr>
+          <a:xfrm>
+            <a:off x="5254222" y="5092385"/>
+            <a:ext cx="1584793" cy="369332"/>
+          </a:xfrm>
+          <a:prstGeom prst="rect">
+            <a:avLst/>
+          </a:prstGeom>
+          <a:noFill/>
+        </p:spPr>
+        <p:txBody>
+          <a:bodyPr wrap="none" rtlCol="0">
+            <a:spAutoFit/>
+          </a:bodyPr>
+          <a:lstStyle/>
+          <a:p>
+            <a:r>
+              <a:rPr lang="en-US" dirty="0" smtClean="0"/>
+              <a:t>Audio -&gt; byte[]</a:t>
+            </a:r>
+            <a:endParaRPr lang="en-US" dirty="0"/>
+          </a:p>
+        </p:txBody>
+      </p:sp>
+      <p:pic>
+        <p:nvPicPr>
+          <p:cNvPr id="23" name="Picture 22"/>
+          <p:cNvPicPr>
+            <a:picLocks noChangeAspect="1"/>
+          </p:cNvPicPr>
+          <p:nvPr/>
+        </p:nvPicPr>
+        <p:blipFill>
+          <a:blip r:embed="rId7" cstate="print">
+            <a:extLst>
+              <a:ext uri="{28A0092B-C50C-407E-A947-70E740481C1C}">
+                <a14:useLocalDpi xmlns:a14="http://schemas.microsoft.com/office/drawing/2010/main" val="0"/>
+              </a:ext>
+            </a:extLst>
+          </a:blip>
+          <a:stretch>
+            <a:fillRect/>
+          </a:stretch>
+        </p:blipFill>
+        <p:spPr>
+          <a:xfrm>
+            <a:off x="582956" y="4415608"/>
+            <a:ext cx="1306902" cy="1306902"/>
+          </a:xfrm>
+          <a:prstGeom prst="rect">
+            <a:avLst/>
+          </a:prstGeom>
+        </p:spPr>
+      </p:pic>
+      <p:sp>
+        <p:nvSpPr>
+          <p:cNvPr id="24" name="TextBox 23"/>
+          <p:cNvSpPr txBox="1"/>
+          <p:nvPr/>
+        </p:nvSpPr>
+        <p:spPr>
+          <a:xfrm>
+            <a:off x="571571" y="5594116"/>
+            <a:ext cx="1437958" cy="369332"/>
+          </a:xfrm>
+          <a:prstGeom prst="rect">
+            <a:avLst/>
+          </a:prstGeom>
+          <a:noFill/>
+        </p:spPr>
+        <p:txBody>
+          <a:bodyPr wrap="none" rtlCol="0">
+            <a:spAutoFit/>
+          </a:bodyPr>
+          <a:lstStyle/>
+          <a:p>
+            <a:r>
+              <a:rPr lang="en-US" dirty="0" smtClean="0"/>
+              <a:t>Street Router</a:t>
+            </a:r>
+            <a:endParaRPr lang="en-US" dirty="0"/>
+          </a:p>
+        </p:txBody>
+      </p:sp>
+      <p:cxnSp>
+        <p:nvCxnSpPr>
+          <p:cNvPr id="25" name="Straight Arrow Connector 24"/>
+          <p:cNvCxnSpPr>
+            <a:stCxn id="23" idx="3"/>
+            <a:endCxn id="3" idx="1"/>
+          </p:cNvCxnSpPr>
+          <p:nvPr/>
+        </p:nvCxnSpPr>
+        <p:spPr>
+          <a:xfrm>
+            <a:off x="1889858" y="5069059"/>
+            <a:ext cx="1681792" cy="967"/>
+          </a:xfrm>
+          <a:prstGeom prst="straightConnector1">
+            <a:avLst/>
+          </a:prstGeom>
+          <a:ln>
+            <a:tailEnd type="triangle"/>
+          </a:ln>
+        </p:spPr>
+        <p:style>
+          <a:lnRef idx="1">
+            <a:schemeClr val="accent1"/>
+          </a:lnRef>
+          <a:fillRef idx="0">
+            <a:schemeClr val="accent1"/>
+          </a:fillRef>
+          <a:effectRef idx="0">
+            <a:schemeClr val="accent1"/>
+          </a:effectRef>
+          <a:fontRef idx="minor">
+            <a:schemeClr val="tx1"/>
+          </a:fontRef>
+        </p:style>
+      </p:cxnSp>
+      <p:sp>
+        <p:nvSpPr>
+          <p:cNvPr id="27" name="Rectangle 26"/>
+          <p:cNvSpPr/>
+          <p:nvPr/>
+        </p:nvSpPr>
+        <p:spPr>
+          <a:xfrm>
+            <a:off x="5714796" y="4666535"/>
+            <a:ext cx="663643" cy="400110"/>
+          </a:xfrm>
+          <a:prstGeom prst="rect">
+            <a:avLst/>
+          </a:prstGeom>
+        </p:spPr>
+        <p:txBody>
+          <a:bodyPr wrap="none">
+            <a:spAutoFit/>
+          </a:bodyPr>
+          <a:lstStyle/>
+          <a:p>
+            <a:r>
+              <a:rPr lang="en-US" sz="2000" dirty="0" smtClean="0"/>
+              <a:t>Save</a:t>
+            </a:r>
+            <a:endParaRPr lang="en-US" dirty="0"/>
+          </a:p>
+        </p:txBody>
+      </p:sp>
     </p:spTree>
     <p:extLst>
       <p:ext uri="{BB962C8B-B14F-4D97-AF65-F5344CB8AC3E}">
-        <p14:creationId xmlns:p14="http://schemas.microsoft.com/office/powerpoint/2010/main" val="4041154205"/>
+        <p14:creationId xmlns:p14="http://schemas.microsoft.com/office/powerpoint/2010/main" val="690407613"/>
       </p:ext>
     </p:extLst>
   </p:cSld>
@@ -4772,1353 +6691,6 @@
           <a:chExt cx="0" cy="0"/>
         </a:xfrm>
       </p:grpSpPr>
-      <p:pic>
-        <p:nvPicPr>
-          <p:cNvPr id="4" name="Picture 2" descr="http://www.planet3films.com/wp-content/uploads/2012/01/download-button.png"/>
-          <p:cNvPicPr>
-            <a:picLocks noChangeAspect="1" noChangeArrowheads="1"/>
-          </p:cNvPicPr>
-          <p:nvPr/>
-        </p:nvPicPr>
-        <p:blipFill>
-          <a:blip r:embed="rId2" cstate="print">
-            <a:extLst>
-              <a:ext uri="{28A0092B-C50C-407E-A947-70E740481C1C}">
-                <a14:useLocalDpi xmlns:a14="http://schemas.microsoft.com/office/drawing/2010/main" val="0"/>
-              </a:ext>
-            </a:extLst>
-          </a:blip>
-          <a:srcRect/>
-          <a:stretch>
-            <a:fillRect/>
-          </a:stretch>
-        </p:blipFill>
-        <p:spPr bwMode="auto">
-          <a:xfrm>
-            <a:off x="457200" y="1976542"/>
-            <a:ext cx="969840" cy="927167"/>
-          </a:xfrm>
-          <a:prstGeom prst="rect">
-            <a:avLst/>
-          </a:prstGeom>
-          <a:noFill/>
-          <a:extLst>
-            <a:ext uri="{909E8E84-426E-40DD-AFC4-6F175D3DCCD1}">
-              <a14:hiddenFill xmlns:a14="http://schemas.microsoft.com/office/drawing/2010/main">
-                <a:solidFill>
-                  <a:srgbClr val="FFFFFF"/>
-                </a:solidFill>
-              </a14:hiddenFill>
-            </a:ext>
-          </a:extLst>
-        </p:spPr>
-      </p:pic>
-      <p:sp>
-        <p:nvSpPr>
-          <p:cNvPr id="5" name="Title 5"/>
-          <p:cNvSpPr>
-            <a:spLocks noGrp="1"/>
-          </p:cNvSpPr>
-          <p:nvPr>
-            <p:ph type="title"/>
-          </p:nvPr>
-        </p:nvSpPr>
-        <p:spPr>
-          <a:xfrm>
-            <a:off x="457200" y="274637"/>
-            <a:ext cx="8229600" cy="1143000"/>
-          </a:xfrm>
-        </p:spPr>
-        <p:txBody>
-          <a:bodyPr>
-            <a:normAutofit/>
-          </a:bodyPr>
-          <a:lstStyle/>
-          <a:p>
-            <a:r>
-              <a:rPr lang="vi-VN" sz="5400" dirty="0" smtClean="0">
-                <a:solidFill>
-                  <a:schemeClr val="bg1"/>
-                </a:solidFill>
-                <a:latin typeface="Cambria"/>
-                <a:ea typeface="Cambria"/>
-                <a:cs typeface="Cambria"/>
-                <a:sym typeface="Cambria"/>
-              </a:rPr>
-              <a:t>Architecture</a:t>
-            </a:r>
-            <a:endParaRPr lang="en-US" sz="5400" dirty="0">
-              <a:solidFill>
-                <a:schemeClr val="bg1"/>
-              </a:solidFill>
-              <a:latin typeface="Cambria"/>
-              <a:ea typeface="Cambria"/>
-              <a:cs typeface="Cambria"/>
-              <a:sym typeface="Cambria"/>
-            </a:endParaRPr>
-          </a:p>
-        </p:txBody>
-      </p:sp>
-      <p:pic>
-        <p:nvPicPr>
-          <p:cNvPr id="2050" name="Picture 2" descr="http://www.otofun.net/data/avatars/l/377/377693.jpg?1439537488"/>
-          <p:cNvPicPr>
-            <a:picLocks noChangeAspect="1" noChangeArrowheads="1"/>
-          </p:cNvPicPr>
-          <p:nvPr/>
-        </p:nvPicPr>
-        <p:blipFill>
-          <a:blip r:embed="rId3">
-            <a:extLst>
-              <a:ext uri="{28A0092B-C50C-407E-A947-70E740481C1C}">
-                <a14:useLocalDpi xmlns:a14="http://schemas.microsoft.com/office/drawing/2010/main" val="0"/>
-              </a:ext>
-            </a:extLst>
-          </a:blip>
-          <a:srcRect/>
-          <a:stretch>
-            <a:fillRect/>
-          </a:stretch>
-        </p:blipFill>
-        <p:spPr bwMode="auto">
-          <a:xfrm>
-            <a:off x="6739255" y="1678124"/>
-            <a:ext cx="1524000" cy="1524001"/>
-          </a:xfrm>
-          <a:prstGeom prst="rect">
-            <a:avLst/>
-          </a:prstGeom>
-          <a:noFill/>
-          <a:extLst>
-            <a:ext uri="{909E8E84-426E-40DD-AFC4-6F175D3DCCD1}">
-              <a14:hiddenFill xmlns:a14="http://schemas.microsoft.com/office/drawing/2010/main">
-                <a:solidFill>
-                  <a:srgbClr val="FFFFFF"/>
-                </a:solidFill>
-              </a14:hiddenFill>
-            </a:ext>
-          </a:extLst>
-        </p:spPr>
-      </p:pic>
-      <p:pic>
-        <p:nvPicPr>
-          <p:cNvPr id="2" name="Picture 1"/>
-          <p:cNvPicPr>
-            <a:picLocks noChangeAspect="1"/>
-          </p:cNvPicPr>
-          <p:nvPr/>
-        </p:nvPicPr>
-        <p:blipFill>
-          <a:blip r:embed="rId4"/>
-          <a:stretch>
-            <a:fillRect/>
-          </a:stretch>
-        </p:blipFill>
-        <p:spPr>
-          <a:xfrm>
-            <a:off x="6557528" y="4332849"/>
-            <a:ext cx="1887454" cy="1482095"/>
-          </a:xfrm>
-          <a:prstGeom prst="rect">
-            <a:avLst/>
-          </a:prstGeom>
-        </p:spPr>
-      </p:pic>
-      <p:pic>
-        <p:nvPicPr>
-          <p:cNvPr id="3" name="Picture 2"/>
-          <p:cNvPicPr>
-            <a:picLocks noChangeAspect="1"/>
-          </p:cNvPicPr>
-          <p:nvPr/>
-        </p:nvPicPr>
-        <p:blipFill>
-          <a:blip r:embed="rId5"/>
-          <a:stretch>
-            <a:fillRect/>
-          </a:stretch>
-        </p:blipFill>
-        <p:spPr>
-          <a:xfrm>
-            <a:off x="3571650" y="4290514"/>
-            <a:ext cx="1608430" cy="1559024"/>
-          </a:xfrm>
-          <a:prstGeom prst="rect">
-            <a:avLst/>
-          </a:prstGeom>
-        </p:spPr>
-      </p:pic>
-      <p:cxnSp>
-        <p:nvCxnSpPr>
-          <p:cNvPr id="9" name="Straight Arrow Connector 8"/>
-          <p:cNvCxnSpPr/>
-          <p:nvPr/>
-        </p:nvCxnSpPr>
-        <p:spPr>
-          <a:xfrm flipV="1">
-            <a:off x="1427040" y="2419643"/>
-            <a:ext cx="2097234" cy="20483"/>
-          </a:xfrm>
-          <a:prstGeom prst="straightConnector1">
-            <a:avLst/>
-          </a:prstGeom>
-          <a:ln>
-            <a:tailEnd type="triangle"/>
-          </a:ln>
-        </p:spPr>
-        <p:style>
-          <a:lnRef idx="1">
-            <a:schemeClr val="accent1"/>
-          </a:lnRef>
-          <a:fillRef idx="0">
-            <a:schemeClr val="accent1"/>
-          </a:fillRef>
-          <a:effectRef idx="0">
-            <a:schemeClr val="accent1"/>
-          </a:effectRef>
-          <a:fontRef idx="minor">
-            <a:schemeClr val="tx1"/>
-          </a:fontRef>
-        </p:style>
-      </p:cxnSp>
-      <p:cxnSp>
-        <p:nvCxnSpPr>
-          <p:cNvPr id="10" name="Straight Arrow Connector 9"/>
-          <p:cNvCxnSpPr/>
-          <p:nvPr/>
-        </p:nvCxnSpPr>
-        <p:spPr>
-          <a:xfrm>
-            <a:off x="5180080" y="2440124"/>
-            <a:ext cx="1559175" cy="1"/>
-          </a:xfrm>
-          <a:prstGeom prst="straightConnector1">
-            <a:avLst/>
-          </a:prstGeom>
-          <a:ln>
-            <a:tailEnd type="triangle"/>
-          </a:ln>
-        </p:spPr>
-        <p:style>
-          <a:lnRef idx="1">
-            <a:schemeClr val="accent1"/>
-          </a:lnRef>
-          <a:fillRef idx="0">
-            <a:schemeClr val="accent1"/>
-          </a:fillRef>
-          <a:effectRef idx="0">
-            <a:schemeClr val="accent1"/>
-          </a:effectRef>
-          <a:fontRef idx="minor">
-            <a:schemeClr val="tx1"/>
-          </a:fontRef>
-        </p:style>
-      </p:cxnSp>
-      <p:cxnSp>
-        <p:nvCxnSpPr>
-          <p:cNvPr id="8" name="Straight Arrow Connector 7"/>
-          <p:cNvCxnSpPr>
-            <a:stCxn id="2050" idx="2"/>
-            <a:endCxn id="2" idx="0"/>
-          </p:cNvCxnSpPr>
-          <p:nvPr/>
-        </p:nvCxnSpPr>
-        <p:spPr>
-          <a:xfrm>
-            <a:off x="7501255" y="3202125"/>
-            <a:ext cx="0" cy="1130724"/>
-          </a:xfrm>
-          <a:prstGeom prst="straightConnector1">
-            <a:avLst/>
-          </a:prstGeom>
-          <a:ln>
-            <a:tailEnd type="triangle"/>
-          </a:ln>
-        </p:spPr>
-        <p:style>
-          <a:lnRef idx="1">
-            <a:schemeClr val="accent1"/>
-          </a:lnRef>
-          <a:fillRef idx="0">
-            <a:schemeClr val="accent1"/>
-          </a:fillRef>
-          <a:effectRef idx="0">
-            <a:schemeClr val="accent1"/>
-          </a:effectRef>
-          <a:fontRef idx="minor">
-            <a:schemeClr val="tx1"/>
-          </a:fontRef>
-        </p:style>
-      </p:cxnSp>
-      <p:cxnSp>
-        <p:nvCxnSpPr>
-          <p:cNvPr id="12" name="Straight Arrow Connector 11"/>
-          <p:cNvCxnSpPr>
-            <a:stCxn id="2" idx="1"/>
-            <a:endCxn id="3" idx="3"/>
-          </p:cNvCxnSpPr>
-          <p:nvPr/>
-        </p:nvCxnSpPr>
-        <p:spPr>
-          <a:xfrm flipH="1" flipV="1">
-            <a:off x="5180080" y="5070026"/>
-            <a:ext cx="1377448" cy="3871"/>
-          </a:xfrm>
-          <a:prstGeom prst="straightConnector1">
-            <a:avLst/>
-          </a:prstGeom>
-          <a:ln>
-            <a:tailEnd type="triangle"/>
-          </a:ln>
-        </p:spPr>
-        <p:style>
-          <a:lnRef idx="1">
-            <a:schemeClr val="accent1"/>
-          </a:lnRef>
-          <a:fillRef idx="0">
-            <a:schemeClr val="accent1"/>
-          </a:fillRef>
-          <a:effectRef idx="0">
-            <a:schemeClr val="accent1"/>
-          </a:effectRef>
-          <a:fontRef idx="minor">
-            <a:schemeClr val="tx1"/>
-          </a:fontRef>
-        </p:style>
-      </p:cxnSp>
-      <p:sp>
-        <p:nvSpPr>
-          <p:cNvPr id="15" name="TextBox 14"/>
-          <p:cNvSpPr txBox="1"/>
-          <p:nvPr/>
-        </p:nvSpPr>
-        <p:spPr>
-          <a:xfrm>
-            <a:off x="3577664" y="5932670"/>
-            <a:ext cx="1702710" cy="400110"/>
-          </a:xfrm>
-          <a:prstGeom prst="rect">
-            <a:avLst/>
-          </a:prstGeom>
-          <a:noFill/>
-        </p:spPr>
-        <p:txBody>
-          <a:bodyPr wrap="none" rtlCol="0">
-            <a:spAutoFit/>
-          </a:bodyPr>
-          <a:lstStyle/>
-          <a:p>
-            <a:r>
-              <a:rPr lang="en-US" sz="2000" dirty="0" smtClean="0"/>
-              <a:t>Cache(100mb)</a:t>
-            </a:r>
-            <a:endParaRPr lang="en-US" sz="2000" dirty="0"/>
-          </a:p>
-        </p:txBody>
-      </p:sp>
-      <p:sp>
-        <p:nvSpPr>
-          <p:cNvPr id="16" name="Rectangle 15"/>
-          <p:cNvSpPr/>
-          <p:nvPr/>
-        </p:nvSpPr>
-        <p:spPr>
-          <a:xfrm>
-            <a:off x="3524274" y="1612221"/>
-            <a:ext cx="1655806" cy="1655806"/>
-          </a:xfrm>
-          <a:prstGeom prst="rect">
-            <a:avLst/>
-          </a:prstGeom>
-          <a:noFill/>
-          <a:ln>
-            <a:solidFill>
-              <a:schemeClr val="tx1"/>
-            </a:solidFill>
-          </a:ln>
-        </p:spPr>
-        <p:style>
-          <a:lnRef idx="2">
-            <a:schemeClr val="accent1">
-              <a:shade val="50000"/>
-            </a:schemeClr>
-          </a:lnRef>
-          <a:fillRef idx="1">
-            <a:schemeClr val="accent1"/>
-          </a:fillRef>
-          <a:effectRef idx="0">
-            <a:schemeClr val="accent1"/>
-          </a:effectRef>
-          <a:fontRef idx="minor">
-            <a:schemeClr val="lt1"/>
-          </a:fontRef>
-        </p:style>
-        <p:txBody>
-          <a:bodyPr rtlCol="0" anchor="ctr"/>
-          <a:lstStyle/>
-          <a:p>
-            <a:pPr algn="ctr"/>
-            <a:r>
-              <a:rPr lang="en-US" sz="2000" dirty="0" smtClean="0">
-                <a:solidFill>
-                  <a:schemeClr val="tx1"/>
-                </a:solidFill>
-              </a:rPr>
-              <a:t>Create list of stings from list of step</a:t>
-            </a:r>
-            <a:endParaRPr lang="en-US" sz="2000" dirty="0">
-              <a:solidFill>
-                <a:schemeClr val="tx1"/>
-              </a:solidFill>
-            </a:endParaRPr>
-          </a:p>
-        </p:txBody>
-      </p:sp>
-      <p:sp>
-        <p:nvSpPr>
-          <p:cNvPr id="17" name="TextBox 16"/>
-          <p:cNvSpPr txBox="1"/>
-          <p:nvPr/>
-        </p:nvSpPr>
-        <p:spPr>
-          <a:xfrm>
-            <a:off x="1412956" y="2074364"/>
-            <a:ext cx="2008114" cy="400110"/>
-          </a:xfrm>
-          <a:prstGeom prst="rect">
-            <a:avLst/>
-          </a:prstGeom>
-          <a:noFill/>
-        </p:spPr>
-        <p:txBody>
-          <a:bodyPr wrap="none" rtlCol="0">
-            <a:spAutoFit/>
-          </a:bodyPr>
-          <a:lstStyle/>
-          <a:p>
-            <a:r>
-              <a:rPr lang="en-US" sz="2000" dirty="0" smtClean="0"/>
-              <a:t>Download button</a:t>
-            </a:r>
-            <a:endParaRPr lang="en-US" sz="2000" dirty="0"/>
-          </a:p>
-        </p:txBody>
-      </p:sp>
-      <p:sp>
-        <p:nvSpPr>
-          <p:cNvPr id="18" name="TextBox 17"/>
-          <p:cNvSpPr txBox="1"/>
-          <p:nvPr/>
-        </p:nvSpPr>
-        <p:spPr>
-          <a:xfrm>
-            <a:off x="5163129" y="2029774"/>
-            <a:ext cx="1555362" cy="400110"/>
-          </a:xfrm>
-          <a:prstGeom prst="rect">
-            <a:avLst/>
-          </a:prstGeom>
-          <a:noFill/>
-        </p:spPr>
-        <p:txBody>
-          <a:bodyPr wrap="none" rtlCol="0">
-            <a:spAutoFit/>
-          </a:bodyPr>
-          <a:lstStyle/>
-          <a:p>
-            <a:r>
-              <a:rPr lang="en-US" sz="2000" dirty="0" smtClean="0"/>
-              <a:t>Send request</a:t>
-            </a:r>
-            <a:endParaRPr lang="en-US" sz="2000" dirty="0"/>
-          </a:p>
-        </p:txBody>
-      </p:sp>
-      <p:sp>
-        <p:nvSpPr>
-          <p:cNvPr id="19" name="TextBox 18"/>
-          <p:cNvSpPr txBox="1"/>
-          <p:nvPr/>
-        </p:nvSpPr>
-        <p:spPr>
-          <a:xfrm>
-            <a:off x="6678912" y="5778782"/>
-            <a:ext cx="1644686" cy="707886"/>
-          </a:xfrm>
-          <a:prstGeom prst="rect">
-            <a:avLst/>
-          </a:prstGeom>
-          <a:noFill/>
-        </p:spPr>
-        <p:txBody>
-          <a:bodyPr wrap="square" rtlCol="0">
-            <a:spAutoFit/>
-          </a:bodyPr>
-          <a:lstStyle/>
-          <a:p>
-            <a:pPr algn="ctr"/>
-            <a:r>
-              <a:rPr lang="en-US" sz="2000" dirty="0" smtClean="0"/>
-              <a:t>List of audio files</a:t>
-            </a:r>
-            <a:endParaRPr lang="en-US" sz="2000" dirty="0"/>
-          </a:p>
-        </p:txBody>
-      </p:sp>
-      <p:sp>
-        <p:nvSpPr>
-          <p:cNvPr id="20" name="Rectangle 19"/>
-          <p:cNvSpPr/>
-          <p:nvPr/>
-        </p:nvSpPr>
-        <p:spPr>
-          <a:xfrm>
-            <a:off x="7501254" y="3563454"/>
-            <a:ext cx="892167" cy="400110"/>
-          </a:xfrm>
-          <a:prstGeom prst="rect">
-            <a:avLst/>
-          </a:prstGeom>
-        </p:spPr>
-        <p:txBody>
-          <a:bodyPr wrap="none">
-            <a:spAutoFit/>
-          </a:bodyPr>
-          <a:lstStyle/>
-          <a:p>
-            <a:r>
-              <a:rPr lang="en-US" sz="2000" dirty="0"/>
-              <a:t>Return</a:t>
-            </a:r>
-            <a:endParaRPr lang="en-US" dirty="0"/>
-          </a:p>
-        </p:txBody>
-      </p:sp>
-      <p:sp>
-        <p:nvSpPr>
-          <p:cNvPr id="7" name="TextBox 6"/>
-          <p:cNvSpPr txBox="1"/>
-          <p:nvPr/>
-        </p:nvSpPr>
-        <p:spPr>
-          <a:xfrm>
-            <a:off x="5254222" y="5092385"/>
-            <a:ext cx="1584793" cy="369332"/>
-          </a:xfrm>
-          <a:prstGeom prst="rect">
-            <a:avLst/>
-          </a:prstGeom>
-          <a:noFill/>
-        </p:spPr>
-        <p:txBody>
-          <a:bodyPr wrap="none" rtlCol="0">
-            <a:spAutoFit/>
-          </a:bodyPr>
-          <a:lstStyle/>
-          <a:p>
-            <a:r>
-              <a:rPr lang="en-US" dirty="0" smtClean="0"/>
-              <a:t>Audio -&gt; byte[]</a:t>
-            </a:r>
-            <a:endParaRPr lang="en-US" dirty="0"/>
-          </a:p>
-        </p:txBody>
-      </p:sp>
-      <p:sp>
-        <p:nvSpPr>
-          <p:cNvPr id="27" name="Rectangle 26"/>
-          <p:cNvSpPr/>
-          <p:nvPr/>
-        </p:nvSpPr>
-        <p:spPr>
-          <a:xfrm>
-            <a:off x="5714796" y="4666535"/>
-            <a:ext cx="663643" cy="400110"/>
-          </a:xfrm>
-          <a:prstGeom prst="rect">
-            <a:avLst/>
-          </a:prstGeom>
-        </p:spPr>
-        <p:txBody>
-          <a:bodyPr wrap="none">
-            <a:spAutoFit/>
-          </a:bodyPr>
-          <a:lstStyle/>
-          <a:p>
-            <a:r>
-              <a:rPr lang="en-US" sz="2000" dirty="0" smtClean="0"/>
-              <a:t>Save</a:t>
-            </a:r>
-            <a:endParaRPr lang="en-US" dirty="0"/>
-          </a:p>
-        </p:txBody>
-      </p:sp>
-    </p:spTree>
-    <p:extLst>
-      <p:ext uri="{BB962C8B-B14F-4D97-AF65-F5344CB8AC3E}">
-        <p14:creationId xmlns:p14="http://schemas.microsoft.com/office/powerpoint/2010/main" val="1147820855"/>
-      </p:ext>
-    </p:extLst>
-  </p:cSld>
-  <p:clrMapOvr>
-    <a:masterClrMapping/>
-  </p:clrMapOvr>
-</p:sld>
-</file>
-
-<file path=ppt/slides/slide12.xml><?xml version="1.0" encoding="utf-8"?>
-<p:sld xmlns:a="http://schemas.openxmlformats.org/drawingml/2006/main" xmlns:r="http://schemas.openxmlformats.org/officeDocument/2006/relationships" xmlns:p="http://schemas.openxmlformats.org/presentationml/2006/main">
-  <p:cSld>
-    <p:spTree>
-      <p:nvGrpSpPr>
-        <p:cNvPr id="1" name=""/>
-        <p:cNvGrpSpPr/>
-        <p:nvPr/>
-      </p:nvGrpSpPr>
-      <p:grpSpPr>
-        <a:xfrm>
-          <a:off x="0" y="0"/>
-          <a:ext cx="0" cy="0"/>
-          <a:chOff x="0" y="0"/>
-          <a:chExt cx="0" cy="0"/>
-        </a:xfrm>
-      </p:grpSpPr>
-      <p:pic>
-        <p:nvPicPr>
-          <p:cNvPr id="4" name="Picture 2" descr="http://www.planet3films.com/wp-content/uploads/2012/01/download-button.png"/>
-          <p:cNvPicPr>
-            <a:picLocks noChangeAspect="1" noChangeArrowheads="1"/>
-          </p:cNvPicPr>
-          <p:nvPr/>
-        </p:nvPicPr>
-        <p:blipFill>
-          <a:blip r:embed="rId2" cstate="print">
-            <a:extLst>
-              <a:ext uri="{28A0092B-C50C-407E-A947-70E740481C1C}">
-                <a14:useLocalDpi xmlns:a14="http://schemas.microsoft.com/office/drawing/2010/main" val="0"/>
-              </a:ext>
-            </a:extLst>
-          </a:blip>
-          <a:srcRect/>
-          <a:stretch>
-            <a:fillRect/>
-          </a:stretch>
-        </p:blipFill>
-        <p:spPr bwMode="auto">
-          <a:xfrm>
-            <a:off x="457200" y="1976542"/>
-            <a:ext cx="969840" cy="927167"/>
-          </a:xfrm>
-          <a:prstGeom prst="rect">
-            <a:avLst/>
-          </a:prstGeom>
-          <a:noFill/>
-          <a:extLst>
-            <a:ext uri="{909E8E84-426E-40DD-AFC4-6F175D3DCCD1}">
-              <a14:hiddenFill xmlns:a14="http://schemas.microsoft.com/office/drawing/2010/main">
-                <a:solidFill>
-                  <a:srgbClr val="FFFFFF"/>
-                </a:solidFill>
-              </a14:hiddenFill>
-            </a:ext>
-          </a:extLst>
-        </p:spPr>
-      </p:pic>
-      <p:sp>
-        <p:nvSpPr>
-          <p:cNvPr id="5" name="Title 5"/>
-          <p:cNvSpPr>
-            <a:spLocks noGrp="1"/>
-          </p:cNvSpPr>
-          <p:nvPr>
-            <p:ph type="title"/>
-          </p:nvPr>
-        </p:nvSpPr>
-        <p:spPr>
-          <a:xfrm>
-            <a:off x="457200" y="274637"/>
-            <a:ext cx="8229600" cy="1143000"/>
-          </a:xfrm>
-        </p:spPr>
-        <p:txBody>
-          <a:bodyPr>
-            <a:normAutofit/>
-          </a:bodyPr>
-          <a:lstStyle/>
-          <a:p>
-            <a:r>
-              <a:rPr lang="vi-VN" sz="5400" dirty="0" smtClean="0">
-                <a:solidFill>
-                  <a:schemeClr val="bg1"/>
-                </a:solidFill>
-                <a:latin typeface="Cambria"/>
-                <a:ea typeface="Cambria"/>
-                <a:cs typeface="Cambria"/>
-                <a:sym typeface="Cambria"/>
-              </a:rPr>
-              <a:t>Architecture</a:t>
-            </a:r>
-            <a:endParaRPr lang="en-US" sz="5400" dirty="0">
-              <a:solidFill>
-                <a:schemeClr val="bg1"/>
-              </a:solidFill>
-              <a:latin typeface="Cambria"/>
-              <a:ea typeface="Cambria"/>
-              <a:cs typeface="Cambria"/>
-              <a:sym typeface="Cambria"/>
-            </a:endParaRPr>
-          </a:p>
-        </p:txBody>
-      </p:sp>
-      <p:pic>
-        <p:nvPicPr>
-          <p:cNvPr id="2050" name="Picture 2" descr="http://www.otofun.net/data/avatars/l/377/377693.jpg?1439537488"/>
-          <p:cNvPicPr>
-            <a:picLocks noChangeAspect="1" noChangeArrowheads="1"/>
-          </p:cNvPicPr>
-          <p:nvPr/>
-        </p:nvPicPr>
-        <p:blipFill>
-          <a:blip r:embed="rId3">
-            <a:extLst>
-              <a:ext uri="{28A0092B-C50C-407E-A947-70E740481C1C}">
-                <a14:useLocalDpi xmlns:a14="http://schemas.microsoft.com/office/drawing/2010/main" val="0"/>
-              </a:ext>
-            </a:extLst>
-          </a:blip>
-          <a:srcRect/>
-          <a:stretch>
-            <a:fillRect/>
-          </a:stretch>
-        </p:blipFill>
-        <p:spPr bwMode="auto">
-          <a:xfrm>
-            <a:off x="6739255" y="1678124"/>
-            <a:ext cx="1524000" cy="1524001"/>
-          </a:xfrm>
-          <a:prstGeom prst="rect">
-            <a:avLst/>
-          </a:prstGeom>
-          <a:noFill/>
-          <a:extLst>
-            <a:ext uri="{909E8E84-426E-40DD-AFC4-6F175D3DCCD1}">
-              <a14:hiddenFill xmlns:a14="http://schemas.microsoft.com/office/drawing/2010/main">
-                <a:solidFill>
-                  <a:srgbClr val="FFFFFF"/>
-                </a:solidFill>
-              </a14:hiddenFill>
-            </a:ext>
-          </a:extLst>
-        </p:spPr>
-      </p:pic>
-      <p:pic>
-        <p:nvPicPr>
-          <p:cNvPr id="2" name="Picture 1"/>
-          <p:cNvPicPr>
-            <a:picLocks noChangeAspect="1"/>
-          </p:cNvPicPr>
-          <p:nvPr/>
-        </p:nvPicPr>
-        <p:blipFill>
-          <a:blip r:embed="rId4"/>
-          <a:stretch>
-            <a:fillRect/>
-          </a:stretch>
-        </p:blipFill>
-        <p:spPr>
-          <a:xfrm>
-            <a:off x="6557528" y="4332849"/>
-            <a:ext cx="1887454" cy="1482095"/>
-          </a:xfrm>
-          <a:prstGeom prst="rect">
-            <a:avLst/>
-          </a:prstGeom>
-        </p:spPr>
-      </p:pic>
-      <p:pic>
-        <p:nvPicPr>
-          <p:cNvPr id="3" name="Picture 2"/>
-          <p:cNvPicPr>
-            <a:picLocks noChangeAspect="1"/>
-          </p:cNvPicPr>
-          <p:nvPr/>
-        </p:nvPicPr>
-        <p:blipFill>
-          <a:blip r:embed="rId5"/>
-          <a:stretch>
-            <a:fillRect/>
-          </a:stretch>
-        </p:blipFill>
-        <p:spPr>
-          <a:xfrm>
-            <a:off x="3571650" y="4290514"/>
-            <a:ext cx="1608430" cy="1559024"/>
-          </a:xfrm>
-          <a:prstGeom prst="rect">
-            <a:avLst/>
-          </a:prstGeom>
-        </p:spPr>
-      </p:pic>
-      <p:cxnSp>
-        <p:nvCxnSpPr>
-          <p:cNvPr id="9" name="Straight Arrow Connector 8"/>
-          <p:cNvCxnSpPr/>
-          <p:nvPr/>
-        </p:nvCxnSpPr>
-        <p:spPr>
-          <a:xfrm flipV="1">
-            <a:off x="1427040" y="2419643"/>
-            <a:ext cx="2097234" cy="20483"/>
-          </a:xfrm>
-          <a:prstGeom prst="straightConnector1">
-            <a:avLst/>
-          </a:prstGeom>
-          <a:ln>
-            <a:tailEnd type="triangle"/>
-          </a:ln>
-        </p:spPr>
-        <p:style>
-          <a:lnRef idx="1">
-            <a:schemeClr val="accent1"/>
-          </a:lnRef>
-          <a:fillRef idx="0">
-            <a:schemeClr val="accent1"/>
-          </a:fillRef>
-          <a:effectRef idx="0">
-            <a:schemeClr val="accent1"/>
-          </a:effectRef>
-          <a:fontRef idx="minor">
-            <a:schemeClr val="tx1"/>
-          </a:fontRef>
-        </p:style>
-      </p:cxnSp>
-      <p:cxnSp>
-        <p:nvCxnSpPr>
-          <p:cNvPr id="10" name="Straight Arrow Connector 9"/>
-          <p:cNvCxnSpPr/>
-          <p:nvPr/>
-        </p:nvCxnSpPr>
-        <p:spPr>
-          <a:xfrm>
-            <a:off x="5180080" y="2440124"/>
-            <a:ext cx="1559175" cy="1"/>
-          </a:xfrm>
-          <a:prstGeom prst="straightConnector1">
-            <a:avLst/>
-          </a:prstGeom>
-          <a:ln>
-            <a:tailEnd type="triangle"/>
-          </a:ln>
-        </p:spPr>
-        <p:style>
-          <a:lnRef idx="1">
-            <a:schemeClr val="accent1"/>
-          </a:lnRef>
-          <a:fillRef idx="0">
-            <a:schemeClr val="accent1"/>
-          </a:fillRef>
-          <a:effectRef idx="0">
-            <a:schemeClr val="accent1"/>
-          </a:effectRef>
-          <a:fontRef idx="minor">
-            <a:schemeClr val="tx1"/>
-          </a:fontRef>
-        </p:style>
-      </p:cxnSp>
-      <p:cxnSp>
-        <p:nvCxnSpPr>
-          <p:cNvPr id="8" name="Straight Arrow Connector 7"/>
-          <p:cNvCxnSpPr>
-            <a:stCxn id="2050" idx="2"/>
-            <a:endCxn id="2" idx="0"/>
-          </p:cNvCxnSpPr>
-          <p:nvPr/>
-        </p:nvCxnSpPr>
-        <p:spPr>
-          <a:xfrm>
-            <a:off x="7501255" y="3202125"/>
-            <a:ext cx="0" cy="1130724"/>
-          </a:xfrm>
-          <a:prstGeom prst="straightConnector1">
-            <a:avLst/>
-          </a:prstGeom>
-          <a:ln>
-            <a:tailEnd type="triangle"/>
-          </a:ln>
-        </p:spPr>
-        <p:style>
-          <a:lnRef idx="1">
-            <a:schemeClr val="accent1"/>
-          </a:lnRef>
-          <a:fillRef idx="0">
-            <a:schemeClr val="accent1"/>
-          </a:fillRef>
-          <a:effectRef idx="0">
-            <a:schemeClr val="accent1"/>
-          </a:effectRef>
-          <a:fontRef idx="minor">
-            <a:schemeClr val="tx1"/>
-          </a:fontRef>
-        </p:style>
-      </p:cxnSp>
-      <p:cxnSp>
-        <p:nvCxnSpPr>
-          <p:cNvPr id="12" name="Straight Arrow Connector 11"/>
-          <p:cNvCxnSpPr>
-            <a:stCxn id="2" idx="1"/>
-            <a:endCxn id="3" idx="3"/>
-          </p:cNvCxnSpPr>
-          <p:nvPr/>
-        </p:nvCxnSpPr>
-        <p:spPr>
-          <a:xfrm flipH="1" flipV="1">
-            <a:off x="5180080" y="5070026"/>
-            <a:ext cx="1377448" cy="3871"/>
-          </a:xfrm>
-          <a:prstGeom prst="straightConnector1">
-            <a:avLst/>
-          </a:prstGeom>
-          <a:ln>
-            <a:tailEnd type="triangle"/>
-          </a:ln>
-        </p:spPr>
-        <p:style>
-          <a:lnRef idx="1">
-            <a:schemeClr val="accent1"/>
-          </a:lnRef>
-          <a:fillRef idx="0">
-            <a:schemeClr val="accent1"/>
-          </a:fillRef>
-          <a:effectRef idx="0">
-            <a:schemeClr val="accent1"/>
-          </a:effectRef>
-          <a:fontRef idx="minor">
-            <a:schemeClr val="tx1"/>
-          </a:fontRef>
-        </p:style>
-      </p:cxnSp>
-      <p:sp>
-        <p:nvSpPr>
-          <p:cNvPr id="15" name="TextBox 14"/>
-          <p:cNvSpPr txBox="1"/>
-          <p:nvPr/>
-        </p:nvSpPr>
-        <p:spPr>
-          <a:xfrm>
-            <a:off x="3577664" y="5932670"/>
-            <a:ext cx="1702710" cy="400110"/>
-          </a:xfrm>
-          <a:prstGeom prst="rect">
-            <a:avLst/>
-          </a:prstGeom>
-          <a:noFill/>
-        </p:spPr>
-        <p:txBody>
-          <a:bodyPr wrap="none" rtlCol="0">
-            <a:spAutoFit/>
-          </a:bodyPr>
-          <a:lstStyle/>
-          <a:p>
-            <a:r>
-              <a:rPr lang="en-US" sz="2000" dirty="0" smtClean="0"/>
-              <a:t>Cache(100mb)</a:t>
-            </a:r>
-            <a:endParaRPr lang="en-US" sz="2000" dirty="0"/>
-          </a:p>
-        </p:txBody>
-      </p:sp>
-      <p:sp>
-        <p:nvSpPr>
-          <p:cNvPr id="16" name="Rectangle 15"/>
-          <p:cNvSpPr/>
-          <p:nvPr/>
-        </p:nvSpPr>
-        <p:spPr>
-          <a:xfrm>
-            <a:off x="3524274" y="1612221"/>
-            <a:ext cx="1655806" cy="1655806"/>
-          </a:xfrm>
-          <a:prstGeom prst="rect">
-            <a:avLst/>
-          </a:prstGeom>
-          <a:noFill/>
-          <a:ln>
-            <a:solidFill>
-              <a:schemeClr val="tx1"/>
-            </a:solidFill>
-          </a:ln>
-        </p:spPr>
-        <p:style>
-          <a:lnRef idx="2">
-            <a:schemeClr val="accent1">
-              <a:shade val="50000"/>
-            </a:schemeClr>
-          </a:lnRef>
-          <a:fillRef idx="1">
-            <a:schemeClr val="accent1"/>
-          </a:fillRef>
-          <a:effectRef idx="0">
-            <a:schemeClr val="accent1"/>
-          </a:effectRef>
-          <a:fontRef idx="minor">
-            <a:schemeClr val="lt1"/>
-          </a:fontRef>
-        </p:style>
-        <p:txBody>
-          <a:bodyPr rtlCol="0" anchor="ctr"/>
-          <a:lstStyle/>
-          <a:p>
-            <a:pPr algn="ctr"/>
-            <a:r>
-              <a:rPr lang="en-US" sz="2000" dirty="0" smtClean="0">
-                <a:solidFill>
-                  <a:schemeClr val="tx1"/>
-                </a:solidFill>
-              </a:rPr>
-              <a:t>Create list of stings from list of step</a:t>
-            </a:r>
-            <a:endParaRPr lang="en-US" sz="2000" dirty="0">
-              <a:solidFill>
-                <a:schemeClr val="tx1"/>
-              </a:solidFill>
-            </a:endParaRPr>
-          </a:p>
-        </p:txBody>
-      </p:sp>
-      <p:sp>
-        <p:nvSpPr>
-          <p:cNvPr id="17" name="TextBox 16"/>
-          <p:cNvSpPr txBox="1"/>
-          <p:nvPr/>
-        </p:nvSpPr>
-        <p:spPr>
-          <a:xfrm>
-            <a:off x="1412956" y="2074364"/>
-            <a:ext cx="2008114" cy="400110"/>
-          </a:xfrm>
-          <a:prstGeom prst="rect">
-            <a:avLst/>
-          </a:prstGeom>
-          <a:noFill/>
-        </p:spPr>
-        <p:txBody>
-          <a:bodyPr wrap="none" rtlCol="0">
-            <a:spAutoFit/>
-          </a:bodyPr>
-          <a:lstStyle/>
-          <a:p>
-            <a:r>
-              <a:rPr lang="en-US" sz="2000" dirty="0" smtClean="0"/>
-              <a:t>Download button</a:t>
-            </a:r>
-            <a:endParaRPr lang="en-US" sz="2000" dirty="0"/>
-          </a:p>
-        </p:txBody>
-      </p:sp>
-      <p:sp>
-        <p:nvSpPr>
-          <p:cNvPr id="18" name="TextBox 17"/>
-          <p:cNvSpPr txBox="1"/>
-          <p:nvPr/>
-        </p:nvSpPr>
-        <p:spPr>
-          <a:xfrm>
-            <a:off x="5163129" y="2029774"/>
-            <a:ext cx="1555362" cy="400110"/>
-          </a:xfrm>
-          <a:prstGeom prst="rect">
-            <a:avLst/>
-          </a:prstGeom>
-          <a:noFill/>
-        </p:spPr>
-        <p:txBody>
-          <a:bodyPr wrap="none" rtlCol="0">
-            <a:spAutoFit/>
-          </a:bodyPr>
-          <a:lstStyle/>
-          <a:p>
-            <a:r>
-              <a:rPr lang="en-US" sz="2000" dirty="0" smtClean="0"/>
-              <a:t>Send request</a:t>
-            </a:r>
-            <a:endParaRPr lang="en-US" sz="2000" dirty="0"/>
-          </a:p>
-        </p:txBody>
-      </p:sp>
-      <p:sp>
-        <p:nvSpPr>
-          <p:cNvPr id="19" name="TextBox 18"/>
-          <p:cNvSpPr txBox="1"/>
-          <p:nvPr/>
-        </p:nvSpPr>
-        <p:spPr>
-          <a:xfrm>
-            <a:off x="6678912" y="5778782"/>
-            <a:ext cx="1644686" cy="707886"/>
-          </a:xfrm>
-          <a:prstGeom prst="rect">
-            <a:avLst/>
-          </a:prstGeom>
-          <a:noFill/>
-        </p:spPr>
-        <p:txBody>
-          <a:bodyPr wrap="square" rtlCol="0">
-            <a:spAutoFit/>
-          </a:bodyPr>
-          <a:lstStyle/>
-          <a:p>
-            <a:pPr algn="ctr"/>
-            <a:r>
-              <a:rPr lang="en-US" sz="2000" dirty="0" smtClean="0"/>
-              <a:t>List of audio files</a:t>
-            </a:r>
-            <a:endParaRPr lang="en-US" sz="2000" dirty="0"/>
-          </a:p>
-        </p:txBody>
-      </p:sp>
-      <p:sp>
-        <p:nvSpPr>
-          <p:cNvPr id="20" name="Rectangle 19"/>
-          <p:cNvSpPr/>
-          <p:nvPr/>
-        </p:nvSpPr>
-        <p:spPr>
-          <a:xfrm>
-            <a:off x="7501254" y="3563454"/>
-            <a:ext cx="892167" cy="400110"/>
-          </a:xfrm>
-          <a:prstGeom prst="rect">
-            <a:avLst/>
-          </a:prstGeom>
-        </p:spPr>
-        <p:txBody>
-          <a:bodyPr wrap="none">
-            <a:spAutoFit/>
-          </a:bodyPr>
-          <a:lstStyle/>
-          <a:p>
-            <a:r>
-              <a:rPr lang="en-US" sz="2000" dirty="0"/>
-              <a:t>Return</a:t>
-            </a:r>
-            <a:endParaRPr lang="en-US" dirty="0"/>
-          </a:p>
-        </p:txBody>
-      </p:sp>
-      <p:sp>
-        <p:nvSpPr>
-          <p:cNvPr id="21" name="Rectangle 20"/>
-          <p:cNvSpPr/>
-          <p:nvPr/>
-        </p:nvSpPr>
-        <p:spPr>
-          <a:xfrm>
-            <a:off x="1936979" y="4666535"/>
-            <a:ext cx="1587550" cy="400110"/>
-          </a:xfrm>
-          <a:prstGeom prst="rect">
-            <a:avLst/>
-          </a:prstGeom>
-        </p:spPr>
-        <p:txBody>
-          <a:bodyPr wrap="none">
-            <a:spAutoFit/>
-          </a:bodyPr>
-          <a:lstStyle/>
-          <a:p>
-            <a:r>
-              <a:rPr lang="en-US" sz="2000" dirty="0" smtClean="0"/>
-              <a:t>Get audio file</a:t>
-            </a:r>
-            <a:endParaRPr lang="en-US" dirty="0"/>
-          </a:p>
-        </p:txBody>
-      </p:sp>
-      <p:sp>
-        <p:nvSpPr>
-          <p:cNvPr id="7" name="TextBox 6"/>
-          <p:cNvSpPr txBox="1"/>
-          <p:nvPr/>
-        </p:nvSpPr>
-        <p:spPr>
-          <a:xfrm>
-            <a:off x="5254222" y="5092385"/>
-            <a:ext cx="1584793" cy="369332"/>
-          </a:xfrm>
-          <a:prstGeom prst="rect">
-            <a:avLst/>
-          </a:prstGeom>
-          <a:noFill/>
-        </p:spPr>
-        <p:txBody>
-          <a:bodyPr wrap="none" rtlCol="0">
-            <a:spAutoFit/>
-          </a:bodyPr>
-          <a:lstStyle/>
-          <a:p>
-            <a:r>
-              <a:rPr lang="en-US" dirty="0" smtClean="0"/>
-              <a:t>Audio -&gt; byte[]</a:t>
-            </a:r>
-            <a:endParaRPr lang="en-US" dirty="0"/>
-          </a:p>
-        </p:txBody>
-      </p:sp>
-      <p:pic>
-        <p:nvPicPr>
-          <p:cNvPr id="23" name="Picture 22"/>
-          <p:cNvPicPr>
-            <a:picLocks noChangeAspect="1"/>
-          </p:cNvPicPr>
-          <p:nvPr/>
-        </p:nvPicPr>
-        <p:blipFill>
-          <a:blip r:embed="rId6" cstate="print">
-            <a:extLst>
-              <a:ext uri="{28A0092B-C50C-407E-A947-70E740481C1C}">
-                <a14:useLocalDpi xmlns:a14="http://schemas.microsoft.com/office/drawing/2010/main" val="0"/>
-              </a:ext>
-            </a:extLst>
-          </a:blip>
-          <a:stretch>
-            <a:fillRect/>
-          </a:stretch>
-        </p:blipFill>
-        <p:spPr>
-          <a:xfrm>
-            <a:off x="582956" y="4415608"/>
-            <a:ext cx="1306902" cy="1306902"/>
-          </a:xfrm>
-          <a:prstGeom prst="rect">
-            <a:avLst/>
-          </a:prstGeom>
-        </p:spPr>
-      </p:pic>
-      <p:sp>
-        <p:nvSpPr>
-          <p:cNvPr id="24" name="TextBox 23"/>
-          <p:cNvSpPr txBox="1"/>
-          <p:nvPr/>
-        </p:nvSpPr>
-        <p:spPr>
-          <a:xfrm>
-            <a:off x="571571" y="5594116"/>
-            <a:ext cx="1437958" cy="369332"/>
-          </a:xfrm>
-          <a:prstGeom prst="rect">
-            <a:avLst/>
-          </a:prstGeom>
-          <a:noFill/>
-        </p:spPr>
-        <p:txBody>
-          <a:bodyPr wrap="none" rtlCol="0">
-            <a:spAutoFit/>
-          </a:bodyPr>
-          <a:lstStyle/>
-          <a:p>
-            <a:r>
-              <a:rPr lang="en-US" dirty="0" smtClean="0"/>
-              <a:t>Street Router</a:t>
-            </a:r>
-            <a:endParaRPr lang="en-US" dirty="0"/>
-          </a:p>
-        </p:txBody>
-      </p:sp>
-      <p:cxnSp>
-        <p:nvCxnSpPr>
-          <p:cNvPr id="25" name="Straight Arrow Connector 24"/>
-          <p:cNvCxnSpPr>
-            <a:stCxn id="23" idx="3"/>
-            <a:endCxn id="3" idx="1"/>
-          </p:cNvCxnSpPr>
-          <p:nvPr/>
-        </p:nvCxnSpPr>
-        <p:spPr>
-          <a:xfrm>
-            <a:off x="1889858" y="5069059"/>
-            <a:ext cx="1681792" cy="967"/>
-          </a:xfrm>
-          <a:prstGeom prst="straightConnector1">
-            <a:avLst/>
-          </a:prstGeom>
-          <a:ln>
-            <a:tailEnd type="triangle"/>
-          </a:ln>
-        </p:spPr>
-        <p:style>
-          <a:lnRef idx="1">
-            <a:schemeClr val="accent1"/>
-          </a:lnRef>
-          <a:fillRef idx="0">
-            <a:schemeClr val="accent1"/>
-          </a:fillRef>
-          <a:effectRef idx="0">
-            <a:schemeClr val="accent1"/>
-          </a:effectRef>
-          <a:fontRef idx="minor">
-            <a:schemeClr val="tx1"/>
-          </a:fontRef>
-        </p:style>
-      </p:cxnSp>
-      <p:sp>
-        <p:nvSpPr>
-          <p:cNvPr id="27" name="Rectangle 26"/>
-          <p:cNvSpPr/>
-          <p:nvPr/>
-        </p:nvSpPr>
-        <p:spPr>
-          <a:xfrm>
-            <a:off x="5714796" y="4666535"/>
-            <a:ext cx="663643" cy="400110"/>
-          </a:xfrm>
-          <a:prstGeom prst="rect">
-            <a:avLst/>
-          </a:prstGeom>
-        </p:spPr>
-        <p:txBody>
-          <a:bodyPr wrap="none">
-            <a:spAutoFit/>
-          </a:bodyPr>
-          <a:lstStyle/>
-          <a:p>
-            <a:r>
-              <a:rPr lang="en-US" sz="2000" dirty="0" smtClean="0"/>
-              <a:t>Save</a:t>
-            </a:r>
-            <a:endParaRPr lang="en-US" dirty="0"/>
-          </a:p>
-        </p:txBody>
-      </p:sp>
-    </p:spTree>
-    <p:extLst>
-      <p:ext uri="{BB962C8B-B14F-4D97-AF65-F5344CB8AC3E}">
-        <p14:creationId xmlns:p14="http://schemas.microsoft.com/office/powerpoint/2010/main" val="690407613"/>
-      </p:ext>
-    </p:extLst>
-  </p:cSld>
-  <p:clrMapOvr>
-    <a:masterClrMapping/>
-  </p:clrMapOvr>
-</p:sld>
-</file>
-
-<file path=ppt/slides/slide13.xml><?xml version="1.0" encoding="utf-8"?>
-<p:sld xmlns:a="http://schemas.openxmlformats.org/drawingml/2006/main" xmlns:r="http://schemas.openxmlformats.org/officeDocument/2006/relationships" xmlns:p="http://schemas.openxmlformats.org/presentationml/2006/main">
-  <p:cSld>
-    <p:spTree>
-      <p:nvGrpSpPr>
-        <p:cNvPr id="1" name=""/>
-        <p:cNvGrpSpPr/>
-        <p:nvPr/>
-      </p:nvGrpSpPr>
-      <p:grpSpPr>
-        <a:xfrm>
-          <a:off x="0" y="0"/>
-          <a:ext cx="0" cy="0"/>
-          <a:chOff x="0" y="0"/>
-          <a:chExt cx="0" cy="0"/>
-        </a:xfrm>
-      </p:grpSpPr>
       <p:sp>
         <p:nvSpPr>
           <p:cNvPr id="6" name="Title 5"/>
@@ -6178,7 +6750,7 @@
             <a:fld id="{00000000-1234-1234-1234-123412341234}" type="slidenum">
               <a:rPr lang="en" smtClean="0"/>
               <a:pPr/>
-              <a:t>13</a:t>
+              <a:t>11</a:t>
             </a:fld>
             <a:endParaRPr lang="en"/>
           </a:p>
@@ -6994,7 +7566,7 @@
           <p:nvPr/>
         </p:nvPicPr>
         <p:blipFill>
-          <a:blip r:embed="rId2" cstate="print">
+          <a:blip r:embed="rId3" cstate="print">
             <a:extLst>
               <a:ext uri="{28A0092B-C50C-407E-A947-70E740481C1C}">
                 <a14:useLocalDpi xmlns:a14="http://schemas.microsoft.com/office/drawing/2010/main" val="0"/>
@@ -7195,11 +7767,7 @@
           <a:p>
             <a:r>
               <a:rPr lang="en-US" sz="2000" dirty="0" smtClean="0"/>
-              <a:t>download </a:t>
-            </a:r>
-            <a:r>
-              <a:rPr lang="en-US" sz="2000" dirty="0" smtClean="0"/>
-              <a:t>button</a:t>
+              <a:t>download button</a:t>
             </a:r>
             <a:endParaRPr lang="en-US" sz="2000" dirty="0"/>
           </a:p>
@@ -7235,45 +7803,298 @@
           <a:chExt cx="0" cy="0"/>
         </a:xfrm>
       </p:grpSpPr>
+      <p:grpSp>
+        <p:nvGrpSpPr>
+          <p:cNvPr id="4" name="Group 3"/>
+          <p:cNvGrpSpPr/>
+          <p:nvPr/>
+        </p:nvGrpSpPr>
+        <p:grpSpPr>
+          <a:xfrm>
+            <a:off x="810454" y="3560436"/>
+            <a:ext cx="1808322" cy="1367075"/>
+            <a:chOff x="6520756" y="2416407"/>
+            <a:chExt cx="1808322" cy="1047689"/>
+          </a:xfrm>
+        </p:grpSpPr>
+        <p:sp>
+          <p:nvSpPr>
+            <p:cNvPr id="5" name="Shape 689"/>
+            <p:cNvSpPr/>
+            <p:nvPr/>
+          </p:nvSpPr>
+          <p:spPr>
+            <a:xfrm>
+              <a:off x="6520756" y="2653845"/>
+              <a:ext cx="1808322" cy="810251"/>
+            </a:xfrm>
+            <a:prstGeom prst="rect">
+              <a:avLst/>
+            </a:prstGeom>
+            <a:solidFill>
+              <a:schemeClr val="bg2">
+                <a:lumMod val="20000"/>
+                <a:lumOff val="80000"/>
+              </a:schemeClr>
+            </a:solidFill>
+            <a:ln>
+              <a:headEnd type="none" w="med" len="med"/>
+              <a:tailEnd type="none" w="med" len="med"/>
+            </a:ln>
+          </p:spPr>
+          <p:style>
+            <a:lnRef idx="2">
+              <a:schemeClr val="accent3">
+                <a:shade val="50000"/>
+              </a:schemeClr>
+            </a:lnRef>
+            <a:fillRef idx="1">
+              <a:schemeClr val="accent3"/>
+            </a:fillRef>
+            <a:effectRef idx="0">
+              <a:schemeClr val="accent3"/>
+            </a:effectRef>
+            <a:fontRef idx="minor">
+              <a:schemeClr val="lt1"/>
+            </a:fontRef>
+          </p:style>
+          <p:txBody>
+            <a:bodyPr lIns="68569" tIns="68569" rIns="68569" bIns="68569" anchor="t" anchorCtr="0">
+              <a:noAutofit/>
+            </a:bodyPr>
+            <a:lstStyle/>
+            <a:p>
+              <a:pPr defTabSz="685800"/>
+              <a:r>
+                <a:rPr lang="en" sz="1500" kern="0" dirty="0" smtClean="0">
+                  <a:solidFill>
+                    <a:schemeClr val="tx1"/>
+                  </a:solidFill>
+                  <a:latin typeface="Cambria" pitchFamily="18" charset="0"/>
+                  <a:cs typeface="Arial"/>
+                  <a:sym typeface="Arial"/>
+                  <a:rtl val="0"/>
+                </a:rPr>
+                <a:t>Location</a:t>
+              </a:r>
+            </a:p>
+            <a:p>
+              <a:pPr defTabSz="685800"/>
+              <a:r>
+                <a:rPr lang="en" sz="1500" kern="0" dirty="0" smtClean="0">
+                  <a:solidFill>
+                    <a:schemeClr val="tx1"/>
+                  </a:solidFill>
+                  <a:latin typeface="Cambria" pitchFamily="18" charset="0"/>
+                  <a:cs typeface="Arial"/>
+                  <a:sym typeface="Arial"/>
+                  <a:rtl val="0"/>
+                </a:rPr>
+                <a:t>Title</a:t>
+              </a:r>
+            </a:p>
+            <a:p>
+              <a:pPr defTabSz="685800"/>
+              <a:r>
+                <a:rPr lang="en" sz="1500" kern="0" dirty="0" smtClean="0">
+                  <a:solidFill>
+                    <a:schemeClr val="tx1"/>
+                  </a:solidFill>
+                  <a:latin typeface="Cambria" pitchFamily="18" charset="0"/>
+                  <a:cs typeface="Arial"/>
+                  <a:sym typeface="Arial"/>
+                  <a:rtl val="0"/>
+                </a:rPr>
+                <a:t>SmallMessage</a:t>
+              </a:r>
+            </a:p>
+            <a:p>
+              <a:pPr defTabSz="685800"/>
+              <a:r>
+                <a:rPr lang="en" sz="1500" kern="0" dirty="0" smtClean="0">
+                  <a:solidFill>
+                    <a:schemeClr val="tx1"/>
+                  </a:solidFill>
+                  <a:latin typeface="Cambria" pitchFamily="18" charset="0"/>
+                  <a:cs typeface="Arial"/>
+                  <a:sym typeface="Arial"/>
+                  <a:rtl val="0"/>
+                </a:rPr>
+                <a:t>LongMessage</a:t>
+              </a:r>
+            </a:p>
+          </p:txBody>
+        </p:sp>
+        <p:sp>
+          <p:nvSpPr>
+            <p:cNvPr id="6" name="Shape 690"/>
+            <p:cNvSpPr/>
+            <p:nvPr/>
+          </p:nvSpPr>
+          <p:spPr>
+            <a:xfrm>
+              <a:off x="6520756" y="2416407"/>
+              <a:ext cx="1808322" cy="237439"/>
+            </a:xfrm>
+            <a:prstGeom prst="rect">
+              <a:avLst/>
+            </a:prstGeom>
+            <a:solidFill>
+              <a:schemeClr val="bg2">
+                <a:lumMod val="20000"/>
+                <a:lumOff val="80000"/>
+              </a:schemeClr>
+            </a:solidFill>
+            <a:ln>
+              <a:headEnd type="none" w="med" len="med"/>
+              <a:tailEnd type="none" w="med" len="med"/>
+            </a:ln>
+          </p:spPr>
+          <p:style>
+            <a:lnRef idx="2">
+              <a:schemeClr val="accent3">
+                <a:shade val="50000"/>
+              </a:schemeClr>
+            </a:lnRef>
+            <a:fillRef idx="1">
+              <a:schemeClr val="accent3"/>
+            </a:fillRef>
+            <a:effectRef idx="0">
+              <a:schemeClr val="accent3"/>
+            </a:effectRef>
+            <a:fontRef idx="minor">
+              <a:schemeClr val="lt1"/>
+            </a:fontRef>
+          </p:style>
+          <p:txBody>
+            <a:bodyPr lIns="68569" tIns="68569" rIns="68569" bIns="68569" anchor="ctr" anchorCtr="0">
+              <a:noAutofit/>
+            </a:bodyPr>
+            <a:lstStyle/>
+            <a:p>
+              <a:pPr algn="ctr" defTabSz="685800"/>
+              <a:r>
+                <a:rPr lang="en" b="1" kern="0" dirty="0" smtClean="0">
+                  <a:solidFill>
+                    <a:srgbClr val="000000"/>
+                  </a:solidFill>
+                  <a:latin typeface="Arial"/>
+                  <a:cs typeface="Arial"/>
+                  <a:sym typeface="Arial"/>
+                  <a:rtl val="0"/>
+                </a:rPr>
+                <a:t>Notify</a:t>
+              </a:r>
+              <a:endParaRPr lang="en" sz="1050" b="1" kern="0" dirty="0">
+                <a:solidFill>
+                  <a:srgbClr val="000000"/>
+                </a:solidFill>
+                <a:latin typeface="Arial"/>
+                <a:cs typeface="Arial"/>
+                <a:sym typeface="Arial"/>
+                <a:rtl val="0"/>
+              </a:endParaRPr>
+            </a:p>
+          </p:txBody>
+        </p:sp>
+      </p:grpSp>
+      <p:sp>
+        <p:nvSpPr>
+          <p:cNvPr id="7" name="Title 5"/>
+          <p:cNvSpPr>
+            <a:spLocks noGrp="1"/>
+          </p:cNvSpPr>
+          <p:nvPr>
+            <p:ph type="title"/>
+          </p:nvPr>
+        </p:nvSpPr>
+        <p:spPr>
+          <a:xfrm>
+            <a:off x="457200" y="274637"/>
+            <a:ext cx="8229600" cy="1143000"/>
+          </a:xfrm>
+        </p:spPr>
+        <p:txBody>
+          <a:bodyPr>
+            <a:normAutofit/>
+          </a:bodyPr>
+          <a:lstStyle/>
+          <a:p>
+            <a:r>
+              <a:rPr lang="vi-VN" sz="5400" dirty="0" smtClean="0">
+                <a:solidFill>
+                  <a:schemeClr val="bg1"/>
+                </a:solidFill>
+                <a:latin typeface="Cambria"/>
+                <a:ea typeface="Cambria"/>
+                <a:cs typeface="Cambria"/>
+                <a:sym typeface="Cambria"/>
+              </a:rPr>
+              <a:t>Architecture</a:t>
+            </a:r>
+            <a:endParaRPr lang="en-US" sz="5400" dirty="0">
+              <a:solidFill>
+                <a:schemeClr val="bg1"/>
+              </a:solidFill>
+              <a:latin typeface="Cambria"/>
+              <a:ea typeface="Cambria"/>
+              <a:cs typeface="Cambria"/>
+              <a:sym typeface="Cambria"/>
+            </a:endParaRPr>
+          </a:p>
+        </p:txBody>
+      </p:sp>
       <p:pic>
         <p:nvPicPr>
-          <p:cNvPr id="4" name="Picture 3"/>
+          <p:cNvPr id="8" name="Picture 2" descr="http://www.planet3films.com/wp-content/uploads/2012/01/download-button.png"/>
           <p:cNvPicPr>
-            <a:picLocks noChangeAspect="1"/>
+            <a:picLocks noChangeAspect="1" noChangeArrowheads="1"/>
           </p:cNvPicPr>
           <p:nvPr/>
         </p:nvPicPr>
         <p:blipFill>
-          <a:blip r:embed="rId2"/>
+          <a:blip r:embed="rId3" cstate="print">
+            <a:extLst>
+              <a:ext uri="{28A0092B-C50C-407E-A947-70E740481C1C}">
+                <a14:useLocalDpi xmlns:a14="http://schemas.microsoft.com/office/drawing/2010/main" val="0"/>
+              </a:ext>
+            </a:extLst>
+          </a:blip>
+          <a:srcRect/>
           <a:stretch>
             <a:fillRect/>
           </a:stretch>
         </p:blipFill>
-        <p:spPr>
-          <a:xfrm>
-            <a:off x="566136" y="2148483"/>
-            <a:ext cx="4466667" cy="2504762"/>
+        <p:spPr bwMode="auto">
+          <a:xfrm>
+            <a:off x="457200" y="1976542"/>
+            <a:ext cx="969840" cy="927167"/>
           </a:xfrm>
           <a:prstGeom prst="rect">
             <a:avLst/>
           </a:prstGeom>
-          <a:ln>
-            <a:solidFill>
-              <a:schemeClr val="tx1"/>
-            </a:solidFill>
-          </a:ln>
+          <a:noFill/>
+          <a:extLst>
+            <a:ext uri="{909E8E84-426E-40DD-AFC4-6F175D3DCCD1}">
+              <a14:hiddenFill xmlns:a14="http://schemas.microsoft.com/office/drawing/2010/main">
+                <a:solidFill>
+                  <a:srgbClr val="FFFFFF"/>
+                </a:solidFill>
+              </a14:hiddenFill>
+            </a:ext>
+          </a:extLst>
         </p:spPr>
       </p:pic>
       <p:sp>
         <p:nvSpPr>
-          <p:cNvPr id="5" name="Rectangle 4"/>
+          <p:cNvPr id="9" name="Rectangle 8"/>
           <p:cNvSpPr/>
           <p:nvPr/>
         </p:nvSpPr>
         <p:spPr>
           <a:xfrm>
-            <a:off x="928468" y="4389120"/>
-            <a:ext cx="1350498" cy="365760"/>
+            <a:off x="3524274" y="1612221"/>
+            <a:ext cx="1655806" cy="1655806"/>
           </a:xfrm>
           <a:prstGeom prst="rect">
             <a:avLst/>
@@ -7281,7 +8102,7 @@
           <a:noFill/>
           <a:ln>
             <a:solidFill>
-              <a:srgbClr val="FF0000"/>
+              <a:schemeClr val="tx1"/>
             </a:solidFill>
           </a:ln>
         </p:spPr>
@@ -7306,32 +8127,40 @@
           <a:lstStyle/>
           <a:p>
             <a:pPr algn="ctr"/>
-            <a:endParaRPr lang="en-US"/>
+            <a:r>
+              <a:rPr lang="en-US" sz="2000" dirty="0" smtClean="0">
+                <a:solidFill>
+                  <a:schemeClr val="tx1"/>
+                </a:solidFill>
+              </a:rPr>
+              <a:t>Create list of stings from list of step</a:t>
+            </a:r>
+            <a:endParaRPr lang="en-US" sz="2000" dirty="0">
+              <a:solidFill>
+                <a:schemeClr val="tx1"/>
+              </a:solidFill>
+            </a:endParaRPr>
           </a:p>
         </p:txBody>
       </p:sp>
       <p:cxnSp>
         <p:nvCxnSpPr>
-          <p:cNvPr id="7" name="Straight Arrow Connector 6"/>
+          <p:cNvPr id="10" name="Straight Arrow Connector 9"/>
           <p:cNvCxnSpPr>
-            <a:endCxn id="5" idx="3"/>
+            <a:stCxn id="8" idx="3"/>
           </p:cNvCxnSpPr>
           <p:nvPr/>
         </p:nvCxnSpPr>
         <p:spPr>
-          <a:xfrm flipH="1">
-            <a:off x="2278966" y="2148483"/>
-            <a:ext cx="4234376" cy="2423517"/>
+          <a:xfrm flipV="1">
+            <a:off x="1427040" y="2419643"/>
+            <a:ext cx="2097234" cy="20483"/>
           </a:xfrm>
           <a:prstGeom prst="straightConnector1">
             <a:avLst/>
           </a:prstGeom>
           <a:ln>
-            <a:solidFill>
-              <a:srgbClr val="FF0000"/>
-            </a:solidFill>
-            <a:headEnd type="triangle" w="med" len="med"/>
-            <a:tailEnd type="none" w="med" len="med"/>
+            <a:tailEnd type="triangle"/>
           </a:ln>
         </p:spPr>
         <p:style>
@@ -7351,14 +8180,14 @@
       </p:cxnSp>
       <p:sp>
         <p:nvSpPr>
-          <p:cNvPr id="8" name="TextBox 7"/>
+          <p:cNvPr id="11" name="TextBox 10"/>
           <p:cNvSpPr txBox="1"/>
           <p:nvPr/>
         </p:nvSpPr>
         <p:spPr>
           <a:xfrm>
-            <a:off x="6578680" y="1963817"/>
-            <a:ext cx="1285160" cy="369332"/>
+            <a:off x="1412956" y="2074364"/>
+            <a:ext cx="1985672" cy="707886"/>
           </a:xfrm>
           <a:prstGeom prst="rect">
             <a:avLst/>
@@ -7372,63 +8201,117 @@
           <a:lstStyle/>
           <a:p>
             <a:r>
-              <a:rPr lang="en-US" dirty="0" smtClean="0"/>
-              <a:t>List of steps</a:t>
+              <a:rPr lang="en-US" sz="2000" dirty="0" smtClean="0"/>
+              <a:t>          Press</a:t>
+            </a:r>
+          </a:p>
+          <a:p>
+            <a:r>
+              <a:rPr lang="en-US" sz="2000" dirty="0" smtClean="0"/>
+              <a:t>download button</a:t>
+            </a:r>
+            <a:endParaRPr lang="en-US" sz="2000" dirty="0"/>
+          </a:p>
+        </p:txBody>
+      </p:sp>
+      <p:sp>
+        <p:nvSpPr>
+          <p:cNvPr id="12" name="TextBox 11"/>
+          <p:cNvSpPr txBox="1"/>
+          <p:nvPr/>
+        </p:nvSpPr>
+        <p:spPr>
+          <a:xfrm>
+            <a:off x="4543866" y="4337167"/>
+            <a:ext cx="4300536" cy="369332"/>
+          </a:xfrm>
+          <a:prstGeom prst="rect">
+            <a:avLst/>
+          </a:prstGeom>
+          <a:noFill/>
+        </p:spPr>
+        <p:txBody>
+          <a:bodyPr wrap="none" rtlCol="0">
+            <a:spAutoFit/>
+          </a:bodyPr>
+          <a:lstStyle/>
+          <a:p>
+            <a:r>
+              <a:rPr lang="vi-VN" dirty="0">
+                <a:latin typeface="Cambria" panose="02040503050406030204" pitchFamily="18" charset="0"/>
+              </a:rPr>
+              <a:t>Chếch sang </a:t>
+            </a:r>
+            <a:r>
+              <a:rPr lang="vi-VN" dirty="0" smtClean="0">
+                <a:latin typeface="Cambria" panose="02040503050406030204" pitchFamily="18" charset="0"/>
+              </a:rPr>
+              <a:t>bên phải </a:t>
+            </a:r>
+            <a:r>
+              <a:rPr lang="vi-VN" dirty="0">
+                <a:latin typeface="Cambria" panose="02040503050406030204" pitchFamily="18" charset="0"/>
+              </a:rPr>
+              <a:t>để vào </a:t>
+            </a:r>
+            <a:r>
+              <a:rPr lang="vi-VN" dirty="0" smtClean="0">
+                <a:latin typeface="Cambria" panose="02040503050406030204" pitchFamily="18" charset="0"/>
+              </a:rPr>
+              <a:t>Trường </a:t>
+            </a:r>
+            <a:r>
+              <a:rPr lang="vi-VN" dirty="0">
+                <a:latin typeface="Cambria" panose="02040503050406030204" pitchFamily="18" charset="0"/>
+              </a:rPr>
+              <a:t>Chinh</a:t>
             </a:r>
             <a:endParaRPr lang="en-US" dirty="0"/>
           </a:p>
         </p:txBody>
       </p:sp>
-      <p:sp>
-        <p:nvSpPr>
-          <p:cNvPr id="6" name="Title 5"/>
-          <p:cNvSpPr>
-            <a:spLocks noGrp="1"/>
-          </p:cNvSpPr>
-          <p:nvPr>
-            <p:ph type="title"/>
-          </p:nvPr>
-        </p:nvSpPr>
-        <p:spPr>
-          <a:xfrm>
-            <a:off x="457200" y="274637"/>
-            <a:ext cx="8229600" cy="1143000"/>
-          </a:xfrm>
-        </p:spPr>
-        <p:txBody>
-          <a:bodyPr>
-            <a:normAutofit/>
-          </a:bodyPr>
-          <a:lstStyle/>
-          <a:p>
-            <a:r>
-              <a:rPr lang="vi-VN" sz="5400" dirty="0" smtClean="0">
-                <a:solidFill>
-                  <a:schemeClr val="bg1"/>
-                </a:solidFill>
-                <a:latin typeface="Cambria"/>
-                <a:ea typeface="Cambria"/>
-                <a:cs typeface="Cambria"/>
-                <a:sym typeface="Cambria"/>
-              </a:rPr>
-              <a:t>Architecture</a:t>
-            </a:r>
-            <a:endParaRPr lang="en-US" sz="5400" dirty="0">
-              <a:solidFill>
-                <a:schemeClr val="bg1"/>
-              </a:solidFill>
-              <a:latin typeface="Cambria"/>
-              <a:ea typeface="Cambria"/>
-              <a:cs typeface="Cambria"/>
-              <a:sym typeface="Cambria"/>
-            </a:endParaRPr>
-          </a:p>
-        </p:txBody>
-      </p:sp>
+      <p:cxnSp>
+        <p:nvCxnSpPr>
+          <p:cNvPr id="14" name="Straight Arrow Connector 13"/>
+          <p:cNvCxnSpPr>
+            <a:endCxn id="12" idx="1"/>
+          </p:cNvCxnSpPr>
+          <p:nvPr/>
+        </p:nvCxnSpPr>
+        <p:spPr>
+          <a:xfrm>
+            <a:off x="2082019" y="4521833"/>
+            <a:ext cx="2461847" cy="0"/>
+          </a:xfrm>
+          <a:prstGeom prst="straightConnector1">
+            <a:avLst/>
+          </a:prstGeom>
+          <a:ln w="28575">
+            <a:solidFill>
+              <a:schemeClr val="tx1"/>
+            </a:solidFill>
+            <a:tailEnd type="triangle"/>
+          </a:ln>
+        </p:spPr>
+        <p:style>
+          <a:lnRef idx="1">
+            <a:schemeClr val="accent1"/>
+          </a:lnRef>
+          <a:fillRef idx="0">
+            <a:schemeClr val="accent1"/>
+          </a:fillRef>
+          <a:effectRef idx="0">
+            <a:schemeClr val="accent1"/>
+          </a:effectRef>
+          <a:fontRef idx="minor">
+            <a:schemeClr val="tx1"/>
+          </a:fontRef>
+        </p:style>
+      </p:cxnSp>
     </p:spTree>
     <p:extLst>
       <p:ext uri="{BB962C8B-B14F-4D97-AF65-F5344CB8AC3E}">
-        <p14:creationId xmlns:p14="http://schemas.microsoft.com/office/powerpoint/2010/main" val="1074625566"/>
+        <p14:creationId xmlns:p14="http://schemas.microsoft.com/office/powerpoint/2010/main" val="2511224575"/>
       </p:ext>
     </p:extLst>
   </p:cSld>
@@ -7455,45 +8338,298 @@
           <a:chExt cx="0" cy="0"/>
         </a:xfrm>
       </p:grpSpPr>
+      <p:grpSp>
+        <p:nvGrpSpPr>
+          <p:cNvPr id="4" name="Group 3"/>
+          <p:cNvGrpSpPr/>
+          <p:nvPr/>
+        </p:nvGrpSpPr>
+        <p:grpSpPr>
+          <a:xfrm>
+            <a:off x="810454" y="3560436"/>
+            <a:ext cx="1808322" cy="1367075"/>
+            <a:chOff x="6520756" y="2416407"/>
+            <a:chExt cx="1808322" cy="1047689"/>
+          </a:xfrm>
+        </p:grpSpPr>
+        <p:sp>
+          <p:nvSpPr>
+            <p:cNvPr id="5" name="Shape 689"/>
+            <p:cNvSpPr/>
+            <p:nvPr/>
+          </p:nvSpPr>
+          <p:spPr>
+            <a:xfrm>
+              <a:off x="6520756" y="2653845"/>
+              <a:ext cx="1808322" cy="810251"/>
+            </a:xfrm>
+            <a:prstGeom prst="rect">
+              <a:avLst/>
+            </a:prstGeom>
+            <a:solidFill>
+              <a:schemeClr val="bg2">
+                <a:lumMod val="20000"/>
+                <a:lumOff val="80000"/>
+              </a:schemeClr>
+            </a:solidFill>
+            <a:ln>
+              <a:headEnd type="none" w="med" len="med"/>
+              <a:tailEnd type="none" w="med" len="med"/>
+            </a:ln>
+          </p:spPr>
+          <p:style>
+            <a:lnRef idx="2">
+              <a:schemeClr val="accent3">
+                <a:shade val="50000"/>
+              </a:schemeClr>
+            </a:lnRef>
+            <a:fillRef idx="1">
+              <a:schemeClr val="accent3"/>
+            </a:fillRef>
+            <a:effectRef idx="0">
+              <a:schemeClr val="accent3"/>
+            </a:effectRef>
+            <a:fontRef idx="minor">
+              <a:schemeClr val="lt1"/>
+            </a:fontRef>
+          </p:style>
+          <p:txBody>
+            <a:bodyPr lIns="68569" tIns="68569" rIns="68569" bIns="68569" anchor="t" anchorCtr="0">
+              <a:noAutofit/>
+            </a:bodyPr>
+            <a:lstStyle/>
+            <a:p>
+              <a:pPr defTabSz="685800"/>
+              <a:r>
+                <a:rPr lang="en" sz="1500" kern="0" dirty="0" smtClean="0">
+                  <a:solidFill>
+                    <a:schemeClr val="tx1"/>
+                  </a:solidFill>
+                  <a:latin typeface="Cambria" pitchFamily="18" charset="0"/>
+                  <a:cs typeface="Arial"/>
+                  <a:sym typeface="Arial"/>
+                  <a:rtl val="0"/>
+                </a:rPr>
+                <a:t>Location</a:t>
+              </a:r>
+            </a:p>
+            <a:p>
+              <a:pPr defTabSz="685800"/>
+              <a:r>
+                <a:rPr lang="en" sz="1500" kern="0" dirty="0" smtClean="0">
+                  <a:solidFill>
+                    <a:schemeClr val="tx1"/>
+                  </a:solidFill>
+                  <a:latin typeface="Cambria" pitchFamily="18" charset="0"/>
+                  <a:cs typeface="Arial"/>
+                  <a:sym typeface="Arial"/>
+                  <a:rtl val="0"/>
+                </a:rPr>
+                <a:t>Title</a:t>
+              </a:r>
+            </a:p>
+            <a:p>
+              <a:pPr defTabSz="685800"/>
+              <a:r>
+                <a:rPr lang="en" sz="1500" kern="0" dirty="0" smtClean="0">
+                  <a:solidFill>
+                    <a:schemeClr val="tx1"/>
+                  </a:solidFill>
+                  <a:latin typeface="Cambria" pitchFamily="18" charset="0"/>
+                  <a:cs typeface="Arial"/>
+                  <a:sym typeface="Arial"/>
+                  <a:rtl val="0"/>
+                </a:rPr>
+                <a:t>SmallMessage</a:t>
+              </a:r>
+            </a:p>
+            <a:p>
+              <a:pPr defTabSz="685800"/>
+              <a:r>
+                <a:rPr lang="en" sz="1500" kern="0" dirty="0" smtClean="0">
+                  <a:solidFill>
+                    <a:schemeClr val="tx1"/>
+                  </a:solidFill>
+                  <a:latin typeface="Cambria" pitchFamily="18" charset="0"/>
+                  <a:cs typeface="Arial"/>
+                  <a:sym typeface="Arial"/>
+                  <a:rtl val="0"/>
+                </a:rPr>
+                <a:t>LongMessage</a:t>
+              </a:r>
+            </a:p>
+          </p:txBody>
+        </p:sp>
+        <p:sp>
+          <p:nvSpPr>
+            <p:cNvPr id="6" name="Shape 690"/>
+            <p:cNvSpPr/>
+            <p:nvPr/>
+          </p:nvSpPr>
+          <p:spPr>
+            <a:xfrm>
+              <a:off x="6520756" y="2416407"/>
+              <a:ext cx="1808322" cy="237439"/>
+            </a:xfrm>
+            <a:prstGeom prst="rect">
+              <a:avLst/>
+            </a:prstGeom>
+            <a:solidFill>
+              <a:schemeClr val="bg2">
+                <a:lumMod val="20000"/>
+                <a:lumOff val="80000"/>
+              </a:schemeClr>
+            </a:solidFill>
+            <a:ln>
+              <a:headEnd type="none" w="med" len="med"/>
+              <a:tailEnd type="none" w="med" len="med"/>
+            </a:ln>
+          </p:spPr>
+          <p:style>
+            <a:lnRef idx="2">
+              <a:schemeClr val="accent3">
+                <a:shade val="50000"/>
+              </a:schemeClr>
+            </a:lnRef>
+            <a:fillRef idx="1">
+              <a:schemeClr val="accent3"/>
+            </a:fillRef>
+            <a:effectRef idx="0">
+              <a:schemeClr val="accent3"/>
+            </a:effectRef>
+            <a:fontRef idx="minor">
+              <a:schemeClr val="lt1"/>
+            </a:fontRef>
+          </p:style>
+          <p:txBody>
+            <a:bodyPr lIns="68569" tIns="68569" rIns="68569" bIns="68569" anchor="ctr" anchorCtr="0">
+              <a:noAutofit/>
+            </a:bodyPr>
+            <a:lstStyle/>
+            <a:p>
+              <a:pPr algn="ctr" defTabSz="685800"/>
+              <a:r>
+                <a:rPr lang="en" b="1" kern="0" dirty="0" smtClean="0">
+                  <a:solidFill>
+                    <a:srgbClr val="000000"/>
+                  </a:solidFill>
+                  <a:latin typeface="Arial"/>
+                  <a:cs typeface="Arial"/>
+                  <a:sym typeface="Arial"/>
+                  <a:rtl val="0"/>
+                </a:rPr>
+                <a:t>Notify</a:t>
+              </a:r>
+              <a:endParaRPr lang="en" sz="1050" b="1" kern="0" dirty="0">
+                <a:solidFill>
+                  <a:srgbClr val="000000"/>
+                </a:solidFill>
+                <a:latin typeface="Arial"/>
+                <a:cs typeface="Arial"/>
+                <a:sym typeface="Arial"/>
+                <a:rtl val="0"/>
+              </a:endParaRPr>
+            </a:p>
+          </p:txBody>
+        </p:sp>
+      </p:grpSp>
+      <p:sp>
+        <p:nvSpPr>
+          <p:cNvPr id="7" name="Title 5"/>
+          <p:cNvSpPr>
+            <a:spLocks noGrp="1"/>
+          </p:cNvSpPr>
+          <p:nvPr>
+            <p:ph type="title"/>
+          </p:nvPr>
+        </p:nvSpPr>
+        <p:spPr>
+          <a:xfrm>
+            <a:off x="457200" y="274637"/>
+            <a:ext cx="8229600" cy="1143000"/>
+          </a:xfrm>
+        </p:spPr>
+        <p:txBody>
+          <a:bodyPr>
+            <a:normAutofit/>
+          </a:bodyPr>
+          <a:lstStyle/>
+          <a:p>
+            <a:r>
+              <a:rPr lang="vi-VN" sz="5400" dirty="0" smtClean="0">
+                <a:solidFill>
+                  <a:schemeClr val="bg1"/>
+                </a:solidFill>
+                <a:latin typeface="Cambria"/>
+                <a:ea typeface="Cambria"/>
+                <a:cs typeface="Cambria"/>
+                <a:sym typeface="Cambria"/>
+              </a:rPr>
+              <a:t>Architecture</a:t>
+            </a:r>
+            <a:endParaRPr lang="en-US" sz="5400" dirty="0">
+              <a:solidFill>
+                <a:schemeClr val="bg1"/>
+              </a:solidFill>
+              <a:latin typeface="Cambria"/>
+              <a:ea typeface="Cambria"/>
+              <a:cs typeface="Cambria"/>
+              <a:sym typeface="Cambria"/>
+            </a:endParaRPr>
+          </a:p>
+        </p:txBody>
+      </p:sp>
       <p:pic>
         <p:nvPicPr>
-          <p:cNvPr id="4" name="Picture 3"/>
+          <p:cNvPr id="8" name="Picture 2" descr="http://www.planet3films.com/wp-content/uploads/2012/01/download-button.png"/>
           <p:cNvPicPr>
-            <a:picLocks noChangeAspect="1"/>
+            <a:picLocks noChangeAspect="1" noChangeArrowheads="1"/>
           </p:cNvPicPr>
           <p:nvPr/>
         </p:nvPicPr>
         <p:blipFill>
-          <a:blip r:embed="rId2"/>
+          <a:blip r:embed="rId3" cstate="print">
+            <a:extLst>
+              <a:ext uri="{28A0092B-C50C-407E-A947-70E740481C1C}">
+                <a14:useLocalDpi xmlns:a14="http://schemas.microsoft.com/office/drawing/2010/main" val="0"/>
+              </a:ext>
+            </a:extLst>
+          </a:blip>
+          <a:srcRect/>
           <a:stretch>
             <a:fillRect/>
           </a:stretch>
         </p:blipFill>
-        <p:spPr>
-          <a:xfrm>
-            <a:off x="513651" y="1834721"/>
-            <a:ext cx="3504762" cy="2609524"/>
+        <p:spPr bwMode="auto">
+          <a:xfrm>
+            <a:off x="457200" y="1976542"/>
+            <a:ext cx="969840" cy="927167"/>
           </a:xfrm>
           <a:prstGeom prst="rect">
             <a:avLst/>
           </a:prstGeom>
-          <a:ln>
-            <a:solidFill>
-              <a:schemeClr val="tx1"/>
-            </a:solidFill>
-          </a:ln>
+          <a:noFill/>
+          <a:extLst>
+            <a:ext uri="{909E8E84-426E-40DD-AFC4-6F175D3DCCD1}">
+              <a14:hiddenFill xmlns:a14="http://schemas.microsoft.com/office/drawing/2010/main">
+                <a:solidFill>
+                  <a:srgbClr val="FFFFFF"/>
+                </a:solidFill>
+              </a14:hiddenFill>
+            </a:ext>
+          </a:extLst>
         </p:spPr>
       </p:pic>
       <p:sp>
         <p:nvSpPr>
-          <p:cNvPr id="5" name="Rectangle 4"/>
+          <p:cNvPr id="9" name="Rectangle 8"/>
           <p:cNvSpPr/>
           <p:nvPr/>
         </p:nvSpPr>
         <p:spPr>
           <a:xfrm>
-            <a:off x="2096087" y="2947291"/>
-            <a:ext cx="2082018" cy="1195754"/>
+            <a:off x="3524274" y="1612221"/>
+            <a:ext cx="1655806" cy="1655806"/>
           </a:xfrm>
           <a:prstGeom prst="rect">
             <a:avLst/>
@@ -7501,7 +8637,7 @@
           <a:noFill/>
           <a:ln>
             <a:solidFill>
-              <a:srgbClr val="FF0000"/>
+              <a:schemeClr val="tx1"/>
             </a:solidFill>
           </a:ln>
         </p:spPr>
@@ -7526,60 +8662,40 @@
           <a:lstStyle/>
           <a:p>
             <a:pPr algn="ctr"/>
-            <a:endParaRPr lang="en-US"/>
-          </a:p>
-        </p:txBody>
-      </p:sp>
-      <p:sp>
-        <p:nvSpPr>
-          <p:cNvPr id="8" name="TextBox 7"/>
-          <p:cNvSpPr txBox="1"/>
-          <p:nvPr/>
-        </p:nvSpPr>
-        <p:spPr>
-          <a:xfrm>
-            <a:off x="5677268" y="1834721"/>
-            <a:ext cx="3241649" cy="2308324"/>
-          </a:xfrm>
-          <a:prstGeom prst="rect">
-            <a:avLst/>
-          </a:prstGeom>
-          <a:noFill/>
-        </p:spPr>
-        <p:txBody>
-          <a:bodyPr wrap="square" rtlCol="0">
-            <a:spAutoFit/>
-          </a:bodyPr>
-          <a:lstStyle/>
-          <a:p>
-            <a:r>
-              <a:rPr lang="vi-VN" dirty="0"/>
-              <a:t>Rẽ &lt;b&gt;phải&lt;/b&gt; tại Codienlanhbhl vào &lt;b&gt;Quang Trung&lt;/b&gt;&lt;div style=\"font-size:0.9em\"&gt;Băng qua Ngân Hàng Tmcp Sài Gòn Thương Tín (Sacombank) - Pgd Hạnh Thông Tây (ở phía bên phải)&lt;/div&gt;</a:t>
-            </a:r>
-            <a:endParaRPr lang="en-US" dirty="0"/>
+            <a:r>
+              <a:rPr lang="en-US" sz="2000" dirty="0" smtClean="0">
+                <a:solidFill>
+                  <a:schemeClr val="tx1"/>
+                </a:solidFill>
+              </a:rPr>
+              <a:t>Create list of stings from list of step</a:t>
+            </a:r>
+            <a:endParaRPr lang="en-US" sz="2000" dirty="0">
+              <a:solidFill>
+                <a:schemeClr val="tx1"/>
+              </a:solidFill>
+            </a:endParaRPr>
           </a:p>
         </p:txBody>
       </p:sp>
       <p:cxnSp>
         <p:nvCxnSpPr>
-          <p:cNvPr id="15" name="Straight Arrow Connector 14"/>
-          <p:cNvCxnSpPr/>
+          <p:cNvPr id="10" name="Straight Arrow Connector 9"/>
+          <p:cNvCxnSpPr>
+            <a:stCxn id="8" idx="3"/>
+          </p:cNvCxnSpPr>
           <p:nvPr/>
         </p:nvCxnSpPr>
         <p:spPr>
-          <a:xfrm flipH="1">
-            <a:off x="4178105" y="2988883"/>
-            <a:ext cx="1499163" cy="556285"/>
+          <a:xfrm flipV="1">
+            <a:off x="1427040" y="2419643"/>
+            <a:ext cx="2097234" cy="20483"/>
           </a:xfrm>
           <a:prstGeom prst="straightConnector1">
             <a:avLst/>
           </a:prstGeom>
           <a:ln>
-            <a:solidFill>
-              <a:srgbClr val="FF0000"/>
-            </a:solidFill>
-            <a:headEnd type="triangle" w="med" len="med"/>
-            <a:tailEnd type="none" w="med" len="med"/>
+            <a:tailEnd type="triangle"/>
           </a:ln>
         </p:spPr>
         <p:style>
@@ -7599,54 +8715,247 @@
       </p:cxnSp>
       <p:sp>
         <p:nvSpPr>
-          <p:cNvPr id="6" name="Title 5"/>
-          <p:cNvSpPr>
-            <a:spLocks noGrp="1"/>
-          </p:cNvSpPr>
-          <p:nvPr>
-            <p:ph type="title"/>
-          </p:nvPr>
-        </p:nvSpPr>
-        <p:spPr>
-          <a:xfrm>
-            <a:off x="457200" y="274637"/>
-            <a:ext cx="8229600" cy="1143000"/>
-          </a:xfrm>
-        </p:spPr>
-        <p:txBody>
-          <a:bodyPr>
-            <a:normAutofit/>
+          <p:cNvPr id="11" name="TextBox 10"/>
+          <p:cNvSpPr txBox="1"/>
+          <p:nvPr/>
+        </p:nvSpPr>
+        <p:spPr>
+          <a:xfrm>
+            <a:off x="1412956" y="2074364"/>
+            <a:ext cx="1985672" cy="707886"/>
+          </a:xfrm>
+          <a:prstGeom prst="rect">
+            <a:avLst/>
+          </a:prstGeom>
+          <a:noFill/>
+        </p:spPr>
+        <p:txBody>
+          <a:bodyPr wrap="none" rtlCol="0">
+            <a:spAutoFit/>
           </a:bodyPr>
           <a:lstStyle/>
           <a:p>
             <a:r>
-              <a:rPr lang="vi-VN" sz="5400" dirty="0" smtClean="0">
-                <a:solidFill>
-                  <a:schemeClr val="bg1"/>
-                </a:solidFill>
-                <a:latin typeface="Cambria"/>
-                <a:ea typeface="Cambria"/>
-                <a:cs typeface="Cambria"/>
-                <a:sym typeface="Cambria"/>
+              <a:rPr lang="en-US" sz="2000" dirty="0" smtClean="0"/>
+              <a:t>          Press</a:t>
+            </a:r>
+          </a:p>
+          <a:p>
+            <a:r>
+              <a:rPr lang="en-US" sz="2000" dirty="0" smtClean="0"/>
+              <a:t>download button</a:t>
+            </a:r>
+            <a:endParaRPr lang="en-US" sz="2000" dirty="0"/>
+          </a:p>
+        </p:txBody>
+      </p:sp>
+      <p:sp>
+        <p:nvSpPr>
+          <p:cNvPr id="12" name="TextBox 11"/>
+          <p:cNvSpPr txBox="1"/>
+          <p:nvPr/>
+        </p:nvSpPr>
+        <p:spPr>
+          <a:xfrm>
+            <a:off x="4543866" y="4337167"/>
+            <a:ext cx="4300536" cy="369332"/>
+          </a:xfrm>
+          <a:prstGeom prst="rect">
+            <a:avLst/>
+          </a:prstGeom>
+          <a:noFill/>
+        </p:spPr>
+        <p:txBody>
+          <a:bodyPr wrap="none" rtlCol="0">
+            <a:spAutoFit/>
+          </a:bodyPr>
+          <a:lstStyle/>
+          <a:p>
+            <a:r>
+              <a:rPr lang="vi-VN" dirty="0">
+                <a:latin typeface="Cambria" panose="02040503050406030204" pitchFamily="18" charset="0"/>
               </a:rPr>
-              <a:t>Architecture</a:t>
-            </a:r>
-            <a:endParaRPr lang="en-US" sz="5400" dirty="0">
-              <a:solidFill>
-                <a:schemeClr val="bg1"/>
-              </a:solidFill>
-              <a:latin typeface="Cambria"/>
-              <a:ea typeface="Cambria"/>
-              <a:cs typeface="Cambria"/>
-              <a:sym typeface="Cambria"/>
-            </a:endParaRPr>
-          </a:p>
-        </p:txBody>
-      </p:sp>
+              <a:t>Chếch sang </a:t>
+            </a:r>
+            <a:r>
+              <a:rPr lang="vi-VN" dirty="0" smtClean="0">
+                <a:latin typeface="Cambria" panose="02040503050406030204" pitchFamily="18" charset="0"/>
+              </a:rPr>
+              <a:t>bên phải </a:t>
+            </a:r>
+            <a:r>
+              <a:rPr lang="vi-VN" dirty="0">
+                <a:latin typeface="Cambria" panose="02040503050406030204" pitchFamily="18" charset="0"/>
+              </a:rPr>
+              <a:t>để vào </a:t>
+            </a:r>
+            <a:r>
+              <a:rPr lang="vi-VN" dirty="0" smtClean="0">
+                <a:latin typeface="Cambria" panose="02040503050406030204" pitchFamily="18" charset="0"/>
+              </a:rPr>
+              <a:t>Trường </a:t>
+            </a:r>
+            <a:r>
+              <a:rPr lang="vi-VN" dirty="0">
+                <a:latin typeface="Cambria" panose="02040503050406030204" pitchFamily="18" charset="0"/>
+              </a:rPr>
+              <a:t>Chinh</a:t>
+            </a:r>
+            <a:endParaRPr lang="en-US" dirty="0"/>
+          </a:p>
+        </p:txBody>
+      </p:sp>
+      <p:cxnSp>
+        <p:nvCxnSpPr>
+          <p:cNvPr id="14" name="Straight Arrow Connector 13"/>
+          <p:cNvCxnSpPr>
+            <a:endCxn id="12" idx="1"/>
+          </p:cNvCxnSpPr>
+          <p:nvPr/>
+        </p:nvCxnSpPr>
+        <p:spPr>
+          <a:xfrm>
+            <a:off x="2082019" y="4521833"/>
+            <a:ext cx="2461847" cy="0"/>
+          </a:xfrm>
+          <a:prstGeom prst="straightConnector1">
+            <a:avLst/>
+          </a:prstGeom>
+          <a:ln w="28575">
+            <a:solidFill>
+              <a:schemeClr val="tx1"/>
+            </a:solidFill>
+            <a:tailEnd type="triangle"/>
+          </a:ln>
+        </p:spPr>
+        <p:style>
+          <a:lnRef idx="1">
+            <a:schemeClr val="accent1"/>
+          </a:lnRef>
+          <a:fillRef idx="0">
+            <a:schemeClr val="accent1"/>
+          </a:fillRef>
+          <a:effectRef idx="0">
+            <a:schemeClr val="accent1"/>
+          </a:effectRef>
+          <a:fontRef idx="minor">
+            <a:schemeClr val="tx1"/>
+          </a:fontRef>
+        </p:style>
+      </p:cxnSp>
+      <p:sp>
+        <p:nvSpPr>
+          <p:cNvPr id="2" name="TextBox 1"/>
+          <p:cNvSpPr txBox="1"/>
+          <p:nvPr/>
+        </p:nvSpPr>
+        <p:spPr>
+          <a:xfrm>
+            <a:off x="1073734" y="5173409"/>
+            <a:ext cx="1281761" cy="369332"/>
+          </a:xfrm>
+          <a:prstGeom prst="rect">
+            <a:avLst/>
+          </a:prstGeom>
+          <a:noFill/>
+          <a:ln>
+            <a:solidFill>
+              <a:schemeClr val="tx1"/>
+            </a:solidFill>
+          </a:ln>
+        </p:spPr>
+        <p:txBody>
+          <a:bodyPr wrap="none" rtlCol="0">
+            <a:spAutoFit/>
+          </a:bodyPr>
+          <a:lstStyle/>
+          <a:p>
+            <a:r>
+              <a:rPr lang="en-US" dirty="0" smtClean="0"/>
+              <a:t>List Notifies</a:t>
+            </a:r>
+            <a:endParaRPr lang="en-US" dirty="0"/>
+          </a:p>
+        </p:txBody>
+      </p:sp>
+      <p:sp>
+        <p:nvSpPr>
+          <p:cNvPr id="3" name="TextBox 2"/>
+          <p:cNvSpPr txBox="1"/>
+          <p:nvPr/>
+        </p:nvSpPr>
+        <p:spPr>
+          <a:xfrm>
+            <a:off x="6099740" y="5173409"/>
+            <a:ext cx="1188787" cy="369332"/>
+          </a:xfrm>
+          <a:prstGeom prst="rect">
+            <a:avLst/>
+          </a:prstGeom>
+          <a:noFill/>
+          <a:ln>
+            <a:solidFill>
+              <a:schemeClr val="tx1"/>
+            </a:solidFill>
+          </a:ln>
+        </p:spPr>
+        <p:txBody>
+          <a:bodyPr wrap="none" rtlCol="0">
+            <a:spAutoFit/>
+          </a:bodyPr>
+          <a:lstStyle/>
+          <a:p>
+            <a:r>
+              <a:rPr lang="en-US" dirty="0" smtClean="0"/>
+              <a:t>List Strings</a:t>
+            </a:r>
+            <a:endParaRPr lang="en-US" dirty="0"/>
+          </a:p>
+        </p:txBody>
+      </p:sp>
+      <p:cxnSp>
+        <p:nvCxnSpPr>
+          <p:cNvPr id="15" name="Straight Arrow Connector 14"/>
+          <p:cNvCxnSpPr>
+            <a:stCxn id="2" idx="3"/>
+            <a:endCxn id="3" idx="1"/>
+          </p:cNvCxnSpPr>
+          <p:nvPr/>
+        </p:nvCxnSpPr>
+        <p:spPr>
+          <a:xfrm>
+            <a:off x="2355495" y="5358075"/>
+            <a:ext cx="3744245" cy="0"/>
+          </a:xfrm>
+          <a:prstGeom prst="straightConnector1">
+            <a:avLst/>
+          </a:prstGeom>
+          <a:ln w="28575">
+            <a:solidFill>
+              <a:schemeClr val="tx1"/>
+            </a:solidFill>
+            <a:tailEnd type="triangle"/>
+          </a:ln>
+        </p:spPr>
+        <p:style>
+          <a:lnRef idx="1">
+            <a:schemeClr val="accent1"/>
+          </a:lnRef>
+          <a:fillRef idx="0">
+            <a:schemeClr val="accent1"/>
+          </a:fillRef>
+          <a:effectRef idx="0">
+            <a:schemeClr val="accent1"/>
+          </a:effectRef>
+          <a:fontRef idx="minor">
+            <a:schemeClr val="tx1"/>
+          </a:fontRef>
+        </p:style>
+      </p:cxnSp>
     </p:spTree>
     <p:extLst>
       <p:ext uri="{BB962C8B-B14F-4D97-AF65-F5344CB8AC3E}">
-        <p14:creationId xmlns:p14="http://schemas.microsoft.com/office/powerpoint/2010/main" val="4181484825"/>
+        <p14:creationId xmlns:p14="http://schemas.microsoft.com/office/powerpoint/2010/main" val="787912179"/>
       </p:ext>
     </p:extLst>
   </p:cSld>
@@ -7675,43 +8984,210 @@
       </p:grpSpPr>
       <p:pic>
         <p:nvPicPr>
-          <p:cNvPr id="4" name="Picture 3"/>
+          <p:cNvPr id="4" name="Picture 2" descr="http://www.planet3films.com/wp-content/uploads/2012/01/download-button.png"/>
           <p:cNvPicPr>
-            <a:picLocks noChangeAspect="1"/>
+            <a:picLocks noChangeAspect="1" noChangeArrowheads="1"/>
           </p:cNvPicPr>
           <p:nvPr/>
         </p:nvPicPr>
         <p:blipFill>
-          <a:blip r:embed="rId2"/>
+          <a:blip r:embed="rId3" cstate="print">
+            <a:extLst>
+              <a:ext uri="{28A0092B-C50C-407E-A947-70E740481C1C}">
+                <a14:useLocalDpi xmlns:a14="http://schemas.microsoft.com/office/drawing/2010/main" val="0"/>
+              </a:ext>
+            </a:extLst>
+          </a:blip>
+          <a:srcRect/>
           <a:stretch>
             <a:fillRect/>
           </a:stretch>
         </p:blipFill>
-        <p:spPr>
-          <a:xfrm>
-            <a:off x="513651" y="1834721"/>
-            <a:ext cx="3504762" cy="2609524"/>
+        <p:spPr bwMode="auto">
+          <a:xfrm>
+            <a:off x="457200" y="1976542"/>
+            <a:ext cx="969840" cy="927167"/>
           </a:xfrm>
           <a:prstGeom prst="rect">
             <a:avLst/>
           </a:prstGeom>
+          <a:noFill/>
+          <a:extLst>
+            <a:ext uri="{909E8E84-426E-40DD-AFC4-6F175D3DCCD1}">
+              <a14:hiddenFill xmlns:a14="http://schemas.microsoft.com/office/drawing/2010/main">
+                <a:solidFill>
+                  <a:srgbClr val="FFFFFF"/>
+                </a:solidFill>
+              </a14:hiddenFill>
+            </a:ext>
+          </a:extLst>
+        </p:spPr>
+      </p:pic>
+      <p:sp>
+        <p:nvSpPr>
+          <p:cNvPr id="5" name="Title 5"/>
+          <p:cNvSpPr>
+            <a:spLocks noGrp="1"/>
+          </p:cNvSpPr>
+          <p:nvPr>
+            <p:ph type="title"/>
+          </p:nvPr>
+        </p:nvSpPr>
+        <p:spPr>
+          <a:xfrm>
+            <a:off x="457200" y="274637"/>
+            <a:ext cx="8229600" cy="1143000"/>
+          </a:xfrm>
+        </p:spPr>
+        <p:txBody>
+          <a:bodyPr>
+            <a:normAutofit/>
+          </a:bodyPr>
+          <a:lstStyle/>
+          <a:p>
+            <a:r>
+              <a:rPr lang="vi-VN" sz="5400" dirty="0" smtClean="0">
+                <a:solidFill>
+                  <a:schemeClr val="bg1"/>
+                </a:solidFill>
+                <a:latin typeface="Cambria"/>
+                <a:ea typeface="Cambria"/>
+                <a:cs typeface="Cambria"/>
+                <a:sym typeface="Cambria"/>
+              </a:rPr>
+              <a:t>Architecture</a:t>
+            </a:r>
+            <a:endParaRPr lang="en-US" sz="5400" dirty="0">
+              <a:solidFill>
+                <a:schemeClr val="bg1"/>
+              </a:solidFill>
+              <a:latin typeface="Cambria"/>
+              <a:ea typeface="Cambria"/>
+              <a:cs typeface="Cambria"/>
+              <a:sym typeface="Cambria"/>
+            </a:endParaRPr>
+          </a:p>
+        </p:txBody>
+      </p:sp>
+      <p:pic>
+        <p:nvPicPr>
+          <p:cNvPr id="2050" name="Picture 2" descr="http://www.otofun.net/data/avatars/l/377/377693.jpg?1439537488"/>
+          <p:cNvPicPr>
+            <a:picLocks noChangeAspect="1" noChangeArrowheads="1"/>
+          </p:cNvPicPr>
+          <p:nvPr/>
+        </p:nvPicPr>
+        <p:blipFill>
+          <a:blip r:embed="rId4">
+            <a:extLst>
+              <a:ext uri="{28A0092B-C50C-407E-A947-70E740481C1C}">
+                <a14:useLocalDpi xmlns:a14="http://schemas.microsoft.com/office/drawing/2010/main" val="0"/>
+              </a:ext>
+            </a:extLst>
+          </a:blip>
+          <a:srcRect/>
+          <a:stretch>
+            <a:fillRect/>
+          </a:stretch>
+        </p:blipFill>
+        <p:spPr bwMode="auto">
+          <a:xfrm>
+            <a:off x="6739255" y="1678124"/>
+            <a:ext cx="1524000" cy="1524001"/>
+          </a:xfrm>
+          <a:prstGeom prst="rect">
+            <a:avLst/>
+          </a:prstGeom>
+          <a:noFill/>
+          <a:extLst>
+            <a:ext uri="{909E8E84-426E-40DD-AFC4-6F175D3DCCD1}">
+              <a14:hiddenFill xmlns:a14="http://schemas.microsoft.com/office/drawing/2010/main">
+                <a:solidFill>
+                  <a:srgbClr val="FFFFFF"/>
+                </a:solidFill>
+              </a14:hiddenFill>
+            </a:ext>
+          </a:extLst>
+        </p:spPr>
+      </p:pic>
+      <p:cxnSp>
+        <p:nvCxnSpPr>
+          <p:cNvPr id="8" name="Straight Arrow Connector 7"/>
+          <p:cNvCxnSpPr/>
+          <p:nvPr/>
+        </p:nvCxnSpPr>
+        <p:spPr>
+          <a:xfrm flipV="1">
+            <a:off x="1427040" y="2419643"/>
+            <a:ext cx="2097234" cy="20483"/>
+          </a:xfrm>
+          <a:prstGeom prst="straightConnector1">
+            <a:avLst/>
+          </a:prstGeom>
           <a:ln>
-            <a:solidFill>
-              <a:schemeClr val="tx1"/>
-            </a:solidFill>
+            <a:tailEnd type="triangle"/>
           </a:ln>
         </p:spPr>
-      </p:pic>
-      <p:sp>
-        <p:nvSpPr>
-          <p:cNvPr id="5" name="Rectangle 4"/>
+        <p:style>
+          <a:lnRef idx="1">
+            <a:schemeClr val="accent1"/>
+          </a:lnRef>
+          <a:fillRef idx="0">
+            <a:schemeClr val="accent1"/>
+          </a:fillRef>
+          <a:effectRef idx="0">
+            <a:schemeClr val="accent1"/>
+          </a:effectRef>
+          <a:fontRef idx="minor">
+            <a:schemeClr val="tx1"/>
+          </a:fontRef>
+        </p:style>
+      </p:cxnSp>
+      <p:cxnSp>
+        <p:nvCxnSpPr>
+          <p:cNvPr id="9" name="Straight Arrow Connector 8"/>
+          <p:cNvCxnSpPr>
+            <a:endCxn id="2050" idx="1"/>
+          </p:cNvCxnSpPr>
+          <p:nvPr/>
+        </p:nvCxnSpPr>
+        <p:spPr>
+          <a:xfrm>
+            <a:off x="5180080" y="2440124"/>
+            <a:ext cx="1559175" cy="1"/>
+          </a:xfrm>
+          <a:prstGeom prst="straightConnector1">
+            <a:avLst/>
+          </a:prstGeom>
+          <a:ln>
+            <a:tailEnd type="triangle"/>
+          </a:ln>
+        </p:spPr>
+        <p:style>
+          <a:lnRef idx="1">
+            <a:schemeClr val="accent1"/>
+          </a:lnRef>
+          <a:fillRef idx="0">
+            <a:schemeClr val="accent1"/>
+          </a:fillRef>
+          <a:effectRef idx="0">
+            <a:schemeClr val="accent1"/>
+          </a:effectRef>
+          <a:fontRef idx="minor">
+            <a:schemeClr val="tx1"/>
+          </a:fontRef>
+        </p:style>
+      </p:cxnSp>
+      <p:sp>
+        <p:nvSpPr>
+          <p:cNvPr id="10" name="Rectangle 9"/>
           <p:cNvSpPr/>
           <p:nvPr/>
         </p:nvSpPr>
         <p:spPr>
           <a:xfrm>
-            <a:off x="2096087" y="2947291"/>
-            <a:ext cx="2082018" cy="1195754"/>
+            <a:off x="3524274" y="1612221"/>
+            <a:ext cx="1655806" cy="1655806"/>
           </a:xfrm>
           <a:prstGeom prst="rect">
             <a:avLst/>
@@ -7719,7 +9195,7 @@
           <a:noFill/>
           <a:ln>
             <a:solidFill>
-              <a:srgbClr val="FF0000"/>
+              <a:schemeClr val="tx1"/>
             </a:solidFill>
           </a:ln>
         </p:spPr>
@@ -7744,385 +9220,128 @@
           <a:lstStyle/>
           <a:p>
             <a:pPr algn="ctr"/>
-            <a:endParaRPr lang="en-US"/>
-          </a:p>
-        </p:txBody>
-      </p:sp>
-      <p:cxnSp>
-        <p:nvCxnSpPr>
-          <p:cNvPr id="7" name="Straight Arrow Connector 6"/>
-          <p:cNvCxnSpPr>
-            <a:stCxn id="8" idx="1"/>
-            <a:endCxn id="5" idx="3"/>
-          </p:cNvCxnSpPr>
+            <a:r>
+              <a:rPr lang="en-US" sz="2000" dirty="0" smtClean="0">
+                <a:solidFill>
+                  <a:schemeClr val="tx1"/>
+                </a:solidFill>
+              </a:rPr>
+              <a:t>Create list of stings from list of step</a:t>
+            </a:r>
+            <a:endParaRPr lang="en-US" sz="2000" dirty="0">
+              <a:solidFill>
+                <a:schemeClr val="tx1"/>
+              </a:solidFill>
+            </a:endParaRPr>
+          </a:p>
+        </p:txBody>
+      </p:sp>
+      <p:sp>
+        <p:nvSpPr>
+          <p:cNvPr id="11" name="TextBox 10"/>
+          <p:cNvSpPr txBox="1"/>
           <p:nvPr/>
-        </p:nvCxnSpPr>
-        <p:spPr>
-          <a:xfrm flipH="1">
-            <a:off x="4178105" y="2988883"/>
-            <a:ext cx="1499163" cy="556285"/>
-          </a:xfrm>
-          <a:prstGeom prst="straightConnector1">
+        </p:nvSpPr>
+        <p:spPr>
+          <a:xfrm>
+            <a:off x="1412956" y="2074364"/>
+            <a:ext cx="2008114" cy="400110"/>
+          </a:xfrm>
+          <a:prstGeom prst="rect">
+            <a:avLst/>
+          </a:prstGeom>
+          <a:noFill/>
+        </p:spPr>
+        <p:txBody>
+          <a:bodyPr wrap="none" rtlCol="0">
+            <a:spAutoFit/>
+          </a:bodyPr>
+          <a:lstStyle/>
+          <a:p>
+            <a:r>
+              <a:rPr lang="en-US" sz="2000" dirty="0" smtClean="0"/>
+              <a:t>Download button</a:t>
+            </a:r>
+            <a:endParaRPr lang="en-US" sz="2000" dirty="0"/>
+          </a:p>
+        </p:txBody>
+      </p:sp>
+      <p:sp>
+        <p:nvSpPr>
+          <p:cNvPr id="12" name="TextBox 11"/>
+          <p:cNvSpPr txBox="1"/>
+          <p:nvPr/>
+        </p:nvSpPr>
+        <p:spPr>
+          <a:xfrm>
+            <a:off x="5163129" y="2029774"/>
+            <a:ext cx="1555362" cy="400110"/>
+          </a:xfrm>
+          <a:prstGeom prst="rect">
+            <a:avLst/>
+          </a:prstGeom>
+          <a:noFill/>
+        </p:spPr>
+        <p:txBody>
+          <a:bodyPr wrap="none" rtlCol="0">
+            <a:spAutoFit/>
+          </a:bodyPr>
+          <a:lstStyle/>
+          <a:p>
+            <a:r>
+              <a:rPr lang="en-US" sz="2000" dirty="0" smtClean="0"/>
+              <a:t>Send request</a:t>
+            </a:r>
+            <a:endParaRPr lang="en-US" sz="2000" dirty="0"/>
+          </a:p>
+        </p:txBody>
+      </p:sp>
+      <p:sp>
+        <p:nvSpPr>
+          <p:cNvPr id="2" name="Rectangle 1"/>
+          <p:cNvSpPr/>
+          <p:nvPr/>
+        </p:nvSpPr>
+        <p:spPr>
+          <a:xfrm>
+            <a:off x="942120" y="6074118"/>
+            <a:ext cx="7462912" cy="369332"/>
+          </a:xfrm>
+          <a:prstGeom prst="rect">
             <a:avLst/>
           </a:prstGeom>
           <a:ln>
             <a:solidFill>
-              <a:srgbClr val="FF0000"/>
+              <a:schemeClr val="tx1"/>
             </a:solidFill>
-            <a:headEnd type="triangle" w="med" len="med"/>
-            <a:tailEnd type="none" w="med" len="med"/>
           </a:ln>
         </p:spPr>
-        <p:style>
-          <a:lnRef idx="1">
-            <a:schemeClr val="accent1"/>
-          </a:lnRef>
-          <a:fillRef idx="0">
-            <a:schemeClr val="accent1"/>
-          </a:fillRef>
-          <a:effectRef idx="0">
-            <a:schemeClr val="accent1"/>
-          </a:effectRef>
-          <a:fontRef idx="minor">
-            <a:schemeClr val="tx1"/>
-          </a:fontRef>
-        </p:style>
-      </p:cxnSp>
-      <p:sp>
-        <p:nvSpPr>
-          <p:cNvPr id="8" name="TextBox 7"/>
-          <p:cNvSpPr txBox="1"/>
-          <p:nvPr/>
-        </p:nvSpPr>
-        <p:spPr>
-          <a:xfrm>
-            <a:off x="5677268" y="1834721"/>
-            <a:ext cx="3241649" cy="2308324"/>
-          </a:xfrm>
-          <a:prstGeom prst="rect">
-            <a:avLst/>
-          </a:prstGeom>
-          <a:noFill/>
-        </p:spPr>
-        <p:txBody>
-          <a:bodyPr wrap="square" rtlCol="0">
+        <p:txBody>
+          <a:bodyPr wrap="square">
             <a:spAutoFit/>
           </a:bodyPr>
           <a:lstStyle/>
           <a:p>
             <a:r>
-              <a:rPr lang="vi-VN" dirty="0">
+              <a:rPr lang="en-US" dirty="0"/>
+              <a:t>http://</a:t>
+            </a:r>
+            <a:r>
+              <a:rPr lang="en-US" dirty="0" smtClean="0"/>
+              <a:t>118.69.135.22/synthesis/file?voiceType=female&amp;text=</a:t>
+            </a:r>
+            <a:r>
+              <a:rPr lang="en-US" dirty="0" smtClean="0">
                 <a:solidFill>
                   <a:srgbClr val="FF0000"/>
                 </a:solidFill>
               </a:rPr>
-              <a:t>Rẽ</a:t>
-            </a:r>
-            <a:r>
-              <a:rPr lang="vi-VN" dirty="0"/>
-              <a:t> &lt;b&gt;</a:t>
-            </a:r>
-            <a:r>
-              <a:rPr lang="vi-VN" dirty="0">
-                <a:solidFill>
-                  <a:srgbClr val="FF0000"/>
-                </a:solidFill>
-              </a:rPr>
-              <a:t>phải</a:t>
-            </a:r>
-            <a:r>
-              <a:rPr lang="vi-VN" dirty="0"/>
-              <a:t>&lt;/b&gt; </a:t>
-            </a:r>
-            <a:r>
-              <a:rPr lang="vi-VN" dirty="0">
-                <a:solidFill>
-                  <a:srgbClr val="FF0000"/>
-                </a:solidFill>
-              </a:rPr>
-              <a:t>tại Codienlanhbhl vào</a:t>
-            </a:r>
-            <a:r>
-              <a:rPr lang="vi-VN" dirty="0"/>
-              <a:t> &lt;</a:t>
-            </a:r>
-            <a:r>
-              <a:rPr lang="vi-VN" dirty="0">
-                <a:solidFill>
-                  <a:srgbClr val="FF0000"/>
-                </a:solidFill>
-              </a:rPr>
-              <a:t>b&gt;Quang Trung</a:t>
-            </a:r>
-            <a:r>
-              <a:rPr lang="vi-VN" dirty="0"/>
-              <a:t>&lt;/b&gt;&lt;div style=\"font-size:0.9em\"&gt;</a:t>
-            </a:r>
-            <a:r>
-              <a:rPr lang="vi-VN" dirty="0">
-                <a:solidFill>
-                  <a:srgbClr val="FF0000"/>
-                </a:solidFill>
-              </a:rPr>
-              <a:t>Băng qua Ngân Hàng Tmcp Sài Gòn Thương Tín (Sacombank) - Pgd Hạnh Thông Tây (ở phía bên phải)</a:t>
-            </a:r>
-            <a:r>
-              <a:rPr lang="vi-VN" dirty="0"/>
-              <a:t>&lt;/div&gt;</a:t>
-            </a:r>
-            <a:endParaRPr lang="en-US" dirty="0"/>
-          </a:p>
-        </p:txBody>
-      </p:sp>
-      <p:sp>
-        <p:nvSpPr>
-          <p:cNvPr id="14" name="TextBox 13"/>
-          <p:cNvSpPr txBox="1"/>
-          <p:nvPr/>
-        </p:nvSpPr>
-        <p:spPr>
-          <a:xfrm>
-            <a:off x="1155337" y="5556815"/>
-            <a:ext cx="6045535" cy="923330"/>
-          </a:xfrm>
-          <a:prstGeom prst="rect">
-            <a:avLst/>
-          </a:prstGeom>
-          <a:noFill/>
-        </p:spPr>
-        <p:txBody>
-          <a:bodyPr wrap="square" rtlCol="0">
-            <a:spAutoFit/>
-          </a:bodyPr>
-          <a:lstStyle/>
-          <a:p>
-            <a:r>
-              <a:rPr lang="vi-VN" dirty="0"/>
-              <a:t>Rẽ </a:t>
-            </a:r>
-            <a:r>
-              <a:rPr lang="vi-VN" dirty="0" smtClean="0"/>
-              <a:t>phải </a:t>
-            </a:r>
-            <a:r>
-              <a:rPr lang="vi-VN" dirty="0"/>
-              <a:t>tại Codienlanhbhl vào </a:t>
-            </a:r>
-            <a:r>
-              <a:rPr lang="vi-VN" dirty="0" smtClean="0"/>
-              <a:t>Quang Trung</a:t>
-            </a:r>
-            <a:r>
-              <a:rPr lang="en-US" dirty="0" smtClean="0"/>
-              <a:t> </a:t>
-            </a:r>
-            <a:r>
-              <a:rPr lang="vi-VN" dirty="0" smtClean="0"/>
-              <a:t>Băng </a:t>
-            </a:r>
-            <a:r>
-              <a:rPr lang="vi-VN" dirty="0"/>
-              <a:t>qua Ngân Hàng Tmcp Sài Gòn Thương Tín (Sacombank) - Pgd Hạnh Thông Tây (ở phía bên phải</a:t>
-            </a:r>
-            <a:r>
-              <a:rPr lang="vi-VN" dirty="0" smtClean="0"/>
-              <a:t>)</a:t>
-            </a:r>
-            <a:endParaRPr lang="en-US" dirty="0"/>
-          </a:p>
-        </p:txBody>
-      </p:sp>
-      <p:cxnSp>
-        <p:nvCxnSpPr>
-          <p:cNvPr id="3" name="Straight Arrow Connector 2"/>
-          <p:cNvCxnSpPr>
-            <a:stCxn id="8" idx="2"/>
-            <a:endCxn id="14" idx="0"/>
-          </p:cNvCxnSpPr>
-          <p:nvPr/>
-        </p:nvCxnSpPr>
-        <p:spPr>
-          <a:xfrm flipH="1">
-            <a:off x="4178105" y="4143045"/>
-            <a:ext cx="3119988" cy="1413770"/>
-          </a:xfrm>
-          <a:prstGeom prst="straightConnector1">
-            <a:avLst/>
-          </a:prstGeom>
-          <a:ln>
-            <a:tailEnd type="triangle"/>
-          </a:ln>
-        </p:spPr>
-        <p:style>
-          <a:lnRef idx="1">
-            <a:schemeClr val="accent1"/>
-          </a:lnRef>
-          <a:fillRef idx="0">
-            <a:schemeClr val="accent1"/>
-          </a:fillRef>
-          <a:effectRef idx="0">
-            <a:schemeClr val="accent1"/>
-          </a:effectRef>
-          <a:fontRef idx="minor">
-            <a:schemeClr val="tx1"/>
-          </a:fontRef>
-        </p:style>
-      </p:cxnSp>
-      <p:sp>
-        <p:nvSpPr>
-          <p:cNvPr id="9" name="Title 5"/>
-          <p:cNvSpPr>
-            <a:spLocks noGrp="1"/>
-          </p:cNvSpPr>
-          <p:nvPr>
-            <p:ph type="title"/>
-          </p:nvPr>
-        </p:nvSpPr>
-        <p:spPr>
-          <a:xfrm>
-            <a:off x="457200" y="274637"/>
-            <a:ext cx="8229600" cy="1143000"/>
-          </a:xfrm>
-        </p:spPr>
-        <p:txBody>
-          <a:bodyPr>
-            <a:normAutofit/>
-          </a:bodyPr>
-          <a:lstStyle/>
-          <a:p>
-            <a:r>
-              <a:rPr lang="vi-VN" sz="5400" dirty="0" smtClean="0">
-                <a:solidFill>
-                  <a:schemeClr val="bg1"/>
-                </a:solidFill>
-                <a:latin typeface="Cambria"/>
-                <a:ea typeface="Cambria"/>
-                <a:cs typeface="Cambria"/>
-                <a:sym typeface="Cambria"/>
-              </a:rPr>
-              <a:t>Architecture</a:t>
-            </a:r>
-            <a:endParaRPr lang="en-US" sz="5400" dirty="0">
+              <a:t>String</a:t>
+            </a:r>
+            <a:endParaRPr lang="en-US" dirty="0">
               <a:solidFill>
-                <a:schemeClr val="bg1"/>
+                <a:srgbClr val="FF0000"/>
               </a:solidFill>
-              <a:latin typeface="Cambria"/>
-              <a:ea typeface="Cambria"/>
-              <a:cs typeface="Cambria"/>
-              <a:sym typeface="Cambria"/>
-            </a:endParaRPr>
-          </a:p>
-        </p:txBody>
-      </p:sp>
-      <p:sp>
-        <p:nvSpPr>
-          <p:cNvPr id="10" name="Title 5"/>
-          <p:cNvSpPr txBox="1">
-            <a:spLocks/>
-          </p:cNvSpPr>
-          <p:nvPr/>
-        </p:nvSpPr>
-        <p:spPr>
-          <a:xfrm>
-            <a:off x="609600" y="427037"/>
-            <a:ext cx="8229600" cy="1143000"/>
-          </a:xfrm>
-          <a:prstGeom prst="rect">
-            <a:avLst/>
-          </a:prstGeom>
-        </p:spPr>
-        <p:txBody>
-          <a:bodyPr vert="horz" lIns="91425" tIns="91425" rIns="91425" bIns="91425" rtlCol="0" anchor="b" anchorCtr="0">
-            <a:normAutofit/>
-          </a:bodyPr>
-          <a:lstStyle>
-            <a:lvl1pPr algn="l" defTabSz="914377" rtl="0" eaLnBrk="1" latinLnBrk="0" hangingPunct="1">
-              <a:lnSpc>
-                <a:spcPct val="90000"/>
-              </a:lnSpc>
-              <a:spcBef>
-                <a:spcPts val="0"/>
-              </a:spcBef>
-              <a:buNone/>
-              <a:defRPr sz="4400" kern="1200">
-                <a:solidFill>
-                  <a:schemeClr val="tx1"/>
-                </a:solidFill>
-                <a:latin typeface="+mj-lt"/>
-                <a:ea typeface="+mj-ea"/>
-                <a:cs typeface="+mj-cs"/>
-              </a:defRPr>
-            </a:lvl1pPr>
-            <a:lvl2pPr>
-              <a:spcBef>
-                <a:spcPts val="0"/>
-              </a:spcBef>
-              <a:defRPr/>
-            </a:lvl2pPr>
-            <a:lvl3pPr>
-              <a:spcBef>
-                <a:spcPts val="0"/>
-              </a:spcBef>
-              <a:defRPr/>
-            </a:lvl3pPr>
-            <a:lvl4pPr>
-              <a:spcBef>
-                <a:spcPts val="0"/>
-              </a:spcBef>
-              <a:defRPr/>
-            </a:lvl4pPr>
-            <a:lvl5pPr>
-              <a:spcBef>
-                <a:spcPts val="0"/>
-              </a:spcBef>
-              <a:defRPr/>
-            </a:lvl5pPr>
-            <a:lvl6pPr>
-              <a:spcBef>
-                <a:spcPts val="0"/>
-              </a:spcBef>
-              <a:defRPr/>
-            </a:lvl6pPr>
-            <a:lvl7pPr>
-              <a:spcBef>
-                <a:spcPts val="0"/>
-              </a:spcBef>
-              <a:defRPr/>
-            </a:lvl7pPr>
-            <a:lvl8pPr>
-              <a:spcBef>
-                <a:spcPts val="0"/>
-              </a:spcBef>
-              <a:defRPr/>
-            </a:lvl8pPr>
-            <a:lvl9pPr>
-              <a:spcBef>
-                <a:spcPts val="0"/>
-              </a:spcBef>
-              <a:defRPr/>
-            </a:lvl9pPr>
-          </a:lstStyle>
-          <a:p>
-            <a:r>
-              <a:rPr lang="vi-VN" sz="5400" smtClean="0">
-                <a:solidFill>
-                  <a:schemeClr val="bg1"/>
-                </a:solidFill>
-                <a:latin typeface="Cambria"/>
-                <a:ea typeface="Cambria"/>
-                <a:cs typeface="Cambria"/>
-                <a:sym typeface="Cambria"/>
-              </a:rPr>
-              <a:t>Architecture</a:t>
-            </a:r>
-            <a:endParaRPr lang="en-US" sz="5400" dirty="0">
-              <a:solidFill>
-                <a:schemeClr val="bg1"/>
-              </a:solidFill>
-              <a:latin typeface="Cambria"/>
-              <a:ea typeface="Cambria"/>
-              <a:cs typeface="Cambria"/>
-              <a:sym typeface="Cambria"/>
             </a:endParaRPr>
           </a:p>
         </p:txBody>
@@ -8130,7 +9349,7 @@
     </p:spTree>
     <p:extLst>
       <p:ext uri="{BB962C8B-B14F-4D97-AF65-F5344CB8AC3E}">
-        <p14:creationId xmlns:p14="http://schemas.microsoft.com/office/powerpoint/2010/main" val="592414318"/>
+        <p14:creationId xmlns:p14="http://schemas.microsoft.com/office/powerpoint/2010/main" val="3423415476"/>
       </p:ext>
     </p:extLst>
   </p:cSld>
@@ -8159,43 +9378,299 @@
       </p:grpSpPr>
       <p:pic>
         <p:nvPicPr>
-          <p:cNvPr id="4" name="Picture 3"/>
+          <p:cNvPr id="4" name="Picture 2" descr="http://www.planet3films.com/wp-content/uploads/2012/01/download-button.png"/>
+          <p:cNvPicPr>
+            <a:picLocks noChangeAspect="1" noChangeArrowheads="1"/>
+          </p:cNvPicPr>
+          <p:nvPr/>
+        </p:nvPicPr>
+        <p:blipFill>
+          <a:blip r:embed="rId3" cstate="print">
+            <a:extLst>
+              <a:ext uri="{28A0092B-C50C-407E-A947-70E740481C1C}">
+                <a14:useLocalDpi xmlns:a14="http://schemas.microsoft.com/office/drawing/2010/main" val="0"/>
+              </a:ext>
+            </a:extLst>
+          </a:blip>
+          <a:srcRect/>
+          <a:stretch>
+            <a:fillRect/>
+          </a:stretch>
+        </p:blipFill>
+        <p:spPr bwMode="auto">
+          <a:xfrm>
+            <a:off x="457200" y="1976542"/>
+            <a:ext cx="969840" cy="927167"/>
+          </a:xfrm>
+          <a:prstGeom prst="rect">
+            <a:avLst/>
+          </a:prstGeom>
+          <a:noFill/>
+          <a:extLst>
+            <a:ext uri="{909E8E84-426E-40DD-AFC4-6F175D3DCCD1}">
+              <a14:hiddenFill xmlns:a14="http://schemas.microsoft.com/office/drawing/2010/main">
+                <a:solidFill>
+                  <a:srgbClr val="FFFFFF"/>
+                </a:solidFill>
+              </a14:hiddenFill>
+            </a:ext>
+          </a:extLst>
+        </p:spPr>
+      </p:pic>
+      <p:sp>
+        <p:nvSpPr>
+          <p:cNvPr id="5" name="Title 5"/>
+          <p:cNvSpPr>
+            <a:spLocks noGrp="1"/>
+          </p:cNvSpPr>
+          <p:nvPr>
+            <p:ph type="title"/>
+          </p:nvPr>
+        </p:nvSpPr>
+        <p:spPr>
+          <a:xfrm>
+            <a:off x="457200" y="274637"/>
+            <a:ext cx="8229600" cy="1143000"/>
+          </a:xfrm>
+        </p:spPr>
+        <p:txBody>
+          <a:bodyPr>
+            <a:normAutofit/>
+          </a:bodyPr>
+          <a:lstStyle/>
+          <a:p>
+            <a:r>
+              <a:rPr lang="vi-VN" sz="5400" dirty="0" smtClean="0">
+                <a:solidFill>
+                  <a:schemeClr val="bg1"/>
+                </a:solidFill>
+                <a:latin typeface="Cambria"/>
+                <a:ea typeface="Cambria"/>
+                <a:cs typeface="Cambria"/>
+                <a:sym typeface="Cambria"/>
+              </a:rPr>
+              <a:t>Architecture</a:t>
+            </a:r>
+            <a:endParaRPr lang="en-US" sz="5400" dirty="0">
+              <a:solidFill>
+                <a:schemeClr val="bg1"/>
+              </a:solidFill>
+              <a:latin typeface="Cambria"/>
+              <a:ea typeface="Cambria"/>
+              <a:cs typeface="Cambria"/>
+              <a:sym typeface="Cambria"/>
+            </a:endParaRPr>
+          </a:p>
+        </p:txBody>
+      </p:sp>
+      <p:pic>
+        <p:nvPicPr>
+          <p:cNvPr id="2050" name="Picture 2" descr="http://www.otofun.net/data/avatars/l/377/377693.jpg?1439537488"/>
+          <p:cNvPicPr>
+            <a:picLocks noChangeAspect="1" noChangeArrowheads="1"/>
+          </p:cNvPicPr>
+          <p:nvPr/>
+        </p:nvPicPr>
+        <p:blipFill>
+          <a:blip r:embed="rId4">
+            <a:extLst>
+              <a:ext uri="{28A0092B-C50C-407E-A947-70E740481C1C}">
+                <a14:useLocalDpi xmlns:a14="http://schemas.microsoft.com/office/drawing/2010/main" val="0"/>
+              </a:ext>
+            </a:extLst>
+          </a:blip>
+          <a:srcRect/>
+          <a:stretch>
+            <a:fillRect/>
+          </a:stretch>
+        </p:blipFill>
+        <p:spPr bwMode="auto">
+          <a:xfrm>
+            <a:off x="6739255" y="1678124"/>
+            <a:ext cx="1524000" cy="1524001"/>
+          </a:xfrm>
+          <a:prstGeom prst="rect">
+            <a:avLst/>
+          </a:prstGeom>
+          <a:noFill/>
+          <a:extLst>
+            <a:ext uri="{909E8E84-426E-40DD-AFC4-6F175D3DCCD1}">
+              <a14:hiddenFill xmlns:a14="http://schemas.microsoft.com/office/drawing/2010/main">
+                <a:solidFill>
+                  <a:srgbClr val="FFFFFF"/>
+                </a:solidFill>
+              </a14:hiddenFill>
+            </a:ext>
+          </a:extLst>
+        </p:spPr>
+      </p:pic>
+      <p:pic>
+        <p:nvPicPr>
+          <p:cNvPr id="2" name="Picture 1"/>
           <p:cNvPicPr>
             <a:picLocks noChangeAspect="1"/>
           </p:cNvPicPr>
           <p:nvPr/>
         </p:nvPicPr>
         <p:blipFill>
-          <a:blip r:embed="rId2"/>
+          <a:blip r:embed="rId5"/>
           <a:stretch>
             <a:fillRect/>
           </a:stretch>
         </p:blipFill>
         <p:spPr>
           <a:xfrm>
-            <a:off x="566136" y="2148483"/>
-            <a:ext cx="4466667" cy="2504762"/>
+            <a:off x="6557528" y="4332849"/>
+            <a:ext cx="1887454" cy="1482095"/>
           </a:xfrm>
           <a:prstGeom prst="rect">
             <a:avLst/>
           </a:prstGeom>
+        </p:spPr>
+      </p:pic>
+      <p:cxnSp>
+        <p:nvCxnSpPr>
+          <p:cNvPr id="9" name="Straight Arrow Connector 8"/>
+          <p:cNvCxnSpPr/>
+          <p:nvPr/>
+        </p:nvCxnSpPr>
+        <p:spPr>
+          <a:xfrm flipV="1">
+            <a:off x="1427040" y="2419643"/>
+            <a:ext cx="2097234" cy="20483"/>
+          </a:xfrm>
+          <a:prstGeom prst="straightConnector1">
+            <a:avLst/>
+          </a:prstGeom>
           <a:ln>
-            <a:solidFill>
-              <a:schemeClr val="tx1"/>
-            </a:solidFill>
+            <a:tailEnd type="triangle"/>
           </a:ln>
         </p:spPr>
-      </p:pic>
-      <p:sp>
-        <p:nvSpPr>
-          <p:cNvPr id="5" name="Rectangle 4"/>
+        <p:style>
+          <a:lnRef idx="1">
+            <a:schemeClr val="accent1"/>
+          </a:lnRef>
+          <a:fillRef idx="0">
+            <a:schemeClr val="accent1"/>
+          </a:fillRef>
+          <a:effectRef idx="0">
+            <a:schemeClr val="accent1"/>
+          </a:effectRef>
+          <a:fontRef idx="minor">
+            <a:schemeClr val="tx1"/>
+          </a:fontRef>
+        </p:style>
+      </p:cxnSp>
+      <p:cxnSp>
+        <p:nvCxnSpPr>
+          <p:cNvPr id="10" name="Straight Arrow Connector 9"/>
+          <p:cNvCxnSpPr/>
+          <p:nvPr/>
+        </p:nvCxnSpPr>
+        <p:spPr>
+          <a:xfrm>
+            <a:off x="5180080" y="2440124"/>
+            <a:ext cx="1559175" cy="1"/>
+          </a:xfrm>
+          <a:prstGeom prst="straightConnector1">
+            <a:avLst/>
+          </a:prstGeom>
+          <a:ln>
+            <a:tailEnd type="triangle"/>
+          </a:ln>
+        </p:spPr>
+        <p:style>
+          <a:lnRef idx="1">
+            <a:schemeClr val="accent1"/>
+          </a:lnRef>
+          <a:fillRef idx="0">
+            <a:schemeClr val="accent1"/>
+          </a:fillRef>
+          <a:effectRef idx="0">
+            <a:schemeClr val="accent1"/>
+          </a:effectRef>
+          <a:fontRef idx="minor">
+            <a:schemeClr val="tx1"/>
+          </a:fontRef>
+        </p:style>
+      </p:cxnSp>
+      <p:cxnSp>
+        <p:nvCxnSpPr>
+          <p:cNvPr id="8" name="Straight Arrow Connector 7"/>
+          <p:cNvCxnSpPr>
+            <a:stCxn id="2050" idx="2"/>
+            <a:endCxn id="2" idx="0"/>
+          </p:cNvCxnSpPr>
+          <p:nvPr/>
+        </p:nvCxnSpPr>
+        <p:spPr>
+          <a:xfrm>
+            <a:off x="7501255" y="3202125"/>
+            <a:ext cx="0" cy="1130724"/>
+          </a:xfrm>
+          <a:prstGeom prst="straightConnector1">
+            <a:avLst/>
+          </a:prstGeom>
+          <a:ln>
+            <a:tailEnd type="triangle"/>
+          </a:ln>
+        </p:spPr>
+        <p:style>
+          <a:lnRef idx="1">
+            <a:schemeClr val="accent1"/>
+          </a:lnRef>
+          <a:fillRef idx="0">
+            <a:schemeClr val="accent1"/>
+          </a:fillRef>
+          <a:effectRef idx="0">
+            <a:schemeClr val="accent1"/>
+          </a:effectRef>
+          <a:fontRef idx="minor">
+            <a:schemeClr val="tx1"/>
+          </a:fontRef>
+        </p:style>
+      </p:cxnSp>
+      <p:sp>
+        <p:nvSpPr>
+          <p:cNvPr id="14" name="TextBox 13"/>
+          <p:cNvSpPr txBox="1"/>
+          <p:nvPr/>
+        </p:nvSpPr>
+        <p:spPr>
+          <a:xfrm>
+            <a:off x="6802721" y="5794171"/>
+            <a:ext cx="1397067" cy="646331"/>
+          </a:xfrm>
+          <a:prstGeom prst="rect">
+            <a:avLst/>
+          </a:prstGeom>
+          <a:noFill/>
+        </p:spPr>
+        <p:txBody>
+          <a:bodyPr wrap="square" rtlCol="0">
+            <a:spAutoFit/>
+          </a:bodyPr>
+          <a:lstStyle/>
+          <a:p>
+            <a:pPr algn="ctr"/>
+            <a:r>
+              <a:rPr lang="en-US" dirty="0" smtClean="0"/>
+              <a:t>Return list of audio files</a:t>
+            </a:r>
+            <a:endParaRPr lang="en-US" dirty="0"/>
+          </a:p>
+        </p:txBody>
+      </p:sp>
+      <p:sp>
+        <p:nvSpPr>
+          <p:cNvPr id="11" name="Rectangle 10"/>
           <p:cNvSpPr/>
           <p:nvPr/>
         </p:nvSpPr>
         <p:spPr>
           <a:xfrm>
-            <a:off x="928468" y="4389120"/>
-            <a:ext cx="1350498" cy="365760"/>
+            <a:off x="3524274" y="1612221"/>
+            <a:ext cx="1655806" cy="1655806"/>
           </a:xfrm>
           <a:prstGeom prst="rect">
             <a:avLst/>
@@ -8203,7 +9678,7 @@
           <a:noFill/>
           <a:ln>
             <a:solidFill>
-              <a:srgbClr val="FF0000"/>
+              <a:schemeClr val="tx1"/>
             </a:solidFill>
           </a:ln>
         </p:spPr>
@@ -8228,59 +9703,32 @@
           <a:lstStyle/>
           <a:p>
             <a:pPr algn="ctr"/>
-            <a:endParaRPr lang="en-US"/>
-          </a:p>
-        </p:txBody>
-      </p:sp>
-      <p:cxnSp>
-        <p:nvCxnSpPr>
-          <p:cNvPr id="7" name="Straight Arrow Connector 6"/>
-          <p:cNvCxnSpPr>
-            <a:endCxn id="5" idx="3"/>
-          </p:cNvCxnSpPr>
-          <p:nvPr/>
-        </p:nvCxnSpPr>
-        <p:spPr>
-          <a:xfrm flipH="1">
-            <a:off x="2278966" y="2148483"/>
-            <a:ext cx="4234376" cy="2423517"/>
-          </a:xfrm>
-          <a:prstGeom prst="straightConnector1">
-            <a:avLst/>
-          </a:prstGeom>
-          <a:ln>
-            <a:solidFill>
-              <a:srgbClr val="FF0000"/>
-            </a:solidFill>
-            <a:headEnd type="triangle" w="med" len="med"/>
-            <a:tailEnd type="none" w="med" len="med"/>
-          </a:ln>
-        </p:spPr>
-        <p:style>
-          <a:lnRef idx="1">
-            <a:schemeClr val="accent1"/>
-          </a:lnRef>
-          <a:fillRef idx="0">
-            <a:schemeClr val="accent1"/>
-          </a:fillRef>
-          <a:effectRef idx="0">
-            <a:schemeClr val="accent1"/>
-          </a:effectRef>
-          <a:fontRef idx="minor">
-            <a:schemeClr val="tx1"/>
-          </a:fontRef>
-        </p:style>
-      </p:cxnSp>
-      <p:sp>
-        <p:nvSpPr>
-          <p:cNvPr id="8" name="TextBox 7"/>
+            <a:r>
+              <a:rPr lang="en-US" sz="2000" dirty="0" smtClean="0">
+                <a:solidFill>
+                  <a:schemeClr val="tx1"/>
+                </a:solidFill>
+              </a:rPr>
+              <a:t>Create list of stings from list of step</a:t>
+            </a:r>
+            <a:endParaRPr lang="en-US" sz="2000" dirty="0">
+              <a:solidFill>
+                <a:schemeClr val="tx1"/>
+              </a:solidFill>
+            </a:endParaRPr>
+          </a:p>
+        </p:txBody>
+      </p:sp>
+      <p:sp>
+        <p:nvSpPr>
+          <p:cNvPr id="12" name="TextBox 11"/>
           <p:cNvSpPr txBox="1"/>
           <p:nvPr/>
         </p:nvSpPr>
         <p:spPr>
           <a:xfrm>
-            <a:off x="6578680" y="1963817"/>
-            <a:ext cx="1285160" cy="369332"/>
+            <a:off x="1412956" y="2074364"/>
+            <a:ext cx="2008114" cy="400110"/>
           </a:xfrm>
           <a:prstGeom prst="rect">
             <a:avLst/>
@@ -8294,23 +9742,23 @@
           <a:lstStyle/>
           <a:p>
             <a:r>
-              <a:rPr lang="en-US" dirty="0" smtClean="0"/>
-              <a:t>List of steps</a:t>
-            </a:r>
-            <a:endParaRPr lang="en-US" dirty="0"/>
-          </a:p>
-        </p:txBody>
-      </p:sp>
-      <p:sp>
-        <p:nvSpPr>
-          <p:cNvPr id="2" name="TextBox 1"/>
+              <a:rPr lang="en-US" sz="2000" dirty="0" smtClean="0"/>
+              <a:t>Download button</a:t>
+            </a:r>
+            <a:endParaRPr lang="en-US" sz="2000" dirty="0"/>
+          </a:p>
+        </p:txBody>
+      </p:sp>
+      <p:sp>
+        <p:nvSpPr>
+          <p:cNvPr id="13" name="TextBox 12"/>
           <p:cNvSpPr txBox="1"/>
           <p:nvPr/>
         </p:nvSpPr>
         <p:spPr>
           <a:xfrm>
-            <a:off x="6513342" y="4058625"/>
-            <a:ext cx="1415452" cy="369332"/>
+            <a:off x="5163129" y="2029774"/>
+            <a:ext cx="1555362" cy="400110"/>
           </a:xfrm>
           <a:prstGeom prst="rect">
             <a:avLst/>
@@ -8324,53 +9772,46 @@
           <a:lstStyle/>
           <a:p>
             <a:r>
-              <a:rPr lang="en-US" dirty="0" smtClean="0"/>
-              <a:t>List of strings</a:t>
-            </a:r>
-            <a:endParaRPr lang="en-US" dirty="0"/>
-          </a:p>
-        </p:txBody>
-      </p:sp>
-      <p:cxnSp>
-        <p:nvCxnSpPr>
-          <p:cNvPr id="6" name="Straight Arrow Connector 5"/>
-          <p:cNvCxnSpPr>
-            <a:stCxn id="8" idx="2"/>
-            <a:endCxn id="2" idx="0"/>
-          </p:cNvCxnSpPr>
+              <a:rPr lang="en-US" sz="2000" dirty="0" smtClean="0"/>
+              <a:t>Send request</a:t>
+            </a:r>
+            <a:endParaRPr lang="en-US" sz="2000" dirty="0"/>
+          </a:p>
+        </p:txBody>
+      </p:sp>
+      <p:sp>
+        <p:nvSpPr>
+          <p:cNvPr id="3" name="Rectangle 2"/>
+          <p:cNvSpPr/>
           <p:nvPr/>
-        </p:nvCxnSpPr>
-        <p:spPr>
-          <a:xfrm flipH="1">
-            <a:off x="7221068" y="2333149"/>
-            <a:ext cx="192" cy="1725476"/>
-          </a:xfrm>
-          <a:prstGeom prst="straightConnector1">
+        </p:nvSpPr>
+        <p:spPr>
+          <a:xfrm>
+            <a:off x="7501254" y="3563454"/>
+            <a:ext cx="892167" cy="400110"/>
+          </a:xfrm>
+          <a:prstGeom prst="rect">
             <a:avLst/>
           </a:prstGeom>
-          <a:ln>
-            <a:tailEnd type="triangle"/>
-          </a:ln>
-        </p:spPr>
-        <p:style>
-          <a:lnRef idx="1">
-            <a:schemeClr val="accent1"/>
-          </a:lnRef>
-          <a:fillRef idx="0">
-            <a:schemeClr val="accent1"/>
-          </a:fillRef>
-          <a:effectRef idx="0">
-            <a:schemeClr val="accent1"/>
-          </a:effectRef>
-          <a:fontRef idx="minor">
-            <a:schemeClr val="tx1"/>
-          </a:fontRef>
-        </p:style>
-      </p:cxnSp>
+        </p:spPr>
+        <p:txBody>
+          <a:bodyPr wrap="none">
+            <a:spAutoFit/>
+          </a:bodyPr>
+          <a:lstStyle/>
+          <a:p>
+            <a:r>
+              <a:rPr lang="en-US" sz="2000" dirty="0"/>
+              <a:t>Return</a:t>
+            </a:r>
+            <a:endParaRPr lang="en-US" dirty="0"/>
+          </a:p>
+        </p:txBody>
+      </p:sp>
     </p:spTree>
     <p:extLst>
       <p:ext uri="{BB962C8B-B14F-4D97-AF65-F5344CB8AC3E}">
-        <p14:creationId xmlns:p14="http://schemas.microsoft.com/office/powerpoint/2010/main" val="202767212"/>
+        <p14:creationId xmlns:p14="http://schemas.microsoft.com/office/powerpoint/2010/main" val="4041154205"/>
       </p:ext>
     </p:extLst>
   </p:cSld>
@@ -8406,7 +9847,7 @@
           <p:nvPr/>
         </p:nvPicPr>
         <p:blipFill>
-          <a:blip r:embed="rId2" cstate="print">
+          <a:blip r:embed="rId3" cstate="print">
             <a:extLst>
               <a:ext uri="{28A0092B-C50C-407E-A947-70E740481C1C}">
                 <a14:useLocalDpi xmlns:a14="http://schemas.microsoft.com/office/drawing/2010/main" val="0"/>
@@ -8493,7 +9934,7 @@
           <p:nvPr/>
         </p:nvPicPr>
         <p:blipFill>
-          <a:blip r:embed="rId3">
+          <a:blip r:embed="rId4">
             <a:extLst>
               <a:ext uri="{28A0092B-C50C-407E-A947-70E740481C1C}">
                 <a14:useLocalDpi xmlns:a14="http://schemas.microsoft.com/office/drawing/2010/main" val="0"/>
@@ -8525,9 +9966,57 @@
           </a:extLst>
         </p:spPr>
       </p:pic>
+      <p:pic>
+        <p:nvPicPr>
+          <p:cNvPr id="2" name="Picture 1"/>
+          <p:cNvPicPr>
+            <a:picLocks noChangeAspect="1"/>
+          </p:cNvPicPr>
+          <p:nvPr/>
+        </p:nvPicPr>
+        <p:blipFill>
+          <a:blip r:embed="rId5"/>
+          <a:stretch>
+            <a:fillRect/>
+          </a:stretch>
+        </p:blipFill>
+        <p:spPr>
+          <a:xfrm>
+            <a:off x="6557528" y="4332849"/>
+            <a:ext cx="1887454" cy="1482095"/>
+          </a:xfrm>
+          <a:prstGeom prst="rect">
+            <a:avLst/>
+          </a:prstGeom>
+        </p:spPr>
+      </p:pic>
+      <p:pic>
+        <p:nvPicPr>
+          <p:cNvPr id="3" name="Picture 2"/>
+          <p:cNvPicPr>
+            <a:picLocks noChangeAspect="1"/>
+          </p:cNvPicPr>
+          <p:nvPr/>
+        </p:nvPicPr>
+        <p:blipFill>
+          <a:blip r:embed="rId6"/>
+          <a:stretch>
+            <a:fillRect/>
+          </a:stretch>
+        </p:blipFill>
+        <p:spPr>
+          <a:xfrm>
+            <a:off x="3571650" y="4290514"/>
+            <a:ext cx="1608430" cy="1559024"/>
+          </a:xfrm>
+          <a:prstGeom prst="rect">
+            <a:avLst/>
+          </a:prstGeom>
+        </p:spPr>
+      </p:pic>
       <p:cxnSp>
         <p:nvCxnSpPr>
-          <p:cNvPr id="8" name="Straight Arrow Connector 7"/>
+          <p:cNvPr id="9" name="Straight Arrow Connector 8"/>
           <p:cNvCxnSpPr/>
           <p:nvPr/>
         </p:nvCxnSpPr>
@@ -8560,10 +10049,8 @@
       </p:cxnSp>
       <p:cxnSp>
         <p:nvCxnSpPr>
-          <p:cNvPr id="9" name="Straight Arrow Connector 8"/>
-          <p:cNvCxnSpPr>
-            <a:endCxn id="2050" idx="1"/>
-          </p:cNvCxnSpPr>
+          <p:cNvPr id="10" name="Straight Arrow Connector 9"/>
+          <p:cNvCxnSpPr/>
           <p:nvPr/>
         </p:nvCxnSpPr>
         <p:spPr>
@@ -8593,9 +10080,111 @@
           </a:fontRef>
         </p:style>
       </p:cxnSp>
-      <p:sp>
-        <p:nvSpPr>
-          <p:cNvPr id="10" name="Rectangle 9"/>
+      <p:cxnSp>
+        <p:nvCxnSpPr>
+          <p:cNvPr id="8" name="Straight Arrow Connector 7"/>
+          <p:cNvCxnSpPr>
+            <a:stCxn id="2050" idx="2"/>
+            <a:endCxn id="2" idx="0"/>
+          </p:cNvCxnSpPr>
+          <p:nvPr/>
+        </p:nvCxnSpPr>
+        <p:spPr>
+          <a:xfrm>
+            <a:off x="7501255" y="3202125"/>
+            <a:ext cx="0" cy="1130724"/>
+          </a:xfrm>
+          <a:prstGeom prst="straightConnector1">
+            <a:avLst/>
+          </a:prstGeom>
+          <a:ln>
+            <a:tailEnd type="triangle"/>
+          </a:ln>
+        </p:spPr>
+        <p:style>
+          <a:lnRef idx="1">
+            <a:schemeClr val="accent1"/>
+          </a:lnRef>
+          <a:fillRef idx="0">
+            <a:schemeClr val="accent1"/>
+          </a:fillRef>
+          <a:effectRef idx="0">
+            <a:schemeClr val="accent1"/>
+          </a:effectRef>
+          <a:fontRef idx="minor">
+            <a:schemeClr val="tx1"/>
+          </a:fontRef>
+        </p:style>
+      </p:cxnSp>
+      <p:cxnSp>
+        <p:nvCxnSpPr>
+          <p:cNvPr id="12" name="Straight Arrow Connector 11"/>
+          <p:cNvCxnSpPr>
+            <a:stCxn id="2" idx="1"/>
+            <a:endCxn id="3" idx="3"/>
+          </p:cNvCxnSpPr>
+          <p:nvPr/>
+        </p:nvCxnSpPr>
+        <p:spPr>
+          <a:xfrm flipH="1" flipV="1">
+            <a:off x="5180080" y="5070026"/>
+            <a:ext cx="1377448" cy="3871"/>
+          </a:xfrm>
+          <a:prstGeom prst="straightConnector1">
+            <a:avLst/>
+          </a:prstGeom>
+          <a:ln>
+            <a:tailEnd type="triangle"/>
+          </a:ln>
+        </p:spPr>
+        <p:style>
+          <a:lnRef idx="1">
+            <a:schemeClr val="accent1"/>
+          </a:lnRef>
+          <a:fillRef idx="0">
+            <a:schemeClr val="accent1"/>
+          </a:fillRef>
+          <a:effectRef idx="0">
+            <a:schemeClr val="accent1"/>
+          </a:effectRef>
+          <a:fontRef idx="minor">
+            <a:schemeClr val="tx1"/>
+          </a:fontRef>
+        </p:style>
+      </p:cxnSp>
+      <p:sp>
+        <p:nvSpPr>
+          <p:cNvPr id="15" name="TextBox 14"/>
+          <p:cNvSpPr txBox="1"/>
+          <p:nvPr/>
+        </p:nvSpPr>
+        <p:spPr>
+          <a:xfrm>
+            <a:off x="3577664" y="5932670"/>
+            <a:ext cx="1702710" cy="400110"/>
+          </a:xfrm>
+          <a:prstGeom prst="rect">
+            <a:avLst/>
+          </a:prstGeom>
+          <a:noFill/>
+        </p:spPr>
+        <p:txBody>
+          <a:bodyPr wrap="none" rtlCol="0">
+            <a:spAutoFit/>
+          </a:bodyPr>
+          <a:lstStyle/>
+          <a:p>
+            <a:r>
+              <a:rPr lang="en-US" sz="2000" dirty="0" smtClean="0"/>
+              <a:t>Cache(100mb)</a:t>
+            </a:r>
+            <a:endParaRPr lang="en-US" sz="2000" dirty="0"/>
+          </a:p>
+        </p:txBody>
+      </p:sp>
+      <p:sp>
+        <p:nvSpPr>
+          <p:cNvPr id="16" name="Rectangle 15"/>
           <p:cNvSpPr/>
           <p:nvPr/>
         </p:nvSpPr>
@@ -8653,7 +10242,7 @@
       </p:sp>
       <p:sp>
         <p:nvSpPr>
-          <p:cNvPr id="11" name="TextBox 10"/>
+          <p:cNvPr id="17" name="TextBox 16"/>
           <p:cNvSpPr txBox="1"/>
           <p:nvPr/>
         </p:nvSpPr>
@@ -8683,7 +10272,7 @@
       </p:sp>
       <p:sp>
         <p:nvSpPr>
-          <p:cNvPr id="12" name="TextBox 11"/>
+          <p:cNvPr id="18" name="TextBox 17"/>
           <p:cNvSpPr txBox="1"/>
           <p:nvPr/>
         </p:nvSpPr>
@@ -8713,53 +10302,127 @@
       </p:sp>
       <p:sp>
         <p:nvSpPr>
-          <p:cNvPr id="2" name="Rectangle 1"/>
-          <p:cNvSpPr/>
+          <p:cNvPr id="19" name="TextBox 18"/>
+          <p:cNvSpPr txBox="1"/>
           <p:nvPr/>
         </p:nvSpPr>
         <p:spPr>
           <a:xfrm>
-            <a:off x="942120" y="6074118"/>
-            <a:ext cx="7462912" cy="369332"/>
+            <a:off x="6678912" y="5778782"/>
+            <a:ext cx="1644686" cy="707886"/>
           </a:xfrm>
           <a:prstGeom prst="rect">
             <a:avLst/>
           </a:prstGeom>
-        </p:spPr>
-        <p:txBody>
-          <a:bodyPr wrap="square">
+          <a:noFill/>
+        </p:spPr>
+        <p:txBody>
+          <a:bodyPr wrap="square" rtlCol="0">
             <a:spAutoFit/>
           </a:bodyPr>
           <a:lstStyle/>
           <a:p>
-            <a:r>
-              <a:rPr lang="en-US" dirty="0"/>
-              <a:t>http://</a:t>
-            </a:r>
+            <a:pPr algn="ctr"/>
+            <a:r>
+              <a:rPr lang="en-US" sz="2000" dirty="0" smtClean="0"/>
+              <a:t>List of audio files</a:t>
+            </a:r>
+            <a:endParaRPr lang="en-US" sz="2000" dirty="0"/>
+          </a:p>
+        </p:txBody>
+      </p:sp>
+      <p:sp>
+        <p:nvSpPr>
+          <p:cNvPr id="20" name="Rectangle 19"/>
+          <p:cNvSpPr/>
+          <p:nvPr/>
+        </p:nvSpPr>
+        <p:spPr>
+          <a:xfrm>
+            <a:off x="7501254" y="3563454"/>
+            <a:ext cx="892167" cy="400110"/>
+          </a:xfrm>
+          <a:prstGeom prst="rect">
+            <a:avLst/>
+          </a:prstGeom>
+        </p:spPr>
+        <p:txBody>
+          <a:bodyPr wrap="none">
+            <a:spAutoFit/>
+          </a:bodyPr>
+          <a:lstStyle/>
+          <a:p>
+            <a:r>
+              <a:rPr lang="en-US" sz="2000" dirty="0"/>
+              <a:t>Return</a:t>
+            </a:r>
+            <a:endParaRPr lang="en-US" dirty="0"/>
+          </a:p>
+        </p:txBody>
+      </p:sp>
+      <p:sp>
+        <p:nvSpPr>
+          <p:cNvPr id="7" name="TextBox 6"/>
+          <p:cNvSpPr txBox="1"/>
+          <p:nvPr/>
+        </p:nvSpPr>
+        <p:spPr>
+          <a:xfrm>
+            <a:off x="5254222" y="5092385"/>
+            <a:ext cx="1584793" cy="369332"/>
+          </a:xfrm>
+          <a:prstGeom prst="rect">
+            <a:avLst/>
+          </a:prstGeom>
+          <a:noFill/>
+        </p:spPr>
+        <p:txBody>
+          <a:bodyPr wrap="none" rtlCol="0">
+            <a:spAutoFit/>
+          </a:bodyPr>
+          <a:lstStyle/>
+          <a:p>
             <a:r>
               <a:rPr lang="en-US" dirty="0" smtClean="0"/>
-              <a:t>118.69.135.22/synthesis/file?voiceType=female&amp;text=</a:t>
-            </a:r>
-            <a:r>
-              <a:rPr lang="en-US" dirty="0" smtClean="0">
-                <a:solidFill>
-                  <a:srgbClr val="FF0000"/>
-                </a:solidFill>
-              </a:rPr>
-              <a:t>String</a:t>
-            </a:r>
-            <a:endParaRPr lang="en-US" dirty="0">
-              <a:solidFill>
-                <a:srgbClr val="FF0000"/>
-              </a:solidFill>
-            </a:endParaRPr>
+              <a:t>Audio -&gt; byte[]</a:t>
+            </a:r>
+            <a:endParaRPr lang="en-US" dirty="0"/>
+          </a:p>
+        </p:txBody>
+      </p:sp>
+      <p:sp>
+        <p:nvSpPr>
+          <p:cNvPr id="27" name="Rectangle 26"/>
+          <p:cNvSpPr/>
+          <p:nvPr/>
+        </p:nvSpPr>
+        <p:spPr>
+          <a:xfrm>
+            <a:off x="5714796" y="4666535"/>
+            <a:ext cx="663643" cy="400110"/>
+          </a:xfrm>
+          <a:prstGeom prst="rect">
+            <a:avLst/>
+          </a:prstGeom>
+        </p:spPr>
+        <p:txBody>
+          <a:bodyPr wrap="none">
+            <a:spAutoFit/>
+          </a:bodyPr>
+          <a:lstStyle/>
+          <a:p>
+            <a:r>
+              <a:rPr lang="en-US" sz="2000" dirty="0" smtClean="0"/>
+              <a:t>Save</a:t>
+            </a:r>
+            <a:endParaRPr lang="en-US" dirty="0"/>
           </a:p>
         </p:txBody>
       </p:sp>
     </p:spTree>
     <p:extLst>
       <p:ext uri="{BB962C8B-B14F-4D97-AF65-F5344CB8AC3E}">
-        <p14:creationId xmlns:p14="http://schemas.microsoft.com/office/powerpoint/2010/main" val="3423415476"/>
+        <p14:creationId xmlns:p14="http://schemas.microsoft.com/office/powerpoint/2010/main" val="1147820855"/>
       </p:ext>
     </p:extLst>
   </p:cSld>

--- a/Document/presentation/nam/8 voice notify.pptx
+++ b/Document/presentation/nam/8 voice notify.pptx
@@ -3,22 +3,26 @@
 <p:presentation xmlns:a="http://schemas.openxmlformats.org/drawingml/2006/main" xmlns:r="http://schemas.openxmlformats.org/officeDocument/2006/relationships" xmlns:p="http://schemas.openxmlformats.org/presentationml/2006/main" saveSubsetFonts="1">
   <p:sldMasterIdLst>
     <p:sldMasterId id="2147483660" r:id="rId1"/>
+    <p:sldMasterId id="2147483673" r:id="rId2"/>
   </p:sldMasterIdLst>
   <p:notesMasterIdLst>
-    <p:notesMasterId r:id="rId13"/>
+    <p:notesMasterId r:id="rId17"/>
   </p:notesMasterIdLst>
   <p:sldIdLst>
-    <p:sldId id="328" r:id="rId2"/>
-    <p:sldId id="329" r:id="rId3"/>
-    <p:sldId id="330" r:id="rId4"/>
-    <p:sldId id="341" r:id="rId5"/>
-    <p:sldId id="346" r:id="rId6"/>
-    <p:sldId id="347" r:id="rId7"/>
-    <p:sldId id="342" r:id="rId8"/>
-    <p:sldId id="343" r:id="rId9"/>
-    <p:sldId id="344" r:id="rId10"/>
-    <p:sldId id="345" r:id="rId11"/>
-    <p:sldId id="335" r:id="rId12"/>
+    <p:sldId id="328" r:id="rId3"/>
+    <p:sldId id="329" r:id="rId4"/>
+    <p:sldId id="330" r:id="rId5"/>
+    <p:sldId id="341" r:id="rId6"/>
+    <p:sldId id="346" r:id="rId7"/>
+    <p:sldId id="347" r:id="rId8"/>
+    <p:sldId id="342" r:id="rId9"/>
+    <p:sldId id="343" r:id="rId10"/>
+    <p:sldId id="344" r:id="rId11"/>
+    <p:sldId id="345" r:id="rId12"/>
+    <p:sldId id="348" r:id="rId13"/>
+    <p:sldId id="349" r:id="rId14"/>
+    <p:sldId id="350" r:id="rId15"/>
+    <p:sldId id="335" r:id="rId16"/>
   </p:sldIdLst>
   <p:sldSz cx="9144000" cy="6858000" type="screen4x3"/>
   <p:notesSz cx="6858000" cy="9144000"/>
@@ -207,7 +211,7 @@
           <a:p>
             <a:fld id="{7A8151B2-7AEE-B245-86B8-7AA2B9F69044}" type="datetimeFigureOut">
               <a:rPr lang="en-US" smtClean="0"/>
-              <a:t>12/14/2015</a:t>
+              <a:t>12/14/15</a:t>
             </a:fld>
             <a:endParaRPr lang="en-US"/>
           </a:p>
@@ -1084,7 +1088,7 @@
           <a:p>
             <a:fld id="{2599C3E7-3278-1243-886F-92FF82204DB1}" type="slidenum">
               <a:rPr lang="en-US" smtClean="0"/>
-              <a:t>11</a:t>
+              <a:t>14</a:t>
             </a:fld>
             <a:endParaRPr lang="en-US"/>
           </a:p>
@@ -2589,7 +2593,7 @@
           <a:p>
             <a:fld id="{94B1E4EC-92D8-4A33-94B0-5CDDBDDA3BE9}" type="datetimeFigureOut">
               <a:rPr lang="en-US" smtClean="0"/>
-              <a:t>12/14/2015</a:t>
+              <a:t>12/14/15</a:t>
             </a:fld>
             <a:endParaRPr lang="en-US"/>
           </a:p>
@@ -2759,7 +2763,7 @@
           <a:p>
             <a:fld id="{94B1E4EC-92D8-4A33-94B0-5CDDBDDA3BE9}" type="datetimeFigureOut">
               <a:rPr lang="en-US" smtClean="0"/>
-              <a:t>12/14/2015</a:t>
+              <a:t>12/14/15</a:t>
             </a:fld>
             <a:endParaRPr lang="en-US"/>
           </a:p>
@@ -2939,7 +2943,7 @@
           <a:p>
             <a:fld id="{94B1E4EC-92D8-4A33-94B0-5CDDBDDA3BE9}" type="datetimeFigureOut">
               <a:rPr lang="en-US" smtClean="0"/>
-              <a:t>12/14/2015</a:t>
+              <a:t>12/14/15</a:t>
             </a:fld>
             <a:endParaRPr lang="en-US"/>
           </a:p>
@@ -3295,6 +3299,1650 @@
 </p:sldLayout>
 </file>
 
+<file path=ppt/slideLayouts/slideLayout13.xml><?xml version="1.0" encoding="utf-8"?>
+<p:sldLayout xmlns:a="http://schemas.openxmlformats.org/drawingml/2006/main" xmlns:r="http://schemas.openxmlformats.org/officeDocument/2006/relationships" xmlns:p="http://schemas.openxmlformats.org/presentationml/2006/main" type="title" preserve="1">
+  <p:cSld name="Title Slide">
+    <p:spTree>
+      <p:nvGrpSpPr>
+        <p:cNvPr id="1" name=""/>
+        <p:cNvGrpSpPr/>
+        <p:nvPr/>
+      </p:nvGrpSpPr>
+      <p:grpSpPr>
+        <a:xfrm>
+          <a:off x="0" y="0"/>
+          <a:ext cx="0" cy="0"/>
+          <a:chOff x="0" y="0"/>
+          <a:chExt cx="0" cy="0"/>
+        </a:xfrm>
+      </p:grpSpPr>
+      <p:sp>
+        <p:nvSpPr>
+          <p:cNvPr id="2" name="Title 1"/>
+          <p:cNvSpPr>
+            <a:spLocks noGrp="1"/>
+          </p:cNvSpPr>
+          <p:nvPr>
+            <p:ph type="ctrTitle"/>
+          </p:nvPr>
+        </p:nvSpPr>
+        <p:spPr>
+          <a:xfrm>
+            <a:off x="1143000" y="1122363"/>
+            <a:ext cx="6858000" cy="2387600"/>
+          </a:xfrm>
+        </p:spPr>
+        <p:txBody>
+          <a:bodyPr anchor="b"/>
+          <a:lstStyle>
+            <a:lvl1pPr algn="ctr">
+              <a:defRPr sz="4500"/>
+            </a:lvl1pPr>
+          </a:lstStyle>
+          <a:p>
+            <a:r>
+              <a:rPr lang="en-US" smtClean="0"/>
+              <a:t>Click to edit Master title style</a:t>
+            </a:r>
+            <a:endParaRPr lang="en-US"/>
+          </a:p>
+        </p:txBody>
+      </p:sp>
+      <p:sp>
+        <p:nvSpPr>
+          <p:cNvPr id="3" name="Subtitle 2"/>
+          <p:cNvSpPr>
+            <a:spLocks noGrp="1"/>
+          </p:cNvSpPr>
+          <p:nvPr>
+            <p:ph type="subTitle" idx="1"/>
+          </p:nvPr>
+        </p:nvSpPr>
+        <p:spPr>
+          <a:xfrm>
+            <a:off x="1143000" y="3602038"/>
+            <a:ext cx="6858000" cy="1655762"/>
+          </a:xfrm>
+        </p:spPr>
+        <p:txBody>
+          <a:bodyPr/>
+          <a:lstStyle>
+            <a:lvl1pPr marL="0" indent="0" algn="ctr">
+              <a:buNone/>
+              <a:defRPr sz="1800"/>
+            </a:lvl1pPr>
+            <a:lvl2pPr marL="342900" indent="0" algn="ctr">
+              <a:buNone/>
+              <a:defRPr sz="1500"/>
+            </a:lvl2pPr>
+            <a:lvl3pPr marL="685800" indent="0" algn="ctr">
+              <a:buNone/>
+              <a:defRPr sz="1350"/>
+            </a:lvl3pPr>
+            <a:lvl4pPr marL="1028700" indent="0" algn="ctr">
+              <a:buNone/>
+              <a:defRPr sz="1200"/>
+            </a:lvl4pPr>
+            <a:lvl5pPr marL="1371600" indent="0" algn="ctr">
+              <a:buNone/>
+              <a:defRPr sz="1200"/>
+            </a:lvl5pPr>
+            <a:lvl6pPr marL="1714500" indent="0" algn="ctr">
+              <a:buNone/>
+              <a:defRPr sz="1200"/>
+            </a:lvl6pPr>
+            <a:lvl7pPr marL="2057400" indent="0" algn="ctr">
+              <a:buNone/>
+              <a:defRPr sz="1200"/>
+            </a:lvl7pPr>
+            <a:lvl8pPr marL="2400300" indent="0" algn="ctr">
+              <a:buNone/>
+              <a:defRPr sz="1200"/>
+            </a:lvl8pPr>
+            <a:lvl9pPr marL="2743200" indent="0" algn="ctr">
+              <a:buNone/>
+              <a:defRPr sz="1200"/>
+            </a:lvl9pPr>
+          </a:lstStyle>
+          <a:p>
+            <a:r>
+              <a:rPr lang="en-US" smtClean="0"/>
+              <a:t>Click to edit Master subtitle style</a:t>
+            </a:r>
+            <a:endParaRPr lang="en-US"/>
+          </a:p>
+        </p:txBody>
+      </p:sp>
+      <p:sp>
+        <p:nvSpPr>
+          <p:cNvPr id="4" name="Date Placeholder 3"/>
+          <p:cNvSpPr>
+            <a:spLocks noGrp="1"/>
+          </p:cNvSpPr>
+          <p:nvPr>
+            <p:ph type="dt" sz="half" idx="10"/>
+          </p:nvPr>
+        </p:nvSpPr>
+        <p:spPr/>
+        <p:txBody>
+          <a:bodyPr/>
+          <a:lstStyle/>
+          <a:p>
+            <a:fld id="{06052D99-9D0E-D346-BA7D-E615F2BFBD8A}" type="datetimeFigureOut">
+              <a:rPr lang="en-US" smtClean="0">
+                <a:solidFill>
+                  <a:prstClr val="black">
+                    <a:tint val="75000"/>
+                  </a:prstClr>
+                </a:solidFill>
+              </a:rPr>
+              <a:pPr/>
+              <a:t>12/14/15</a:t>
+            </a:fld>
+            <a:endParaRPr lang="en-US">
+              <a:solidFill>
+                <a:prstClr val="black">
+                  <a:tint val="75000"/>
+                </a:prstClr>
+              </a:solidFill>
+            </a:endParaRPr>
+          </a:p>
+        </p:txBody>
+      </p:sp>
+      <p:sp>
+        <p:nvSpPr>
+          <p:cNvPr id="5" name="Footer Placeholder 4"/>
+          <p:cNvSpPr>
+            <a:spLocks noGrp="1"/>
+          </p:cNvSpPr>
+          <p:nvPr>
+            <p:ph type="ftr" sz="quarter" idx="11"/>
+          </p:nvPr>
+        </p:nvSpPr>
+        <p:spPr/>
+        <p:txBody>
+          <a:bodyPr/>
+          <a:lstStyle/>
+          <a:p>
+            <a:endParaRPr lang="en-US">
+              <a:solidFill>
+                <a:prstClr val="black">
+                  <a:tint val="75000"/>
+                </a:prstClr>
+              </a:solidFill>
+            </a:endParaRPr>
+          </a:p>
+        </p:txBody>
+      </p:sp>
+      <p:sp>
+        <p:nvSpPr>
+          <p:cNvPr id="6" name="Slide Number Placeholder 5"/>
+          <p:cNvSpPr>
+            <a:spLocks noGrp="1"/>
+          </p:cNvSpPr>
+          <p:nvPr>
+            <p:ph type="sldNum" sz="quarter" idx="12"/>
+          </p:nvPr>
+        </p:nvSpPr>
+        <p:spPr/>
+        <p:txBody>
+          <a:bodyPr/>
+          <a:lstStyle/>
+          <a:p>
+            <a:fld id="{A5E2EACC-D4B0-3045-B4AB-6B247433880E}" type="slidenum">
+              <a:rPr lang="en-US" smtClean="0">
+                <a:solidFill>
+                  <a:prstClr val="black">
+                    <a:tint val="75000"/>
+                  </a:prstClr>
+                </a:solidFill>
+              </a:rPr>
+              <a:pPr/>
+              <a:t>‹#›</a:t>
+            </a:fld>
+            <a:endParaRPr lang="en-US">
+              <a:solidFill>
+                <a:prstClr val="black">
+                  <a:tint val="75000"/>
+                </a:prstClr>
+              </a:solidFill>
+            </a:endParaRPr>
+          </a:p>
+        </p:txBody>
+      </p:sp>
+    </p:spTree>
+    <p:extLst>
+      <p:ext uri="{BB962C8B-B14F-4D97-AF65-F5344CB8AC3E}">
+        <p14:creationId xmlns:p14="http://schemas.microsoft.com/office/powerpoint/2010/main" val="2051350329"/>
+      </p:ext>
+    </p:extLst>
+  </p:cSld>
+  <p:clrMapOvr>
+    <a:masterClrMapping/>
+  </p:clrMapOvr>
+</p:sldLayout>
+</file>
+
+<file path=ppt/slideLayouts/slideLayout14.xml><?xml version="1.0" encoding="utf-8"?>
+<p:sldLayout xmlns:a="http://schemas.openxmlformats.org/drawingml/2006/main" xmlns:r="http://schemas.openxmlformats.org/officeDocument/2006/relationships" xmlns:p="http://schemas.openxmlformats.org/presentationml/2006/main" type="obj" preserve="1">
+  <p:cSld name="Title and Content">
+    <p:spTree>
+      <p:nvGrpSpPr>
+        <p:cNvPr id="1" name=""/>
+        <p:cNvGrpSpPr/>
+        <p:nvPr/>
+      </p:nvGrpSpPr>
+      <p:grpSpPr>
+        <a:xfrm>
+          <a:off x="0" y="0"/>
+          <a:ext cx="0" cy="0"/>
+          <a:chOff x="0" y="0"/>
+          <a:chExt cx="0" cy="0"/>
+        </a:xfrm>
+      </p:grpSpPr>
+      <p:sp>
+        <p:nvSpPr>
+          <p:cNvPr id="2" name="Title 1"/>
+          <p:cNvSpPr>
+            <a:spLocks noGrp="1"/>
+          </p:cNvSpPr>
+          <p:nvPr>
+            <p:ph type="title"/>
+          </p:nvPr>
+        </p:nvSpPr>
+        <p:spPr/>
+        <p:txBody>
+          <a:bodyPr/>
+          <a:lstStyle/>
+          <a:p>
+            <a:r>
+              <a:rPr lang="en-US" smtClean="0"/>
+              <a:t>Click to edit Master title style</a:t>
+            </a:r>
+            <a:endParaRPr lang="en-US"/>
+          </a:p>
+        </p:txBody>
+      </p:sp>
+      <p:sp>
+        <p:nvSpPr>
+          <p:cNvPr id="3" name="Content Placeholder 2"/>
+          <p:cNvSpPr>
+            <a:spLocks noGrp="1"/>
+          </p:cNvSpPr>
+          <p:nvPr>
+            <p:ph idx="1"/>
+          </p:nvPr>
+        </p:nvSpPr>
+        <p:spPr/>
+        <p:txBody>
+          <a:bodyPr/>
+          <a:lstStyle/>
+          <a:p>
+            <a:pPr lvl="0"/>
+            <a:r>
+              <a:rPr lang="en-US" smtClean="0"/>
+              <a:t>Click to edit Master text styles</a:t>
+            </a:r>
+          </a:p>
+          <a:p>
+            <a:pPr lvl="1"/>
+            <a:r>
+              <a:rPr lang="en-US" smtClean="0"/>
+              <a:t>Second level</a:t>
+            </a:r>
+          </a:p>
+          <a:p>
+            <a:pPr lvl="2"/>
+            <a:r>
+              <a:rPr lang="en-US" smtClean="0"/>
+              <a:t>Third level</a:t>
+            </a:r>
+          </a:p>
+          <a:p>
+            <a:pPr lvl="3"/>
+            <a:r>
+              <a:rPr lang="en-US" smtClean="0"/>
+              <a:t>Fourth level</a:t>
+            </a:r>
+          </a:p>
+          <a:p>
+            <a:pPr lvl="4"/>
+            <a:r>
+              <a:rPr lang="en-US" smtClean="0"/>
+              <a:t>Fifth level</a:t>
+            </a:r>
+            <a:endParaRPr lang="en-US"/>
+          </a:p>
+        </p:txBody>
+      </p:sp>
+      <p:sp>
+        <p:nvSpPr>
+          <p:cNvPr id="4" name="Date Placeholder 3"/>
+          <p:cNvSpPr>
+            <a:spLocks noGrp="1"/>
+          </p:cNvSpPr>
+          <p:nvPr>
+            <p:ph type="dt" sz="half" idx="10"/>
+          </p:nvPr>
+        </p:nvSpPr>
+        <p:spPr/>
+        <p:txBody>
+          <a:bodyPr/>
+          <a:lstStyle/>
+          <a:p>
+            <a:fld id="{06052D99-9D0E-D346-BA7D-E615F2BFBD8A}" type="datetimeFigureOut">
+              <a:rPr lang="en-US" smtClean="0">
+                <a:solidFill>
+                  <a:prstClr val="black">
+                    <a:tint val="75000"/>
+                  </a:prstClr>
+                </a:solidFill>
+              </a:rPr>
+              <a:pPr/>
+              <a:t>12/14/15</a:t>
+            </a:fld>
+            <a:endParaRPr lang="en-US">
+              <a:solidFill>
+                <a:prstClr val="black">
+                  <a:tint val="75000"/>
+                </a:prstClr>
+              </a:solidFill>
+            </a:endParaRPr>
+          </a:p>
+        </p:txBody>
+      </p:sp>
+      <p:sp>
+        <p:nvSpPr>
+          <p:cNvPr id="5" name="Footer Placeholder 4"/>
+          <p:cNvSpPr>
+            <a:spLocks noGrp="1"/>
+          </p:cNvSpPr>
+          <p:nvPr>
+            <p:ph type="ftr" sz="quarter" idx="11"/>
+          </p:nvPr>
+        </p:nvSpPr>
+        <p:spPr/>
+        <p:txBody>
+          <a:bodyPr/>
+          <a:lstStyle/>
+          <a:p>
+            <a:endParaRPr lang="en-US">
+              <a:solidFill>
+                <a:prstClr val="black">
+                  <a:tint val="75000"/>
+                </a:prstClr>
+              </a:solidFill>
+            </a:endParaRPr>
+          </a:p>
+        </p:txBody>
+      </p:sp>
+      <p:sp>
+        <p:nvSpPr>
+          <p:cNvPr id="6" name="Slide Number Placeholder 5"/>
+          <p:cNvSpPr>
+            <a:spLocks noGrp="1"/>
+          </p:cNvSpPr>
+          <p:nvPr>
+            <p:ph type="sldNum" sz="quarter" idx="12"/>
+          </p:nvPr>
+        </p:nvSpPr>
+        <p:spPr/>
+        <p:txBody>
+          <a:bodyPr/>
+          <a:lstStyle/>
+          <a:p>
+            <a:fld id="{A5E2EACC-D4B0-3045-B4AB-6B247433880E}" type="slidenum">
+              <a:rPr lang="en-US" smtClean="0">
+                <a:solidFill>
+                  <a:prstClr val="black">
+                    <a:tint val="75000"/>
+                  </a:prstClr>
+                </a:solidFill>
+              </a:rPr>
+              <a:pPr/>
+              <a:t>‹#›</a:t>
+            </a:fld>
+            <a:endParaRPr lang="en-US">
+              <a:solidFill>
+                <a:prstClr val="black">
+                  <a:tint val="75000"/>
+                </a:prstClr>
+              </a:solidFill>
+            </a:endParaRPr>
+          </a:p>
+        </p:txBody>
+      </p:sp>
+    </p:spTree>
+    <p:extLst>
+      <p:ext uri="{BB962C8B-B14F-4D97-AF65-F5344CB8AC3E}">
+        <p14:creationId xmlns:p14="http://schemas.microsoft.com/office/powerpoint/2010/main" val="2111870573"/>
+      </p:ext>
+    </p:extLst>
+  </p:cSld>
+  <p:clrMapOvr>
+    <a:masterClrMapping/>
+  </p:clrMapOvr>
+</p:sldLayout>
+</file>
+
+<file path=ppt/slideLayouts/slideLayout15.xml><?xml version="1.0" encoding="utf-8"?>
+<p:sldLayout xmlns:a="http://schemas.openxmlformats.org/drawingml/2006/main" xmlns:r="http://schemas.openxmlformats.org/officeDocument/2006/relationships" xmlns:p="http://schemas.openxmlformats.org/presentationml/2006/main" type="secHead" preserve="1">
+  <p:cSld name="Section Header">
+    <p:spTree>
+      <p:nvGrpSpPr>
+        <p:cNvPr id="1" name=""/>
+        <p:cNvGrpSpPr/>
+        <p:nvPr/>
+      </p:nvGrpSpPr>
+      <p:grpSpPr>
+        <a:xfrm>
+          <a:off x="0" y="0"/>
+          <a:ext cx="0" cy="0"/>
+          <a:chOff x="0" y="0"/>
+          <a:chExt cx="0" cy="0"/>
+        </a:xfrm>
+      </p:grpSpPr>
+      <p:sp>
+        <p:nvSpPr>
+          <p:cNvPr id="2" name="Title 1"/>
+          <p:cNvSpPr>
+            <a:spLocks noGrp="1"/>
+          </p:cNvSpPr>
+          <p:nvPr>
+            <p:ph type="title"/>
+          </p:nvPr>
+        </p:nvSpPr>
+        <p:spPr>
+          <a:xfrm>
+            <a:off x="623888" y="1709739"/>
+            <a:ext cx="7886700" cy="2852737"/>
+          </a:xfrm>
+        </p:spPr>
+        <p:txBody>
+          <a:bodyPr anchor="b"/>
+          <a:lstStyle>
+            <a:lvl1pPr>
+              <a:defRPr sz="4500"/>
+            </a:lvl1pPr>
+          </a:lstStyle>
+          <a:p>
+            <a:r>
+              <a:rPr lang="en-US" smtClean="0"/>
+              <a:t>Click to edit Master title style</a:t>
+            </a:r>
+            <a:endParaRPr lang="en-US"/>
+          </a:p>
+        </p:txBody>
+      </p:sp>
+      <p:sp>
+        <p:nvSpPr>
+          <p:cNvPr id="3" name="Text Placeholder 2"/>
+          <p:cNvSpPr>
+            <a:spLocks noGrp="1"/>
+          </p:cNvSpPr>
+          <p:nvPr>
+            <p:ph type="body" idx="1"/>
+          </p:nvPr>
+        </p:nvSpPr>
+        <p:spPr>
+          <a:xfrm>
+            <a:off x="623888" y="4589464"/>
+            <a:ext cx="7886700" cy="1500187"/>
+          </a:xfrm>
+        </p:spPr>
+        <p:txBody>
+          <a:bodyPr/>
+          <a:lstStyle>
+            <a:lvl1pPr marL="0" indent="0">
+              <a:buNone/>
+              <a:defRPr sz="1800">
+                <a:solidFill>
+                  <a:schemeClr val="tx1">
+                    <a:tint val="75000"/>
+                  </a:schemeClr>
+                </a:solidFill>
+              </a:defRPr>
+            </a:lvl1pPr>
+            <a:lvl2pPr marL="342900" indent="0">
+              <a:buNone/>
+              <a:defRPr sz="1500">
+                <a:solidFill>
+                  <a:schemeClr val="tx1">
+                    <a:tint val="75000"/>
+                  </a:schemeClr>
+                </a:solidFill>
+              </a:defRPr>
+            </a:lvl2pPr>
+            <a:lvl3pPr marL="685800" indent="0">
+              <a:buNone/>
+              <a:defRPr sz="1350">
+                <a:solidFill>
+                  <a:schemeClr val="tx1">
+                    <a:tint val="75000"/>
+                  </a:schemeClr>
+                </a:solidFill>
+              </a:defRPr>
+            </a:lvl3pPr>
+            <a:lvl4pPr marL="1028700" indent="0">
+              <a:buNone/>
+              <a:defRPr sz="1200">
+                <a:solidFill>
+                  <a:schemeClr val="tx1">
+                    <a:tint val="75000"/>
+                  </a:schemeClr>
+                </a:solidFill>
+              </a:defRPr>
+            </a:lvl4pPr>
+            <a:lvl5pPr marL="1371600" indent="0">
+              <a:buNone/>
+              <a:defRPr sz="1200">
+                <a:solidFill>
+                  <a:schemeClr val="tx1">
+                    <a:tint val="75000"/>
+                  </a:schemeClr>
+                </a:solidFill>
+              </a:defRPr>
+            </a:lvl5pPr>
+            <a:lvl6pPr marL="1714500" indent="0">
+              <a:buNone/>
+              <a:defRPr sz="1200">
+                <a:solidFill>
+                  <a:schemeClr val="tx1">
+                    <a:tint val="75000"/>
+                  </a:schemeClr>
+                </a:solidFill>
+              </a:defRPr>
+            </a:lvl6pPr>
+            <a:lvl7pPr marL="2057400" indent="0">
+              <a:buNone/>
+              <a:defRPr sz="1200">
+                <a:solidFill>
+                  <a:schemeClr val="tx1">
+                    <a:tint val="75000"/>
+                  </a:schemeClr>
+                </a:solidFill>
+              </a:defRPr>
+            </a:lvl7pPr>
+            <a:lvl8pPr marL="2400300" indent="0">
+              <a:buNone/>
+              <a:defRPr sz="1200">
+                <a:solidFill>
+                  <a:schemeClr val="tx1">
+                    <a:tint val="75000"/>
+                  </a:schemeClr>
+                </a:solidFill>
+              </a:defRPr>
+            </a:lvl8pPr>
+            <a:lvl9pPr marL="2743200" indent="0">
+              <a:buNone/>
+              <a:defRPr sz="1200">
+                <a:solidFill>
+                  <a:schemeClr val="tx1">
+                    <a:tint val="75000"/>
+                  </a:schemeClr>
+                </a:solidFill>
+              </a:defRPr>
+            </a:lvl9pPr>
+          </a:lstStyle>
+          <a:p>
+            <a:pPr lvl="0"/>
+            <a:r>
+              <a:rPr lang="en-US" smtClean="0"/>
+              <a:t>Click to edit Master text styles</a:t>
+            </a:r>
+          </a:p>
+        </p:txBody>
+      </p:sp>
+      <p:sp>
+        <p:nvSpPr>
+          <p:cNvPr id="4" name="Date Placeholder 3"/>
+          <p:cNvSpPr>
+            <a:spLocks noGrp="1"/>
+          </p:cNvSpPr>
+          <p:nvPr>
+            <p:ph type="dt" sz="half" idx="10"/>
+          </p:nvPr>
+        </p:nvSpPr>
+        <p:spPr/>
+        <p:txBody>
+          <a:bodyPr/>
+          <a:lstStyle/>
+          <a:p>
+            <a:fld id="{06052D99-9D0E-D346-BA7D-E615F2BFBD8A}" type="datetimeFigureOut">
+              <a:rPr lang="en-US" smtClean="0">
+                <a:solidFill>
+                  <a:prstClr val="black">
+                    <a:tint val="75000"/>
+                  </a:prstClr>
+                </a:solidFill>
+              </a:rPr>
+              <a:pPr/>
+              <a:t>12/14/15</a:t>
+            </a:fld>
+            <a:endParaRPr lang="en-US">
+              <a:solidFill>
+                <a:prstClr val="black">
+                  <a:tint val="75000"/>
+                </a:prstClr>
+              </a:solidFill>
+            </a:endParaRPr>
+          </a:p>
+        </p:txBody>
+      </p:sp>
+      <p:sp>
+        <p:nvSpPr>
+          <p:cNvPr id="5" name="Footer Placeholder 4"/>
+          <p:cNvSpPr>
+            <a:spLocks noGrp="1"/>
+          </p:cNvSpPr>
+          <p:nvPr>
+            <p:ph type="ftr" sz="quarter" idx="11"/>
+          </p:nvPr>
+        </p:nvSpPr>
+        <p:spPr/>
+        <p:txBody>
+          <a:bodyPr/>
+          <a:lstStyle/>
+          <a:p>
+            <a:endParaRPr lang="en-US">
+              <a:solidFill>
+                <a:prstClr val="black">
+                  <a:tint val="75000"/>
+                </a:prstClr>
+              </a:solidFill>
+            </a:endParaRPr>
+          </a:p>
+        </p:txBody>
+      </p:sp>
+      <p:sp>
+        <p:nvSpPr>
+          <p:cNvPr id="6" name="Slide Number Placeholder 5"/>
+          <p:cNvSpPr>
+            <a:spLocks noGrp="1"/>
+          </p:cNvSpPr>
+          <p:nvPr>
+            <p:ph type="sldNum" sz="quarter" idx="12"/>
+          </p:nvPr>
+        </p:nvSpPr>
+        <p:spPr/>
+        <p:txBody>
+          <a:bodyPr/>
+          <a:lstStyle/>
+          <a:p>
+            <a:fld id="{A5E2EACC-D4B0-3045-B4AB-6B247433880E}" type="slidenum">
+              <a:rPr lang="en-US" smtClean="0">
+                <a:solidFill>
+                  <a:prstClr val="black">
+                    <a:tint val="75000"/>
+                  </a:prstClr>
+                </a:solidFill>
+              </a:rPr>
+              <a:pPr/>
+              <a:t>‹#›</a:t>
+            </a:fld>
+            <a:endParaRPr lang="en-US">
+              <a:solidFill>
+                <a:prstClr val="black">
+                  <a:tint val="75000"/>
+                </a:prstClr>
+              </a:solidFill>
+            </a:endParaRPr>
+          </a:p>
+        </p:txBody>
+      </p:sp>
+    </p:spTree>
+    <p:extLst>
+      <p:ext uri="{BB962C8B-B14F-4D97-AF65-F5344CB8AC3E}">
+        <p14:creationId xmlns:p14="http://schemas.microsoft.com/office/powerpoint/2010/main" val="36638429"/>
+      </p:ext>
+    </p:extLst>
+  </p:cSld>
+  <p:clrMapOvr>
+    <a:masterClrMapping/>
+  </p:clrMapOvr>
+</p:sldLayout>
+</file>
+
+<file path=ppt/slideLayouts/slideLayout16.xml><?xml version="1.0" encoding="utf-8"?>
+<p:sldLayout xmlns:a="http://schemas.openxmlformats.org/drawingml/2006/main" xmlns:r="http://schemas.openxmlformats.org/officeDocument/2006/relationships" xmlns:p="http://schemas.openxmlformats.org/presentationml/2006/main" type="twoObj" preserve="1">
+  <p:cSld name="Two Content">
+    <p:spTree>
+      <p:nvGrpSpPr>
+        <p:cNvPr id="1" name=""/>
+        <p:cNvGrpSpPr/>
+        <p:nvPr/>
+      </p:nvGrpSpPr>
+      <p:grpSpPr>
+        <a:xfrm>
+          <a:off x="0" y="0"/>
+          <a:ext cx="0" cy="0"/>
+          <a:chOff x="0" y="0"/>
+          <a:chExt cx="0" cy="0"/>
+        </a:xfrm>
+      </p:grpSpPr>
+      <p:sp>
+        <p:nvSpPr>
+          <p:cNvPr id="2" name="Title 1"/>
+          <p:cNvSpPr>
+            <a:spLocks noGrp="1"/>
+          </p:cNvSpPr>
+          <p:nvPr>
+            <p:ph type="title"/>
+          </p:nvPr>
+        </p:nvSpPr>
+        <p:spPr/>
+        <p:txBody>
+          <a:bodyPr/>
+          <a:lstStyle/>
+          <a:p>
+            <a:r>
+              <a:rPr lang="en-US" smtClean="0"/>
+              <a:t>Click to edit Master title style</a:t>
+            </a:r>
+            <a:endParaRPr lang="en-US"/>
+          </a:p>
+        </p:txBody>
+      </p:sp>
+      <p:sp>
+        <p:nvSpPr>
+          <p:cNvPr id="3" name="Content Placeholder 2"/>
+          <p:cNvSpPr>
+            <a:spLocks noGrp="1"/>
+          </p:cNvSpPr>
+          <p:nvPr>
+            <p:ph sz="half" idx="1"/>
+          </p:nvPr>
+        </p:nvSpPr>
+        <p:spPr>
+          <a:xfrm>
+            <a:off x="471487" y="1825625"/>
+            <a:ext cx="2900363" cy="4351338"/>
+          </a:xfrm>
+        </p:spPr>
+        <p:txBody>
+          <a:bodyPr/>
+          <a:lstStyle/>
+          <a:p>
+            <a:pPr lvl="0"/>
+            <a:r>
+              <a:rPr lang="en-US" smtClean="0"/>
+              <a:t>Click to edit Master text styles</a:t>
+            </a:r>
+          </a:p>
+          <a:p>
+            <a:pPr lvl="1"/>
+            <a:r>
+              <a:rPr lang="en-US" smtClean="0"/>
+              <a:t>Second level</a:t>
+            </a:r>
+          </a:p>
+          <a:p>
+            <a:pPr lvl="2"/>
+            <a:r>
+              <a:rPr lang="en-US" smtClean="0"/>
+              <a:t>Third level</a:t>
+            </a:r>
+          </a:p>
+          <a:p>
+            <a:pPr lvl="3"/>
+            <a:r>
+              <a:rPr lang="en-US" smtClean="0"/>
+              <a:t>Fourth level</a:t>
+            </a:r>
+          </a:p>
+          <a:p>
+            <a:pPr lvl="4"/>
+            <a:r>
+              <a:rPr lang="en-US" smtClean="0"/>
+              <a:t>Fifth level</a:t>
+            </a:r>
+            <a:endParaRPr lang="en-US"/>
+          </a:p>
+        </p:txBody>
+      </p:sp>
+      <p:sp>
+        <p:nvSpPr>
+          <p:cNvPr id="4" name="Content Placeholder 3"/>
+          <p:cNvSpPr>
+            <a:spLocks noGrp="1"/>
+          </p:cNvSpPr>
+          <p:nvPr>
+            <p:ph sz="half" idx="2"/>
+          </p:nvPr>
+        </p:nvSpPr>
+        <p:spPr>
+          <a:xfrm>
+            <a:off x="3486150" y="1825625"/>
+            <a:ext cx="2900363" cy="4351338"/>
+          </a:xfrm>
+        </p:spPr>
+        <p:txBody>
+          <a:bodyPr/>
+          <a:lstStyle/>
+          <a:p>
+            <a:pPr lvl="0"/>
+            <a:r>
+              <a:rPr lang="en-US" smtClean="0"/>
+              <a:t>Click to edit Master text styles</a:t>
+            </a:r>
+          </a:p>
+          <a:p>
+            <a:pPr lvl="1"/>
+            <a:r>
+              <a:rPr lang="en-US" smtClean="0"/>
+              <a:t>Second level</a:t>
+            </a:r>
+          </a:p>
+          <a:p>
+            <a:pPr lvl="2"/>
+            <a:r>
+              <a:rPr lang="en-US" smtClean="0"/>
+              <a:t>Third level</a:t>
+            </a:r>
+          </a:p>
+          <a:p>
+            <a:pPr lvl="3"/>
+            <a:r>
+              <a:rPr lang="en-US" smtClean="0"/>
+              <a:t>Fourth level</a:t>
+            </a:r>
+          </a:p>
+          <a:p>
+            <a:pPr lvl="4"/>
+            <a:r>
+              <a:rPr lang="en-US" smtClean="0"/>
+              <a:t>Fifth level</a:t>
+            </a:r>
+            <a:endParaRPr lang="en-US"/>
+          </a:p>
+        </p:txBody>
+      </p:sp>
+      <p:sp>
+        <p:nvSpPr>
+          <p:cNvPr id="5" name="Date Placeholder 4"/>
+          <p:cNvSpPr>
+            <a:spLocks noGrp="1"/>
+          </p:cNvSpPr>
+          <p:nvPr>
+            <p:ph type="dt" sz="half" idx="10"/>
+          </p:nvPr>
+        </p:nvSpPr>
+        <p:spPr/>
+        <p:txBody>
+          <a:bodyPr/>
+          <a:lstStyle/>
+          <a:p>
+            <a:fld id="{06052D99-9D0E-D346-BA7D-E615F2BFBD8A}" type="datetimeFigureOut">
+              <a:rPr lang="en-US" smtClean="0">
+                <a:solidFill>
+                  <a:prstClr val="black">
+                    <a:tint val="75000"/>
+                  </a:prstClr>
+                </a:solidFill>
+              </a:rPr>
+              <a:pPr/>
+              <a:t>12/14/15</a:t>
+            </a:fld>
+            <a:endParaRPr lang="en-US">
+              <a:solidFill>
+                <a:prstClr val="black">
+                  <a:tint val="75000"/>
+                </a:prstClr>
+              </a:solidFill>
+            </a:endParaRPr>
+          </a:p>
+        </p:txBody>
+      </p:sp>
+      <p:sp>
+        <p:nvSpPr>
+          <p:cNvPr id="6" name="Footer Placeholder 5"/>
+          <p:cNvSpPr>
+            <a:spLocks noGrp="1"/>
+          </p:cNvSpPr>
+          <p:nvPr>
+            <p:ph type="ftr" sz="quarter" idx="11"/>
+          </p:nvPr>
+        </p:nvSpPr>
+        <p:spPr/>
+        <p:txBody>
+          <a:bodyPr/>
+          <a:lstStyle/>
+          <a:p>
+            <a:endParaRPr lang="en-US">
+              <a:solidFill>
+                <a:prstClr val="black">
+                  <a:tint val="75000"/>
+                </a:prstClr>
+              </a:solidFill>
+            </a:endParaRPr>
+          </a:p>
+        </p:txBody>
+      </p:sp>
+      <p:sp>
+        <p:nvSpPr>
+          <p:cNvPr id="7" name="Slide Number Placeholder 6"/>
+          <p:cNvSpPr>
+            <a:spLocks noGrp="1"/>
+          </p:cNvSpPr>
+          <p:nvPr>
+            <p:ph type="sldNum" sz="quarter" idx="12"/>
+          </p:nvPr>
+        </p:nvSpPr>
+        <p:spPr/>
+        <p:txBody>
+          <a:bodyPr/>
+          <a:lstStyle/>
+          <a:p>
+            <a:fld id="{A5E2EACC-D4B0-3045-B4AB-6B247433880E}" type="slidenum">
+              <a:rPr lang="en-US" smtClean="0">
+                <a:solidFill>
+                  <a:prstClr val="black">
+                    <a:tint val="75000"/>
+                  </a:prstClr>
+                </a:solidFill>
+              </a:rPr>
+              <a:pPr/>
+              <a:t>‹#›</a:t>
+            </a:fld>
+            <a:endParaRPr lang="en-US">
+              <a:solidFill>
+                <a:prstClr val="black">
+                  <a:tint val="75000"/>
+                </a:prstClr>
+              </a:solidFill>
+            </a:endParaRPr>
+          </a:p>
+        </p:txBody>
+      </p:sp>
+    </p:spTree>
+    <p:extLst>
+      <p:ext uri="{BB962C8B-B14F-4D97-AF65-F5344CB8AC3E}">
+        <p14:creationId xmlns:p14="http://schemas.microsoft.com/office/powerpoint/2010/main" val="1957861782"/>
+      </p:ext>
+    </p:extLst>
+  </p:cSld>
+  <p:clrMapOvr>
+    <a:masterClrMapping/>
+  </p:clrMapOvr>
+</p:sldLayout>
+</file>
+
+<file path=ppt/slideLayouts/slideLayout17.xml><?xml version="1.0" encoding="utf-8"?>
+<p:sldLayout xmlns:a="http://schemas.openxmlformats.org/drawingml/2006/main" xmlns:r="http://schemas.openxmlformats.org/officeDocument/2006/relationships" xmlns:p="http://schemas.openxmlformats.org/presentationml/2006/main" type="twoTxTwoObj" preserve="1">
+  <p:cSld name="Comparison">
+    <p:spTree>
+      <p:nvGrpSpPr>
+        <p:cNvPr id="1" name=""/>
+        <p:cNvGrpSpPr/>
+        <p:nvPr/>
+      </p:nvGrpSpPr>
+      <p:grpSpPr>
+        <a:xfrm>
+          <a:off x="0" y="0"/>
+          <a:ext cx="0" cy="0"/>
+          <a:chOff x="0" y="0"/>
+          <a:chExt cx="0" cy="0"/>
+        </a:xfrm>
+      </p:grpSpPr>
+      <p:sp>
+        <p:nvSpPr>
+          <p:cNvPr id="2" name="Title 1"/>
+          <p:cNvSpPr>
+            <a:spLocks noGrp="1"/>
+          </p:cNvSpPr>
+          <p:nvPr>
+            <p:ph type="title"/>
+          </p:nvPr>
+        </p:nvSpPr>
+        <p:spPr>
+          <a:xfrm>
+            <a:off x="629841" y="365126"/>
+            <a:ext cx="7886700" cy="1325563"/>
+          </a:xfrm>
+        </p:spPr>
+        <p:txBody>
+          <a:bodyPr/>
+          <a:lstStyle/>
+          <a:p>
+            <a:r>
+              <a:rPr lang="en-US" smtClean="0"/>
+              <a:t>Click to edit Master title style</a:t>
+            </a:r>
+            <a:endParaRPr lang="en-US"/>
+          </a:p>
+        </p:txBody>
+      </p:sp>
+      <p:sp>
+        <p:nvSpPr>
+          <p:cNvPr id="3" name="Text Placeholder 2"/>
+          <p:cNvSpPr>
+            <a:spLocks noGrp="1"/>
+          </p:cNvSpPr>
+          <p:nvPr>
+            <p:ph type="body" idx="1"/>
+          </p:nvPr>
+        </p:nvSpPr>
+        <p:spPr>
+          <a:xfrm>
+            <a:off x="629842" y="1681163"/>
+            <a:ext cx="3868340" cy="823912"/>
+          </a:xfrm>
+        </p:spPr>
+        <p:txBody>
+          <a:bodyPr anchor="b"/>
+          <a:lstStyle>
+            <a:lvl1pPr marL="0" indent="0">
+              <a:buNone/>
+              <a:defRPr sz="1800" b="1"/>
+            </a:lvl1pPr>
+            <a:lvl2pPr marL="342900" indent="0">
+              <a:buNone/>
+              <a:defRPr sz="1500" b="1"/>
+            </a:lvl2pPr>
+            <a:lvl3pPr marL="685800" indent="0">
+              <a:buNone/>
+              <a:defRPr sz="1350" b="1"/>
+            </a:lvl3pPr>
+            <a:lvl4pPr marL="1028700" indent="0">
+              <a:buNone/>
+              <a:defRPr sz="1200" b="1"/>
+            </a:lvl4pPr>
+            <a:lvl5pPr marL="1371600" indent="0">
+              <a:buNone/>
+              <a:defRPr sz="1200" b="1"/>
+            </a:lvl5pPr>
+            <a:lvl6pPr marL="1714500" indent="0">
+              <a:buNone/>
+              <a:defRPr sz="1200" b="1"/>
+            </a:lvl6pPr>
+            <a:lvl7pPr marL="2057400" indent="0">
+              <a:buNone/>
+              <a:defRPr sz="1200" b="1"/>
+            </a:lvl7pPr>
+            <a:lvl8pPr marL="2400300" indent="0">
+              <a:buNone/>
+              <a:defRPr sz="1200" b="1"/>
+            </a:lvl8pPr>
+            <a:lvl9pPr marL="2743200" indent="0">
+              <a:buNone/>
+              <a:defRPr sz="1200" b="1"/>
+            </a:lvl9pPr>
+          </a:lstStyle>
+          <a:p>
+            <a:pPr lvl="0"/>
+            <a:r>
+              <a:rPr lang="en-US" smtClean="0"/>
+              <a:t>Click to edit Master text styles</a:t>
+            </a:r>
+          </a:p>
+        </p:txBody>
+      </p:sp>
+      <p:sp>
+        <p:nvSpPr>
+          <p:cNvPr id="4" name="Content Placeholder 3"/>
+          <p:cNvSpPr>
+            <a:spLocks noGrp="1"/>
+          </p:cNvSpPr>
+          <p:nvPr>
+            <p:ph sz="half" idx="2"/>
+          </p:nvPr>
+        </p:nvSpPr>
+        <p:spPr>
+          <a:xfrm>
+            <a:off x="629842" y="2505075"/>
+            <a:ext cx="3868340" cy="3684588"/>
+          </a:xfrm>
+        </p:spPr>
+        <p:txBody>
+          <a:bodyPr/>
+          <a:lstStyle/>
+          <a:p>
+            <a:pPr lvl="0"/>
+            <a:r>
+              <a:rPr lang="en-US" smtClean="0"/>
+              <a:t>Click to edit Master text styles</a:t>
+            </a:r>
+          </a:p>
+          <a:p>
+            <a:pPr lvl="1"/>
+            <a:r>
+              <a:rPr lang="en-US" smtClean="0"/>
+              <a:t>Second level</a:t>
+            </a:r>
+          </a:p>
+          <a:p>
+            <a:pPr lvl="2"/>
+            <a:r>
+              <a:rPr lang="en-US" smtClean="0"/>
+              <a:t>Third level</a:t>
+            </a:r>
+          </a:p>
+          <a:p>
+            <a:pPr lvl="3"/>
+            <a:r>
+              <a:rPr lang="en-US" smtClean="0"/>
+              <a:t>Fourth level</a:t>
+            </a:r>
+          </a:p>
+          <a:p>
+            <a:pPr lvl="4"/>
+            <a:r>
+              <a:rPr lang="en-US" smtClean="0"/>
+              <a:t>Fifth level</a:t>
+            </a:r>
+            <a:endParaRPr lang="en-US"/>
+          </a:p>
+        </p:txBody>
+      </p:sp>
+      <p:sp>
+        <p:nvSpPr>
+          <p:cNvPr id="5" name="Text Placeholder 4"/>
+          <p:cNvSpPr>
+            <a:spLocks noGrp="1"/>
+          </p:cNvSpPr>
+          <p:nvPr>
+            <p:ph type="body" sz="quarter" idx="3"/>
+          </p:nvPr>
+        </p:nvSpPr>
+        <p:spPr>
+          <a:xfrm>
+            <a:off x="4629150" y="1681163"/>
+            <a:ext cx="3887391" cy="823912"/>
+          </a:xfrm>
+        </p:spPr>
+        <p:txBody>
+          <a:bodyPr anchor="b"/>
+          <a:lstStyle>
+            <a:lvl1pPr marL="0" indent="0">
+              <a:buNone/>
+              <a:defRPr sz="1800" b="1"/>
+            </a:lvl1pPr>
+            <a:lvl2pPr marL="342900" indent="0">
+              <a:buNone/>
+              <a:defRPr sz="1500" b="1"/>
+            </a:lvl2pPr>
+            <a:lvl3pPr marL="685800" indent="0">
+              <a:buNone/>
+              <a:defRPr sz="1350" b="1"/>
+            </a:lvl3pPr>
+            <a:lvl4pPr marL="1028700" indent="0">
+              <a:buNone/>
+              <a:defRPr sz="1200" b="1"/>
+            </a:lvl4pPr>
+            <a:lvl5pPr marL="1371600" indent="0">
+              <a:buNone/>
+              <a:defRPr sz="1200" b="1"/>
+            </a:lvl5pPr>
+            <a:lvl6pPr marL="1714500" indent="0">
+              <a:buNone/>
+              <a:defRPr sz="1200" b="1"/>
+            </a:lvl6pPr>
+            <a:lvl7pPr marL="2057400" indent="0">
+              <a:buNone/>
+              <a:defRPr sz="1200" b="1"/>
+            </a:lvl7pPr>
+            <a:lvl8pPr marL="2400300" indent="0">
+              <a:buNone/>
+              <a:defRPr sz="1200" b="1"/>
+            </a:lvl8pPr>
+            <a:lvl9pPr marL="2743200" indent="0">
+              <a:buNone/>
+              <a:defRPr sz="1200" b="1"/>
+            </a:lvl9pPr>
+          </a:lstStyle>
+          <a:p>
+            <a:pPr lvl="0"/>
+            <a:r>
+              <a:rPr lang="en-US" smtClean="0"/>
+              <a:t>Click to edit Master text styles</a:t>
+            </a:r>
+          </a:p>
+        </p:txBody>
+      </p:sp>
+      <p:sp>
+        <p:nvSpPr>
+          <p:cNvPr id="6" name="Content Placeholder 5"/>
+          <p:cNvSpPr>
+            <a:spLocks noGrp="1"/>
+          </p:cNvSpPr>
+          <p:nvPr>
+            <p:ph sz="quarter" idx="4"/>
+          </p:nvPr>
+        </p:nvSpPr>
+        <p:spPr>
+          <a:xfrm>
+            <a:off x="4629150" y="2505075"/>
+            <a:ext cx="3887391" cy="3684588"/>
+          </a:xfrm>
+        </p:spPr>
+        <p:txBody>
+          <a:bodyPr/>
+          <a:lstStyle/>
+          <a:p>
+            <a:pPr lvl="0"/>
+            <a:r>
+              <a:rPr lang="en-US" smtClean="0"/>
+              <a:t>Click to edit Master text styles</a:t>
+            </a:r>
+          </a:p>
+          <a:p>
+            <a:pPr lvl="1"/>
+            <a:r>
+              <a:rPr lang="en-US" smtClean="0"/>
+              <a:t>Second level</a:t>
+            </a:r>
+          </a:p>
+          <a:p>
+            <a:pPr lvl="2"/>
+            <a:r>
+              <a:rPr lang="en-US" smtClean="0"/>
+              <a:t>Third level</a:t>
+            </a:r>
+          </a:p>
+          <a:p>
+            <a:pPr lvl="3"/>
+            <a:r>
+              <a:rPr lang="en-US" smtClean="0"/>
+              <a:t>Fourth level</a:t>
+            </a:r>
+          </a:p>
+          <a:p>
+            <a:pPr lvl="4"/>
+            <a:r>
+              <a:rPr lang="en-US" smtClean="0"/>
+              <a:t>Fifth level</a:t>
+            </a:r>
+            <a:endParaRPr lang="en-US"/>
+          </a:p>
+        </p:txBody>
+      </p:sp>
+      <p:sp>
+        <p:nvSpPr>
+          <p:cNvPr id="7" name="Date Placeholder 6"/>
+          <p:cNvSpPr>
+            <a:spLocks noGrp="1"/>
+          </p:cNvSpPr>
+          <p:nvPr>
+            <p:ph type="dt" sz="half" idx="10"/>
+          </p:nvPr>
+        </p:nvSpPr>
+        <p:spPr/>
+        <p:txBody>
+          <a:bodyPr/>
+          <a:lstStyle/>
+          <a:p>
+            <a:fld id="{06052D99-9D0E-D346-BA7D-E615F2BFBD8A}" type="datetimeFigureOut">
+              <a:rPr lang="en-US" smtClean="0">
+                <a:solidFill>
+                  <a:prstClr val="black">
+                    <a:tint val="75000"/>
+                  </a:prstClr>
+                </a:solidFill>
+              </a:rPr>
+              <a:pPr/>
+              <a:t>12/14/15</a:t>
+            </a:fld>
+            <a:endParaRPr lang="en-US">
+              <a:solidFill>
+                <a:prstClr val="black">
+                  <a:tint val="75000"/>
+                </a:prstClr>
+              </a:solidFill>
+            </a:endParaRPr>
+          </a:p>
+        </p:txBody>
+      </p:sp>
+      <p:sp>
+        <p:nvSpPr>
+          <p:cNvPr id="8" name="Footer Placeholder 7"/>
+          <p:cNvSpPr>
+            <a:spLocks noGrp="1"/>
+          </p:cNvSpPr>
+          <p:nvPr>
+            <p:ph type="ftr" sz="quarter" idx="11"/>
+          </p:nvPr>
+        </p:nvSpPr>
+        <p:spPr/>
+        <p:txBody>
+          <a:bodyPr/>
+          <a:lstStyle/>
+          <a:p>
+            <a:endParaRPr lang="en-US">
+              <a:solidFill>
+                <a:prstClr val="black">
+                  <a:tint val="75000"/>
+                </a:prstClr>
+              </a:solidFill>
+            </a:endParaRPr>
+          </a:p>
+        </p:txBody>
+      </p:sp>
+      <p:sp>
+        <p:nvSpPr>
+          <p:cNvPr id="9" name="Slide Number Placeholder 8"/>
+          <p:cNvSpPr>
+            <a:spLocks noGrp="1"/>
+          </p:cNvSpPr>
+          <p:nvPr>
+            <p:ph type="sldNum" sz="quarter" idx="12"/>
+          </p:nvPr>
+        </p:nvSpPr>
+        <p:spPr/>
+        <p:txBody>
+          <a:bodyPr/>
+          <a:lstStyle/>
+          <a:p>
+            <a:fld id="{A5E2EACC-D4B0-3045-B4AB-6B247433880E}" type="slidenum">
+              <a:rPr lang="en-US" smtClean="0">
+                <a:solidFill>
+                  <a:prstClr val="black">
+                    <a:tint val="75000"/>
+                  </a:prstClr>
+                </a:solidFill>
+              </a:rPr>
+              <a:pPr/>
+              <a:t>‹#›</a:t>
+            </a:fld>
+            <a:endParaRPr lang="en-US">
+              <a:solidFill>
+                <a:prstClr val="black">
+                  <a:tint val="75000"/>
+                </a:prstClr>
+              </a:solidFill>
+            </a:endParaRPr>
+          </a:p>
+        </p:txBody>
+      </p:sp>
+    </p:spTree>
+    <p:extLst>
+      <p:ext uri="{BB962C8B-B14F-4D97-AF65-F5344CB8AC3E}">
+        <p14:creationId xmlns:p14="http://schemas.microsoft.com/office/powerpoint/2010/main" val="632042942"/>
+      </p:ext>
+    </p:extLst>
+  </p:cSld>
+  <p:clrMapOvr>
+    <a:masterClrMapping/>
+  </p:clrMapOvr>
+</p:sldLayout>
+</file>
+
+<file path=ppt/slideLayouts/slideLayout18.xml><?xml version="1.0" encoding="utf-8"?>
+<p:sldLayout xmlns:a="http://schemas.openxmlformats.org/drawingml/2006/main" xmlns:r="http://schemas.openxmlformats.org/officeDocument/2006/relationships" xmlns:p="http://schemas.openxmlformats.org/presentationml/2006/main" type="titleOnly" preserve="1">
+  <p:cSld name="Title Only">
+    <p:spTree>
+      <p:nvGrpSpPr>
+        <p:cNvPr id="1" name=""/>
+        <p:cNvGrpSpPr/>
+        <p:nvPr/>
+      </p:nvGrpSpPr>
+      <p:grpSpPr>
+        <a:xfrm>
+          <a:off x="0" y="0"/>
+          <a:ext cx="0" cy="0"/>
+          <a:chOff x="0" y="0"/>
+          <a:chExt cx="0" cy="0"/>
+        </a:xfrm>
+      </p:grpSpPr>
+      <p:sp>
+        <p:nvSpPr>
+          <p:cNvPr id="2" name="Title 1"/>
+          <p:cNvSpPr>
+            <a:spLocks noGrp="1"/>
+          </p:cNvSpPr>
+          <p:nvPr>
+            <p:ph type="title"/>
+          </p:nvPr>
+        </p:nvSpPr>
+        <p:spPr/>
+        <p:txBody>
+          <a:bodyPr/>
+          <a:lstStyle/>
+          <a:p>
+            <a:r>
+              <a:rPr lang="en-US" smtClean="0"/>
+              <a:t>Click to edit Master title style</a:t>
+            </a:r>
+            <a:endParaRPr lang="en-US"/>
+          </a:p>
+        </p:txBody>
+      </p:sp>
+      <p:sp>
+        <p:nvSpPr>
+          <p:cNvPr id="3" name="Date Placeholder 2"/>
+          <p:cNvSpPr>
+            <a:spLocks noGrp="1"/>
+          </p:cNvSpPr>
+          <p:nvPr>
+            <p:ph type="dt" sz="half" idx="10"/>
+          </p:nvPr>
+        </p:nvSpPr>
+        <p:spPr/>
+        <p:txBody>
+          <a:bodyPr/>
+          <a:lstStyle/>
+          <a:p>
+            <a:fld id="{06052D99-9D0E-D346-BA7D-E615F2BFBD8A}" type="datetimeFigureOut">
+              <a:rPr lang="en-US" smtClean="0">
+                <a:solidFill>
+                  <a:prstClr val="black">
+                    <a:tint val="75000"/>
+                  </a:prstClr>
+                </a:solidFill>
+              </a:rPr>
+              <a:pPr/>
+              <a:t>12/14/15</a:t>
+            </a:fld>
+            <a:endParaRPr lang="en-US">
+              <a:solidFill>
+                <a:prstClr val="black">
+                  <a:tint val="75000"/>
+                </a:prstClr>
+              </a:solidFill>
+            </a:endParaRPr>
+          </a:p>
+        </p:txBody>
+      </p:sp>
+      <p:sp>
+        <p:nvSpPr>
+          <p:cNvPr id="4" name="Footer Placeholder 3"/>
+          <p:cNvSpPr>
+            <a:spLocks noGrp="1"/>
+          </p:cNvSpPr>
+          <p:nvPr>
+            <p:ph type="ftr" sz="quarter" idx="11"/>
+          </p:nvPr>
+        </p:nvSpPr>
+        <p:spPr/>
+        <p:txBody>
+          <a:bodyPr/>
+          <a:lstStyle/>
+          <a:p>
+            <a:endParaRPr lang="en-US">
+              <a:solidFill>
+                <a:prstClr val="black">
+                  <a:tint val="75000"/>
+                </a:prstClr>
+              </a:solidFill>
+            </a:endParaRPr>
+          </a:p>
+        </p:txBody>
+      </p:sp>
+      <p:sp>
+        <p:nvSpPr>
+          <p:cNvPr id="5" name="Slide Number Placeholder 4"/>
+          <p:cNvSpPr>
+            <a:spLocks noGrp="1"/>
+          </p:cNvSpPr>
+          <p:nvPr>
+            <p:ph type="sldNum" sz="quarter" idx="12"/>
+          </p:nvPr>
+        </p:nvSpPr>
+        <p:spPr/>
+        <p:txBody>
+          <a:bodyPr/>
+          <a:lstStyle/>
+          <a:p>
+            <a:fld id="{A5E2EACC-D4B0-3045-B4AB-6B247433880E}" type="slidenum">
+              <a:rPr lang="en-US" smtClean="0">
+                <a:solidFill>
+                  <a:prstClr val="black">
+                    <a:tint val="75000"/>
+                  </a:prstClr>
+                </a:solidFill>
+              </a:rPr>
+              <a:pPr/>
+              <a:t>‹#›</a:t>
+            </a:fld>
+            <a:endParaRPr lang="en-US">
+              <a:solidFill>
+                <a:prstClr val="black">
+                  <a:tint val="75000"/>
+                </a:prstClr>
+              </a:solidFill>
+            </a:endParaRPr>
+          </a:p>
+        </p:txBody>
+      </p:sp>
+    </p:spTree>
+    <p:extLst>
+      <p:ext uri="{BB962C8B-B14F-4D97-AF65-F5344CB8AC3E}">
+        <p14:creationId xmlns:p14="http://schemas.microsoft.com/office/powerpoint/2010/main" val="1293170648"/>
+      </p:ext>
+    </p:extLst>
+  </p:cSld>
+  <p:clrMapOvr>
+    <a:masterClrMapping/>
+  </p:clrMapOvr>
+</p:sldLayout>
+</file>
+
+<file path=ppt/slideLayouts/slideLayout19.xml><?xml version="1.0" encoding="utf-8"?>
+<p:sldLayout xmlns:a="http://schemas.openxmlformats.org/drawingml/2006/main" xmlns:r="http://schemas.openxmlformats.org/officeDocument/2006/relationships" xmlns:p="http://schemas.openxmlformats.org/presentationml/2006/main" type="blank" preserve="1">
+  <p:cSld name="Blank">
+    <p:spTree>
+      <p:nvGrpSpPr>
+        <p:cNvPr id="1" name=""/>
+        <p:cNvGrpSpPr/>
+        <p:nvPr/>
+      </p:nvGrpSpPr>
+      <p:grpSpPr>
+        <a:xfrm>
+          <a:off x="0" y="0"/>
+          <a:ext cx="0" cy="0"/>
+          <a:chOff x="0" y="0"/>
+          <a:chExt cx="0" cy="0"/>
+        </a:xfrm>
+      </p:grpSpPr>
+      <p:sp>
+        <p:nvSpPr>
+          <p:cNvPr id="2" name="Date Placeholder 1"/>
+          <p:cNvSpPr>
+            <a:spLocks noGrp="1"/>
+          </p:cNvSpPr>
+          <p:nvPr>
+            <p:ph type="dt" sz="half" idx="10"/>
+          </p:nvPr>
+        </p:nvSpPr>
+        <p:spPr/>
+        <p:txBody>
+          <a:bodyPr/>
+          <a:lstStyle/>
+          <a:p>
+            <a:fld id="{06052D99-9D0E-D346-BA7D-E615F2BFBD8A}" type="datetimeFigureOut">
+              <a:rPr lang="en-US" smtClean="0">
+                <a:solidFill>
+                  <a:prstClr val="black">
+                    <a:tint val="75000"/>
+                  </a:prstClr>
+                </a:solidFill>
+              </a:rPr>
+              <a:pPr/>
+              <a:t>12/14/15</a:t>
+            </a:fld>
+            <a:endParaRPr lang="en-US">
+              <a:solidFill>
+                <a:prstClr val="black">
+                  <a:tint val="75000"/>
+                </a:prstClr>
+              </a:solidFill>
+            </a:endParaRPr>
+          </a:p>
+        </p:txBody>
+      </p:sp>
+      <p:sp>
+        <p:nvSpPr>
+          <p:cNvPr id="3" name="Footer Placeholder 2"/>
+          <p:cNvSpPr>
+            <a:spLocks noGrp="1"/>
+          </p:cNvSpPr>
+          <p:nvPr>
+            <p:ph type="ftr" sz="quarter" idx="11"/>
+          </p:nvPr>
+        </p:nvSpPr>
+        <p:spPr/>
+        <p:txBody>
+          <a:bodyPr/>
+          <a:lstStyle/>
+          <a:p>
+            <a:endParaRPr lang="en-US">
+              <a:solidFill>
+                <a:prstClr val="black">
+                  <a:tint val="75000"/>
+                </a:prstClr>
+              </a:solidFill>
+            </a:endParaRPr>
+          </a:p>
+        </p:txBody>
+      </p:sp>
+      <p:sp>
+        <p:nvSpPr>
+          <p:cNvPr id="4" name="Slide Number Placeholder 3"/>
+          <p:cNvSpPr>
+            <a:spLocks noGrp="1"/>
+          </p:cNvSpPr>
+          <p:nvPr>
+            <p:ph type="sldNum" sz="quarter" idx="12"/>
+          </p:nvPr>
+        </p:nvSpPr>
+        <p:spPr/>
+        <p:txBody>
+          <a:bodyPr/>
+          <a:lstStyle/>
+          <a:p>
+            <a:fld id="{A5E2EACC-D4B0-3045-B4AB-6B247433880E}" type="slidenum">
+              <a:rPr lang="en-US" smtClean="0">
+                <a:solidFill>
+                  <a:prstClr val="black">
+                    <a:tint val="75000"/>
+                  </a:prstClr>
+                </a:solidFill>
+              </a:rPr>
+              <a:pPr/>
+              <a:t>‹#›</a:t>
+            </a:fld>
+            <a:endParaRPr lang="en-US">
+              <a:solidFill>
+                <a:prstClr val="black">
+                  <a:tint val="75000"/>
+                </a:prstClr>
+              </a:solidFill>
+            </a:endParaRPr>
+          </a:p>
+        </p:txBody>
+      </p:sp>
+    </p:spTree>
+    <p:extLst>
+      <p:ext uri="{BB962C8B-B14F-4D97-AF65-F5344CB8AC3E}">
+        <p14:creationId xmlns:p14="http://schemas.microsoft.com/office/powerpoint/2010/main" val="1566771870"/>
+      </p:ext>
+    </p:extLst>
+  </p:cSld>
+  <p:clrMapOvr>
+    <a:masterClrMapping/>
+  </p:clrMapOvr>
+</p:sldLayout>
+</file>
+
 <file path=ppt/slideLayouts/slideLayout2.xml><?xml version="1.0" encoding="utf-8"?>
 <p:sldLayout xmlns:a="http://schemas.openxmlformats.org/drawingml/2006/main" xmlns:r="http://schemas.openxmlformats.org/officeDocument/2006/relationships" xmlns:p="http://schemas.openxmlformats.org/presentationml/2006/main" type="obj" preserve="1">
   <p:cSld name="Title and Content">
@@ -3404,7 +5052,7 @@
           <a:p>
             <a:fld id="{94B1E4EC-92D8-4A33-94B0-5CDDBDDA3BE9}" type="datetimeFigureOut">
               <a:rPr lang="en-US" smtClean="0"/>
-              <a:t>12/14/2015</a:t>
+              <a:t>12/14/15</a:t>
             </a:fld>
             <a:endParaRPr lang="en-US"/>
           </a:p>
@@ -3456,6 +5104,1014 @@
     <p:extLst>
       <p:ext uri="{BB962C8B-B14F-4D97-AF65-F5344CB8AC3E}">
         <p14:creationId xmlns:p14="http://schemas.microsoft.com/office/powerpoint/2010/main" val="176422286"/>
+      </p:ext>
+    </p:extLst>
+  </p:cSld>
+  <p:clrMapOvr>
+    <a:masterClrMapping/>
+  </p:clrMapOvr>
+</p:sldLayout>
+</file>
+
+<file path=ppt/slideLayouts/slideLayout20.xml><?xml version="1.0" encoding="utf-8"?>
+<p:sldLayout xmlns:a="http://schemas.openxmlformats.org/drawingml/2006/main" xmlns:r="http://schemas.openxmlformats.org/officeDocument/2006/relationships" xmlns:p="http://schemas.openxmlformats.org/presentationml/2006/main" type="objTx" preserve="1">
+  <p:cSld name="Content with Caption">
+    <p:spTree>
+      <p:nvGrpSpPr>
+        <p:cNvPr id="1" name=""/>
+        <p:cNvGrpSpPr/>
+        <p:nvPr/>
+      </p:nvGrpSpPr>
+      <p:grpSpPr>
+        <a:xfrm>
+          <a:off x="0" y="0"/>
+          <a:ext cx="0" cy="0"/>
+          <a:chOff x="0" y="0"/>
+          <a:chExt cx="0" cy="0"/>
+        </a:xfrm>
+      </p:grpSpPr>
+      <p:sp>
+        <p:nvSpPr>
+          <p:cNvPr id="2" name="Title 1"/>
+          <p:cNvSpPr>
+            <a:spLocks noGrp="1"/>
+          </p:cNvSpPr>
+          <p:nvPr>
+            <p:ph type="title"/>
+          </p:nvPr>
+        </p:nvSpPr>
+        <p:spPr>
+          <a:xfrm>
+            <a:off x="629841" y="457200"/>
+            <a:ext cx="2949178" cy="1600200"/>
+          </a:xfrm>
+        </p:spPr>
+        <p:txBody>
+          <a:bodyPr anchor="b"/>
+          <a:lstStyle>
+            <a:lvl1pPr>
+              <a:defRPr sz="2400"/>
+            </a:lvl1pPr>
+          </a:lstStyle>
+          <a:p>
+            <a:r>
+              <a:rPr lang="en-US" smtClean="0"/>
+              <a:t>Click to edit Master title style</a:t>
+            </a:r>
+            <a:endParaRPr lang="en-US"/>
+          </a:p>
+        </p:txBody>
+      </p:sp>
+      <p:sp>
+        <p:nvSpPr>
+          <p:cNvPr id="3" name="Content Placeholder 2"/>
+          <p:cNvSpPr>
+            <a:spLocks noGrp="1"/>
+          </p:cNvSpPr>
+          <p:nvPr>
+            <p:ph idx="1"/>
+          </p:nvPr>
+        </p:nvSpPr>
+        <p:spPr>
+          <a:xfrm>
+            <a:off x="3887391" y="987426"/>
+            <a:ext cx="4629150" cy="4873625"/>
+          </a:xfrm>
+        </p:spPr>
+        <p:txBody>
+          <a:bodyPr/>
+          <a:lstStyle>
+            <a:lvl1pPr>
+              <a:defRPr sz="2400"/>
+            </a:lvl1pPr>
+            <a:lvl2pPr>
+              <a:defRPr sz="2100"/>
+            </a:lvl2pPr>
+            <a:lvl3pPr>
+              <a:defRPr sz="1800"/>
+            </a:lvl3pPr>
+            <a:lvl4pPr>
+              <a:defRPr sz="1500"/>
+            </a:lvl4pPr>
+            <a:lvl5pPr>
+              <a:defRPr sz="1500"/>
+            </a:lvl5pPr>
+            <a:lvl6pPr>
+              <a:defRPr sz="1500"/>
+            </a:lvl6pPr>
+            <a:lvl7pPr>
+              <a:defRPr sz="1500"/>
+            </a:lvl7pPr>
+            <a:lvl8pPr>
+              <a:defRPr sz="1500"/>
+            </a:lvl8pPr>
+            <a:lvl9pPr>
+              <a:defRPr sz="1500"/>
+            </a:lvl9pPr>
+          </a:lstStyle>
+          <a:p>
+            <a:pPr lvl="0"/>
+            <a:r>
+              <a:rPr lang="en-US" smtClean="0"/>
+              <a:t>Click to edit Master text styles</a:t>
+            </a:r>
+          </a:p>
+          <a:p>
+            <a:pPr lvl="1"/>
+            <a:r>
+              <a:rPr lang="en-US" smtClean="0"/>
+              <a:t>Second level</a:t>
+            </a:r>
+          </a:p>
+          <a:p>
+            <a:pPr lvl="2"/>
+            <a:r>
+              <a:rPr lang="en-US" smtClean="0"/>
+              <a:t>Third level</a:t>
+            </a:r>
+          </a:p>
+          <a:p>
+            <a:pPr lvl="3"/>
+            <a:r>
+              <a:rPr lang="en-US" smtClean="0"/>
+              <a:t>Fourth level</a:t>
+            </a:r>
+          </a:p>
+          <a:p>
+            <a:pPr lvl="4"/>
+            <a:r>
+              <a:rPr lang="en-US" smtClean="0"/>
+              <a:t>Fifth level</a:t>
+            </a:r>
+            <a:endParaRPr lang="en-US"/>
+          </a:p>
+        </p:txBody>
+      </p:sp>
+      <p:sp>
+        <p:nvSpPr>
+          <p:cNvPr id="4" name="Text Placeholder 3"/>
+          <p:cNvSpPr>
+            <a:spLocks noGrp="1"/>
+          </p:cNvSpPr>
+          <p:nvPr>
+            <p:ph type="body" sz="half" idx="2"/>
+          </p:nvPr>
+        </p:nvSpPr>
+        <p:spPr>
+          <a:xfrm>
+            <a:off x="629841" y="2057400"/>
+            <a:ext cx="2949178" cy="3811588"/>
+          </a:xfrm>
+        </p:spPr>
+        <p:txBody>
+          <a:bodyPr/>
+          <a:lstStyle>
+            <a:lvl1pPr marL="0" indent="0">
+              <a:buNone/>
+              <a:defRPr sz="1200"/>
+            </a:lvl1pPr>
+            <a:lvl2pPr marL="342900" indent="0">
+              <a:buNone/>
+              <a:defRPr sz="1050"/>
+            </a:lvl2pPr>
+            <a:lvl3pPr marL="685800" indent="0">
+              <a:buNone/>
+              <a:defRPr sz="900"/>
+            </a:lvl3pPr>
+            <a:lvl4pPr marL="1028700" indent="0">
+              <a:buNone/>
+              <a:defRPr sz="750"/>
+            </a:lvl4pPr>
+            <a:lvl5pPr marL="1371600" indent="0">
+              <a:buNone/>
+              <a:defRPr sz="750"/>
+            </a:lvl5pPr>
+            <a:lvl6pPr marL="1714500" indent="0">
+              <a:buNone/>
+              <a:defRPr sz="750"/>
+            </a:lvl6pPr>
+            <a:lvl7pPr marL="2057400" indent="0">
+              <a:buNone/>
+              <a:defRPr sz="750"/>
+            </a:lvl7pPr>
+            <a:lvl8pPr marL="2400300" indent="0">
+              <a:buNone/>
+              <a:defRPr sz="750"/>
+            </a:lvl8pPr>
+            <a:lvl9pPr marL="2743200" indent="0">
+              <a:buNone/>
+              <a:defRPr sz="750"/>
+            </a:lvl9pPr>
+          </a:lstStyle>
+          <a:p>
+            <a:pPr lvl="0"/>
+            <a:r>
+              <a:rPr lang="en-US" smtClean="0"/>
+              <a:t>Click to edit Master text styles</a:t>
+            </a:r>
+          </a:p>
+        </p:txBody>
+      </p:sp>
+      <p:sp>
+        <p:nvSpPr>
+          <p:cNvPr id="5" name="Date Placeholder 4"/>
+          <p:cNvSpPr>
+            <a:spLocks noGrp="1"/>
+          </p:cNvSpPr>
+          <p:nvPr>
+            <p:ph type="dt" sz="half" idx="10"/>
+          </p:nvPr>
+        </p:nvSpPr>
+        <p:spPr/>
+        <p:txBody>
+          <a:bodyPr/>
+          <a:lstStyle/>
+          <a:p>
+            <a:fld id="{06052D99-9D0E-D346-BA7D-E615F2BFBD8A}" type="datetimeFigureOut">
+              <a:rPr lang="en-US" smtClean="0">
+                <a:solidFill>
+                  <a:prstClr val="black">
+                    <a:tint val="75000"/>
+                  </a:prstClr>
+                </a:solidFill>
+              </a:rPr>
+              <a:pPr/>
+              <a:t>12/14/15</a:t>
+            </a:fld>
+            <a:endParaRPr lang="en-US">
+              <a:solidFill>
+                <a:prstClr val="black">
+                  <a:tint val="75000"/>
+                </a:prstClr>
+              </a:solidFill>
+            </a:endParaRPr>
+          </a:p>
+        </p:txBody>
+      </p:sp>
+      <p:sp>
+        <p:nvSpPr>
+          <p:cNvPr id="6" name="Footer Placeholder 5"/>
+          <p:cNvSpPr>
+            <a:spLocks noGrp="1"/>
+          </p:cNvSpPr>
+          <p:nvPr>
+            <p:ph type="ftr" sz="quarter" idx="11"/>
+          </p:nvPr>
+        </p:nvSpPr>
+        <p:spPr/>
+        <p:txBody>
+          <a:bodyPr/>
+          <a:lstStyle/>
+          <a:p>
+            <a:endParaRPr lang="en-US">
+              <a:solidFill>
+                <a:prstClr val="black">
+                  <a:tint val="75000"/>
+                </a:prstClr>
+              </a:solidFill>
+            </a:endParaRPr>
+          </a:p>
+        </p:txBody>
+      </p:sp>
+      <p:sp>
+        <p:nvSpPr>
+          <p:cNvPr id="7" name="Slide Number Placeholder 6"/>
+          <p:cNvSpPr>
+            <a:spLocks noGrp="1"/>
+          </p:cNvSpPr>
+          <p:nvPr>
+            <p:ph type="sldNum" sz="quarter" idx="12"/>
+          </p:nvPr>
+        </p:nvSpPr>
+        <p:spPr/>
+        <p:txBody>
+          <a:bodyPr/>
+          <a:lstStyle/>
+          <a:p>
+            <a:fld id="{A5E2EACC-D4B0-3045-B4AB-6B247433880E}" type="slidenum">
+              <a:rPr lang="en-US" smtClean="0">
+                <a:solidFill>
+                  <a:prstClr val="black">
+                    <a:tint val="75000"/>
+                  </a:prstClr>
+                </a:solidFill>
+              </a:rPr>
+              <a:pPr/>
+              <a:t>‹#›</a:t>
+            </a:fld>
+            <a:endParaRPr lang="en-US">
+              <a:solidFill>
+                <a:prstClr val="black">
+                  <a:tint val="75000"/>
+                </a:prstClr>
+              </a:solidFill>
+            </a:endParaRPr>
+          </a:p>
+        </p:txBody>
+      </p:sp>
+    </p:spTree>
+    <p:extLst>
+      <p:ext uri="{BB962C8B-B14F-4D97-AF65-F5344CB8AC3E}">
+        <p14:creationId xmlns:p14="http://schemas.microsoft.com/office/powerpoint/2010/main" val="654407848"/>
+      </p:ext>
+    </p:extLst>
+  </p:cSld>
+  <p:clrMapOvr>
+    <a:masterClrMapping/>
+  </p:clrMapOvr>
+</p:sldLayout>
+</file>
+
+<file path=ppt/slideLayouts/slideLayout21.xml><?xml version="1.0" encoding="utf-8"?>
+<p:sldLayout xmlns:a="http://schemas.openxmlformats.org/drawingml/2006/main" xmlns:r="http://schemas.openxmlformats.org/officeDocument/2006/relationships" xmlns:p="http://schemas.openxmlformats.org/presentationml/2006/main" type="picTx" preserve="1">
+  <p:cSld name="Picture with Caption">
+    <p:spTree>
+      <p:nvGrpSpPr>
+        <p:cNvPr id="1" name=""/>
+        <p:cNvGrpSpPr/>
+        <p:nvPr/>
+      </p:nvGrpSpPr>
+      <p:grpSpPr>
+        <a:xfrm>
+          <a:off x="0" y="0"/>
+          <a:ext cx="0" cy="0"/>
+          <a:chOff x="0" y="0"/>
+          <a:chExt cx="0" cy="0"/>
+        </a:xfrm>
+      </p:grpSpPr>
+      <p:sp>
+        <p:nvSpPr>
+          <p:cNvPr id="2" name="Title 1"/>
+          <p:cNvSpPr>
+            <a:spLocks noGrp="1"/>
+          </p:cNvSpPr>
+          <p:nvPr>
+            <p:ph type="title"/>
+          </p:nvPr>
+        </p:nvSpPr>
+        <p:spPr>
+          <a:xfrm>
+            <a:off x="629841" y="457200"/>
+            <a:ext cx="2949178" cy="1600200"/>
+          </a:xfrm>
+        </p:spPr>
+        <p:txBody>
+          <a:bodyPr anchor="b"/>
+          <a:lstStyle>
+            <a:lvl1pPr>
+              <a:defRPr sz="2400"/>
+            </a:lvl1pPr>
+          </a:lstStyle>
+          <a:p>
+            <a:r>
+              <a:rPr lang="en-US" smtClean="0"/>
+              <a:t>Click to edit Master title style</a:t>
+            </a:r>
+            <a:endParaRPr lang="en-US"/>
+          </a:p>
+        </p:txBody>
+      </p:sp>
+      <p:sp>
+        <p:nvSpPr>
+          <p:cNvPr id="3" name="Picture Placeholder 2"/>
+          <p:cNvSpPr>
+            <a:spLocks noGrp="1"/>
+          </p:cNvSpPr>
+          <p:nvPr>
+            <p:ph type="pic" idx="1"/>
+          </p:nvPr>
+        </p:nvSpPr>
+        <p:spPr>
+          <a:xfrm>
+            <a:off x="3887391" y="987426"/>
+            <a:ext cx="4629150" cy="4873625"/>
+          </a:xfrm>
+        </p:spPr>
+        <p:txBody>
+          <a:bodyPr/>
+          <a:lstStyle>
+            <a:lvl1pPr marL="0" indent="0">
+              <a:buNone/>
+              <a:defRPr sz="2400"/>
+            </a:lvl1pPr>
+            <a:lvl2pPr marL="342900" indent="0">
+              <a:buNone/>
+              <a:defRPr sz="2100"/>
+            </a:lvl2pPr>
+            <a:lvl3pPr marL="685800" indent="0">
+              <a:buNone/>
+              <a:defRPr sz="1800"/>
+            </a:lvl3pPr>
+            <a:lvl4pPr marL="1028700" indent="0">
+              <a:buNone/>
+              <a:defRPr sz="1500"/>
+            </a:lvl4pPr>
+            <a:lvl5pPr marL="1371600" indent="0">
+              <a:buNone/>
+              <a:defRPr sz="1500"/>
+            </a:lvl5pPr>
+            <a:lvl6pPr marL="1714500" indent="0">
+              <a:buNone/>
+              <a:defRPr sz="1500"/>
+            </a:lvl6pPr>
+            <a:lvl7pPr marL="2057400" indent="0">
+              <a:buNone/>
+              <a:defRPr sz="1500"/>
+            </a:lvl7pPr>
+            <a:lvl8pPr marL="2400300" indent="0">
+              <a:buNone/>
+              <a:defRPr sz="1500"/>
+            </a:lvl8pPr>
+            <a:lvl9pPr marL="2743200" indent="0">
+              <a:buNone/>
+              <a:defRPr sz="1500"/>
+            </a:lvl9pPr>
+          </a:lstStyle>
+          <a:p>
+            <a:endParaRPr lang="en-US"/>
+          </a:p>
+        </p:txBody>
+      </p:sp>
+      <p:sp>
+        <p:nvSpPr>
+          <p:cNvPr id="4" name="Text Placeholder 3"/>
+          <p:cNvSpPr>
+            <a:spLocks noGrp="1"/>
+          </p:cNvSpPr>
+          <p:nvPr>
+            <p:ph type="body" sz="half" idx="2"/>
+          </p:nvPr>
+        </p:nvSpPr>
+        <p:spPr>
+          <a:xfrm>
+            <a:off x="629841" y="2057400"/>
+            <a:ext cx="2949178" cy="3811588"/>
+          </a:xfrm>
+        </p:spPr>
+        <p:txBody>
+          <a:bodyPr/>
+          <a:lstStyle>
+            <a:lvl1pPr marL="0" indent="0">
+              <a:buNone/>
+              <a:defRPr sz="1200"/>
+            </a:lvl1pPr>
+            <a:lvl2pPr marL="342900" indent="0">
+              <a:buNone/>
+              <a:defRPr sz="1050"/>
+            </a:lvl2pPr>
+            <a:lvl3pPr marL="685800" indent="0">
+              <a:buNone/>
+              <a:defRPr sz="900"/>
+            </a:lvl3pPr>
+            <a:lvl4pPr marL="1028700" indent="0">
+              <a:buNone/>
+              <a:defRPr sz="750"/>
+            </a:lvl4pPr>
+            <a:lvl5pPr marL="1371600" indent="0">
+              <a:buNone/>
+              <a:defRPr sz="750"/>
+            </a:lvl5pPr>
+            <a:lvl6pPr marL="1714500" indent="0">
+              <a:buNone/>
+              <a:defRPr sz="750"/>
+            </a:lvl6pPr>
+            <a:lvl7pPr marL="2057400" indent="0">
+              <a:buNone/>
+              <a:defRPr sz="750"/>
+            </a:lvl7pPr>
+            <a:lvl8pPr marL="2400300" indent="0">
+              <a:buNone/>
+              <a:defRPr sz="750"/>
+            </a:lvl8pPr>
+            <a:lvl9pPr marL="2743200" indent="0">
+              <a:buNone/>
+              <a:defRPr sz="750"/>
+            </a:lvl9pPr>
+          </a:lstStyle>
+          <a:p>
+            <a:pPr lvl="0"/>
+            <a:r>
+              <a:rPr lang="en-US" smtClean="0"/>
+              <a:t>Click to edit Master text styles</a:t>
+            </a:r>
+          </a:p>
+        </p:txBody>
+      </p:sp>
+      <p:sp>
+        <p:nvSpPr>
+          <p:cNvPr id="5" name="Date Placeholder 4"/>
+          <p:cNvSpPr>
+            <a:spLocks noGrp="1"/>
+          </p:cNvSpPr>
+          <p:nvPr>
+            <p:ph type="dt" sz="half" idx="10"/>
+          </p:nvPr>
+        </p:nvSpPr>
+        <p:spPr/>
+        <p:txBody>
+          <a:bodyPr/>
+          <a:lstStyle/>
+          <a:p>
+            <a:fld id="{06052D99-9D0E-D346-BA7D-E615F2BFBD8A}" type="datetimeFigureOut">
+              <a:rPr lang="en-US" smtClean="0">
+                <a:solidFill>
+                  <a:prstClr val="black">
+                    <a:tint val="75000"/>
+                  </a:prstClr>
+                </a:solidFill>
+              </a:rPr>
+              <a:pPr/>
+              <a:t>12/14/15</a:t>
+            </a:fld>
+            <a:endParaRPr lang="en-US">
+              <a:solidFill>
+                <a:prstClr val="black">
+                  <a:tint val="75000"/>
+                </a:prstClr>
+              </a:solidFill>
+            </a:endParaRPr>
+          </a:p>
+        </p:txBody>
+      </p:sp>
+      <p:sp>
+        <p:nvSpPr>
+          <p:cNvPr id="6" name="Footer Placeholder 5"/>
+          <p:cNvSpPr>
+            <a:spLocks noGrp="1"/>
+          </p:cNvSpPr>
+          <p:nvPr>
+            <p:ph type="ftr" sz="quarter" idx="11"/>
+          </p:nvPr>
+        </p:nvSpPr>
+        <p:spPr/>
+        <p:txBody>
+          <a:bodyPr/>
+          <a:lstStyle/>
+          <a:p>
+            <a:endParaRPr lang="en-US">
+              <a:solidFill>
+                <a:prstClr val="black">
+                  <a:tint val="75000"/>
+                </a:prstClr>
+              </a:solidFill>
+            </a:endParaRPr>
+          </a:p>
+        </p:txBody>
+      </p:sp>
+      <p:sp>
+        <p:nvSpPr>
+          <p:cNvPr id="7" name="Slide Number Placeholder 6"/>
+          <p:cNvSpPr>
+            <a:spLocks noGrp="1"/>
+          </p:cNvSpPr>
+          <p:nvPr>
+            <p:ph type="sldNum" sz="quarter" idx="12"/>
+          </p:nvPr>
+        </p:nvSpPr>
+        <p:spPr/>
+        <p:txBody>
+          <a:bodyPr/>
+          <a:lstStyle/>
+          <a:p>
+            <a:fld id="{A5E2EACC-D4B0-3045-B4AB-6B247433880E}" type="slidenum">
+              <a:rPr lang="en-US" smtClean="0">
+                <a:solidFill>
+                  <a:prstClr val="black">
+                    <a:tint val="75000"/>
+                  </a:prstClr>
+                </a:solidFill>
+              </a:rPr>
+              <a:pPr/>
+              <a:t>‹#›</a:t>
+            </a:fld>
+            <a:endParaRPr lang="en-US">
+              <a:solidFill>
+                <a:prstClr val="black">
+                  <a:tint val="75000"/>
+                </a:prstClr>
+              </a:solidFill>
+            </a:endParaRPr>
+          </a:p>
+        </p:txBody>
+      </p:sp>
+    </p:spTree>
+    <p:extLst>
+      <p:ext uri="{BB962C8B-B14F-4D97-AF65-F5344CB8AC3E}">
+        <p14:creationId xmlns:p14="http://schemas.microsoft.com/office/powerpoint/2010/main" val="1867128232"/>
+      </p:ext>
+    </p:extLst>
+  </p:cSld>
+  <p:clrMapOvr>
+    <a:masterClrMapping/>
+  </p:clrMapOvr>
+</p:sldLayout>
+</file>
+
+<file path=ppt/slideLayouts/slideLayout22.xml><?xml version="1.0" encoding="utf-8"?>
+<p:sldLayout xmlns:a="http://schemas.openxmlformats.org/drawingml/2006/main" xmlns:r="http://schemas.openxmlformats.org/officeDocument/2006/relationships" xmlns:p="http://schemas.openxmlformats.org/presentationml/2006/main" type="vertTx" preserve="1">
+  <p:cSld name="Title and Vertical Text">
+    <p:spTree>
+      <p:nvGrpSpPr>
+        <p:cNvPr id="1" name=""/>
+        <p:cNvGrpSpPr/>
+        <p:nvPr/>
+      </p:nvGrpSpPr>
+      <p:grpSpPr>
+        <a:xfrm>
+          <a:off x="0" y="0"/>
+          <a:ext cx="0" cy="0"/>
+          <a:chOff x="0" y="0"/>
+          <a:chExt cx="0" cy="0"/>
+        </a:xfrm>
+      </p:grpSpPr>
+      <p:sp>
+        <p:nvSpPr>
+          <p:cNvPr id="2" name="Title 1"/>
+          <p:cNvSpPr>
+            <a:spLocks noGrp="1"/>
+          </p:cNvSpPr>
+          <p:nvPr>
+            <p:ph type="title"/>
+          </p:nvPr>
+        </p:nvSpPr>
+        <p:spPr/>
+        <p:txBody>
+          <a:bodyPr/>
+          <a:lstStyle/>
+          <a:p>
+            <a:r>
+              <a:rPr lang="en-US" smtClean="0"/>
+              <a:t>Click to edit Master title style</a:t>
+            </a:r>
+            <a:endParaRPr lang="en-US"/>
+          </a:p>
+        </p:txBody>
+      </p:sp>
+      <p:sp>
+        <p:nvSpPr>
+          <p:cNvPr id="3" name="Vertical Text Placeholder 2"/>
+          <p:cNvSpPr>
+            <a:spLocks noGrp="1"/>
+          </p:cNvSpPr>
+          <p:nvPr>
+            <p:ph type="body" orient="vert" idx="1"/>
+          </p:nvPr>
+        </p:nvSpPr>
+        <p:spPr/>
+        <p:txBody>
+          <a:bodyPr vert="eaVert"/>
+          <a:lstStyle/>
+          <a:p>
+            <a:pPr lvl="0"/>
+            <a:r>
+              <a:rPr lang="en-US" smtClean="0"/>
+              <a:t>Click to edit Master text styles</a:t>
+            </a:r>
+          </a:p>
+          <a:p>
+            <a:pPr lvl="1"/>
+            <a:r>
+              <a:rPr lang="en-US" smtClean="0"/>
+              <a:t>Second level</a:t>
+            </a:r>
+          </a:p>
+          <a:p>
+            <a:pPr lvl="2"/>
+            <a:r>
+              <a:rPr lang="en-US" smtClean="0"/>
+              <a:t>Third level</a:t>
+            </a:r>
+          </a:p>
+          <a:p>
+            <a:pPr lvl="3"/>
+            <a:r>
+              <a:rPr lang="en-US" smtClean="0"/>
+              <a:t>Fourth level</a:t>
+            </a:r>
+          </a:p>
+          <a:p>
+            <a:pPr lvl="4"/>
+            <a:r>
+              <a:rPr lang="en-US" smtClean="0"/>
+              <a:t>Fifth level</a:t>
+            </a:r>
+            <a:endParaRPr lang="en-US"/>
+          </a:p>
+        </p:txBody>
+      </p:sp>
+      <p:sp>
+        <p:nvSpPr>
+          <p:cNvPr id="4" name="Date Placeholder 3"/>
+          <p:cNvSpPr>
+            <a:spLocks noGrp="1"/>
+          </p:cNvSpPr>
+          <p:nvPr>
+            <p:ph type="dt" sz="half" idx="10"/>
+          </p:nvPr>
+        </p:nvSpPr>
+        <p:spPr/>
+        <p:txBody>
+          <a:bodyPr/>
+          <a:lstStyle/>
+          <a:p>
+            <a:fld id="{06052D99-9D0E-D346-BA7D-E615F2BFBD8A}" type="datetimeFigureOut">
+              <a:rPr lang="en-US" smtClean="0">
+                <a:solidFill>
+                  <a:prstClr val="black">
+                    <a:tint val="75000"/>
+                  </a:prstClr>
+                </a:solidFill>
+              </a:rPr>
+              <a:pPr/>
+              <a:t>12/14/15</a:t>
+            </a:fld>
+            <a:endParaRPr lang="en-US">
+              <a:solidFill>
+                <a:prstClr val="black">
+                  <a:tint val="75000"/>
+                </a:prstClr>
+              </a:solidFill>
+            </a:endParaRPr>
+          </a:p>
+        </p:txBody>
+      </p:sp>
+      <p:sp>
+        <p:nvSpPr>
+          <p:cNvPr id="5" name="Footer Placeholder 4"/>
+          <p:cNvSpPr>
+            <a:spLocks noGrp="1"/>
+          </p:cNvSpPr>
+          <p:nvPr>
+            <p:ph type="ftr" sz="quarter" idx="11"/>
+          </p:nvPr>
+        </p:nvSpPr>
+        <p:spPr/>
+        <p:txBody>
+          <a:bodyPr/>
+          <a:lstStyle/>
+          <a:p>
+            <a:endParaRPr lang="en-US">
+              <a:solidFill>
+                <a:prstClr val="black">
+                  <a:tint val="75000"/>
+                </a:prstClr>
+              </a:solidFill>
+            </a:endParaRPr>
+          </a:p>
+        </p:txBody>
+      </p:sp>
+      <p:sp>
+        <p:nvSpPr>
+          <p:cNvPr id="6" name="Slide Number Placeholder 5"/>
+          <p:cNvSpPr>
+            <a:spLocks noGrp="1"/>
+          </p:cNvSpPr>
+          <p:nvPr>
+            <p:ph type="sldNum" sz="quarter" idx="12"/>
+          </p:nvPr>
+        </p:nvSpPr>
+        <p:spPr/>
+        <p:txBody>
+          <a:bodyPr/>
+          <a:lstStyle/>
+          <a:p>
+            <a:fld id="{A5E2EACC-D4B0-3045-B4AB-6B247433880E}" type="slidenum">
+              <a:rPr lang="en-US" smtClean="0">
+                <a:solidFill>
+                  <a:prstClr val="black">
+                    <a:tint val="75000"/>
+                  </a:prstClr>
+                </a:solidFill>
+              </a:rPr>
+              <a:pPr/>
+              <a:t>‹#›</a:t>
+            </a:fld>
+            <a:endParaRPr lang="en-US">
+              <a:solidFill>
+                <a:prstClr val="black">
+                  <a:tint val="75000"/>
+                </a:prstClr>
+              </a:solidFill>
+            </a:endParaRPr>
+          </a:p>
+        </p:txBody>
+      </p:sp>
+    </p:spTree>
+    <p:extLst>
+      <p:ext uri="{BB962C8B-B14F-4D97-AF65-F5344CB8AC3E}">
+        <p14:creationId xmlns:p14="http://schemas.microsoft.com/office/powerpoint/2010/main" val="1754366469"/>
+      </p:ext>
+    </p:extLst>
+  </p:cSld>
+  <p:clrMapOvr>
+    <a:masterClrMapping/>
+  </p:clrMapOvr>
+</p:sldLayout>
+</file>
+
+<file path=ppt/slideLayouts/slideLayout23.xml><?xml version="1.0" encoding="utf-8"?>
+<p:sldLayout xmlns:a="http://schemas.openxmlformats.org/drawingml/2006/main" xmlns:r="http://schemas.openxmlformats.org/officeDocument/2006/relationships" xmlns:p="http://schemas.openxmlformats.org/presentationml/2006/main" type="vertTitleAndTx" preserve="1">
+  <p:cSld name="Vertical Title and Text">
+    <p:spTree>
+      <p:nvGrpSpPr>
+        <p:cNvPr id="1" name=""/>
+        <p:cNvGrpSpPr/>
+        <p:nvPr/>
+      </p:nvGrpSpPr>
+      <p:grpSpPr>
+        <a:xfrm>
+          <a:off x="0" y="0"/>
+          <a:ext cx="0" cy="0"/>
+          <a:chOff x="0" y="0"/>
+          <a:chExt cx="0" cy="0"/>
+        </a:xfrm>
+      </p:grpSpPr>
+      <p:sp>
+        <p:nvSpPr>
+          <p:cNvPr id="2" name="Vertical Title 1"/>
+          <p:cNvSpPr>
+            <a:spLocks noGrp="1"/>
+          </p:cNvSpPr>
+          <p:nvPr>
+            <p:ph type="title" orient="vert"/>
+          </p:nvPr>
+        </p:nvSpPr>
+        <p:spPr>
+          <a:xfrm>
+            <a:off x="4907757" y="365125"/>
+            <a:ext cx="1478756" cy="5811838"/>
+          </a:xfrm>
+        </p:spPr>
+        <p:txBody>
+          <a:bodyPr vert="eaVert"/>
+          <a:lstStyle/>
+          <a:p>
+            <a:r>
+              <a:rPr lang="en-US" smtClean="0"/>
+              <a:t>Click to edit Master title style</a:t>
+            </a:r>
+            <a:endParaRPr lang="en-US"/>
+          </a:p>
+        </p:txBody>
+      </p:sp>
+      <p:sp>
+        <p:nvSpPr>
+          <p:cNvPr id="3" name="Vertical Text Placeholder 2"/>
+          <p:cNvSpPr>
+            <a:spLocks noGrp="1"/>
+          </p:cNvSpPr>
+          <p:nvPr>
+            <p:ph type="body" orient="vert" idx="1"/>
+          </p:nvPr>
+        </p:nvSpPr>
+        <p:spPr>
+          <a:xfrm>
+            <a:off x="471488" y="365125"/>
+            <a:ext cx="4321969" cy="5811838"/>
+          </a:xfrm>
+        </p:spPr>
+        <p:txBody>
+          <a:bodyPr vert="eaVert"/>
+          <a:lstStyle/>
+          <a:p>
+            <a:pPr lvl="0"/>
+            <a:r>
+              <a:rPr lang="en-US" smtClean="0"/>
+              <a:t>Click to edit Master text styles</a:t>
+            </a:r>
+          </a:p>
+          <a:p>
+            <a:pPr lvl="1"/>
+            <a:r>
+              <a:rPr lang="en-US" smtClean="0"/>
+              <a:t>Second level</a:t>
+            </a:r>
+          </a:p>
+          <a:p>
+            <a:pPr lvl="2"/>
+            <a:r>
+              <a:rPr lang="en-US" smtClean="0"/>
+              <a:t>Third level</a:t>
+            </a:r>
+          </a:p>
+          <a:p>
+            <a:pPr lvl="3"/>
+            <a:r>
+              <a:rPr lang="en-US" smtClean="0"/>
+              <a:t>Fourth level</a:t>
+            </a:r>
+          </a:p>
+          <a:p>
+            <a:pPr lvl="4"/>
+            <a:r>
+              <a:rPr lang="en-US" smtClean="0"/>
+              <a:t>Fifth level</a:t>
+            </a:r>
+            <a:endParaRPr lang="en-US"/>
+          </a:p>
+        </p:txBody>
+      </p:sp>
+      <p:sp>
+        <p:nvSpPr>
+          <p:cNvPr id="4" name="Date Placeholder 3"/>
+          <p:cNvSpPr>
+            <a:spLocks noGrp="1"/>
+          </p:cNvSpPr>
+          <p:nvPr>
+            <p:ph type="dt" sz="half" idx="10"/>
+          </p:nvPr>
+        </p:nvSpPr>
+        <p:spPr/>
+        <p:txBody>
+          <a:bodyPr/>
+          <a:lstStyle/>
+          <a:p>
+            <a:fld id="{06052D99-9D0E-D346-BA7D-E615F2BFBD8A}" type="datetimeFigureOut">
+              <a:rPr lang="en-US" smtClean="0">
+                <a:solidFill>
+                  <a:prstClr val="black">
+                    <a:tint val="75000"/>
+                  </a:prstClr>
+                </a:solidFill>
+              </a:rPr>
+              <a:pPr/>
+              <a:t>12/14/15</a:t>
+            </a:fld>
+            <a:endParaRPr lang="en-US">
+              <a:solidFill>
+                <a:prstClr val="black">
+                  <a:tint val="75000"/>
+                </a:prstClr>
+              </a:solidFill>
+            </a:endParaRPr>
+          </a:p>
+        </p:txBody>
+      </p:sp>
+      <p:sp>
+        <p:nvSpPr>
+          <p:cNvPr id="5" name="Footer Placeholder 4"/>
+          <p:cNvSpPr>
+            <a:spLocks noGrp="1"/>
+          </p:cNvSpPr>
+          <p:nvPr>
+            <p:ph type="ftr" sz="quarter" idx="11"/>
+          </p:nvPr>
+        </p:nvSpPr>
+        <p:spPr/>
+        <p:txBody>
+          <a:bodyPr/>
+          <a:lstStyle/>
+          <a:p>
+            <a:endParaRPr lang="en-US">
+              <a:solidFill>
+                <a:prstClr val="black">
+                  <a:tint val="75000"/>
+                </a:prstClr>
+              </a:solidFill>
+            </a:endParaRPr>
+          </a:p>
+        </p:txBody>
+      </p:sp>
+      <p:sp>
+        <p:nvSpPr>
+          <p:cNvPr id="6" name="Slide Number Placeholder 5"/>
+          <p:cNvSpPr>
+            <a:spLocks noGrp="1"/>
+          </p:cNvSpPr>
+          <p:nvPr>
+            <p:ph type="sldNum" sz="quarter" idx="12"/>
+          </p:nvPr>
+        </p:nvSpPr>
+        <p:spPr/>
+        <p:txBody>
+          <a:bodyPr/>
+          <a:lstStyle/>
+          <a:p>
+            <a:fld id="{A5E2EACC-D4B0-3045-B4AB-6B247433880E}" type="slidenum">
+              <a:rPr lang="en-US" smtClean="0">
+                <a:solidFill>
+                  <a:prstClr val="black">
+                    <a:tint val="75000"/>
+                  </a:prstClr>
+                </a:solidFill>
+              </a:rPr>
+              <a:pPr/>
+              <a:t>‹#›</a:t>
+            </a:fld>
+            <a:endParaRPr lang="en-US">
+              <a:solidFill>
+                <a:prstClr val="black">
+                  <a:tint val="75000"/>
+                </a:prstClr>
+              </a:solidFill>
+            </a:endParaRPr>
+          </a:p>
+        </p:txBody>
+      </p:sp>
+    </p:spTree>
+    <p:extLst>
+      <p:ext uri="{BB962C8B-B14F-4D97-AF65-F5344CB8AC3E}">
+        <p14:creationId xmlns:p14="http://schemas.microsoft.com/office/powerpoint/2010/main" val="1985985633"/>
       </p:ext>
     </p:extLst>
   </p:cSld>
@@ -3648,7 +6304,7 @@
           <a:p>
             <a:fld id="{94B1E4EC-92D8-4A33-94B0-5CDDBDDA3BE9}" type="datetimeFigureOut">
               <a:rPr lang="en-US" smtClean="0"/>
-              <a:t>12/14/2015</a:t>
+              <a:t>12/14/15</a:t>
             </a:fld>
             <a:endParaRPr lang="en-US"/>
           </a:p>
@@ -3880,7 +6536,7 @@
           <a:p>
             <a:fld id="{94B1E4EC-92D8-4A33-94B0-5CDDBDDA3BE9}" type="datetimeFigureOut">
               <a:rPr lang="en-US" smtClean="0"/>
-              <a:t>12/14/2015</a:t>
+              <a:t>12/14/15</a:t>
             </a:fld>
             <a:endParaRPr lang="en-US"/>
           </a:p>
@@ -4247,7 +6903,7 @@
           <a:p>
             <a:fld id="{94B1E4EC-92D8-4A33-94B0-5CDDBDDA3BE9}" type="datetimeFigureOut">
               <a:rPr lang="en-US" smtClean="0"/>
-              <a:t>12/14/2015</a:t>
+              <a:t>12/14/15</a:t>
             </a:fld>
             <a:endParaRPr lang="en-US"/>
           </a:p>
@@ -4365,7 +7021,7 @@
           <a:p>
             <a:fld id="{94B1E4EC-92D8-4A33-94B0-5CDDBDDA3BE9}" type="datetimeFigureOut">
               <a:rPr lang="en-US" smtClean="0"/>
-              <a:t>12/14/2015</a:t>
+              <a:t>12/14/15</a:t>
             </a:fld>
             <a:endParaRPr lang="en-US"/>
           </a:p>
@@ -4460,7 +7116,7 @@
           <a:p>
             <a:fld id="{94B1E4EC-92D8-4A33-94B0-5CDDBDDA3BE9}" type="datetimeFigureOut">
               <a:rPr lang="en-US" smtClean="0"/>
-              <a:t>12/14/2015</a:t>
+              <a:t>12/14/15</a:t>
             </a:fld>
             <a:endParaRPr lang="en-US"/>
           </a:p>
@@ -4737,7 +7393,7 @@
           <a:p>
             <a:fld id="{94B1E4EC-92D8-4A33-94B0-5CDDBDDA3BE9}" type="datetimeFigureOut">
               <a:rPr lang="en-US" smtClean="0"/>
-              <a:t>12/14/2015</a:t>
+              <a:t>12/14/15</a:t>
             </a:fld>
             <a:endParaRPr lang="en-US"/>
           </a:p>
@@ -4994,7 +7650,7 @@
           <a:p>
             <a:fld id="{94B1E4EC-92D8-4A33-94B0-5CDDBDDA3BE9}" type="datetimeFigureOut">
               <a:rPr lang="en-US" smtClean="0"/>
-              <a:t>12/14/2015</a:t>
+              <a:t>12/14/15</a:t>
             </a:fld>
             <a:endParaRPr lang="en-US"/>
           </a:p>
@@ -5207,7 +7863,7 @@
           <a:p>
             <a:fld id="{94B1E4EC-92D8-4A33-94B0-5CDDBDDA3BE9}" type="datetimeFigureOut">
               <a:rPr lang="en-US" smtClean="0"/>
-              <a:t>12/14/2015</a:t>
+              <a:t>12/14/15</a:t>
             </a:fld>
             <a:endParaRPr lang="en-US"/>
           </a:p>
@@ -5596,6 +8252,581 @@
 </p:sldMaster>
 </file>
 
+<file path=ppt/slideMasters/slideMaster2.xml><?xml version="1.0" encoding="utf-8"?>
+<p:sldMaster xmlns:a="http://schemas.openxmlformats.org/drawingml/2006/main" xmlns:r="http://schemas.openxmlformats.org/officeDocument/2006/relationships" xmlns:p="http://schemas.openxmlformats.org/presentationml/2006/main">
+  <p:cSld>
+    <p:bg>
+      <p:bgRef idx="1001">
+        <a:schemeClr val="bg1"/>
+      </p:bgRef>
+    </p:bg>
+    <p:spTree>
+      <p:nvGrpSpPr>
+        <p:cNvPr id="1" name=""/>
+        <p:cNvGrpSpPr/>
+        <p:nvPr/>
+      </p:nvGrpSpPr>
+      <p:grpSpPr>
+        <a:xfrm>
+          <a:off x="0" y="0"/>
+          <a:ext cx="0" cy="0"/>
+          <a:chOff x="0" y="0"/>
+          <a:chExt cx="0" cy="0"/>
+        </a:xfrm>
+      </p:grpSpPr>
+      <p:sp>
+        <p:nvSpPr>
+          <p:cNvPr id="2" name="Title Placeholder 1"/>
+          <p:cNvSpPr>
+            <a:spLocks noGrp="1"/>
+          </p:cNvSpPr>
+          <p:nvPr>
+            <p:ph type="title"/>
+          </p:nvPr>
+        </p:nvSpPr>
+        <p:spPr>
+          <a:xfrm>
+            <a:off x="628650" y="365126"/>
+            <a:ext cx="7886700" cy="1325563"/>
+          </a:xfrm>
+          <a:prstGeom prst="rect">
+            <a:avLst/>
+          </a:prstGeom>
+        </p:spPr>
+        <p:txBody>
+          <a:bodyPr vert="horz" lIns="91440" tIns="45720" rIns="91440" bIns="45720" rtlCol="0" anchor="ctr">
+            <a:normAutofit/>
+          </a:bodyPr>
+          <a:lstStyle/>
+          <a:p>
+            <a:r>
+              <a:rPr lang="en-US" smtClean="0"/>
+              <a:t>Click to edit Master title style</a:t>
+            </a:r>
+            <a:endParaRPr lang="en-US"/>
+          </a:p>
+        </p:txBody>
+      </p:sp>
+      <p:sp>
+        <p:nvSpPr>
+          <p:cNvPr id="3" name="Text Placeholder 2"/>
+          <p:cNvSpPr>
+            <a:spLocks noGrp="1"/>
+          </p:cNvSpPr>
+          <p:nvPr>
+            <p:ph type="body" idx="1"/>
+          </p:nvPr>
+        </p:nvSpPr>
+        <p:spPr>
+          <a:xfrm>
+            <a:off x="628650" y="1825625"/>
+            <a:ext cx="7886700" cy="4351338"/>
+          </a:xfrm>
+          <a:prstGeom prst="rect">
+            <a:avLst/>
+          </a:prstGeom>
+        </p:spPr>
+        <p:txBody>
+          <a:bodyPr vert="horz" lIns="91440" tIns="45720" rIns="91440" bIns="45720" rtlCol="0">
+            <a:normAutofit/>
+          </a:bodyPr>
+          <a:lstStyle/>
+          <a:p>
+            <a:pPr lvl="0"/>
+            <a:r>
+              <a:rPr lang="en-US" smtClean="0"/>
+              <a:t>Click to edit Master text styles</a:t>
+            </a:r>
+          </a:p>
+          <a:p>
+            <a:pPr lvl="1"/>
+            <a:r>
+              <a:rPr lang="en-US" smtClean="0"/>
+              <a:t>Second level</a:t>
+            </a:r>
+          </a:p>
+          <a:p>
+            <a:pPr lvl="2"/>
+            <a:r>
+              <a:rPr lang="en-US" smtClean="0"/>
+              <a:t>Third level</a:t>
+            </a:r>
+          </a:p>
+          <a:p>
+            <a:pPr lvl="3"/>
+            <a:r>
+              <a:rPr lang="en-US" smtClean="0"/>
+              <a:t>Fourth level</a:t>
+            </a:r>
+          </a:p>
+          <a:p>
+            <a:pPr lvl="4"/>
+            <a:r>
+              <a:rPr lang="en-US" smtClean="0"/>
+              <a:t>Fifth level</a:t>
+            </a:r>
+            <a:endParaRPr lang="en-US"/>
+          </a:p>
+        </p:txBody>
+      </p:sp>
+      <p:sp>
+        <p:nvSpPr>
+          <p:cNvPr id="4" name="Date Placeholder 3"/>
+          <p:cNvSpPr>
+            <a:spLocks noGrp="1"/>
+          </p:cNvSpPr>
+          <p:nvPr>
+            <p:ph type="dt" sz="half" idx="2"/>
+          </p:nvPr>
+        </p:nvSpPr>
+        <p:spPr>
+          <a:xfrm>
+            <a:off x="628650" y="6356351"/>
+            <a:ext cx="2057400" cy="365125"/>
+          </a:xfrm>
+          <a:prstGeom prst="rect">
+            <a:avLst/>
+          </a:prstGeom>
+        </p:spPr>
+        <p:txBody>
+          <a:bodyPr vert="horz" lIns="91440" tIns="45720" rIns="91440" bIns="45720" rtlCol="0" anchor="ctr"/>
+          <a:lstStyle>
+            <a:lvl1pPr algn="l">
+              <a:defRPr sz="900">
+                <a:solidFill>
+                  <a:schemeClr val="tx1">
+                    <a:tint val="75000"/>
+                  </a:schemeClr>
+                </a:solidFill>
+              </a:defRPr>
+            </a:lvl1pPr>
+          </a:lstStyle>
+          <a:p>
+            <a:pPr defTabSz="914400"/>
+            <a:fld id="{06052D99-9D0E-D346-BA7D-E615F2BFBD8A}" type="datetimeFigureOut">
+              <a:rPr lang="en-US" smtClean="0">
+                <a:solidFill>
+                  <a:prstClr val="black">
+                    <a:tint val="75000"/>
+                  </a:prstClr>
+                </a:solidFill>
+              </a:rPr>
+              <a:pPr defTabSz="914400"/>
+              <a:t>12/14/15</a:t>
+            </a:fld>
+            <a:endParaRPr lang="en-US">
+              <a:solidFill>
+                <a:prstClr val="black">
+                  <a:tint val="75000"/>
+                </a:prstClr>
+              </a:solidFill>
+            </a:endParaRPr>
+          </a:p>
+        </p:txBody>
+      </p:sp>
+      <p:sp>
+        <p:nvSpPr>
+          <p:cNvPr id="5" name="Footer Placeholder 4"/>
+          <p:cNvSpPr>
+            <a:spLocks noGrp="1"/>
+          </p:cNvSpPr>
+          <p:nvPr>
+            <p:ph type="ftr" sz="quarter" idx="3"/>
+          </p:nvPr>
+        </p:nvSpPr>
+        <p:spPr>
+          <a:xfrm>
+            <a:off x="3028950" y="6356351"/>
+            <a:ext cx="3086100" cy="365125"/>
+          </a:xfrm>
+          <a:prstGeom prst="rect">
+            <a:avLst/>
+          </a:prstGeom>
+        </p:spPr>
+        <p:txBody>
+          <a:bodyPr vert="horz" lIns="91440" tIns="45720" rIns="91440" bIns="45720" rtlCol="0" anchor="ctr"/>
+          <a:lstStyle>
+            <a:lvl1pPr algn="ctr">
+              <a:defRPr sz="900">
+                <a:solidFill>
+                  <a:schemeClr val="tx1">
+                    <a:tint val="75000"/>
+                  </a:schemeClr>
+                </a:solidFill>
+              </a:defRPr>
+            </a:lvl1pPr>
+          </a:lstStyle>
+          <a:p>
+            <a:pPr defTabSz="914400"/>
+            <a:endParaRPr lang="en-US">
+              <a:solidFill>
+                <a:prstClr val="black">
+                  <a:tint val="75000"/>
+                </a:prstClr>
+              </a:solidFill>
+            </a:endParaRPr>
+          </a:p>
+        </p:txBody>
+      </p:sp>
+      <p:sp>
+        <p:nvSpPr>
+          <p:cNvPr id="6" name="Slide Number Placeholder 5"/>
+          <p:cNvSpPr>
+            <a:spLocks noGrp="1"/>
+          </p:cNvSpPr>
+          <p:nvPr>
+            <p:ph type="sldNum" sz="quarter" idx="4"/>
+          </p:nvPr>
+        </p:nvSpPr>
+        <p:spPr>
+          <a:xfrm>
+            <a:off x="6457950" y="6356351"/>
+            <a:ext cx="2057400" cy="365125"/>
+          </a:xfrm>
+          <a:prstGeom prst="rect">
+            <a:avLst/>
+          </a:prstGeom>
+        </p:spPr>
+        <p:txBody>
+          <a:bodyPr vert="horz" lIns="91440" tIns="45720" rIns="91440" bIns="45720" rtlCol="0" anchor="ctr"/>
+          <a:lstStyle>
+            <a:lvl1pPr algn="r">
+              <a:defRPr sz="900">
+                <a:solidFill>
+                  <a:schemeClr val="tx1">
+                    <a:tint val="75000"/>
+                  </a:schemeClr>
+                </a:solidFill>
+              </a:defRPr>
+            </a:lvl1pPr>
+          </a:lstStyle>
+          <a:p>
+            <a:pPr defTabSz="914400"/>
+            <a:fld id="{A5E2EACC-D4B0-3045-B4AB-6B247433880E}" type="slidenum">
+              <a:rPr lang="en-US" smtClean="0">
+                <a:solidFill>
+                  <a:prstClr val="black">
+                    <a:tint val="75000"/>
+                  </a:prstClr>
+                </a:solidFill>
+              </a:rPr>
+              <a:pPr defTabSz="914400"/>
+              <a:t>‹#›</a:t>
+            </a:fld>
+            <a:endParaRPr lang="en-US">
+              <a:solidFill>
+                <a:prstClr val="black">
+                  <a:tint val="75000"/>
+                </a:prstClr>
+              </a:solidFill>
+            </a:endParaRPr>
+          </a:p>
+        </p:txBody>
+      </p:sp>
+    </p:spTree>
+    <p:extLst>
+      <p:ext uri="{BB962C8B-B14F-4D97-AF65-F5344CB8AC3E}">
+        <p14:creationId xmlns:p14="http://schemas.microsoft.com/office/powerpoint/2010/main" val="1962630736"/>
+      </p:ext>
+    </p:extLst>
+  </p:cSld>
+  <p:clrMap bg1="lt1" tx1="dk1" bg2="lt2" tx2="dk2" accent1="accent1" accent2="accent2" accent3="accent3" accent4="accent4" accent5="accent5" accent6="accent6" hlink="hlink" folHlink="folHlink"/>
+  <p:sldLayoutIdLst>
+    <p:sldLayoutId id="2147483674" r:id="rId1"/>
+    <p:sldLayoutId id="2147483675" r:id="rId2"/>
+    <p:sldLayoutId id="2147483676" r:id="rId3"/>
+    <p:sldLayoutId id="2147483677" r:id="rId4"/>
+    <p:sldLayoutId id="2147483678" r:id="rId5"/>
+    <p:sldLayoutId id="2147483679" r:id="rId6"/>
+    <p:sldLayoutId id="2147483680" r:id="rId7"/>
+    <p:sldLayoutId id="2147483681" r:id="rId8"/>
+    <p:sldLayoutId id="2147483682" r:id="rId9"/>
+    <p:sldLayoutId id="2147483683" r:id="rId10"/>
+    <p:sldLayoutId id="2147483684" r:id="rId11"/>
+  </p:sldLayoutIdLst>
+  <p:txStyles>
+    <p:titleStyle>
+      <a:lvl1pPr algn="l" defTabSz="685800" rtl="0" eaLnBrk="1" latinLnBrk="0" hangingPunct="1">
+        <a:lnSpc>
+          <a:spcPct val="90000"/>
+        </a:lnSpc>
+        <a:spcBef>
+          <a:spcPct val="0"/>
+        </a:spcBef>
+        <a:buNone/>
+        <a:defRPr sz="3300" kern="1200">
+          <a:solidFill>
+            <a:schemeClr val="tx1"/>
+          </a:solidFill>
+          <a:latin typeface="+mj-lt"/>
+          <a:ea typeface="+mj-ea"/>
+          <a:cs typeface="+mj-cs"/>
+        </a:defRPr>
+      </a:lvl1pPr>
+    </p:titleStyle>
+    <p:bodyStyle>
+      <a:lvl1pPr marL="171450" indent="-171450" algn="l" defTabSz="685800" rtl="0" eaLnBrk="1" latinLnBrk="0" hangingPunct="1">
+        <a:lnSpc>
+          <a:spcPct val="90000"/>
+        </a:lnSpc>
+        <a:spcBef>
+          <a:spcPts val="750"/>
+        </a:spcBef>
+        <a:buFont typeface="Arial"/>
+        <a:buChar char="•"/>
+        <a:defRPr sz="2100" kern="1200">
+          <a:solidFill>
+            <a:schemeClr val="tx1"/>
+          </a:solidFill>
+          <a:latin typeface="+mn-lt"/>
+          <a:ea typeface="+mn-ea"/>
+          <a:cs typeface="+mn-cs"/>
+        </a:defRPr>
+      </a:lvl1pPr>
+      <a:lvl2pPr marL="514350" indent="-171450" algn="l" defTabSz="685800" rtl="0" eaLnBrk="1" latinLnBrk="0" hangingPunct="1">
+        <a:lnSpc>
+          <a:spcPct val="90000"/>
+        </a:lnSpc>
+        <a:spcBef>
+          <a:spcPts val="375"/>
+        </a:spcBef>
+        <a:buFont typeface="Arial"/>
+        <a:buChar char="•"/>
+        <a:defRPr sz="1800" kern="1200">
+          <a:solidFill>
+            <a:schemeClr val="tx1"/>
+          </a:solidFill>
+          <a:latin typeface="+mn-lt"/>
+          <a:ea typeface="+mn-ea"/>
+          <a:cs typeface="+mn-cs"/>
+        </a:defRPr>
+      </a:lvl2pPr>
+      <a:lvl3pPr marL="857250" indent="-171450" algn="l" defTabSz="685800" rtl="0" eaLnBrk="1" latinLnBrk="0" hangingPunct="1">
+        <a:lnSpc>
+          <a:spcPct val="90000"/>
+        </a:lnSpc>
+        <a:spcBef>
+          <a:spcPts val="375"/>
+        </a:spcBef>
+        <a:buFont typeface="Arial"/>
+        <a:buChar char="•"/>
+        <a:defRPr sz="1500" kern="1200">
+          <a:solidFill>
+            <a:schemeClr val="tx1"/>
+          </a:solidFill>
+          <a:latin typeface="+mn-lt"/>
+          <a:ea typeface="+mn-ea"/>
+          <a:cs typeface="+mn-cs"/>
+        </a:defRPr>
+      </a:lvl3pPr>
+      <a:lvl4pPr marL="1200150" indent="-171450" algn="l" defTabSz="685800" rtl="0" eaLnBrk="1" latinLnBrk="0" hangingPunct="1">
+        <a:lnSpc>
+          <a:spcPct val="90000"/>
+        </a:lnSpc>
+        <a:spcBef>
+          <a:spcPts val="375"/>
+        </a:spcBef>
+        <a:buFont typeface="Arial"/>
+        <a:buChar char="•"/>
+        <a:defRPr sz="1350" kern="1200">
+          <a:solidFill>
+            <a:schemeClr val="tx1"/>
+          </a:solidFill>
+          <a:latin typeface="+mn-lt"/>
+          <a:ea typeface="+mn-ea"/>
+          <a:cs typeface="+mn-cs"/>
+        </a:defRPr>
+      </a:lvl4pPr>
+      <a:lvl5pPr marL="1543050" indent="-171450" algn="l" defTabSz="685800" rtl="0" eaLnBrk="1" latinLnBrk="0" hangingPunct="1">
+        <a:lnSpc>
+          <a:spcPct val="90000"/>
+        </a:lnSpc>
+        <a:spcBef>
+          <a:spcPts val="375"/>
+        </a:spcBef>
+        <a:buFont typeface="Arial"/>
+        <a:buChar char="•"/>
+        <a:defRPr sz="1350" kern="1200">
+          <a:solidFill>
+            <a:schemeClr val="tx1"/>
+          </a:solidFill>
+          <a:latin typeface="+mn-lt"/>
+          <a:ea typeface="+mn-ea"/>
+          <a:cs typeface="+mn-cs"/>
+        </a:defRPr>
+      </a:lvl5pPr>
+      <a:lvl6pPr marL="1885950" indent="-171450" algn="l" defTabSz="685800" rtl="0" eaLnBrk="1" latinLnBrk="0" hangingPunct="1">
+        <a:lnSpc>
+          <a:spcPct val="90000"/>
+        </a:lnSpc>
+        <a:spcBef>
+          <a:spcPts val="375"/>
+        </a:spcBef>
+        <a:buFont typeface="Arial"/>
+        <a:buChar char="•"/>
+        <a:defRPr sz="1350" kern="1200">
+          <a:solidFill>
+            <a:schemeClr val="tx1"/>
+          </a:solidFill>
+          <a:latin typeface="+mn-lt"/>
+          <a:ea typeface="+mn-ea"/>
+          <a:cs typeface="+mn-cs"/>
+        </a:defRPr>
+      </a:lvl6pPr>
+      <a:lvl7pPr marL="2228850" indent="-171450" algn="l" defTabSz="685800" rtl="0" eaLnBrk="1" latinLnBrk="0" hangingPunct="1">
+        <a:lnSpc>
+          <a:spcPct val="90000"/>
+        </a:lnSpc>
+        <a:spcBef>
+          <a:spcPts val="375"/>
+        </a:spcBef>
+        <a:buFont typeface="Arial"/>
+        <a:buChar char="•"/>
+        <a:defRPr sz="1350" kern="1200">
+          <a:solidFill>
+            <a:schemeClr val="tx1"/>
+          </a:solidFill>
+          <a:latin typeface="+mn-lt"/>
+          <a:ea typeface="+mn-ea"/>
+          <a:cs typeface="+mn-cs"/>
+        </a:defRPr>
+      </a:lvl7pPr>
+      <a:lvl8pPr marL="2571750" indent="-171450" algn="l" defTabSz="685800" rtl="0" eaLnBrk="1" latinLnBrk="0" hangingPunct="1">
+        <a:lnSpc>
+          <a:spcPct val="90000"/>
+        </a:lnSpc>
+        <a:spcBef>
+          <a:spcPts val="375"/>
+        </a:spcBef>
+        <a:buFont typeface="Arial"/>
+        <a:buChar char="•"/>
+        <a:defRPr sz="1350" kern="1200">
+          <a:solidFill>
+            <a:schemeClr val="tx1"/>
+          </a:solidFill>
+          <a:latin typeface="+mn-lt"/>
+          <a:ea typeface="+mn-ea"/>
+          <a:cs typeface="+mn-cs"/>
+        </a:defRPr>
+      </a:lvl8pPr>
+      <a:lvl9pPr marL="2914650" indent="-171450" algn="l" defTabSz="685800" rtl="0" eaLnBrk="1" latinLnBrk="0" hangingPunct="1">
+        <a:lnSpc>
+          <a:spcPct val="90000"/>
+        </a:lnSpc>
+        <a:spcBef>
+          <a:spcPts val="375"/>
+        </a:spcBef>
+        <a:buFont typeface="Arial"/>
+        <a:buChar char="•"/>
+        <a:defRPr sz="1350" kern="1200">
+          <a:solidFill>
+            <a:schemeClr val="tx1"/>
+          </a:solidFill>
+          <a:latin typeface="+mn-lt"/>
+          <a:ea typeface="+mn-ea"/>
+          <a:cs typeface="+mn-cs"/>
+        </a:defRPr>
+      </a:lvl9pPr>
+    </p:bodyStyle>
+    <p:otherStyle>
+      <a:defPPr>
+        <a:defRPr lang="en-US"/>
+      </a:defPPr>
+      <a:lvl1pPr marL="0" algn="l" defTabSz="685800" rtl="0" eaLnBrk="1" latinLnBrk="0" hangingPunct="1">
+        <a:defRPr sz="1350" kern="1200">
+          <a:solidFill>
+            <a:schemeClr val="tx1"/>
+          </a:solidFill>
+          <a:latin typeface="+mn-lt"/>
+          <a:ea typeface="+mn-ea"/>
+          <a:cs typeface="+mn-cs"/>
+        </a:defRPr>
+      </a:lvl1pPr>
+      <a:lvl2pPr marL="342900" algn="l" defTabSz="685800" rtl="0" eaLnBrk="1" latinLnBrk="0" hangingPunct="1">
+        <a:defRPr sz="1350" kern="1200">
+          <a:solidFill>
+            <a:schemeClr val="tx1"/>
+          </a:solidFill>
+          <a:latin typeface="+mn-lt"/>
+          <a:ea typeface="+mn-ea"/>
+          <a:cs typeface="+mn-cs"/>
+        </a:defRPr>
+      </a:lvl2pPr>
+      <a:lvl3pPr marL="685800" algn="l" defTabSz="685800" rtl="0" eaLnBrk="1" latinLnBrk="0" hangingPunct="1">
+        <a:defRPr sz="1350" kern="1200">
+          <a:solidFill>
+            <a:schemeClr val="tx1"/>
+          </a:solidFill>
+          <a:latin typeface="+mn-lt"/>
+          <a:ea typeface="+mn-ea"/>
+          <a:cs typeface="+mn-cs"/>
+        </a:defRPr>
+      </a:lvl3pPr>
+      <a:lvl4pPr marL="1028700" algn="l" defTabSz="685800" rtl="0" eaLnBrk="1" latinLnBrk="0" hangingPunct="1">
+        <a:defRPr sz="1350" kern="1200">
+          <a:solidFill>
+            <a:schemeClr val="tx1"/>
+          </a:solidFill>
+          <a:latin typeface="+mn-lt"/>
+          <a:ea typeface="+mn-ea"/>
+          <a:cs typeface="+mn-cs"/>
+        </a:defRPr>
+      </a:lvl4pPr>
+      <a:lvl5pPr marL="1371600" algn="l" defTabSz="685800" rtl="0" eaLnBrk="1" latinLnBrk="0" hangingPunct="1">
+        <a:defRPr sz="1350" kern="1200">
+          <a:solidFill>
+            <a:schemeClr val="tx1"/>
+          </a:solidFill>
+          <a:latin typeface="+mn-lt"/>
+          <a:ea typeface="+mn-ea"/>
+          <a:cs typeface="+mn-cs"/>
+        </a:defRPr>
+      </a:lvl5pPr>
+      <a:lvl6pPr marL="1714500" algn="l" defTabSz="685800" rtl="0" eaLnBrk="1" latinLnBrk="0" hangingPunct="1">
+        <a:defRPr sz="1350" kern="1200">
+          <a:solidFill>
+            <a:schemeClr val="tx1"/>
+          </a:solidFill>
+          <a:latin typeface="+mn-lt"/>
+          <a:ea typeface="+mn-ea"/>
+          <a:cs typeface="+mn-cs"/>
+        </a:defRPr>
+      </a:lvl6pPr>
+      <a:lvl7pPr marL="2057400" algn="l" defTabSz="685800" rtl="0" eaLnBrk="1" latinLnBrk="0" hangingPunct="1">
+        <a:defRPr sz="1350" kern="1200">
+          <a:solidFill>
+            <a:schemeClr val="tx1"/>
+          </a:solidFill>
+          <a:latin typeface="+mn-lt"/>
+          <a:ea typeface="+mn-ea"/>
+          <a:cs typeface="+mn-cs"/>
+        </a:defRPr>
+      </a:lvl7pPr>
+      <a:lvl8pPr marL="2400300" algn="l" defTabSz="685800" rtl="0" eaLnBrk="1" latinLnBrk="0" hangingPunct="1">
+        <a:defRPr sz="1350" kern="1200">
+          <a:solidFill>
+            <a:schemeClr val="tx1"/>
+          </a:solidFill>
+          <a:latin typeface="+mn-lt"/>
+          <a:ea typeface="+mn-ea"/>
+          <a:cs typeface="+mn-cs"/>
+        </a:defRPr>
+      </a:lvl8pPr>
+      <a:lvl9pPr marL="2743200" algn="l" defTabSz="685800" rtl="0" eaLnBrk="1" latinLnBrk="0" hangingPunct="1">
+        <a:defRPr sz="1350" kern="1200">
+          <a:solidFill>
+            <a:schemeClr val="tx1"/>
+          </a:solidFill>
+          <a:latin typeface="+mn-lt"/>
+          <a:ea typeface="+mn-ea"/>
+          <a:cs typeface="+mn-cs"/>
+        </a:defRPr>
+      </a:lvl9pPr>
+    </p:otherStyle>
+  </p:txStyles>
+</p:sldMaster>
+</file>
+
 <file path=ppt/slides/slide1.xml><?xml version="1.0" encoding="utf-8"?>
 <p:sld xmlns:a="http://schemas.openxmlformats.org/drawingml/2006/main" xmlns:r="http://schemas.openxmlformats.org/officeDocument/2006/relationships" xmlns:p="http://schemas.openxmlformats.org/presentationml/2006/main">
   <p:cSld>
@@ -6693,6 +9924,3462 @@
       </p:grpSpPr>
       <p:sp>
         <p:nvSpPr>
+          <p:cNvPr id="2" name="Title 1"/>
+          <p:cNvSpPr>
+            <a:spLocks noGrp="1"/>
+          </p:cNvSpPr>
+          <p:nvPr>
+            <p:ph type="title"/>
+          </p:nvPr>
+        </p:nvSpPr>
+        <p:spPr>
+          <a:xfrm>
+            <a:off x="132008" y="0"/>
+            <a:ext cx="7886700" cy="587828"/>
+          </a:xfrm>
+        </p:spPr>
+        <p:txBody>
+          <a:bodyPr>
+            <a:normAutofit/>
+          </a:bodyPr>
+          <a:lstStyle/>
+          <a:p>
+            <a:r>
+              <a:rPr lang="en-US" sz="2700" dirty="0">
+                <a:latin typeface="Cambria" charset="0"/>
+                <a:ea typeface="Cambria" charset="0"/>
+                <a:cs typeface="Cambria" charset="0"/>
+              </a:rPr>
+              <a:t>System Architecture</a:t>
+            </a:r>
+            <a:endParaRPr lang="en-US" sz="2700" b="1" dirty="0">
+              <a:latin typeface="Cambria" charset="0"/>
+              <a:ea typeface="Cambria" charset="0"/>
+              <a:cs typeface="Cambria" charset="0"/>
+            </a:endParaRPr>
+          </a:p>
+        </p:txBody>
+      </p:sp>
+      <p:cxnSp>
+        <p:nvCxnSpPr>
+          <p:cNvPr id="6" name="Straight Connector 5"/>
+          <p:cNvCxnSpPr/>
+          <p:nvPr/>
+        </p:nvCxnSpPr>
+        <p:spPr>
+          <a:xfrm flipV="1">
+            <a:off x="215206" y="589136"/>
+            <a:ext cx="8780690" cy="12247"/>
+          </a:xfrm>
+          <a:prstGeom prst="line">
+            <a:avLst/>
+          </a:prstGeom>
+          <a:ln w="22225"/>
+        </p:spPr>
+        <p:style>
+          <a:lnRef idx="1">
+            <a:schemeClr val="accent1"/>
+          </a:lnRef>
+          <a:fillRef idx="0">
+            <a:schemeClr val="accent1"/>
+          </a:fillRef>
+          <a:effectRef idx="0">
+            <a:schemeClr val="accent1"/>
+          </a:effectRef>
+          <a:fontRef idx="minor">
+            <a:schemeClr val="tx1"/>
+          </a:fontRef>
+        </p:style>
+      </p:cxnSp>
+      <p:pic>
+        <p:nvPicPr>
+          <p:cNvPr id="20" name="Picture 2" descr="C:\Users\ngoan\Desktop\bus.png"/>
+          <p:cNvPicPr>
+            <a:picLocks noChangeAspect="1" noChangeArrowheads="1"/>
+          </p:cNvPicPr>
+          <p:nvPr/>
+        </p:nvPicPr>
+        <p:blipFill rotWithShape="1">
+          <a:blip r:embed="rId2">
+            <a:extLst>
+              <a:ext uri="{28A0092B-C50C-407E-A947-70E740481C1C}">
+                <a14:useLocalDpi xmlns:a14="http://schemas.microsoft.com/office/drawing/2010/main" val="0"/>
+              </a:ext>
+            </a:extLst>
+          </a:blip>
+          <a:srcRect l="41653" t="43647" r="50398" b="42181"/>
+          <a:stretch/>
+        </p:blipFill>
+        <p:spPr bwMode="auto">
+          <a:xfrm>
+            <a:off x="4008508" y="3493094"/>
+            <a:ext cx="597043" cy="925417"/>
+          </a:xfrm>
+          <a:prstGeom prst="rect">
+            <a:avLst/>
+          </a:prstGeom>
+          <a:noFill/>
+          <a:extLst>
+            <a:ext uri="{909E8E84-426E-40DD-AFC4-6F175D3DCCD1}">
+              <a14:hiddenFill xmlns:a14="http://schemas.microsoft.com/office/drawing/2010/main">
+                <a:solidFill>
+                  <a:srgbClr val="FFFFFF"/>
+                </a:solidFill>
+              </a14:hiddenFill>
+            </a:ext>
+          </a:extLst>
+        </p:spPr>
+      </p:pic>
+      <p:pic>
+        <p:nvPicPr>
+          <p:cNvPr id="21" name="Picture 20"/>
+          <p:cNvPicPr>
+            <a:picLocks noChangeAspect="1"/>
+          </p:cNvPicPr>
+          <p:nvPr/>
+        </p:nvPicPr>
+        <p:blipFill>
+          <a:blip r:embed="rId3">
+            <a:extLst>
+              <a:ext uri="{28A0092B-C50C-407E-A947-70E740481C1C}">
+                <a14:useLocalDpi xmlns:a14="http://schemas.microsoft.com/office/drawing/2010/main" val="0"/>
+              </a:ext>
+            </a:extLst>
+          </a:blip>
+          <a:stretch>
+            <a:fillRect/>
+          </a:stretch>
+        </p:blipFill>
+        <p:spPr>
+          <a:xfrm>
+            <a:off x="468010" y="3475470"/>
+            <a:ext cx="789246" cy="789246"/>
+          </a:xfrm>
+          <a:prstGeom prst="rect">
+            <a:avLst/>
+          </a:prstGeom>
+        </p:spPr>
+      </p:pic>
+      <p:sp>
+        <p:nvSpPr>
+          <p:cNvPr id="22" name="Right Arrow 21"/>
+          <p:cNvSpPr/>
+          <p:nvPr/>
+        </p:nvSpPr>
+        <p:spPr>
+          <a:xfrm>
+            <a:off x="1570322" y="4089312"/>
+            <a:ext cx="2315002" cy="199706"/>
+          </a:xfrm>
+          <a:prstGeom prst="rightArrow">
+            <a:avLst/>
+          </a:prstGeom>
+          <a:solidFill>
+            <a:srgbClr val="2388DB"/>
+          </a:solidFill>
+          <a:ln w="25400" cap="flat" cmpd="sng" algn="ctr">
+            <a:solidFill>
+              <a:srgbClr val="2388DB"/>
+            </a:solidFill>
+            <a:prstDash val="solid"/>
+          </a:ln>
+          <a:effectLst/>
+        </p:spPr>
+        <p:txBody>
+          <a:bodyPr rtlCol="0" anchor="ctr"/>
+          <a:lstStyle/>
+          <a:p>
+            <a:pPr algn="ctr" defTabSz="914400">
+              <a:defRPr/>
+            </a:pPr>
+            <a:endParaRPr lang="en-US" kern="0" smtClean="0">
+              <a:solidFill>
+                <a:srgbClr val="FFFFFF"/>
+              </a:solidFill>
+              <a:latin typeface="Arial"/>
+            </a:endParaRPr>
+          </a:p>
+        </p:txBody>
+      </p:sp>
+      <p:sp>
+        <p:nvSpPr>
+          <p:cNvPr id="23" name="TextBox 22"/>
+          <p:cNvSpPr txBox="1"/>
+          <p:nvPr/>
+        </p:nvSpPr>
+        <p:spPr>
+          <a:xfrm>
+            <a:off x="1899628" y="3755748"/>
+            <a:ext cx="1954333" cy="400110"/>
+          </a:xfrm>
+          <a:prstGeom prst="rect">
+            <a:avLst/>
+          </a:prstGeom>
+          <a:noFill/>
+        </p:spPr>
+        <p:txBody>
+          <a:bodyPr wrap="square" rtlCol="0">
+            <a:spAutoFit/>
+          </a:bodyPr>
+          <a:lstStyle/>
+          <a:p>
+            <a:pPr defTabSz="914400"/>
+            <a:r>
+              <a:rPr lang="en-US" sz="2000" dirty="0" smtClean="0">
+                <a:solidFill>
+                  <a:srgbClr val="000000"/>
+                </a:solidFill>
+                <a:latin typeface="Cambria" charset="0"/>
+                <a:ea typeface="Cambria" charset="0"/>
+                <a:cs typeface="Cambria" charset="0"/>
+              </a:rPr>
+              <a:t>1a. Text Search</a:t>
+            </a:r>
+            <a:endParaRPr lang="en-US" sz="2000" dirty="0">
+              <a:solidFill>
+                <a:srgbClr val="000000"/>
+              </a:solidFill>
+              <a:latin typeface="Cambria" charset="0"/>
+              <a:ea typeface="Cambria" charset="0"/>
+              <a:cs typeface="Cambria" charset="0"/>
+            </a:endParaRPr>
+          </a:p>
+        </p:txBody>
+      </p:sp>
+      <p:pic>
+        <p:nvPicPr>
+          <p:cNvPr id="24" name="Picture 23"/>
+          <p:cNvPicPr>
+            <a:picLocks noChangeAspect="1"/>
+          </p:cNvPicPr>
+          <p:nvPr/>
+        </p:nvPicPr>
+        <p:blipFill>
+          <a:blip r:embed="rId4">
+            <a:extLst>
+              <a:ext uri="{28A0092B-C50C-407E-A947-70E740481C1C}">
+                <a14:useLocalDpi xmlns:a14="http://schemas.microsoft.com/office/drawing/2010/main" val="0"/>
+              </a:ext>
+            </a:extLst>
+          </a:blip>
+          <a:stretch>
+            <a:fillRect/>
+          </a:stretch>
+        </p:blipFill>
+        <p:spPr>
+          <a:xfrm>
+            <a:off x="3905987" y="926929"/>
+            <a:ext cx="850290" cy="839004"/>
+          </a:xfrm>
+          <a:prstGeom prst="rect">
+            <a:avLst/>
+          </a:prstGeom>
+        </p:spPr>
+      </p:pic>
+      <p:sp>
+        <p:nvSpPr>
+          <p:cNvPr id="25" name="Up Arrow 24"/>
+          <p:cNvSpPr/>
+          <p:nvPr/>
+        </p:nvSpPr>
+        <p:spPr>
+          <a:xfrm rot="3098377">
+            <a:off x="2654530" y="1166486"/>
+            <a:ext cx="217957" cy="3046974"/>
+          </a:xfrm>
+          <a:prstGeom prst="upArrow">
+            <a:avLst/>
+          </a:prstGeom>
+          <a:solidFill>
+            <a:schemeClr val="accent1"/>
+          </a:solidFill>
+          <a:ln w="25400" cap="flat" cmpd="sng" algn="ctr">
+            <a:solidFill>
+              <a:schemeClr val="accent1"/>
+            </a:solidFill>
+            <a:prstDash val="solid"/>
+          </a:ln>
+          <a:effectLst/>
+        </p:spPr>
+        <p:txBody>
+          <a:bodyPr rtlCol="0" anchor="ctr"/>
+          <a:lstStyle/>
+          <a:p>
+            <a:pPr algn="ctr" defTabSz="914400">
+              <a:defRPr/>
+            </a:pPr>
+            <a:endParaRPr lang="en-US" kern="0" smtClean="0">
+              <a:solidFill>
+                <a:srgbClr val="FFFFFF"/>
+              </a:solidFill>
+              <a:latin typeface="Arial"/>
+            </a:endParaRPr>
+          </a:p>
+        </p:txBody>
+      </p:sp>
+      <p:sp>
+        <p:nvSpPr>
+          <p:cNvPr id="26" name="Down Arrow 25"/>
+          <p:cNvSpPr/>
+          <p:nvPr/>
+        </p:nvSpPr>
+        <p:spPr>
+          <a:xfrm>
+            <a:off x="4218170" y="1865915"/>
+            <a:ext cx="213100" cy="1501766"/>
+          </a:xfrm>
+          <a:prstGeom prst="downArrow">
+            <a:avLst/>
+          </a:prstGeom>
+          <a:solidFill>
+            <a:schemeClr val="accent1"/>
+          </a:solidFill>
+          <a:ln w="25400" cap="flat" cmpd="sng" algn="ctr">
+            <a:solidFill>
+              <a:schemeClr val="accent1"/>
+            </a:solidFill>
+            <a:prstDash val="solid"/>
+          </a:ln>
+          <a:effectLst/>
+        </p:spPr>
+        <p:txBody>
+          <a:bodyPr rtlCol="0" anchor="ctr"/>
+          <a:lstStyle/>
+          <a:p>
+            <a:pPr algn="ctr" defTabSz="914400">
+              <a:defRPr/>
+            </a:pPr>
+            <a:endParaRPr lang="en-US" kern="0" smtClean="0">
+              <a:solidFill>
+                <a:srgbClr val="FFFFFF"/>
+              </a:solidFill>
+              <a:latin typeface="Arial"/>
+            </a:endParaRPr>
+          </a:p>
+        </p:txBody>
+      </p:sp>
+      <p:sp>
+        <p:nvSpPr>
+          <p:cNvPr id="27" name="TextBox 26"/>
+          <p:cNvSpPr txBox="1"/>
+          <p:nvPr/>
+        </p:nvSpPr>
+        <p:spPr>
+          <a:xfrm rot="19217945">
+            <a:off x="1687897" y="2167635"/>
+            <a:ext cx="1950983" cy="400110"/>
+          </a:xfrm>
+          <a:prstGeom prst="rect">
+            <a:avLst/>
+          </a:prstGeom>
+          <a:noFill/>
+        </p:spPr>
+        <p:txBody>
+          <a:bodyPr wrap="none" rtlCol="0">
+            <a:spAutoFit/>
+          </a:bodyPr>
+          <a:lstStyle/>
+          <a:p>
+            <a:pPr defTabSz="914400"/>
+            <a:r>
+              <a:rPr lang="en-US" sz="2000" dirty="0" smtClean="0">
+                <a:solidFill>
+                  <a:srgbClr val="000000"/>
+                </a:solidFill>
+                <a:latin typeface="Cambria" charset="0"/>
+                <a:ea typeface="Cambria" charset="0"/>
+                <a:cs typeface="Cambria" charset="0"/>
+              </a:rPr>
+              <a:t>1b. Voice Search</a:t>
+            </a:r>
+            <a:endParaRPr lang="en-US" sz="2000" dirty="0">
+              <a:solidFill>
+                <a:srgbClr val="000000"/>
+              </a:solidFill>
+              <a:latin typeface="Cambria" charset="0"/>
+              <a:ea typeface="Cambria" charset="0"/>
+              <a:cs typeface="Cambria" charset="0"/>
+            </a:endParaRPr>
+          </a:p>
+        </p:txBody>
+      </p:sp>
+      <p:sp>
+        <p:nvSpPr>
+          <p:cNvPr id="28" name="TextBox 27"/>
+          <p:cNvSpPr txBox="1"/>
+          <p:nvPr/>
+        </p:nvSpPr>
+        <p:spPr>
+          <a:xfrm>
+            <a:off x="3494104" y="2486659"/>
+            <a:ext cx="648383" cy="707886"/>
+          </a:xfrm>
+          <a:prstGeom prst="rect">
+            <a:avLst/>
+          </a:prstGeom>
+          <a:noFill/>
+        </p:spPr>
+        <p:txBody>
+          <a:bodyPr wrap="none" rtlCol="0">
+            <a:spAutoFit/>
+          </a:bodyPr>
+          <a:lstStyle/>
+          <a:p>
+            <a:pPr defTabSz="914400"/>
+            <a:r>
+              <a:rPr lang="en-US" sz="2000" dirty="0" smtClean="0">
+                <a:solidFill>
+                  <a:srgbClr val="000000"/>
+                </a:solidFill>
+                <a:latin typeface="Cambria" charset="0"/>
+                <a:ea typeface="Cambria" charset="0"/>
+                <a:cs typeface="Cambria" charset="0"/>
+              </a:rPr>
+              <a:t>1c.</a:t>
+            </a:r>
+            <a:br>
+              <a:rPr lang="en-US" sz="2000" dirty="0" smtClean="0">
+                <a:solidFill>
+                  <a:srgbClr val="000000"/>
+                </a:solidFill>
+                <a:latin typeface="Cambria" charset="0"/>
+                <a:ea typeface="Cambria" charset="0"/>
+                <a:cs typeface="Cambria" charset="0"/>
+              </a:rPr>
+            </a:br>
+            <a:r>
+              <a:rPr lang="en-US" sz="2000" dirty="0" smtClean="0">
+                <a:solidFill>
+                  <a:srgbClr val="000000"/>
+                </a:solidFill>
+                <a:latin typeface="Cambria" charset="0"/>
+                <a:ea typeface="Cambria" charset="0"/>
+                <a:cs typeface="Cambria" charset="0"/>
+              </a:rPr>
+              <a:t>Text</a:t>
+            </a:r>
+            <a:endParaRPr lang="en-US" sz="2000" dirty="0">
+              <a:solidFill>
+                <a:srgbClr val="000000"/>
+              </a:solidFill>
+              <a:latin typeface="Cambria" charset="0"/>
+              <a:ea typeface="Cambria" charset="0"/>
+              <a:cs typeface="Cambria" charset="0"/>
+            </a:endParaRPr>
+          </a:p>
+        </p:txBody>
+      </p:sp>
+      <p:sp>
+        <p:nvSpPr>
+          <p:cNvPr id="29" name="Up Arrow 28"/>
+          <p:cNvSpPr/>
+          <p:nvPr/>
+        </p:nvSpPr>
+        <p:spPr>
+          <a:xfrm rot="2900683">
+            <a:off x="5766506" y="1382582"/>
+            <a:ext cx="222582" cy="2782163"/>
+          </a:xfrm>
+          <a:prstGeom prst="upArrow">
+            <a:avLst/>
+          </a:prstGeom>
+          <a:solidFill>
+            <a:schemeClr val="accent1"/>
+          </a:solidFill>
+          <a:ln w="25400" cap="flat" cmpd="sng" algn="ctr">
+            <a:solidFill>
+              <a:schemeClr val="accent1"/>
+            </a:solidFill>
+            <a:prstDash val="solid"/>
+          </a:ln>
+          <a:effectLst/>
+        </p:spPr>
+        <p:txBody>
+          <a:bodyPr rtlCol="0" anchor="ctr"/>
+          <a:lstStyle/>
+          <a:p>
+            <a:pPr algn="ctr" defTabSz="914400">
+              <a:defRPr/>
+            </a:pPr>
+            <a:endParaRPr lang="en-US" kern="0" smtClean="0">
+              <a:solidFill>
+                <a:srgbClr val="FFFFFF"/>
+              </a:solidFill>
+              <a:latin typeface="Arial"/>
+            </a:endParaRPr>
+          </a:p>
+        </p:txBody>
+      </p:sp>
+      <p:sp>
+        <p:nvSpPr>
+          <p:cNvPr id="31" name="TextBox 30"/>
+          <p:cNvSpPr txBox="1"/>
+          <p:nvPr/>
+        </p:nvSpPr>
+        <p:spPr>
+          <a:xfrm rot="19042530">
+            <a:off x="4106365" y="2370483"/>
+            <a:ext cx="3125727" cy="369332"/>
+          </a:xfrm>
+          <a:prstGeom prst="rect">
+            <a:avLst/>
+          </a:prstGeom>
+          <a:noFill/>
+        </p:spPr>
+        <p:txBody>
+          <a:bodyPr wrap="none" rtlCol="0">
+            <a:spAutoFit/>
+          </a:bodyPr>
+          <a:lstStyle/>
+          <a:p>
+            <a:pPr defTabSz="914400"/>
+            <a:r>
+              <a:rPr lang="en-US" dirty="0" smtClean="0">
+                <a:solidFill>
+                  <a:srgbClr val="000000"/>
+                </a:solidFill>
+                <a:latin typeface="Cambria" charset="0"/>
+                <a:ea typeface="Cambria" charset="0"/>
+                <a:cs typeface="Cambria" charset="0"/>
+              </a:rPr>
+              <a:t>2. Request motor or bus route</a:t>
+            </a:r>
+            <a:endParaRPr lang="en-US" dirty="0">
+              <a:solidFill>
+                <a:srgbClr val="000000"/>
+              </a:solidFill>
+              <a:latin typeface="Cambria" charset="0"/>
+              <a:ea typeface="Cambria" charset="0"/>
+              <a:cs typeface="Cambria" charset="0"/>
+            </a:endParaRPr>
+          </a:p>
+        </p:txBody>
+      </p:sp>
+      <p:sp>
+        <p:nvSpPr>
+          <p:cNvPr id="36" name="TextBox 35"/>
+          <p:cNvSpPr txBox="1"/>
+          <p:nvPr/>
+        </p:nvSpPr>
+        <p:spPr>
+          <a:xfrm>
+            <a:off x="7005653" y="1494726"/>
+            <a:ext cx="1656415" cy="338554"/>
+          </a:xfrm>
+          <a:prstGeom prst="rect">
+            <a:avLst/>
+          </a:prstGeom>
+          <a:noFill/>
+        </p:spPr>
+        <p:txBody>
+          <a:bodyPr wrap="none" rtlCol="0">
+            <a:spAutoFit/>
+          </a:bodyPr>
+          <a:lstStyle/>
+          <a:p>
+            <a:pPr algn="ctr" defTabSz="914400"/>
+            <a:r>
+              <a:rPr lang="en-US" sz="1600" b="1" dirty="0" smtClean="0">
+                <a:solidFill>
+                  <a:srgbClr val="FF0000"/>
+                </a:solidFill>
+                <a:latin typeface="Cambria" charset="0"/>
+                <a:ea typeface="Cambria" charset="0"/>
+                <a:cs typeface="Cambria" charset="0"/>
+              </a:rPr>
+              <a:t>Google Map API</a:t>
+            </a:r>
+            <a:endParaRPr lang="en-US" sz="1600" b="1" dirty="0">
+              <a:solidFill>
+                <a:srgbClr val="FF0000"/>
+              </a:solidFill>
+              <a:latin typeface="Cambria" charset="0"/>
+              <a:ea typeface="Cambria" charset="0"/>
+              <a:cs typeface="Cambria" charset="0"/>
+            </a:endParaRPr>
+          </a:p>
+        </p:txBody>
+      </p:sp>
+      <p:pic>
+        <p:nvPicPr>
+          <p:cNvPr id="3" name="Picture 2"/>
+          <p:cNvPicPr>
+            <a:picLocks noChangeAspect="1"/>
+          </p:cNvPicPr>
+          <p:nvPr/>
+        </p:nvPicPr>
+        <p:blipFill>
+          <a:blip r:embed="rId5">
+            <a:extLst>
+              <a:ext uri="{28A0092B-C50C-407E-A947-70E740481C1C}">
+                <a14:useLocalDpi xmlns:a14="http://schemas.microsoft.com/office/drawing/2010/main" val="0"/>
+              </a:ext>
+            </a:extLst>
+          </a:blip>
+          <a:stretch>
+            <a:fillRect/>
+          </a:stretch>
+        </p:blipFill>
+        <p:spPr>
+          <a:xfrm>
+            <a:off x="7506731" y="869533"/>
+            <a:ext cx="640080" cy="640080"/>
+          </a:xfrm>
+          <a:prstGeom prst="rect">
+            <a:avLst/>
+          </a:prstGeom>
+        </p:spPr>
+      </p:pic>
+      <p:pic>
+        <p:nvPicPr>
+          <p:cNvPr id="17" name="Picture 16"/>
+          <p:cNvPicPr>
+            <a:picLocks noChangeAspect="1"/>
+          </p:cNvPicPr>
+          <p:nvPr/>
+        </p:nvPicPr>
+        <p:blipFill rotWithShape="1">
+          <a:blip r:embed="rId6">
+            <a:extLst>
+              <a:ext uri="{28A0092B-C50C-407E-A947-70E740481C1C}">
+                <a14:useLocalDpi xmlns:a14="http://schemas.microsoft.com/office/drawing/2010/main" val="0"/>
+              </a:ext>
+            </a:extLst>
+          </a:blip>
+          <a:srcRect l="22301" r="22655" b="23406"/>
+          <a:stretch/>
+        </p:blipFill>
+        <p:spPr>
+          <a:xfrm>
+            <a:off x="7506731" y="1819935"/>
+            <a:ext cx="640079" cy="582684"/>
+          </a:xfrm>
+          <a:prstGeom prst="rect">
+            <a:avLst/>
+          </a:prstGeom>
+        </p:spPr>
+      </p:pic>
+      <p:sp>
+        <p:nvSpPr>
+          <p:cNvPr id="18" name="TextBox 17"/>
+          <p:cNvSpPr txBox="1"/>
+          <p:nvPr/>
+        </p:nvSpPr>
+        <p:spPr>
+          <a:xfrm>
+            <a:off x="7282134" y="2444039"/>
+            <a:ext cx="1266885" cy="338554"/>
+          </a:xfrm>
+          <a:prstGeom prst="rect">
+            <a:avLst/>
+          </a:prstGeom>
+          <a:noFill/>
+        </p:spPr>
+        <p:txBody>
+          <a:bodyPr wrap="none" rtlCol="0">
+            <a:spAutoFit/>
+          </a:bodyPr>
+          <a:lstStyle/>
+          <a:p>
+            <a:pPr defTabSz="914400"/>
+            <a:r>
+              <a:rPr lang="en-US" sz="1600" b="1" dirty="0" smtClean="0">
+                <a:solidFill>
+                  <a:srgbClr val="FF0000"/>
+                </a:solidFill>
+                <a:latin typeface="Cambria" charset="0"/>
+                <a:ea typeface="Cambria" charset="0"/>
+                <a:cs typeface="Cambria" charset="0"/>
+              </a:rPr>
+              <a:t>Bus Service</a:t>
+            </a:r>
+            <a:endParaRPr lang="en-US" sz="1600" b="1" dirty="0">
+              <a:solidFill>
+                <a:srgbClr val="FF0000"/>
+              </a:solidFill>
+              <a:latin typeface="Cambria" charset="0"/>
+              <a:ea typeface="Cambria" charset="0"/>
+              <a:cs typeface="Cambria" charset="0"/>
+            </a:endParaRPr>
+          </a:p>
+        </p:txBody>
+      </p:sp>
+      <p:sp>
+        <p:nvSpPr>
+          <p:cNvPr id="19" name="Down Arrow 18"/>
+          <p:cNvSpPr/>
+          <p:nvPr/>
+        </p:nvSpPr>
+        <p:spPr>
+          <a:xfrm rot="2821443">
+            <a:off x="5939791" y="1640652"/>
+            <a:ext cx="232700" cy="2725205"/>
+          </a:xfrm>
+          <a:prstGeom prst="downArrow">
+            <a:avLst/>
+          </a:prstGeom>
+          <a:solidFill>
+            <a:schemeClr val="accent1"/>
+          </a:solidFill>
+          <a:ln w="25400" cap="flat" cmpd="sng" algn="ctr">
+            <a:solidFill>
+              <a:schemeClr val="accent1"/>
+            </a:solidFill>
+            <a:prstDash val="solid"/>
+          </a:ln>
+          <a:effectLst/>
+        </p:spPr>
+        <p:txBody>
+          <a:bodyPr rtlCol="0" anchor="ctr"/>
+          <a:lstStyle/>
+          <a:p>
+            <a:pPr algn="ctr" defTabSz="914400">
+              <a:defRPr/>
+            </a:pPr>
+            <a:endParaRPr lang="en-US" kern="0" smtClean="0">
+              <a:solidFill>
+                <a:srgbClr val="FFFFFF"/>
+              </a:solidFill>
+              <a:latin typeface="Arial"/>
+            </a:endParaRPr>
+          </a:p>
+        </p:txBody>
+      </p:sp>
+      <p:sp>
+        <p:nvSpPr>
+          <p:cNvPr id="30" name="TextBox 29"/>
+          <p:cNvSpPr txBox="1"/>
+          <p:nvPr/>
+        </p:nvSpPr>
+        <p:spPr>
+          <a:xfrm rot="19042530">
+            <a:off x="5533071" y="2877821"/>
+            <a:ext cx="1643014" cy="400110"/>
+          </a:xfrm>
+          <a:prstGeom prst="rect">
+            <a:avLst/>
+          </a:prstGeom>
+          <a:noFill/>
+        </p:spPr>
+        <p:txBody>
+          <a:bodyPr wrap="none" rtlCol="0">
+            <a:spAutoFit/>
+          </a:bodyPr>
+          <a:lstStyle/>
+          <a:p>
+            <a:pPr defTabSz="914400"/>
+            <a:r>
+              <a:rPr lang="en-US" sz="2000" dirty="0" smtClean="0">
+                <a:solidFill>
+                  <a:srgbClr val="000000"/>
+                </a:solidFill>
+                <a:latin typeface="Cambria" charset="0"/>
+                <a:ea typeface="Cambria" charset="0"/>
+                <a:cs typeface="Cambria" charset="0"/>
+              </a:rPr>
+              <a:t>3. List results</a:t>
+            </a:r>
+            <a:endParaRPr lang="en-US" sz="2000" dirty="0">
+              <a:solidFill>
+                <a:srgbClr val="000000"/>
+              </a:solidFill>
+              <a:latin typeface="Cambria" charset="0"/>
+              <a:ea typeface="Cambria" charset="0"/>
+              <a:cs typeface="Cambria" charset="0"/>
+            </a:endParaRPr>
+          </a:p>
+        </p:txBody>
+      </p:sp>
+      <p:pic>
+        <p:nvPicPr>
+          <p:cNvPr id="32" name="Picture 31"/>
+          <p:cNvPicPr>
+            <a:picLocks noChangeAspect="1"/>
+          </p:cNvPicPr>
+          <p:nvPr/>
+        </p:nvPicPr>
+        <p:blipFill rotWithShape="1">
+          <a:blip r:embed="rId7">
+            <a:extLst>
+              <a:ext uri="{28A0092B-C50C-407E-A947-70E740481C1C}">
+                <a14:useLocalDpi xmlns:a14="http://schemas.microsoft.com/office/drawing/2010/main" val="0"/>
+              </a:ext>
+            </a:extLst>
+          </a:blip>
+          <a:srcRect l="12442" t="83042" r="78378"/>
+          <a:stretch/>
+        </p:blipFill>
+        <p:spPr>
+          <a:xfrm>
+            <a:off x="7394528" y="4920841"/>
+            <a:ext cx="606721" cy="1030077"/>
+          </a:xfrm>
+          <a:prstGeom prst="rect">
+            <a:avLst/>
+          </a:prstGeom>
+        </p:spPr>
+      </p:pic>
+      <p:sp>
+        <p:nvSpPr>
+          <p:cNvPr id="33" name="TextBox 32"/>
+          <p:cNvSpPr txBox="1"/>
+          <p:nvPr/>
+        </p:nvSpPr>
+        <p:spPr>
+          <a:xfrm>
+            <a:off x="6991123" y="5950918"/>
+            <a:ext cx="1500795" cy="338554"/>
+          </a:xfrm>
+          <a:prstGeom prst="rect">
+            <a:avLst/>
+          </a:prstGeom>
+          <a:noFill/>
+        </p:spPr>
+        <p:txBody>
+          <a:bodyPr wrap="none" rtlCol="0">
+            <a:spAutoFit/>
+          </a:bodyPr>
+          <a:lstStyle/>
+          <a:p>
+            <a:pPr defTabSz="914400"/>
+            <a:r>
+              <a:rPr lang="en-US" sz="1600" b="1" dirty="0" smtClean="0">
+                <a:solidFill>
+                  <a:srgbClr val="FF0000"/>
+                </a:solidFill>
+                <a:latin typeface="Cambria" charset="0"/>
+                <a:ea typeface="Cambria" charset="0"/>
+                <a:cs typeface="Cambria" charset="0"/>
+              </a:rPr>
+              <a:t>Android Wear</a:t>
+            </a:r>
+            <a:endParaRPr lang="en-US" sz="1600" b="1" dirty="0">
+              <a:solidFill>
+                <a:srgbClr val="FF0000"/>
+              </a:solidFill>
+              <a:latin typeface="Cambria" charset="0"/>
+              <a:ea typeface="Cambria" charset="0"/>
+              <a:cs typeface="Cambria" charset="0"/>
+            </a:endParaRPr>
+          </a:p>
+        </p:txBody>
+      </p:sp>
+      <p:sp>
+        <p:nvSpPr>
+          <p:cNvPr id="34" name="Down Arrow 33"/>
+          <p:cNvSpPr/>
+          <p:nvPr/>
+        </p:nvSpPr>
+        <p:spPr>
+          <a:xfrm rot="18163754">
+            <a:off x="5360001" y="3950741"/>
+            <a:ext cx="284843" cy="2553443"/>
+          </a:xfrm>
+          <a:prstGeom prst="downArrow">
+            <a:avLst/>
+          </a:prstGeom>
+          <a:solidFill>
+            <a:schemeClr val="accent1"/>
+          </a:solidFill>
+          <a:ln w="25400" cap="flat" cmpd="sng" algn="ctr">
+            <a:solidFill>
+              <a:schemeClr val="accent1"/>
+            </a:solidFill>
+            <a:prstDash val="solid"/>
+          </a:ln>
+          <a:effectLst/>
+        </p:spPr>
+        <p:txBody>
+          <a:bodyPr rtlCol="0" anchor="ctr"/>
+          <a:lstStyle/>
+          <a:p>
+            <a:pPr algn="ctr" defTabSz="914400">
+              <a:defRPr/>
+            </a:pPr>
+            <a:endParaRPr lang="en-US" kern="0" smtClean="0">
+              <a:solidFill>
+                <a:srgbClr val="FFFFFF"/>
+              </a:solidFill>
+              <a:latin typeface="Arial"/>
+            </a:endParaRPr>
+          </a:p>
+        </p:txBody>
+      </p:sp>
+      <p:sp>
+        <p:nvSpPr>
+          <p:cNvPr id="35" name="TextBox 34"/>
+          <p:cNvSpPr txBox="1"/>
+          <p:nvPr/>
+        </p:nvSpPr>
+        <p:spPr>
+          <a:xfrm rot="1846259">
+            <a:off x="4602884" y="4506252"/>
+            <a:ext cx="2197268" cy="707886"/>
+          </a:xfrm>
+          <a:prstGeom prst="rect">
+            <a:avLst/>
+          </a:prstGeom>
+          <a:noFill/>
+        </p:spPr>
+        <p:txBody>
+          <a:bodyPr wrap="none" rtlCol="0">
+            <a:spAutoFit/>
+          </a:bodyPr>
+          <a:lstStyle/>
+          <a:p>
+            <a:pPr algn="ctr" defTabSz="914400"/>
+            <a:r>
+              <a:rPr lang="en-US" sz="2000" dirty="0">
+                <a:solidFill>
+                  <a:srgbClr val="000000"/>
+                </a:solidFill>
+                <a:latin typeface="Cambria" charset="0"/>
+                <a:ea typeface="Cambria" charset="0"/>
+                <a:cs typeface="Cambria" charset="0"/>
+              </a:rPr>
+              <a:t>3</a:t>
+            </a:r>
+            <a:r>
+              <a:rPr lang="en-US" sz="2000" dirty="0" smtClean="0">
+                <a:solidFill>
+                  <a:srgbClr val="000000"/>
+                </a:solidFill>
+                <a:latin typeface="Cambria" charset="0"/>
+                <a:ea typeface="Cambria" charset="0"/>
+                <a:cs typeface="Cambria" charset="0"/>
+              </a:rPr>
+              <a:t>. Sync data when </a:t>
+            </a:r>
+            <a:br>
+              <a:rPr lang="en-US" sz="2000" dirty="0" smtClean="0">
+                <a:solidFill>
+                  <a:srgbClr val="000000"/>
+                </a:solidFill>
+                <a:latin typeface="Cambria" charset="0"/>
+                <a:ea typeface="Cambria" charset="0"/>
+                <a:cs typeface="Cambria" charset="0"/>
+              </a:rPr>
+            </a:br>
+            <a:r>
+              <a:rPr lang="en-US" sz="2000" dirty="0" smtClean="0">
+                <a:solidFill>
+                  <a:srgbClr val="000000"/>
+                </a:solidFill>
+                <a:latin typeface="Cambria" charset="0"/>
+                <a:ea typeface="Cambria" charset="0"/>
+                <a:cs typeface="Cambria" charset="0"/>
+              </a:rPr>
+              <a:t>on street</a:t>
+            </a:r>
+            <a:endParaRPr lang="en-US" sz="2000" dirty="0">
+              <a:solidFill>
+                <a:srgbClr val="000000"/>
+              </a:solidFill>
+              <a:latin typeface="Cambria" charset="0"/>
+              <a:ea typeface="Cambria" charset="0"/>
+              <a:cs typeface="Cambria" charset="0"/>
+            </a:endParaRPr>
+          </a:p>
+        </p:txBody>
+      </p:sp>
+      <p:sp>
+        <p:nvSpPr>
+          <p:cNvPr id="37" name="TextBox 36"/>
+          <p:cNvSpPr txBox="1"/>
+          <p:nvPr/>
+        </p:nvSpPr>
+        <p:spPr>
+          <a:xfrm>
+            <a:off x="99151" y="6320215"/>
+            <a:ext cx="1946367" cy="338554"/>
+          </a:xfrm>
+          <a:prstGeom prst="rect">
+            <a:avLst/>
+          </a:prstGeom>
+          <a:noFill/>
+        </p:spPr>
+        <p:txBody>
+          <a:bodyPr wrap="none" rtlCol="0">
+            <a:spAutoFit/>
+          </a:bodyPr>
+          <a:lstStyle/>
+          <a:p>
+            <a:pPr defTabSz="914400"/>
+            <a:r>
+              <a:rPr lang="en-US" sz="1600" b="1" dirty="0" smtClean="0">
+                <a:solidFill>
+                  <a:srgbClr val="FF0000"/>
+                </a:solidFill>
+                <a:latin typeface="Cambria" charset="0"/>
+                <a:ea typeface="Cambria" charset="0"/>
+                <a:cs typeface="Cambria" charset="0"/>
+              </a:rPr>
+              <a:t>Text To Speech API</a:t>
+            </a:r>
+          </a:p>
+        </p:txBody>
+      </p:sp>
+      <p:pic>
+        <p:nvPicPr>
+          <p:cNvPr id="38" name="Picture 37"/>
+          <p:cNvPicPr>
+            <a:picLocks noChangeAspect="1"/>
+          </p:cNvPicPr>
+          <p:nvPr/>
+        </p:nvPicPr>
+        <p:blipFill rotWithShape="1">
+          <a:blip r:embed="rId8">
+            <a:extLst>
+              <a:ext uri="{28A0092B-C50C-407E-A947-70E740481C1C}">
+                <a14:useLocalDpi xmlns:a14="http://schemas.microsoft.com/office/drawing/2010/main" val="0"/>
+              </a:ext>
+            </a:extLst>
+          </a:blip>
+          <a:srcRect l="13564" t="19360" r="13668" b="19517"/>
+          <a:stretch/>
+        </p:blipFill>
+        <p:spPr>
+          <a:xfrm>
+            <a:off x="324204" y="5732569"/>
+            <a:ext cx="1034892" cy="633801"/>
+          </a:xfrm>
+          <a:prstGeom prst="rect">
+            <a:avLst/>
+          </a:prstGeom>
+        </p:spPr>
+      </p:pic>
+    </p:spTree>
+    <p:extLst>
+      <p:ext uri="{BB962C8B-B14F-4D97-AF65-F5344CB8AC3E}">
+        <p14:creationId xmlns:p14="http://schemas.microsoft.com/office/powerpoint/2010/main" val="122208510"/>
+      </p:ext>
+    </p:extLst>
+  </p:cSld>
+  <p:clrMapOvr>
+    <a:masterClrMapping/>
+  </p:clrMapOvr>
+  <p:timing>
+    <p:tnLst>
+      <p:par>
+        <p:cTn id="1" dur="indefinite" restart="never" nodeType="tmRoot"/>
+      </p:par>
+    </p:tnLst>
+  </p:timing>
+</p:sld>
+</file>
+
+<file path=ppt/slides/slide12.xml><?xml version="1.0" encoding="utf-8"?>
+<p:sld xmlns:a="http://schemas.openxmlformats.org/drawingml/2006/main" xmlns:r="http://schemas.openxmlformats.org/officeDocument/2006/relationships" xmlns:p="http://schemas.openxmlformats.org/presentationml/2006/main">
+  <p:cSld>
+    <p:spTree>
+      <p:nvGrpSpPr>
+        <p:cNvPr id="1" name=""/>
+        <p:cNvGrpSpPr/>
+        <p:nvPr/>
+      </p:nvGrpSpPr>
+      <p:grpSpPr>
+        <a:xfrm>
+          <a:off x="0" y="0"/>
+          <a:ext cx="0" cy="0"/>
+          <a:chOff x="0" y="0"/>
+          <a:chExt cx="0" cy="0"/>
+        </a:xfrm>
+      </p:grpSpPr>
+      <p:sp>
+        <p:nvSpPr>
+          <p:cNvPr id="2" name="Title 1"/>
+          <p:cNvSpPr>
+            <a:spLocks noGrp="1"/>
+          </p:cNvSpPr>
+          <p:nvPr>
+            <p:ph type="title"/>
+          </p:nvPr>
+        </p:nvSpPr>
+        <p:spPr>
+          <a:xfrm>
+            <a:off x="132008" y="0"/>
+            <a:ext cx="7886700" cy="587828"/>
+          </a:xfrm>
+        </p:spPr>
+        <p:txBody>
+          <a:bodyPr>
+            <a:normAutofit/>
+          </a:bodyPr>
+          <a:lstStyle/>
+          <a:p>
+            <a:r>
+              <a:rPr lang="en-US" sz="2700" dirty="0">
+                <a:latin typeface="Cambria" charset="0"/>
+                <a:ea typeface="Cambria" charset="0"/>
+                <a:cs typeface="Cambria" charset="0"/>
+              </a:rPr>
+              <a:t>System Architecture</a:t>
+            </a:r>
+            <a:endParaRPr lang="en-US" sz="2700" b="1" dirty="0">
+              <a:latin typeface="Cambria" charset="0"/>
+              <a:ea typeface="Cambria" charset="0"/>
+              <a:cs typeface="Cambria" charset="0"/>
+            </a:endParaRPr>
+          </a:p>
+        </p:txBody>
+      </p:sp>
+      <p:cxnSp>
+        <p:nvCxnSpPr>
+          <p:cNvPr id="6" name="Straight Connector 5"/>
+          <p:cNvCxnSpPr/>
+          <p:nvPr/>
+        </p:nvCxnSpPr>
+        <p:spPr>
+          <a:xfrm flipV="1">
+            <a:off x="215206" y="589136"/>
+            <a:ext cx="8780690" cy="12247"/>
+          </a:xfrm>
+          <a:prstGeom prst="line">
+            <a:avLst/>
+          </a:prstGeom>
+          <a:ln w="22225"/>
+        </p:spPr>
+        <p:style>
+          <a:lnRef idx="1">
+            <a:schemeClr val="accent1"/>
+          </a:lnRef>
+          <a:fillRef idx="0">
+            <a:schemeClr val="accent1"/>
+          </a:fillRef>
+          <a:effectRef idx="0">
+            <a:schemeClr val="accent1"/>
+          </a:effectRef>
+          <a:fontRef idx="minor">
+            <a:schemeClr val="tx1"/>
+          </a:fontRef>
+        </p:style>
+      </p:cxnSp>
+      <p:pic>
+        <p:nvPicPr>
+          <p:cNvPr id="20" name="Picture 2" descr="C:\Users\ngoan\Desktop\bus.png"/>
+          <p:cNvPicPr>
+            <a:picLocks noChangeAspect="1" noChangeArrowheads="1"/>
+          </p:cNvPicPr>
+          <p:nvPr/>
+        </p:nvPicPr>
+        <p:blipFill rotWithShape="1">
+          <a:blip r:embed="rId2">
+            <a:extLst>
+              <a:ext uri="{28A0092B-C50C-407E-A947-70E740481C1C}">
+                <a14:useLocalDpi xmlns:a14="http://schemas.microsoft.com/office/drawing/2010/main" val="0"/>
+              </a:ext>
+            </a:extLst>
+          </a:blip>
+          <a:srcRect l="41653" t="43647" r="50398" b="42181"/>
+          <a:stretch/>
+        </p:blipFill>
+        <p:spPr bwMode="auto">
+          <a:xfrm>
+            <a:off x="4008508" y="3493094"/>
+            <a:ext cx="597043" cy="925417"/>
+          </a:xfrm>
+          <a:prstGeom prst="rect">
+            <a:avLst/>
+          </a:prstGeom>
+          <a:noFill/>
+          <a:extLst>
+            <a:ext uri="{909E8E84-426E-40DD-AFC4-6F175D3DCCD1}">
+              <a14:hiddenFill xmlns:a14="http://schemas.microsoft.com/office/drawing/2010/main">
+                <a:solidFill>
+                  <a:srgbClr val="FFFFFF"/>
+                </a:solidFill>
+              </a14:hiddenFill>
+            </a:ext>
+          </a:extLst>
+        </p:spPr>
+      </p:pic>
+      <p:pic>
+        <p:nvPicPr>
+          <p:cNvPr id="21" name="Picture 20"/>
+          <p:cNvPicPr>
+            <a:picLocks noChangeAspect="1"/>
+          </p:cNvPicPr>
+          <p:nvPr/>
+        </p:nvPicPr>
+        <p:blipFill>
+          <a:blip r:embed="rId3">
+            <a:extLst>
+              <a:ext uri="{28A0092B-C50C-407E-A947-70E740481C1C}">
+                <a14:useLocalDpi xmlns:a14="http://schemas.microsoft.com/office/drawing/2010/main" val="0"/>
+              </a:ext>
+            </a:extLst>
+          </a:blip>
+          <a:stretch>
+            <a:fillRect/>
+          </a:stretch>
+        </p:blipFill>
+        <p:spPr>
+          <a:xfrm>
+            <a:off x="468010" y="3475470"/>
+            <a:ext cx="789246" cy="789246"/>
+          </a:xfrm>
+          <a:prstGeom prst="rect">
+            <a:avLst/>
+          </a:prstGeom>
+        </p:spPr>
+      </p:pic>
+      <p:sp>
+        <p:nvSpPr>
+          <p:cNvPr id="22" name="Right Arrow 21"/>
+          <p:cNvSpPr/>
+          <p:nvPr/>
+        </p:nvSpPr>
+        <p:spPr>
+          <a:xfrm>
+            <a:off x="1570322" y="4089312"/>
+            <a:ext cx="2315002" cy="199706"/>
+          </a:xfrm>
+          <a:prstGeom prst="rightArrow">
+            <a:avLst/>
+          </a:prstGeom>
+          <a:solidFill>
+            <a:srgbClr val="2388DB"/>
+          </a:solidFill>
+          <a:ln w="25400" cap="flat" cmpd="sng" algn="ctr">
+            <a:solidFill>
+              <a:srgbClr val="2388DB"/>
+            </a:solidFill>
+            <a:prstDash val="solid"/>
+          </a:ln>
+          <a:effectLst/>
+        </p:spPr>
+        <p:txBody>
+          <a:bodyPr rtlCol="0" anchor="ctr"/>
+          <a:lstStyle/>
+          <a:p>
+            <a:pPr algn="ctr" defTabSz="914400">
+              <a:defRPr/>
+            </a:pPr>
+            <a:endParaRPr lang="en-US" kern="0" smtClean="0">
+              <a:solidFill>
+                <a:srgbClr val="FFFFFF"/>
+              </a:solidFill>
+              <a:latin typeface="Arial"/>
+            </a:endParaRPr>
+          </a:p>
+        </p:txBody>
+      </p:sp>
+      <p:sp>
+        <p:nvSpPr>
+          <p:cNvPr id="23" name="TextBox 22"/>
+          <p:cNvSpPr txBox="1"/>
+          <p:nvPr/>
+        </p:nvSpPr>
+        <p:spPr>
+          <a:xfrm>
+            <a:off x="1899628" y="3755748"/>
+            <a:ext cx="1954333" cy="400110"/>
+          </a:xfrm>
+          <a:prstGeom prst="rect">
+            <a:avLst/>
+          </a:prstGeom>
+          <a:noFill/>
+        </p:spPr>
+        <p:txBody>
+          <a:bodyPr wrap="square" rtlCol="0">
+            <a:spAutoFit/>
+          </a:bodyPr>
+          <a:lstStyle/>
+          <a:p>
+            <a:pPr defTabSz="914400"/>
+            <a:r>
+              <a:rPr lang="en-US" sz="2000" dirty="0" smtClean="0">
+                <a:solidFill>
+                  <a:srgbClr val="000000"/>
+                </a:solidFill>
+                <a:latin typeface="Cambria" charset="0"/>
+                <a:ea typeface="Cambria" charset="0"/>
+                <a:cs typeface="Cambria" charset="0"/>
+              </a:rPr>
+              <a:t>1a. Text Search</a:t>
+            </a:r>
+            <a:endParaRPr lang="en-US" sz="2000" dirty="0">
+              <a:solidFill>
+                <a:srgbClr val="000000"/>
+              </a:solidFill>
+              <a:latin typeface="Cambria" charset="0"/>
+              <a:ea typeface="Cambria" charset="0"/>
+              <a:cs typeface="Cambria" charset="0"/>
+            </a:endParaRPr>
+          </a:p>
+        </p:txBody>
+      </p:sp>
+      <p:pic>
+        <p:nvPicPr>
+          <p:cNvPr id="24" name="Picture 23"/>
+          <p:cNvPicPr>
+            <a:picLocks noChangeAspect="1"/>
+          </p:cNvPicPr>
+          <p:nvPr/>
+        </p:nvPicPr>
+        <p:blipFill>
+          <a:blip r:embed="rId4">
+            <a:extLst>
+              <a:ext uri="{28A0092B-C50C-407E-A947-70E740481C1C}">
+                <a14:useLocalDpi xmlns:a14="http://schemas.microsoft.com/office/drawing/2010/main" val="0"/>
+              </a:ext>
+            </a:extLst>
+          </a:blip>
+          <a:stretch>
+            <a:fillRect/>
+          </a:stretch>
+        </p:blipFill>
+        <p:spPr>
+          <a:xfrm>
+            <a:off x="3905987" y="926929"/>
+            <a:ext cx="850290" cy="839004"/>
+          </a:xfrm>
+          <a:prstGeom prst="rect">
+            <a:avLst/>
+          </a:prstGeom>
+        </p:spPr>
+      </p:pic>
+      <p:sp>
+        <p:nvSpPr>
+          <p:cNvPr id="25" name="Up Arrow 24"/>
+          <p:cNvSpPr/>
+          <p:nvPr/>
+        </p:nvSpPr>
+        <p:spPr>
+          <a:xfrm rot="3098377">
+            <a:off x="2654530" y="1166486"/>
+            <a:ext cx="217957" cy="3046974"/>
+          </a:xfrm>
+          <a:prstGeom prst="upArrow">
+            <a:avLst/>
+          </a:prstGeom>
+          <a:solidFill>
+            <a:schemeClr val="accent1"/>
+          </a:solidFill>
+          <a:ln w="25400" cap="flat" cmpd="sng" algn="ctr">
+            <a:solidFill>
+              <a:schemeClr val="accent1"/>
+            </a:solidFill>
+            <a:prstDash val="solid"/>
+          </a:ln>
+          <a:effectLst/>
+        </p:spPr>
+        <p:txBody>
+          <a:bodyPr rtlCol="0" anchor="ctr"/>
+          <a:lstStyle/>
+          <a:p>
+            <a:pPr algn="ctr" defTabSz="914400">
+              <a:defRPr/>
+            </a:pPr>
+            <a:endParaRPr lang="en-US" kern="0" smtClean="0">
+              <a:solidFill>
+                <a:srgbClr val="FFFFFF"/>
+              </a:solidFill>
+              <a:latin typeface="Arial"/>
+            </a:endParaRPr>
+          </a:p>
+        </p:txBody>
+      </p:sp>
+      <p:sp>
+        <p:nvSpPr>
+          <p:cNvPr id="26" name="Down Arrow 25"/>
+          <p:cNvSpPr/>
+          <p:nvPr/>
+        </p:nvSpPr>
+        <p:spPr>
+          <a:xfrm>
+            <a:off x="4218170" y="1865915"/>
+            <a:ext cx="213100" cy="1501766"/>
+          </a:xfrm>
+          <a:prstGeom prst="downArrow">
+            <a:avLst/>
+          </a:prstGeom>
+          <a:solidFill>
+            <a:schemeClr val="accent1"/>
+          </a:solidFill>
+          <a:ln w="25400" cap="flat" cmpd="sng" algn="ctr">
+            <a:solidFill>
+              <a:schemeClr val="accent1"/>
+            </a:solidFill>
+            <a:prstDash val="solid"/>
+          </a:ln>
+          <a:effectLst/>
+        </p:spPr>
+        <p:txBody>
+          <a:bodyPr rtlCol="0" anchor="ctr"/>
+          <a:lstStyle/>
+          <a:p>
+            <a:pPr algn="ctr" defTabSz="914400">
+              <a:defRPr/>
+            </a:pPr>
+            <a:endParaRPr lang="en-US" kern="0" smtClean="0">
+              <a:solidFill>
+                <a:srgbClr val="FFFFFF"/>
+              </a:solidFill>
+              <a:latin typeface="Arial"/>
+            </a:endParaRPr>
+          </a:p>
+        </p:txBody>
+      </p:sp>
+      <p:sp>
+        <p:nvSpPr>
+          <p:cNvPr id="27" name="TextBox 26"/>
+          <p:cNvSpPr txBox="1"/>
+          <p:nvPr/>
+        </p:nvSpPr>
+        <p:spPr>
+          <a:xfrm rot="19217945">
+            <a:off x="1687897" y="2167635"/>
+            <a:ext cx="1950983" cy="400110"/>
+          </a:xfrm>
+          <a:prstGeom prst="rect">
+            <a:avLst/>
+          </a:prstGeom>
+          <a:noFill/>
+        </p:spPr>
+        <p:txBody>
+          <a:bodyPr wrap="none" rtlCol="0">
+            <a:spAutoFit/>
+          </a:bodyPr>
+          <a:lstStyle/>
+          <a:p>
+            <a:pPr defTabSz="914400"/>
+            <a:r>
+              <a:rPr lang="en-US" sz="2000" dirty="0" smtClean="0">
+                <a:solidFill>
+                  <a:srgbClr val="000000"/>
+                </a:solidFill>
+                <a:latin typeface="Cambria" charset="0"/>
+                <a:ea typeface="Cambria" charset="0"/>
+                <a:cs typeface="Cambria" charset="0"/>
+              </a:rPr>
+              <a:t>1b. Voice Search</a:t>
+            </a:r>
+            <a:endParaRPr lang="en-US" sz="2000" dirty="0">
+              <a:solidFill>
+                <a:srgbClr val="000000"/>
+              </a:solidFill>
+              <a:latin typeface="Cambria" charset="0"/>
+              <a:ea typeface="Cambria" charset="0"/>
+              <a:cs typeface="Cambria" charset="0"/>
+            </a:endParaRPr>
+          </a:p>
+        </p:txBody>
+      </p:sp>
+      <p:sp>
+        <p:nvSpPr>
+          <p:cNvPr id="28" name="TextBox 27"/>
+          <p:cNvSpPr txBox="1"/>
+          <p:nvPr/>
+        </p:nvSpPr>
+        <p:spPr>
+          <a:xfrm>
+            <a:off x="3494104" y="2486659"/>
+            <a:ext cx="648383" cy="707886"/>
+          </a:xfrm>
+          <a:prstGeom prst="rect">
+            <a:avLst/>
+          </a:prstGeom>
+          <a:noFill/>
+        </p:spPr>
+        <p:txBody>
+          <a:bodyPr wrap="none" rtlCol="0">
+            <a:spAutoFit/>
+          </a:bodyPr>
+          <a:lstStyle/>
+          <a:p>
+            <a:pPr defTabSz="914400"/>
+            <a:r>
+              <a:rPr lang="en-US" sz="2000" dirty="0" smtClean="0">
+                <a:solidFill>
+                  <a:srgbClr val="000000"/>
+                </a:solidFill>
+                <a:latin typeface="Cambria" charset="0"/>
+                <a:ea typeface="Cambria" charset="0"/>
+                <a:cs typeface="Cambria" charset="0"/>
+              </a:rPr>
+              <a:t>1c.</a:t>
+            </a:r>
+            <a:br>
+              <a:rPr lang="en-US" sz="2000" dirty="0" smtClean="0">
+                <a:solidFill>
+                  <a:srgbClr val="000000"/>
+                </a:solidFill>
+                <a:latin typeface="Cambria" charset="0"/>
+                <a:ea typeface="Cambria" charset="0"/>
+                <a:cs typeface="Cambria" charset="0"/>
+              </a:rPr>
+            </a:br>
+            <a:r>
+              <a:rPr lang="en-US" sz="2000" dirty="0" smtClean="0">
+                <a:solidFill>
+                  <a:srgbClr val="000000"/>
+                </a:solidFill>
+                <a:latin typeface="Cambria" charset="0"/>
+                <a:ea typeface="Cambria" charset="0"/>
+                <a:cs typeface="Cambria" charset="0"/>
+              </a:rPr>
+              <a:t>Text</a:t>
+            </a:r>
+            <a:endParaRPr lang="en-US" sz="2000" dirty="0">
+              <a:solidFill>
+                <a:srgbClr val="000000"/>
+              </a:solidFill>
+              <a:latin typeface="Cambria" charset="0"/>
+              <a:ea typeface="Cambria" charset="0"/>
+              <a:cs typeface="Cambria" charset="0"/>
+            </a:endParaRPr>
+          </a:p>
+        </p:txBody>
+      </p:sp>
+      <p:sp>
+        <p:nvSpPr>
+          <p:cNvPr id="29" name="Up Arrow 28"/>
+          <p:cNvSpPr/>
+          <p:nvPr/>
+        </p:nvSpPr>
+        <p:spPr>
+          <a:xfrm rot="2900683">
+            <a:off x="5766506" y="1382582"/>
+            <a:ext cx="222582" cy="2782163"/>
+          </a:xfrm>
+          <a:prstGeom prst="upArrow">
+            <a:avLst/>
+          </a:prstGeom>
+          <a:solidFill>
+            <a:schemeClr val="accent1"/>
+          </a:solidFill>
+          <a:ln w="25400" cap="flat" cmpd="sng" algn="ctr">
+            <a:solidFill>
+              <a:schemeClr val="accent1"/>
+            </a:solidFill>
+            <a:prstDash val="solid"/>
+          </a:ln>
+          <a:effectLst/>
+        </p:spPr>
+        <p:txBody>
+          <a:bodyPr rtlCol="0" anchor="ctr"/>
+          <a:lstStyle/>
+          <a:p>
+            <a:pPr algn="ctr" defTabSz="914400">
+              <a:defRPr/>
+            </a:pPr>
+            <a:endParaRPr lang="en-US" kern="0" smtClean="0">
+              <a:solidFill>
+                <a:srgbClr val="FFFFFF"/>
+              </a:solidFill>
+              <a:latin typeface="Arial"/>
+            </a:endParaRPr>
+          </a:p>
+        </p:txBody>
+      </p:sp>
+      <p:sp>
+        <p:nvSpPr>
+          <p:cNvPr id="31" name="TextBox 30"/>
+          <p:cNvSpPr txBox="1"/>
+          <p:nvPr/>
+        </p:nvSpPr>
+        <p:spPr>
+          <a:xfrm rot="19042530">
+            <a:off x="4106365" y="2370483"/>
+            <a:ext cx="3125727" cy="369332"/>
+          </a:xfrm>
+          <a:prstGeom prst="rect">
+            <a:avLst/>
+          </a:prstGeom>
+          <a:noFill/>
+        </p:spPr>
+        <p:txBody>
+          <a:bodyPr wrap="none" rtlCol="0">
+            <a:spAutoFit/>
+          </a:bodyPr>
+          <a:lstStyle/>
+          <a:p>
+            <a:pPr defTabSz="914400"/>
+            <a:r>
+              <a:rPr lang="en-US" dirty="0" smtClean="0">
+                <a:solidFill>
+                  <a:srgbClr val="000000"/>
+                </a:solidFill>
+                <a:latin typeface="Cambria" charset="0"/>
+                <a:ea typeface="Cambria" charset="0"/>
+                <a:cs typeface="Cambria" charset="0"/>
+              </a:rPr>
+              <a:t>2. Request motor or bus route</a:t>
+            </a:r>
+            <a:endParaRPr lang="en-US" dirty="0">
+              <a:solidFill>
+                <a:srgbClr val="000000"/>
+              </a:solidFill>
+              <a:latin typeface="Cambria" charset="0"/>
+              <a:ea typeface="Cambria" charset="0"/>
+              <a:cs typeface="Cambria" charset="0"/>
+            </a:endParaRPr>
+          </a:p>
+        </p:txBody>
+      </p:sp>
+      <p:sp>
+        <p:nvSpPr>
+          <p:cNvPr id="36" name="TextBox 35"/>
+          <p:cNvSpPr txBox="1"/>
+          <p:nvPr/>
+        </p:nvSpPr>
+        <p:spPr>
+          <a:xfrm>
+            <a:off x="7005653" y="1494726"/>
+            <a:ext cx="1656415" cy="338554"/>
+          </a:xfrm>
+          <a:prstGeom prst="rect">
+            <a:avLst/>
+          </a:prstGeom>
+          <a:noFill/>
+        </p:spPr>
+        <p:txBody>
+          <a:bodyPr wrap="none" rtlCol="0">
+            <a:spAutoFit/>
+          </a:bodyPr>
+          <a:lstStyle/>
+          <a:p>
+            <a:pPr algn="ctr" defTabSz="914400"/>
+            <a:r>
+              <a:rPr lang="en-US" sz="1600" b="1" dirty="0" smtClean="0">
+                <a:solidFill>
+                  <a:srgbClr val="FF0000"/>
+                </a:solidFill>
+                <a:latin typeface="Cambria" charset="0"/>
+                <a:ea typeface="Cambria" charset="0"/>
+                <a:cs typeface="Cambria" charset="0"/>
+              </a:rPr>
+              <a:t>Google Map API</a:t>
+            </a:r>
+            <a:endParaRPr lang="en-US" sz="1600" b="1" dirty="0">
+              <a:solidFill>
+                <a:srgbClr val="FF0000"/>
+              </a:solidFill>
+              <a:latin typeface="Cambria" charset="0"/>
+              <a:ea typeface="Cambria" charset="0"/>
+              <a:cs typeface="Cambria" charset="0"/>
+            </a:endParaRPr>
+          </a:p>
+        </p:txBody>
+      </p:sp>
+      <p:pic>
+        <p:nvPicPr>
+          <p:cNvPr id="3" name="Picture 2"/>
+          <p:cNvPicPr>
+            <a:picLocks noChangeAspect="1"/>
+          </p:cNvPicPr>
+          <p:nvPr/>
+        </p:nvPicPr>
+        <p:blipFill>
+          <a:blip r:embed="rId5">
+            <a:extLst>
+              <a:ext uri="{28A0092B-C50C-407E-A947-70E740481C1C}">
+                <a14:useLocalDpi xmlns:a14="http://schemas.microsoft.com/office/drawing/2010/main" val="0"/>
+              </a:ext>
+            </a:extLst>
+          </a:blip>
+          <a:stretch>
+            <a:fillRect/>
+          </a:stretch>
+        </p:blipFill>
+        <p:spPr>
+          <a:xfrm>
+            <a:off x="7506731" y="869533"/>
+            <a:ext cx="640080" cy="640080"/>
+          </a:xfrm>
+          <a:prstGeom prst="rect">
+            <a:avLst/>
+          </a:prstGeom>
+        </p:spPr>
+      </p:pic>
+      <p:pic>
+        <p:nvPicPr>
+          <p:cNvPr id="17" name="Picture 16"/>
+          <p:cNvPicPr>
+            <a:picLocks noChangeAspect="1"/>
+          </p:cNvPicPr>
+          <p:nvPr/>
+        </p:nvPicPr>
+        <p:blipFill rotWithShape="1">
+          <a:blip r:embed="rId6">
+            <a:extLst>
+              <a:ext uri="{28A0092B-C50C-407E-A947-70E740481C1C}">
+                <a14:useLocalDpi xmlns:a14="http://schemas.microsoft.com/office/drawing/2010/main" val="0"/>
+              </a:ext>
+            </a:extLst>
+          </a:blip>
+          <a:srcRect l="22301" r="22655" b="23406"/>
+          <a:stretch/>
+        </p:blipFill>
+        <p:spPr>
+          <a:xfrm>
+            <a:off x="7506731" y="1819935"/>
+            <a:ext cx="640079" cy="582684"/>
+          </a:xfrm>
+          <a:prstGeom prst="rect">
+            <a:avLst/>
+          </a:prstGeom>
+        </p:spPr>
+      </p:pic>
+      <p:sp>
+        <p:nvSpPr>
+          <p:cNvPr id="18" name="TextBox 17"/>
+          <p:cNvSpPr txBox="1"/>
+          <p:nvPr/>
+        </p:nvSpPr>
+        <p:spPr>
+          <a:xfrm>
+            <a:off x="7282134" y="2444039"/>
+            <a:ext cx="1266885" cy="338554"/>
+          </a:xfrm>
+          <a:prstGeom prst="rect">
+            <a:avLst/>
+          </a:prstGeom>
+          <a:noFill/>
+        </p:spPr>
+        <p:txBody>
+          <a:bodyPr wrap="none" rtlCol="0">
+            <a:spAutoFit/>
+          </a:bodyPr>
+          <a:lstStyle/>
+          <a:p>
+            <a:pPr defTabSz="914400"/>
+            <a:r>
+              <a:rPr lang="en-US" sz="1600" b="1" dirty="0" smtClean="0">
+                <a:solidFill>
+                  <a:srgbClr val="FF0000"/>
+                </a:solidFill>
+                <a:latin typeface="Cambria" charset="0"/>
+                <a:ea typeface="Cambria" charset="0"/>
+                <a:cs typeface="Cambria" charset="0"/>
+              </a:rPr>
+              <a:t>Bus Service</a:t>
+            </a:r>
+            <a:endParaRPr lang="en-US" sz="1600" b="1" dirty="0">
+              <a:solidFill>
+                <a:srgbClr val="FF0000"/>
+              </a:solidFill>
+              <a:latin typeface="Cambria" charset="0"/>
+              <a:ea typeface="Cambria" charset="0"/>
+              <a:cs typeface="Cambria" charset="0"/>
+            </a:endParaRPr>
+          </a:p>
+        </p:txBody>
+      </p:sp>
+      <p:sp>
+        <p:nvSpPr>
+          <p:cNvPr id="19" name="Down Arrow 18"/>
+          <p:cNvSpPr/>
+          <p:nvPr/>
+        </p:nvSpPr>
+        <p:spPr>
+          <a:xfrm rot="2821443">
+            <a:off x="5939791" y="1640652"/>
+            <a:ext cx="232700" cy="2725205"/>
+          </a:xfrm>
+          <a:prstGeom prst="downArrow">
+            <a:avLst/>
+          </a:prstGeom>
+          <a:solidFill>
+            <a:schemeClr val="accent1"/>
+          </a:solidFill>
+          <a:ln w="25400" cap="flat" cmpd="sng" algn="ctr">
+            <a:solidFill>
+              <a:schemeClr val="accent1"/>
+            </a:solidFill>
+            <a:prstDash val="solid"/>
+          </a:ln>
+          <a:effectLst/>
+        </p:spPr>
+        <p:txBody>
+          <a:bodyPr rtlCol="0" anchor="ctr"/>
+          <a:lstStyle/>
+          <a:p>
+            <a:pPr algn="ctr" defTabSz="914400">
+              <a:defRPr/>
+            </a:pPr>
+            <a:endParaRPr lang="en-US" kern="0" smtClean="0">
+              <a:solidFill>
+                <a:srgbClr val="FFFFFF"/>
+              </a:solidFill>
+              <a:latin typeface="Arial"/>
+            </a:endParaRPr>
+          </a:p>
+        </p:txBody>
+      </p:sp>
+      <p:sp>
+        <p:nvSpPr>
+          <p:cNvPr id="30" name="TextBox 29"/>
+          <p:cNvSpPr txBox="1"/>
+          <p:nvPr/>
+        </p:nvSpPr>
+        <p:spPr>
+          <a:xfrm rot="19042530">
+            <a:off x="5533071" y="2877821"/>
+            <a:ext cx="1643014" cy="400110"/>
+          </a:xfrm>
+          <a:prstGeom prst="rect">
+            <a:avLst/>
+          </a:prstGeom>
+          <a:noFill/>
+        </p:spPr>
+        <p:txBody>
+          <a:bodyPr wrap="none" rtlCol="0">
+            <a:spAutoFit/>
+          </a:bodyPr>
+          <a:lstStyle/>
+          <a:p>
+            <a:pPr defTabSz="914400"/>
+            <a:r>
+              <a:rPr lang="en-US" sz="2000" dirty="0" smtClean="0">
+                <a:solidFill>
+                  <a:srgbClr val="000000"/>
+                </a:solidFill>
+                <a:latin typeface="Cambria" charset="0"/>
+                <a:ea typeface="Cambria" charset="0"/>
+                <a:cs typeface="Cambria" charset="0"/>
+              </a:rPr>
+              <a:t>3. List results</a:t>
+            </a:r>
+            <a:endParaRPr lang="en-US" sz="2000" dirty="0">
+              <a:solidFill>
+                <a:srgbClr val="000000"/>
+              </a:solidFill>
+              <a:latin typeface="Cambria" charset="0"/>
+              <a:ea typeface="Cambria" charset="0"/>
+              <a:cs typeface="Cambria" charset="0"/>
+            </a:endParaRPr>
+          </a:p>
+        </p:txBody>
+      </p:sp>
+      <p:pic>
+        <p:nvPicPr>
+          <p:cNvPr id="32" name="Picture 31"/>
+          <p:cNvPicPr>
+            <a:picLocks noChangeAspect="1"/>
+          </p:cNvPicPr>
+          <p:nvPr/>
+        </p:nvPicPr>
+        <p:blipFill rotWithShape="1">
+          <a:blip r:embed="rId7">
+            <a:extLst>
+              <a:ext uri="{28A0092B-C50C-407E-A947-70E740481C1C}">
+                <a14:useLocalDpi xmlns:a14="http://schemas.microsoft.com/office/drawing/2010/main" val="0"/>
+              </a:ext>
+            </a:extLst>
+          </a:blip>
+          <a:srcRect l="12442" t="83042" r="78378"/>
+          <a:stretch/>
+        </p:blipFill>
+        <p:spPr>
+          <a:xfrm>
+            <a:off x="7394528" y="4920841"/>
+            <a:ext cx="606721" cy="1030077"/>
+          </a:xfrm>
+          <a:prstGeom prst="rect">
+            <a:avLst/>
+          </a:prstGeom>
+        </p:spPr>
+      </p:pic>
+      <p:sp>
+        <p:nvSpPr>
+          <p:cNvPr id="33" name="TextBox 32"/>
+          <p:cNvSpPr txBox="1"/>
+          <p:nvPr/>
+        </p:nvSpPr>
+        <p:spPr>
+          <a:xfrm>
+            <a:off x="6991123" y="5950918"/>
+            <a:ext cx="1500795" cy="338554"/>
+          </a:xfrm>
+          <a:prstGeom prst="rect">
+            <a:avLst/>
+          </a:prstGeom>
+          <a:noFill/>
+        </p:spPr>
+        <p:txBody>
+          <a:bodyPr wrap="none" rtlCol="0">
+            <a:spAutoFit/>
+          </a:bodyPr>
+          <a:lstStyle/>
+          <a:p>
+            <a:pPr defTabSz="914400"/>
+            <a:r>
+              <a:rPr lang="en-US" sz="1600" b="1" dirty="0" smtClean="0">
+                <a:solidFill>
+                  <a:srgbClr val="FF0000"/>
+                </a:solidFill>
+                <a:latin typeface="Cambria" charset="0"/>
+                <a:ea typeface="Cambria" charset="0"/>
+                <a:cs typeface="Cambria" charset="0"/>
+              </a:rPr>
+              <a:t>Android Wear</a:t>
+            </a:r>
+            <a:endParaRPr lang="en-US" sz="1600" b="1" dirty="0">
+              <a:solidFill>
+                <a:srgbClr val="FF0000"/>
+              </a:solidFill>
+              <a:latin typeface="Cambria" charset="0"/>
+              <a:ea typeface="Cambria" charset="0"/>
+              <a:cs typeface="Cambria" charset="0"/>
+            </a:endParaRPr>
+          </a:p>
+        </p:txBody>
+      </p:sp>
+      <p:sp>
+        <p:nvSpPr>
+          <p:cNvPr id="34" name="Down Arrow 33"/>
+          <p:cNvSpPr/>
+          <p:nvPr/>
+        </p:nvSpPr>
+        <p:spPr>
+          <a:xfrm rot="18163754">
+            <a:off x="5360001" y="3950741"/>
+            <a:ext cx="284843" cy="2553443"/>
+          </a:xfrm>
+          <a:prstGeom prst="downArrow">
+            <a:avLst/>
+          </a:prstGeom>
+          <a:solidFill>
+            <a:schemeClr val="accent1"/>
+          </a:solidFill>
+          <a:ln w="25400" cap="flat" cmpd="sng" algn="ctr">
+            <a:solidFill>
+              <a:schemeClr val="accent1"/>
+            </a:solidFill>
+            <a:prstDash val="solid"/>
+          </a:ln>
+          <a:effectLst/>
+        </p:spPr>
+        <p:txBody>
+          <a:bodyPr rtlCol="0" anchor="ctr"/>
+          <a:lstStyle/>
+          <a:p>
+            <a:pPr algn="ctr" defTabSz="914400">
+              <a:defRPr/>
+            </a:pPr>
+            <a:endParaRPr lang="en-US" kern="0" smtClean="0">
+              <a:solidFill>
+                <a:srgbClr val="FFFFFF"/>
+              </a:solidFill>
+              <a:latin typeface="Arial"/>
+            </a:endParaRPr>
+          </a:p>
+        </p:txBody>
+      </p:sp>
+      <p:sp>
+        <p:nvSpPr>
+          <p:cNvPr id="35" name="TextBox 34"/>
+          <p:cNvSpPr txBox="1"/>
+          <p:nvPr/>
+        </p:nvSpPr>
+        <p:spPr>
+          <a:xfrm rot="1846259">
+            <a:off x="4602884" y="4506252"/>
+            <a:ext cx="2197268" cy="707886"/>
+          </a:xfrm>
+          <a:prstGeom prst="rect">
+            <a:avLst/>
+          </a:prstGeom>
+          <a:noFill/>
+        </p:spPr>
+        <p:txBody>
+          <a:bodyPr wrap="none" rtlCol="0">
+            <a:spAutoFit/>
+          </a:bodyPr>
+          <a:lstStyle/>
+          <a:p>
+            <a:pPr algn="ctr" defTabSz="914400"/>
+            <a:r>
+              <a:rPr lang="en-US" sz="2000" dirty="0">
+                <a:solidFill>
+                  <a:srgbClr val="000000"/>
+                </a:solidFill>
+                <a:latin typeface="Cambria" charset="0"/>
+                <a:ea typeface="Cambria" charset="0"/>
+                <a:cs typeface="Cambria" charset="0"/>
+              </a:rPr>
+              <a:t>3</a:t>
+            </a:r>
+            <a:r>
+              <a:rPr lang="en-US" sz="2000" dirty="0" smtClean="0">
+                <a:solidFill>
+                  <a:srgbClr val="000000"/>
+                </a:solidFill>
+                <a:latin typeface="Cambria" charset="0"/>
+                <a:ea typeface="Cambria" charset="0"/>
+                <a:cs typeface="Cambria" charset="0"/>
+              </a:rPr>
+              <a:t>. Sync data when </a:t>
+            </a:r>
+            <a:br>
+              <a:rPr lang="en-US" sz="2000" dirty="0" smtClean="0">
+                <a:solidFill>
+                  <a:srgbClr val="000000"/>
+                </a:solidFill>
+                <a:latin typeface="Cambria" charset="0"/>
+                <a:ea typeface="Cambria" charset="0"/>
+                <a:cs typeface="Cambria" charset="0"/>
+              </a:rPr>
+            </a:br>
+            <a:r>
+              <a:rPr lang="en-US" sz="2000" dirty="0" smtClean="0">
+                <a:solidFill>
+                  <a:srgbClr val="000000"/>
+                </a:solidFill>
+                <a:latin typeface="Cambria" charset="0"/>
+                <a:ea typeface="Cambria" charset="0"/>
+                <a:cs typeface="Cambria" charset="0"/>
+              </a:rPr>
+              <a:t>on street</a:t>
+            </a:r>
+            <a:endParaRPr lang="en-US" sz="2000" dirty="0">
+              <a:solidFill>
+                <a:srgbClr val="000000"/>
+              </a:solidFill>
+              <a:latin typeface="Cambria" charset="0"/>
+              <a:ea typeface="Cambria" charset="0"/>
+              <a:cs typeface="Cambria" charset="0"/>
+            </a:endParaRPr>
+          </a:p>
+        </p:txBody>
+      </p:sp>
+      <p:sp>
+        <p:nvSpPr>
+          <p:cNvPr id="37" name="TextBox 36"/>
+          <p:cNvSpPr txBox="1"/>
+          <p:nvPr/>
+        </p:nvSpPr>
+        <p:spPr>
+          <a:xfrm>
+            <a:off x="99151" y="6320215"/>
+            <a:ext cx="1946367" cy="338554"/>
+          </a:xfrm>
+          <a:prstGeom prst="rect">
+            <a:avLst/>
+          </a:prstGeom>
+          <a:noFill/>
+        </p:spPr>
+        <p:txBody>
+          <a:bodyPr wrap="none" rtlCol="0">
+            <a:spAutoFit/>
+          </a:bodyPr>
+          <a:lstStyle/>
+          <a:p>
+            <a:pPr defTabSz="914400"/>
+            <a:r>
+              <a:rPr lang="en-US" sz="1600" b="1" dirty="0" smtClean="0">
+                <a:solidFill>
+                  <a:srgbClr val="FF0000"/>
+                </a:solidFill>
+                <a:latin typeface="Cambria" charset="0"/>
+                <a:ea typeface="Cambria" charset="0"/>
+                <a:cs typeface="Cambria" charset="0"/>
+              </a:rPr>
+              <a:t>Text To Speech API</a:t>
+            </a:r>
+          </a:p>
+        </p:txBody>
+      </p:sp>
+      <p:pic>
+        <p:nvPicPr>
+          <p:cNvPr id="38" name="Picture 37"/>
+          <p:cNvPicPr>
+            <a:picLocks noChangeAspect="1"/>
+          </p:cNvPicPr>
+          <p:nvPr/>
+        </p:nvPicPr>
+        <p:blipFill rotWithShape="1">
+          <a:blip r:embed="rId8">
+            <a:extLst>
+              <a:ext uri="{28A0092B-C50C-407E-A947-70E740481C1C}">
+                <a14:useLocalDpi xmlns:a14="http://schemas.microsoft.com/office/drawing/2010/main" val="0"/>
+              </a:ext>
+            </a:extLst>
+          </a:blip>
+          <a:srcRect l="13564" t="19360" r="13668" b="19517"/>
+          <a:stretch/>
+        </p:blipFill>
+        <p:spPr>
+          <a:xfrm>
+            <a:off x="324204" y="5732569"/>
+            <a:ext cx="1034892" cy="633801"/>
+          </a:xfrm>
+          <a:prstGeom prst="rect">
+            <a:avLst/>
+          </a:prstGeom>
+        </p:spPr>
+      </p:pic>
+      <p:sp>
+        <p:nvSpPr>
+          <p:cNvPr id="39" name="Up Arrow 38"/>
+          <p:cNvSpPr/>
+          <p:nvPr/>
+        </p:nvSpPr>
+        <p:spPr>
+          <a:xfrm rot="13371895">
+            <a:off x="3019715" y="4259989"/>
+            <a:ext cx="308999" cy="2515527"/>
+          </a:xfrm>
+          <a:prstGeom prst="upArrow">
+            <a:avLst/>
+          </a:prstGeom>
+        </p:spPr>
+        <p:style>
+          <a:lnRef idx="2">
+            <a:schemeClr val="accent1">
+              <a:shade val="50000"/>
+            </a:schemeClr>
+          </a:lnRef>
+          <a:fillRef idx="1">
+            <a:schemeClr val="accent1"/>
+          </a:fillRef>
+          <a:effectRef idx="0">
+            <a:schemeClr val="accent1"/>
+          </a:effectRef>
+          <a:fontRef idx="minor">
+            <a:schemeClr val="lt1"/>
+          </a:fontRef>
+        </p:style>
+        <p:txBody>
+          <a:bodyPr rtlCol="0" anchor="ctr"/>
+          <a:lstStyle/>
+          <a:p>
+            <a:pPr algn="ctr" defTabSz="914400"/>
+            <a:endParaRPr lang="en-US">
+              <a:solidFill>
+                <a:prstClr val="white"/>
+              </a:solidFill>
+            </a:endParaRPr>
+          </a:p>
+        </p:txBody>
+      </p:sp>
+      <p:sp>
+        <p:nvSpPr>
+          <p:cNvPr id="40" name="TextBox 39"/>
+          <p:cNvSpPr txBox="1"/>
+          <p:nvPr/>
+        </p:nvSpPr>
+        <p:spPr>
+          <a:xfrm rot="18715076">
+            <a:off x="2137528" y="5485635"/>
+            <a:ext cx="2557303" cy="400110"/>
+          </a:xfrm>
+          <a:prstGeom prst="rect">
+            <a:avLst/>
+          </a:prstGeom>
+          <a:noFill/>
+        </p:spPr>
+        <p:txBody>
+          <a:bodyPr wrap="none" rtlCol="0">
+            <a:spAutoFit/>
+          </a:bodyPr>
+          <a:lstStyle/>
+          <a:p>
+            <a:pPr defTabSz="914400"/>
+            <a:r>
+              <a:rPr lang="en-US" sz="2000" dirty="0" smtClean="0">
+                <a:solidFill>
+                  <a:prstClr val="black"/>
+                </a:solidFill>
+                <a:latin typeface="Cambria" charset="0"/>
+                <a:ea typeface="Cambria" charset="0"/>
+                <a:cs typeface="Cambria" charset="0"/>
+              </a:rPr>
+              <a:t>4. Request sound files</a:t>
+            </a:r>
+            <a:endParaRPr lang="en-US" sz="2000" dirty="0">
+              <a:solidFill>
+                <a:prstClr val="black"/>
+              </a:solidFill>
+              <a:latin typeface="Cambria" charset="0"/>
+              <a:ea typeface="Cambria" charset="0"/>
+              <a:cs typeface="Cambria" charset="0"/>
+            </a:endParaRPr>
+          </a:p>
+        </p:txBody>
+      </p:sp>
+    </p:spTree>
+    <p:extLst>
+      <p:ext uri="{BB962C8B-B14F-4D97-AF65-F5344CB8AC3E}">
+        <p14:creationId xmlns:p14="http://schemas.microsoft.com/office/powerpoint/2010/main" val="964061038"/>
+      </p:ext>
+    </p:extLst>
+  </p:cSld>
+  <p:clrMapOvr>
+    <a:masterClrMapping/>
+  </p:clrMapOvr>
+  <p:timing>
+    <p:tnLst>
+      <p:par>
+        <p:cTn id="1" dur="indefinite" restart="never" nodeType="tmRoot"/>
+      </p:par>
+    </p:tnLst>
+  </p:timing>
+</p:sld>
+</file>
+
+<file path=ppt/slides/slide13.xml><?xml version="1.0" encoding="utf-8"?>
+<p:sld xmlns:a="http://schemas.openxmlformats.org/drawingml/2006/main" xmlns:r="http://schemas.openxmlformats.org/officeDocument/2006/relationships" xmlns:p="http://schemas.openxmlformats.org/presentationml/2006/main">
+  <p:cSld>
+    <p:spTree>
+      <p:nvGrpSpPr>
+        <p:cNvPr id="1" name=""/>
+        <p:cNvGrpSpPr/>
+        <p:nvPr/>
+      </p:nvGrpSpPr>
+      <p:grpSpPr>
+        <a:xfrm>
+          <a:off x="0" y="0"/>
+          <a:ext cx="0" cy="0"/>
+          <a:chOff x="0" y="0"/>
+          <a:chExt cx="0" cy="0"/>
+        </a:xfrm>
+      </p:grpSpPr>
+      <p:sp>
+        <p:nvSpPr>
+          <p:cNvPr id="2" name="Title 1"/>
+          <p:cNvSpPr>
+            <a:spLocks noGrp="1"/>
+          </p:cNvSpPr>
+          <p:nvPr>
+            <p:ph type="title"/>
+          </p:nvPr>
+        </p:nvSpPr>
+        <p:spPr>
+          <a:xfrm>
+            <a:off x="132008" y="0"/>
+            <a:ext cx="7886700" cy="587828"/>
+          </a:xfrm>
+        </p:spPr>
+        <p:txBody>
+          <a:bodyPr>
+            <a:normAutofit/>
+          </a:bodyPr>
+          <a:lstStyle/>
+          <a:p>
+            <a:r>
+              <a:rPr lang="en-US" sz="2700" dirty="0">
+                <a:latin typeface="Cambria" charset="0"/>
+                <a:ea typeface="Cambria" charset="0"/>
+                <a:cs typeface="Cambria" charset="0"/>
+              </a:rPr>
+              <a:t>System Architecture</a:t>
+            </a:r>
+            <a:endParaRPr lang="en-US" sz="2700" b="1" dirty="0">
+              <a:latin typeface="Cambria" charset="0"/>
+              <a:ea typeface="Cambria" charset="0"/>
+              <a:cs typeface="Cambria" charset="0"/>
+            </a:endParaRPr>
+          </a:p>
+        </p:txBody>
+      </p:sp>
+      <p:cxnSp>
+        <p:nvCxnSpPr>
+          <p:cNvPr id="6" name="Straight Connector 5"/>
+          <p:cNvCxnSpPr/>
+          <p:nvPr/>
+        </p:nvCxnSpPr>
+        <p:spPr>
+          <a:xfrm flipV="1">
+            <a:off x="215206" y="589136"/>
+            <a:ext cx="8780690" cy="12247"/>
+          </a:xfrm>
+          <a:prstGeom prst="line">
+            <a:avLst/>
+          </a:prstGeom>
+          <a:ln w="22225"/>
+        </p:spPr>
+        <p:style>
+          <a:lnRef idx="1">
+            <a:schemeClr val="accent1"/>
+          </a:lnRef>
+          <a:fillRef idx="0">
+            <a:schemeClr val="accent1"/>
+          </a:fillRef>
+          <a:effectRef idx="0">
+            <a:schemeClr val="accent1"/>
+          </a:effectRef>
+          <a:fontRef idx="minor">
+            <a:schemeClr val="tx1"/>
+          </a:fontRef>
+        </p:style>
+      </p:cxnSp>
+      <p:pic>
+        <p:nvPicPr>
+          <p:cNvPr id="20" name="Picture 2" descr="C:\Users\ngoan\Desktop\bus.png"/>
+          <p:cNvPicPr>
+            <a:picLocks noChangeAspect="1" noChangeArrowheads="1"/>
+          </p:cNvPicPr>
+          <p:nvPr/>
+        </p:nvPicPr>
+        <p:blipFill rotWithShape="1">
+          <a:blip r:embed="rId2">
+            <a:extLst>
+              <a:ext uri="{28A0092B-C50C-407E-A947-70E740481C1C}">
+                <a14:useLocalDpi xmlns:a14="http://schemas.microsoft.com/office/drawing/2010/main" val="0"/>
+              </a:ext>
+            </a:extLst>
+          </a:blip>
+          <a:srcRect l="41653" t="43647" r="50398" b="42181"/>
+          <a:stretch/>
+        </p:blipFill>
+        <p:spPr bwMode="auto">
+          <a:xfrm>
+            <a:off x="4008508" y="3493094"/>
+            <a:ext cx="597043" cy="925417"/>
+          </a:xfrm>
+          <a:prstGeom prst="rect">
+            <a:avLst/>
+          </a:prstGeom>
+          <a:noFill/>
+          <a:extLst>
+            <a:ext uri="{909E8E84-426E-40DD-AFC4-6F175D3DCCD1}">
+              <a14:hiddenFill xmlns:a14="http://schemas.microsoft.com/office/drawing/2010/main">
+                <a:solidFill>
+                  <a:srgbClr val="FFFFFF"/>
+                </a:solidFill>
+              </a14:hiddenFill>
+            </a:ext>
+          </a:extLst>
+        </p:spPr>
+      </p:pic>
+      <p:pic>
+        <p:nvPicPr>
+          <p:cNvPr id="21" name="Picture 20"/>
+          <p:cNvPicPr>
+            <a:picLocks noChangeAspect="1"/>
+          </p:cNvPicPr>
+          <p:nvPr/>
+        </p:nvPicPr>
+        <p:blipFill>
+          <a:blip r:embed="rId3">
+            <a:extLst>
+              <a:ext uri="{28A0092B-C50C-407E-A947-70E740481C1C}">
+                <a14:useLocalDpi xmlns:a14="http://schemas.microsoft.com/office/drawing/2010/main" val="0"/>
+              </a:ext>
+            </a:extLst>
+          </a:blip>
+          <a:stretch>
+            <a:fillRect/>
+          </a:stretch>
+        </p:blipFill>
+        <p:spPr>
+          <a:xfrm>
+            <a:off x="468010" y="3475470"/>
+            <a:ext cx="789246" cy="789246"/>
+          </a:xfrm>
+          <a:prstGeom prst="rect">
+            <a:avLst/>
+          </a:prstGeom>
+        </p:spPr>
+      </p:pic>
+      <p:sp>
+        <p:nvSpPr>
+          <p:cNvPr id="22" name="Right Arrow 21"/>
+          <p:cNvSpPr/>
+          <p:nvPr/>
+        </p:nvSpPr>
+        <p:spPr>
+          <a:xfrm>
+            <a:off x="1570322" y="4089312"/>
+            <a:ext cx="2315002" cy="199706"/>
+          </a:xfrm>
+          <a:prstGeom prst="rightArrow">
+            <a:avLst/>
+          </a:prstGeom>
+          <a:solidFill>
+            <a:srgbClr val="2388DB"/>
+          </a:solidFill>
+          <a:ln w="25400" cap="flat" cmpd="sng" algn="ctr">
+            <a:solidFill>
+              <a:srgbClr val="2388DB"/>
+            </a:solidFill>
+            <a:prstDash val="solid"/>
+          </a:ln>
+          <a:effectLst/>
+        </p:spPr>
+        <p:txBody>
+          <a:bodyPr rtlCol="0" anchor="ctr"/>
+          <a:lstStyle/>
+          <a:p>
+            <a:pPr algn="ctr" defTabSz="914400">
+              <a:defRPr/>
+            </a:pPr>
+            <a:endParaRPr lang="en-US" kern="0" smtClean="0">
+              <a:solidFill>
+                <a:srgbClr val="FFFFFF"/>
+              </a:solidFill>
+              <a:latin typeface="Arial"/>
+            </a:endParaRPr>
+          </a:p>
+        </p:txBody>
+      </p:sp>
+      <p:sp>
+        <p:nvSpPr>
+          <p:cNvPr id="23" name="TextBox 22"/>
+          <p:cNvSpPr txBox="1"/>
+          <p:nvPr/>
+        </p:nvSpPr>
+        <p:spPr>
+          <a:xfrm>
+            <a:off x="1899628" y="3755748"/>
+            <a:ext cx="1954333" cy="400110"/>
+          </a:xfrm>
+          <a:prstGeom prst="rect">
+            <a:avLst/>
+          </a:prstGeom>
+          <a:noFill/>
+        </p:spPr>
+        <p:txBody>
+          <a:bodyPr wrap="square" rtlCol="0">
+            <a:spAutoFit/>
+          </a:bodyPr>
+          <a:lstStyle/>
+          <a:p>
+            <a:pPr defTabSz="914400"/>
+            <a:r>
+              <a:rPr lang="en-US" sz="2000" dirty="0" smtClean="0">
+                <a:solidFill>
+                  <a:srgbClr val="000000"/>
+                </a:solidFill>
+                <a:latin typeface="Cambria" charset="0"/>
+                <a:ea typeface="Cambria" charset="0"/>
+                <a:cs typeface="Cambria" charset="0"/>
+              </a:rPr>
+              <a:t>1a. Text Search</a:t>
+            </a:r>
+            <a:endParaRPr lang="en-US" sz="2000" dirty="0">
+              <a:solidFill>
+                <a:srgbClr val="000000"/>
+              </a:solidFill>
+              <a:latin typeface="Cambria" charset="0"/>
+              <a:ea typeface="Cambria" charset="0"/>
+              <a:cs typeface="Cambria" charset="0"/>
+            </a:endParaRPr>
+          </a:p>
+        </p:txBody>
+      </p:sp>
+      <p:pic>
+        <p:nvPicPr>
+          <p:cNvPr id="24" name="Picture 23"/>
+          <p:cNvPicPr>
+            <a:picLocks noChangeAspect="1"/>
+          </p:cNvPicPr>
+          <p:nvPr/>
+        </p:nvPicPr>
+        <p:blipFill>
+          <a:blip r:embed="rId4">
+            <a:extLst>
+              <a:ext uri="{28A0092B-C50C-407E-A947-70E740481C1C}">
+                <a14:useLocalDpi xmlns:a14="http://schemas.microsoft.com/office/drawing/2010/main" val="0"/>
+              </a:ext>
+            </a:extLst>
+          </a:blip>
+          <a:stretch>
+            <a:fillRect/>
+          </a:stretch>
+        </p:blipFill>
+        <p:spPr>
+          <a:xfrm>
+            <a:off x="3905987" y="926929"/>
+            <a:ext cx="850290" cy="839004"/>
+          </a:xfrm>
+          <a:prstGeom prst="rect">
+            <a:avLst/>
+          </a:prstGeom>
+        </p:spPr>
+      </p:pic>
+      <p:sp>
+        <p:nvSpPr>
+          <p:cNvPr id="25" name="Up Arrow 24"/>
+          <p:cNvSpPr/>
+          <p:nvPr/>
+        </p:nvSpPr>
+        <p:spPr>
+          <a:xfrm rot="3098377">
+            <a:off x="2654530" y="1166486"/>
+            <a:ext cx="217957" cy="3046974"/>
+          </a:xfrm>
+          <a:prstGeom prst="upArrow">
+            <a:avLst/>
+          </a:prstGeom>
+          <a:solidFill>
+            <a:schemeClr val="accent1"/>
+          </a:solidFill>
+          <a:ln w="25400" cap="flat" cmpd="sng" algn="ctr">
+            <a:solidFill>
+              <a:schemeClr val="accent1"/>
+            </a:solidFill>
+            <a:prstDash val="solid"/>
+          </a:ln>
+          <a:effectLst/>
+        </p:spPr>
+        <p:txBody>
+          <a:bodyPr rtlCol="0" anchor="ctr"/>
+          <a:lstStyle/>
+          <a:p>
+            <a:pPr algn="ctr" defTabSz="914400">
+              <a:defRPr/>
+            </a:pPr>
+            <a:endParaRPr lang="en-US" kern="0" smtClean="0">
+              <a:solidFill>
+                <a:srgbClr val="FFFFFF"/>
+              </a:solidFill>
+              <a:latin typeface="Arial"/>
+            </a:endParaRPr>
+          </a:p>
+        </p:txBody>
+      </p:sp>
+      <p:sp>
+        <p:nvSpPr>
+          <p:cNvPr id="26" name="Down Arrow 25"/>
+          <p:cNvSpPr/>
+          <p:nvPr/>
+        </p:nvSpPr>
+        <p:spPr>
+          <a:xfrm>
+            <a:off x="4218170" y="1865915"/>
+            <a:ext cx="213100" cy="1501766"/>
+          </a:xfrm>
+          <a:prstGeom prst="downArrow">
+            <a:avLst/>
+          </a:prstGeom>
+          <a:solidFill>
+            <a:schemeClr val="accent1"/>
+          </a:solidFill>
+          <a:ln w="25400" cap="flat" cmpd="sng" algn="ctr">
+            <a:solidFill>
+              <a:schemeClr val="accent1"/>
+            </a:solidFill>
+            <a:prstDash val="solid"/>
+          </a:ln>
+          <a:effectLst/>
+        </p:spPr>
+        <p:txBody>
+          <a:bodyPr rtlCol="0" anchor="ctr"/>
+          <a:lstStyle/>
+          <a:p>
+            <a:pPr algn="ctr" defTabSz="914400">
+              <a:defRPr/>
+            </a:pPr>
+            <a:endParaRPr lang="en-US" kern="0" smtClean="0">
+              <a:solidFill>
+                <a:srgbClr val="FFFFFF"/>
+              </a:solidFill>
+              <a:latin typeface="Arial"/>
+            </a:endParaRPr>
+          </a:p>
+        </p:txBody>
+      </p:sp>
+      <p:sp>
+        <p:nvSpPr>
+          <p:cNvPr id="27" name="TextBox 26"/>
+          <p:cNvSpPr txBox="1"/>
+          <p:nvPr/>
+        </p:nvSpPr>
+        <p:spPr>
+          <a:xfrm rot="19217945">
+            <a:off x="1687897" y="2167635"/>
+            <a:ext cx="1950983" cy="400110"/>
+          </a:xfrm>
+          <a:prstGeom prst="rect">
+            <a:avLst/>
+          </a:prstGeom>
+          <a:noFill/>
+        </p:spPr>
+        <p:txBody>
+          <a:bodyPr wrap="none" rtlCol="0">
+            <a:spAutoFit/>
+          </a:bodyPr>
+          <a:lstStyle/>
+          <a:p>
+            <a:pPr defTabSz="914400"/>
+            <a:r>
+              <a:rPr lang="en-US" sz="2000" dirty="0" smtClean="0">
+                <a:solidFill>
+                  <a:srgbClr val="000000"/>
+                </a:solidFill>
+                <a:latin typeface="Cambria" charset="0"/>
+                <a:ea typeface="Cambria" charset="0"/>
+                <a:cs typeface="Cambria" charset="0"/>
+              </a:rPr>
+              <a:t>1b. Voice Search</a:t>
+            </a:r>
+            <a:endParaRPr lang="en-US" sz="2000" dirty="0">
+              <a:solidFill>
+                <a:srgbClr val="000000"/>
+              </a:solidFill>
+              <a:latin typeface="Cambria" charset="0"/>
+              <a:ea typeface="Cambria" charset="0"/>
+              <a:cs typeface="Cambria" charset="0"/>
+            </a:endParaRPr>
+          </a:p>
+        </p:txBody>
+      </p:sp>
+      <p:sp>
+        <p:nvSpPr>
+          <p:cNvPr id="28" name="TextBox 27"/>
+          <p:cNvSpPr txBox="1"/>
+          <p:nvPr/>
+        </p:nvSpPr>
+        <p:spPr>
+          <a:xfrm>
+            <a:off x="3494104" y="2486659"/>
+            <a:ext cx="648383" cy="707886"/>
+          </a:xfrm>
+          <a:prstGeom prst="rect">
+            <a:avLst/>
+          </a:prstGeom>
+          <a:noFill/>
+        </p:spPr>
+        <p:txBody>
+          <a:bodyPr wrap="none" rtlCol="0">
+            <a:spAutoFit/>
+          </a:bodyPr>
+          <a:lstStyle/>
+          <a:p>
+            <a:pPr defTabSz="914400"/>
+            <a:r>
+              <a:rPr lang="en-US" sz="2000" dirty="0" smtClean="0">
+                <a:solidFill>
+                  <a:srgbClr val="000000"/>
+                </a:solidFill>
+                <a:latin typeface="Cambria" charset="0"/>
+                <a:ea typeface="Cambria" charset="0"/>
+                <a:cs typeface="Cambria" charset="0"/>
+              </a:rPr>
+              <a:t>1c.</a:t>
+            </a:r>
+            <a:br>
+              <a:rPr lang="en-US" sz="2000" dirty="0" smtClean="0">
+                <a:solidFill>
+                  <a:srgbClr val="000000"/>
+                </a:solidFill>
+                <a:latin typeface="Cambria" charset="0"/>
+                <a:ea typeface="Cambria" charset="0"/>
+                <a:cs typeface="Cambria" charset="0"/>
+              </a:rPr>
+            </a:br>
+            <a:r>
+              <a:rPr lang="en-US" sz="2000" dirty="0" smtClean="0">
+                <a:solidFill>
+                  <a:srgbClr val="000000"/>
+                </a:solidFill>
+                <a:latin typeface="Cambria" charset="0"/>
+                <a:ea typeface="Cambria" charset="0"/>
+                <a:cs typeface="Cambria" charset="0"/>
+              </a:rPr>
+              <a:t>Text</a:t>
+            </a:r>
+            <a:endParaRPr lang="en-US" sz="2000" dirty="0">
+              <a:solidFill>
+                <a:srgbClr val="000000"/>
+              </a:solidFill>
+              <a:latin typeface="Cambria" charset="0"/>
+              <a:ea typeface="Cambria" charset="0"/>
+              <a:cs typeface="Cambria" charset="0"/>
+            </a:endParaRPr>
+          </a:p>
+        </p:txBody>
+      </p:sp>
+      <p:sp>
+        <p:nvSpPr>
+          <p:cNvPr id="29" name="Up Arrow 28"/>
+          <p:cNvSpPr/>
+          <p:nvPr/>
+        </p:nvSpPr>
+        <p:spPr>
+          <a:xfrm rot="2900683">
+            <a:off x="5766506" y="1382582"/>
+            <a:ext cx="222582" cy="2782163"/>
+          </a:xfrm>
+          <a:prstGeom prst="upArrow">
+            <a:avLst/>
+          </a:prstGeom>
+          <a:solidFill>
+            <a:schemeClr val="accent1"/>
+          </a:solidFill>
+          <a:ln w="25400" cap="flat" cmpd="sng" algn="ctr">
+            <a:solidFill>
+              <a:schemeClr val="accent1"/>
+            </a:solidFill>
+            <a:prstDash val="solid"/>
+          </a:ln>
+          <a:effectLst/>
+        </p:spPr>
+        <p:txBody>
+          <a:bodyPr rtlCol="0" anchor="ctr"/>
+          <a:lstStyle/>
+          <a:p>
+            <a:pPr algn="ctr" defTabSz="914400">
+              <a:defRPr/>
+            </a:pPr>
+            <a:endParaRPr lang="en-US" kern="0" smtClean="0">
+              <a:solidFill>
+                <a:srgbClr val="FFFFFF"/>
+              </a:solidFill>
+              <a:latin typeface="Arial"/>
+            </a:endParaRPr>
+          </a:p>
+        </p:txBody>
+      </p:sp>
+      <p:sp>
+        <p:nvSpPr>
+          <p:cNvPr id="31" name="TextBox 30"/>
+          <p:cNvSpPr txBox="1"/>
+          <p:nvPr/>
+        </p:nvSpPr>
+        <p:spPr>
+          <a:xfrm rot="19042530">
+            <a:off x="4106365" y="2370483"/>
+            <a:ext cx="3125727" cy="369332"/>
+          </a:xfrm>
+          <a:prstGeom prst="rect">
+            <a:avLst/>
+          </a:prstGeom>
+          <a:noFill/>
+        </p:spPr>
+        <p:txBody>
+          <a:bodyPr wrap="none" rtlCol="0">
+            <a:spAutoFit/>
+          </a:bodyPr>
+          <a:lstStyle/>
+          <a:p>
+            <a:pPr defTabSz="914400"/>
+            <a:r>
+              <a:rPr lang="en-US" dirty="0" smtClean="0">
+                <a:solidFill>
+                  <a:srgbClr val="000000"/>
+                </a:solidFill>
+                <a:latin typeface="Cambria" charset="0"/>
+                <a:ea typeface="Cambria" charset="0"/>
+                <a:cs typeface="Cambria" charset="0"/>
+              </a:rPr>
+              <a:t>2. Request motor or bus route</a:t>
+            </a:r>
+            <a:endParaRPr lang="en-US" dirty="0">
+              <a:solidFill>
+                <a:srgbClr val="000000"/>
+              </a:solidFill>
+              <a:latin typeface="Cambria" charset="0"/>
+              <a:ea typeface="Cambria" charset="0"/>
+              <a:cs typeface="Cambria" charset="0"/>
+            </a:endParaRPr>
+          </a:p>
+        </p:txBody>
+      </p:sp>
+      <p:sp>
+        <p:nvSpPr>
+          <p:cNvPr id="36" name="TextBox 35"/>
+          <p:cNvSpPr txBox="1"/>
+          <p:nvPr/>
+        </p:nvSpPr>
+        <p:spPr>
+          <a:xfrm>
+            <a:off x="7005653" y="1494726"/>
+            <a:ext cx="1656415" cy="338554"/>
+          </a:xfrm>
+          <a:prstGeom prst="rect">
+            <a:avLst/>
+          </a:prstGeom>
+          <a:noFill/>
+        </p:spPr>
+        <p:txBody>
+          <a:bodyPr wrap="none" rtlCol="0">
+            <a:spAutoFit/>
+          </a:bodyPr>
+          <a:lstStyle/>
+          <a:p>
+            <a:pPr algn="ctr" defTabSz="914400"/>
+            <a:r>
+              <a:rPr lang="en-US" sz="1600" b="1" dirty="0" smtClean="0">
+                <a:solidFill>
+                  <a:srgbClr val="FF0000"/>
+                </a:solidFill>
+                <a:latin typeface="Cambria" charset="0"/>
+                <a:ea typeface="Cambria" charset="0"/>
+                <a:cs typeface="Cambria" charset="0"/>
+              </a:rPr>
+              <a:t>Google Map API</a:t>
+            </a:r>
+            <a:endParaRPr lang="en-US" sz="1600" b="1" dirty="0">
+              <a:solidFill>
+                <a:srgbClr val="FF0000"/>
+              </a:solidFill>
+              <a:latin typeface="Cambria" charset="0"/>
+              <a:ea typeface="Cambria" charset="0"/>
+              <a:cs typeface="Cambria" charset="0"/>
+            </a:endParaRPr>
+          </a:p>
+        </p:txBody>
+      </p:sp>
+      <p:pic>
+        <p:nvPicPr>
+          <p:cNvPr id="3" name="Picture 2"/>
+          <p:cNvPicPr>
+            <a:picLocks noChangeAspect="1"/>
+          </p:cNvPicPr>
+          <p:nvPr/>
+        </p:nvPicPr>
+        <p:blipFill>
+          <a:blip r:embed="rId5">
+            <a:extLst>
+              <a:ext uri="{28A0092B-C50C-407E-A947-70E740481C1C}">
+                <a14:useLocalDpi xmlns:a14="http://schemas.microsoft.com/office/drawing/2010/main" val="0"/>
+              </a:ext>
+            </a:extLst>
+          </a:blip>
+          <a:stretch>
+            <a:fillRect/>
+          </a:stretch>
+        </p:blipFill>
+        <p:spPr>
+          <a:xfrm>
+            <a:off x="7506731" y="869533"/>
+            <a:ext cx="640080" cy="640080"/>
+          </a:xfrm>
+          <a:prstGeom prst="rect">
+            <a:avLst/>
+          </a:prstGeom>
+        </p:spPr>
+      </p:pic>
+      <p:pic>
+        <p:nvPicPr>
+          <p:cNvPr id="17" name="Picture 16"/>
+          <p:cNvPicPr>
+            <a:picLocks noChangeAspect="1"/>
+          </p:cNvPicPr>
+          <p:nvPr/>
+        </p:nvPicPr>
+        <p:blipFill rotWithShape="1">
+          <a:blip r:embed="rId6">
+            <a:extLst>
+              <a:ext uri="{28A0092B-C50C-407E-A947-70E740481C1C}">
+                <a14:useLocalDpi xmlns:a14="http://schemas.microsoft.com/office/drawing/2010/main" val="0"/>
+              </a:ext>
+            </a:extLst>
+          </a:blip>
+          <a:srcRect l="22301" r="22655" b="23406"/>
+          <a:stretch/>
+        </p:blipFill>
+        <p:spPr>
+          <a:xfrm>
+            <a:off x="7506731" y="1819935"/>
+            <a:ext cx="640079" cy="582684"/>
+          </a:xfrm>
+          <a:prstGeom prst="rect">
+            <a:avLst/>
+          </a:prstGeom>
+        </p:spPr>
+      </p:pic>
+      <p:sp>
+        <p:nvSpPr>
+          <p:cNvPr id="18" name="TextBox 17"/>
+          <p:cNvSpPr txBox="1"/>
+          <p:nvPr/>
+        </p:nvSpPr>
+        <p:spPr>
+          <a:xfrm>
+            <a:off x="7282134" y="2444039"/>
+            <a:ext cx="1266885" cy="338554"/>
+          </a:xfrm>
+          <a:prstGeom prst="rect">
+            <a:avLst/>
+          </a:prstGeom>
+          <a:noFill/>
+        </p:spPr>
+        <p:txBody>
+          <a:bodyPr wrap="none" rtlCol="0">
+            <a:spAutoFit/>
+          </a:bodyPr>
+          <a:lstStyle/>
+          <a:p>
+            <a:pPr defTabSz="914400"/>
+            <a:r>
+              <a:rPr lang="en-US" sz="1600" b="1" dirty="0" smtClean="0">
+                <a:solidFill>
+                  <a:srgbClr val="FF0000"/>
+                </a:solidFill>
+                <a:latin typeface="Cambria" charset="0"/>
+                <a:ea typeface="Cambria" charset="0"/>
+                <a:cs typeface="Cambria" charset="0"/>
+              </a:rPr>
+              <a:t>Bus Service</a:t>
+            </a:r>
+            <a:endParaRPr lang="en-US" sz="1600" b="1" dirty="0">
+              <a:solidFill>
+                <a:srgbClr val="FF0000"/>
+              </a:solidFill>
+              <a:latin typeface="Cambria" charset="0"/>
+              <a:ea typeface="Cambria" charset="0"/>
+              <a:cs typeface="Cambria" charset="0"/>
+            </a:endParaRPr>
+          </a:p>
+        </p:txBody>
+      </p:sp>
+      <p:sp>
+        <p:nvSpPr>
+          <p:cNvPr id="19" name="Down Arrow 18"/>
+          <p:cNvSpPr/>
+          <p:nvPr/>
+        </p:nvSpPr>
+        <p:spPr>
+          <a:xfrm rot="2821443">
+            <a:off x="5939791" y="1640652"/>
+            <a:ext cx="232700" cy="2725205"/>
+          </a:xfrm>
+          <a:prstGeom prst="downArrow">
+            <a:avLst/>
+          </a:prstGeom>
+          <a:solidFill>
+            <a:schemeClr val="accent1"/>
+          </a:solidFill>
+          <a:ln w="25400" cap="flat" cmpd="sng" algn="ctr">
+            <a:solidFill>
+              <a:schemeClr val="accent1"/>
+            </a:solidFill>
+            <a:prstDash val="solid"/>
+          </a:ln>
+          <a:effectLst/>
+        </p:spPr>
+        <p:txBody>
+          <a:bodyPr rtlCol="0" anchor="ctr"/>
+          <a:lstStyle/>
+          <a:p>
+            <a:pPr algn="ctr" defTabSz="914400">
+              <a:defRPr/>
+            </a:pPr>
+            <a:endParaRPr lang="en-US" kern="0" smtClean="0">
+              <a:solidFill>
+                <a:srgbClr val="FFFFFF"/>
+              </a:solidFill>
+              <a:latin typeface="Arial"/>
+            </a:endParaRPr>
+          </a:p>
+        </p:txBody>
+      </p:sp>
+      <p:sp>
+        <p:nvSpPr>
+          <p:cNvPr id="30" name="TextBox 29"/>
+          <p:cNvSpPr txBox="1"/>
+          <p:nvPr/>
+        </p:nvSpPr>
+        <p:spPr>
+          <a:xfrm rot="19042530">
+            <a:off x="5533071" y="2877821"/>
+            <a:ext cx="1643014" cy="400110"/>
+          </a:xfrm>
+          <a:prstGeom prst="rect">
+            <a:avLst/>
+          </a:prstGeom>
+          <a:noFill/>
+        </p:spPr>
+        <p:txBody>
+          <a:bodyPr wrap="none" rtlCol="0">
+            <a:spAutoFit/>
+          </a:bodyPr>
+          <a:lstStyle/>
+          <a:p>
+            <a:pPr defTabSz="914400"/>
+            <a:r>
+              <a:rPr lang="en-US" sz="2000" dirty="0" smtClean="0">
+                <a:solidFill>
+                  <a:srgbClr val="000000"/>
+                </a:solidFill>
+                <a:latin typeface="Cambria" charset="0"/>
+                <a:ea typeface="Cambria" charset="0"/>
+                <a:cs typeface="Cambria" charset="0"/>
+              </a:rPr>
+              <a:t>3. List results</a:t>
+            </a:r>
+            <a:endParaRPr lang="en-US" sz="2000" dirty="0">
+              <a:solidFill>
+                <a:srgbClr val="000000"/>
+              </a:solidFill>
+              <a:latin typeface="Cambria" charset="0"/>
+              <a:ea typeface="Cambria" charset="0"/>
+              <a:cs typeface="Cambria" charset="0"/>
+            </a:endParaRPr>
+          </a:p>
+        </p:txBody>
+      </p:sp>
+      <p:pic>
+        <p:nvPicPr>
+          <p:cNvPr id="32" name="Picture 31"/>
+          <p:cNvPicPr>
+            <a:picLocks noChangeAspect="1"/>
+          </p:cNvPicPr>
+          <p:nvPr/>
+        </p:nvPicPr>
+        <p:blipFill rotWithShape="1">
+          <a:blip r:embed="rId7">
+            <a:extLst>
+              <a:ext uri="{28A0092B-C50C-407E-A947-70E740481C1C}">
+                <a14:useLocalDpi xmlns:a14="http://schemas.microsoft.com/office/drawing/2010/main" val="0"/>
+              </a:ext>
+            </a:extLst>
+          </a:blip>
+          <a:srcRect l="12442" t="83042" r="78378"/>
+          <a:stretch/>
+        </p:blipFill>
+        <p:spPr>
+          <a:xfrm>
+            <a:off x="7394528" y="4920841"/>
+            <a:ext cx="606721" cy="1030077"/>
+          </a:xfrm>
+          <a:prstGeom prst="rect">
+            <a:avLst/>
+          </a:prstGeom>
+        </p:spPr>
+      </p:pic>
+      <p:sp>
+        <p:nvSpPr>
+          <p:cNvPr id="33" name="TextBox 32"/>
+          <p:cNvSpPr txBox="1"/>
+          <p:nvPr/>
+        </p:nvSpPr>
+        <p:spPr>
+          <a:xfrm>
+            <a:off x="6991123" y="5950918"/>
+            <a:ext cx="1500795" cy="338554"/>
+          </a:xfrm>
+          <a:prstGeom prst="rect">
+            <a:avLst/>
+          </a:prstGeom>
+          <a:noFill/>
+        </p:spPr>
+        <p:txBody>
+          <a:bodyPr wrap="none" rtlCol="0">
+            <a:spAutoFit/>
+          </a:bodyPr>
+          <a:lstStyle/>
+          <a:p>
+            <a:pPr defTabSz="914400"/>
+            <a:r>
+              <a:rPr lang="en-US" sz="1600" b="1" dirty="0" smtClean="0">
+                <a:solidFill>
+                  <a:srgbClr val="FF0000"/>
+                </a:solidFill>
+                <a:latin typeface="Cambria" charset="0"/>
+                <a:ea typeface="Cambria" charset="0"/>
+                <a:cs typeface="Cambria" charset="0"/>
+              </a:rPr>
+              <a:t>Android Wear</a:t>
+            </a:r>
+            <a:endParaRPr lang="en-US" sz="1600" b="1" dirty="0">
+              <a:solidFill>
+                <a:srgbClr val="FF0000"/>
+              </a:solidFill>
+              <a:latin typeface="Cambria" charset="0"/>
+              <a:ea typeface="Cambria" charset="0"/>
+              <a:cs typeface="Cambria" charset="0"/>
+            </a:endParaRPr>
+          </a:p>
+        </p:txBody>
+      </p:sp>
+      <p:sp>
+        <p:nvSpPr>
+          <p:cNvPr id="34" name="Down Arrow 33"/>
+          <p:cNvSpPr/>
+          <p:nvPr/>
+        </p:nvSpPr>
+        <p:spPr>
+          <a:xfrm rot="18163754">
+            <a:off x="5360001" y="3950741"/>
+            <a:ext cx="284843" cy="2553443"/>
+          </a:xfrm>
+          <a:prstGeom prst="downArrow">
+            <a:avLst/>
+          </a:prstGeom>
+          <a:solidFill>
+            <a:schemeClr val="accent1"/>
+          </a:solidFill>
+          <a:ln w="25400" cap="flat" cmpd="sng" algn="ctr">
+            <a:solidFill>
+              <a:schemeClr val="accent1"/>
+            </a:solidFill>
+            <a:prstDash val="solid"/>
+          </a:ln>
+          <a:effectLst/>
+        </p:spPr>
+        <p:txBody>
+          <a:bodyPr rtlCol="0" anchor="ctr"/>
+          <a:lstStyle/>
+          <a:p>
+            <a:pPr algn="ctr" defTabSz="914400">
+              <a:defRPr/>
+            </a:pPr>
+            <a:endParaRPr lang="en-US" kern="0" smtClean="0">
+              <a:solidFill>
+                <a:srgbClr val="FFFFFF"/>
+              </a:solidFill>
+              <a:latin typeface="Arial"/>
+            </a:endParaRPr>
+          </a:p>
+        </p:txBody>
+      </p:sp>
+      <p:sp>
+        <p:nvSpPr>
+          <p:cNvPr id="35" name="TextBox 34"/>
+          <p:cNvSpPr txBox="1"/>
+          <p:nvPr/>
+        </p:nvSpPr>
+        <p:spPr>
+          <a:xfrm rot="1846259">
+            <a:off x="4602884" y="4506252"/>
+            <a:ext cx="2197268" cy="707886"/>
+          </a:xfrm>
+          <a:prstGeom prst="rect">
+            <a:avLst/>
+          </a:prstGeom>
+          <a:noFill/>
+        </p:spPr>
+        <p:txBody>
+          <a:bodyPr wrap="none" rtlCol="0">
+            <a:spAutoFit/>
+          </a:bodyPr>
+          <a:lstStyle/>
+          <a:p>
+            <a:pPr algn="ctr" defTabSz="914400"/>
+            <a:r>
+              <a:rPr lang="en-US" sz="2000" dirty="0">
+                <a:solidFill>
+                  <a:srgbClr val="000000"/>
+                </a:solidFill>
+                <a:latin typeface="Cambria" charset="0"/>
+                <a:ea typeface="Cambria" charset="0"/>
+                <a:cs typeface="Cambria" charset="0"/>
+              </a:rPr>
+              <a:t>3</a:t>
+            </a:r>
+            <a:r>
+              <a:rPr lang="en-US" sz="2000" dirty="0" smtClean="0">
+                <a:solidFill>
+                  <a:srgbClr val="000000"/>
+                </a:solidFill>
+                <a:latin typeface="Cambria" charset="0"/>
+                <a:ea typeface="Cambria" charset="0"/>
+                <a:cs typeface="Cambria" charset="0"/>
+              </a:rPr>
+              <a:t>. Sync data when </a:t>
+            </a:r>
+            <a:br>
+              <a:rPr lang="en-US" sz="2000" dirty="0" smtClean="0">
+                <a:solidFill>
+                  <a:srgbClr val="000000"/>
+                </a:solidFill>
+                <a:latin typeface="Cambria" charset="0"/>
+                <a:ea typeface="Cambria" charset="0"/>
+                <a:cs typeface="Cambria" charset="0"/>
+              </a:rPr>
+            </a:br>
+            <a:r>
+              <a:rPr lang="en-US" sz="2000" dirty="0" smtClean="0">
+                <a:solidFill>
+                  <a:srgbClr val="000000"/>
+                </a:solidFill>
+                <a:latin typeface="Cambria" charset="0"/>
+                <a:ea typeface="Cambria" charset="0"/>
+                <a:cs typeface="Cambria" charset="0"/>
+              </a:rPr>
+              <a:t>on street</a:t>
+            </a:r>
+            <a:endParaRPr lang="en-US" sz="2000" dirty="0">
+              <a:solidFill>
+                <a:srgbClr val="000000"/>
+              </a:solidFill>
+              <a:latin typeface="Cambria" charset="0"/>
+              <a:ea typeface="Cambria" charset="0"/>
+              <a:cs typeface="Cambria" charset="0"/>
+            </a:endParaRPr>
+          </a:p>
+        </p:txBody>
+      </p:sp>
+      <p:sp>
+        <p:nvSpPr>
+          <p:cNvPr id="37" name="TextBox 36"/>
+          <p:cNvSpPr txBox="1"/>
+          <p:nvPr/>
+        </p:nvSpPr>
+        <p:spPr>
+          <a:xfrm>
+            <a:off x="99151" y="6320215"/>
+            <a:ext cx="1946367" cy="338554"/>
+          </a:xfrm>
+          <a:prstGeom prst="rect">
+            <a:avLst/>
+          </a:prstGeom>
+          <a:noFill/>
+        </p:spPr>
+        <p:txBody>
+          <a:bodyPr wrap="none" rtlCol="0">
+            <a:spAutoFit/>
+          </a:bodyPr>
+          <a:lstStyle/>
+          <a:p>
+            <a:pPr defTabSz="914400"/>
+            <a:r>
+              <a:rPr lang="en-US" sz="1600" b="1" dirty="0" smtClean="0">
+                <a:solidFill>
+                  <a:srgbClr val="FF0000"/>
+                </a:solidFill>
+                <a:latin typeface="Cambria" charset="0"/>
+                <a:ea typeface="Cambria" charset="0"/>
+                <a:cs typeface="Cambria" charset="0"/>
+              </a:rPr>
+              <a:t>Text To Speech API</a:t>
+            </a:r>
+          </a:p>
+        </p:txBody>
+      </p:sp>
+      <p:pic>
+        <p:nvPicPr>
+          <p:cNvPr id="38" name="Picture 37"/>
+          <p:cNvPicPr>
+            <a:picLocks noChangeAspect="1"/>
+          </p:cNvPicPr>
+          <p:nvPr/>
+        </p:nvPicPr>
+        <p:blipFill rotWithShape="1">
+          <a:blip r:embed="rId8">
+            <a:extLst>
+              <a:ext uri="{28A0092B-C50C-407E-A947-70E740481C1C}">
+                <a14:useLocalDpi xmlns:a14="http://schemas.microsoft.com/office/drawing/2010/main" val="0"/>
+              </a:ext>
+            </a:extLst>
+          </a:blip>
+          <a:srcRect l="13564" t="19360" r="13668" b="19517"/>
+          <a:stretch/>
+        </p:blipFill>
+        <p:spPr>
+          <a:xfrm>
+            <a:off x="324204" y="5732569"/>
+            <a:ext cx="1034892" cy="633801"/>
+          </a:xfrm>
+          <a:prstGeom prst="rect">
+            <a:avLst/>
+          </a:prstGeom>
+        </p:spPr>
+      </p:pic>
+      <p:sp>
+        <p:nvSpPr>
+          <p:cNvPr id="39" name="Up Arrow 38"/>
+          <p:cNvSpPr/>
+          <p:nvPr/>
+        </p:nvSpPr>
+        <p:spPr>
+          <a:xfrm rot="13371895">
+            <a:off x="3019715" y="4259989"/>
+            <a:ext cx="308999" cy="2515527"/>
+          </a:xfrm>
+          <a:prstGeom prst="upArrow">
+            <a:avLst/>
+          </a:prstGeom>
+        </p:spPr>
+        <p:style>
+          <a:lnRef idx="2">
+            <a:schemeClr val="accent1">
+              <a:shade val="50000"/>
+            </a:schemeClr>
+          </a:lnRef>
+          <a:fillRef idx="1">
+            <a:schemeClr val="accent1"/>
+          </a:fillRef>
+          <a:effectRef idx="0">
+            <a:schemeClr val="accent1"/>
+          </a:effectRef>
+          <a:fontRef idx="minor">
+            <a:schemeClr val="lt1"/>
+          </a:fontRef>
+        </p:style>
+        <p:txBody>
+          <a:bodyPr rtlCol="0" anchor="ctr"/>
+          <a:lstStyle/>
+          <a:p>
+            <a:pPr algn="ctr" defTabSz="914400"/>
+            <a:endParaRPr lang="en-US">
+              <a:solidFill>
+                <a:prstClr val="white"/>
+              </a:solidFill>
+            </a:endParaRPr>
+          </a:p>
+        </p:txBody>
+      </p:sp>
+      <p:sp>
+        <p:nvSpPr>
+          <p:cNvPr id="40" name="TextBox 39"/>
+          <p:cNvSpPr txBox="1"/>
+          <p:nvPr/>
+        </p:nvSpPr>
+        <p:spPr>
+          <a:xfrm rot="18715076">
+            <a:off x="2137528" y="5485635"/>
+            <a:ext cx="2557303" cy="400110"/>
+          </a:xfrm>
+          <a:prstGeom prst="rect">
+            <a:avLst/>
+          </a:prstGeom>
+          <a:noFill/>
+        </p:spPr>
+        <p:txBody>
+          <a:bodyPr wrap="none" rtlCol="0">
+            <a:spAutoFit/>
+          </a:bodyPr>
+          <a:lstStyle/>
+          <a:p>
+            <a:pPr defTabSz="914400"/>
+            <a:r>
+              <a:rPr lang="en-US" sz="2000" dirty="0" smtClean="0">
+                <a:solidFill>
+                  <a:prstClr val="black"/>
+                </a:solidFill>
+                <a:latin typeface="Cambria" charset="0"/>
+                <a:ea typeface="Cambria" charset="0"/>
+                <a:cs typeface="Cambria" charset="0"/>
+              </a:rPr>
+              <a:t>4. Request sound files</a:t>
+            </a:r>
+            <a:endParaRPr lang="en-US" sz="2000" dirty="0">
+              <a:solidFill>
+                <a:prstClr val="black"/>
+              </a:solidFill>
+              <a:latin typeface="Cambria" charset="0"/>
+              <a:ea typeface="Cambria" charset="0"/>
+              <a:cs typeface="Cambria" charset="0"/>
+            </a:endParaRPr>
+          </a:p>
+        </p:txBody>
+      </p:sp>
+      <p:sp>
+        <p:nvSpPr>
+          <p:cNvPr id="41" name="Down Arrow 40"/>
+          <p:cNvSpPr/>
+          <p:nvPr/>
+        </p:nvSpPr>
+        <p:spPr>
+          <a:xfrm rot="13434252">
+            <a:off x="2815412" y="4003439"/>
+            <a:ext cx="308822" cy="2635811"/>
+          </a:xfrm>
+          <a:prstGeom prst="downArrow">
+            <a:avLst/>
+          </a:prstGeom>
+        </p:spPr>
+        <p:style>
+          <a:lnRef idx="2">
+            <a:schemeClr val="accent1">
+              <a:shade val="50000"/>
+            </a:schemeClr>
+          </a:lnRef>
+          <a:fillRef idx="1">
+            <a:schemeClr val="accent1"/>
+          </a:fillRef>
+          <a:effectRef idx="0">
+            <a:schemeClr val="accent1"/>
+          </a:effectRef>
+          <a:fontRef idx="minor">
+            <a:schemeClr val="lt1"/>
+          </a:fontRef>
+        </p:style>
+        <p:txBody>
+          <a:bodyPr rtlCol="0" anchor="ctr"/>
+          <a:lstStyle/>
+          <a:p>
+            <a:pPr algn="ctr" defTabSz="914400"/>
+            <a:endParaRPr lang="en-US">
+              <a:solidFill>
+                <a:prstClr val="white"/>
+              </a:solidFill>
+            </a:endParaRPr>
+          </a:p>
+        </p:txBody>
+      </p:sp>
+      <p:sp>
+        <p:nvSpPr>
+          <p:cNvPr id="42" name="TextBox 41"/>
+          <p:cNvSpPr txBox="1"/>
+          <p:nvPr/>
+        </p:nvSpPr>
+        <p:spPr>
+          <a:xfrm rot="18920191">
+            <a:off x="1997329" y="4917597"/>
+            <a:ext cx="1633781" cy="400110"/>
+          </a:xfrm>
+          <a:prstGeom prst="rect">
+            <a:avLst/>
+          </a:prstGeom>
+          <a:noFill/>
+        </p:spPr>
+        <p:txBody>
+          <a:bodyPr wrap="none" rtlCol="0">
+            <a:spAutoFit/>
+          </a:bodyPr>
+          <a:lstStyle/>
+          <a:p>
+            <a:pPr defTabSz="914400"/>
+            <a:r>
+              <a:rPr lang="en-US" sz="2000" dirty="0" smtClean="0">
+                <a:solidFill>
+                  <a:prstClr val="black"/>
+                </a:solidFill>
+                <a:latin typeface="Cambria" charset="0"/>
+                <a:ea typeface="Cambria" charset="0"/>
+                <a:cs typeface="Cambria" charset="0"/>
+              </a:rPr>
+              <a:t>5. Sound files</a:t>
+            </a:r>
+            <a:endParaRPr lang="en-US" sz="2000" dirty="0">
+              <a:solidFill>
+                <a:prstClr val="black"/>
+              </a:solidFill>
+              <a:latin typeface="Cambria" charset="0"/>
+              <a:ea typeface="Cambria" charset="0"/>
+              <a:cs typeface="Cambria" charset="0"/>
+            </a:endParaRPr>
+          </a:p>
+        </p:txBody>
+      </p:sp>
+    </p:spTree>
+    <p:extLst>
+      <p:ext uri="{BB962C8B-B14F-4D97-AF65-F5344CB8AC3E}">
+        <p14:creationId xmlns:p14="http://schemas.microsoft.com/office/powerpoint/2010/main" val="209749051"/>
+      </p:ext>
+    </p:extLst>
+  </p:cSld>
+  <p:clrMapOvr>
+    <a:masterClrMapping/>
+  </p:clrMapOvr>
+  <p:timing>
+    <p:tnLst>
+      <p:par>
+        <p:cTn id="1" dur="indefinite" restart="never" nodeType="tmRoot"/>
+      </p:par>
+    </p:tnLst>
+  </p:timing>
+</p:sld>
+</file>
+
+<file path=ppt/slides/slide14.xml><?xml version="1.0" encoding="utf-8"?>
+<p:sld xmlns:a="http://schemas.openxmlformats.org/drawingml/2006/main" xmlns:r="http://schemas.openxmlformats.org/officeDocument/2006/relationships" xmlns:p="http://schemas.openxmlformats.org/presentationml/2006/main">
+  <p:cSld>
+    <p:spTree>
+      <p:nvGrpSpPr>
+        <p:cNvPr id="1" name=""/>
+        <p:cNvGrpSpPr/>
+        <p:nvPr/>
+      </p:nvGrpSpPr>
+      <p:grpSpPr>
+        <a:xfrm>
+          <a:off x="0" y="0"/>
+          <a:ext cx="0" cy="0"/>
+          <a:chOff x="0" y="0"/>
+          <a:chExt cx="0" cy="0"/>
+        </a:xfrm>
+      </p:grpSpPr>
+      <p:sp>
+        <p:nvSpPr>
           <p:cNvPr id="6" name="Title 5"/>
           <p:cNvSpPr>
             <a:spLocks noGrp="1"/>
@@ -6750,7 +13437,7 @@
             <a:fld id="{00000000-1234-1234-1234-123412341234}" type="slidenum">
               <a:rPr lang="en" smtClean="0"/>
               <a:pPr/>
-              <a:t>11</a:t>
+              <a:t>14</a:t>
             </a:fld>
             <a:endParaRPr lang="en"/>
           </a:p>
@@ -10694,6 +17381,267 @@
 </file>
 
 <file path=ppt/theme/theme2.xml><?xml version="1.0" encoding="utf-8"?>
+<a:theme xmlns:a="http://schemas.openxmlformats.org/drawingml/2006/main" name="1_Office Theme">
+  <a:themeElements>
+    <a:clrScheme name="Office">
+      <a:dk1>
+        <a:sysClr val="windowText" lastClr="000000"/>
+      </a:dk1>
+      <a:lt1>
+        <a:sysClr val="window" lastClr="FFFFFF"/>
+      </a:lt1>
+      <a:dk2>
+        <a:srgbClr val="44546A"/>
+      </a:dk2>
+      <a:lt2>
+        <a:srgbClr val="E7E6E6"/>
+      </a:lt2>
+      <a:accent1>
+        <a:srgbClr val="5B9BD5"/>
+      </a:accent1>
+      <a:accent2>
+        <a:srgbClr val="ED7D31"/>
+      </a:accent2>
+      <a:accent3>
+        <a:srgbClr val="A5A5A5"/>
+      </a:accent3>
+      <a:accent4>
+        <a:srgbClr val="FFC000"/>
+      </a:accent4>
+      <a:accent5>
+        <a:srgbClr val="4472C4"/>
+      </a:accent5>
+      <a:accent6>
+        <a:srgbClr val="70AD47"/>
+      </a:accent6>
+      <a:hlink>
+        <a:srgbClr val="0563C1"/>
+      </a:hlink>
+      <a:folHlink>
+        <a:srgbClr val="954F72"/>
+      </a:folHlink>
+    </a:clrScheme>
+    <a:fontScheme name="Office">
+      <a:majorFont>
+        <a:latin typeface="Calibri Light"/>
+        <a:ea typeface=""/>
+        <a:cs typeface=""/>
+        <a:font script="Jpan" typeface="ＭＳ Ｐゴシック"/>
+        <a:font script="Hang" typeface="맑은 고딕"/>
+        <a:font script="Hans" typeface="宋体"/>
+        <a:font script="Hant" typeface="新細明體"/>
+        <a:font script="Arab" typeface="Times New Roman"/>
+        <a:font script="Hebr" typeface="Times New Roman"/>
+        <a:font script="Thai" typeface="Angsana New"/>
+        <a:font script="Ethi" typeface="Nyala"/>
+        <a:font script="Beng" typeface="Vrinda"/>
+        <a:font script="Gujr" typeface="Shruti"/>
+        <a:font script="Khmr" typeface="MoolBoran"/>
+        <a:font script="Knda" typeface="Tunga"/>
+        <a:font script="Guru" typeface="Raavi"/>
+        <a:font script="Cans" typeface="Euphemia"/>
+        <a:font script="Cher" typeface="Plantagenet Cherokee"/>
+        <a:font script="Yiii" typeface="Microsoft Yi Baiti"/>
+        <a:font script="Tibt" typeface="Microsoft Himalaya"/>
+        <a:font script="Thaa" typeface="MV Boli"/>
+        <a:font script="Deva" typeface="Mangal"/>
+        <a:font script="Telu" typeface="Gautami"/>
+        <a:font script="Taml" typeface="Latha"/>
+        <a:font script="Syrc" typeface="Estrangelo Edessa"/>
+        <a:font script="Orya" typeface="Kalinga"/>
+        <a:font script="Mlym" typeface="Kartika"/>
+        <a:font script="Laoo" typeface="DokChampa"/>
+        <a:font script="Sinh" typeface="Iskoola Pota"/>
+        <a:font script="Mong" typeface="Mongolian Baiti"/>
+        <a:font script="Viet" typeface="Times New Roman"/>
+        <a:font script="Uigh" typeface="Microsoft Uighur"/>
+        <a:font script="Geor" typeface="Sylfaen"/>
+      </a:majorFont>
+      <a:minorFont>
+        <a:latin typeface="Calibri"/>
+        <a:ea typeface=""/>
+        <a:cs typeface=""/>
+        <a:font script="Jpan" typeface="ＭＳ Ｐゴシック"/>
+        <a:font script="Hang" typeface="맑은 고딕"/>
+        <a:font script="Hans" typeface="宋体"/>
+        <a:font script="Hant" typeface="新細明體"/>
+        <a:font script="Arab" typeface="Arial"/>
+        <a:font script="Hebr" typeface="Arial"/>
+        <a:font script="Thai" typeface="Cordia New"/>
+        <a:font script="Ethi" typeface="Nyala"/>
+        <a:font script="Beng" typeface="Vrinda"/>
+        <a:font script="Gujr" typeface="Shruti"/>
+        <a:font script="Khmr" typeface="DaunPenh"/>
+        <a:font script="Knda" typeface="Tunga"/>
+        <a:font script="Guru" typeface="Raavi"/>
+        <a:font script="Cans" typeface="Euphemia"/>
+        <a:font script="Cher" typeface="Plantagenet Cherokee"/>
+        <a:font script="Yiii" typeface="Microsoft Yi Baiti"/>
+        <a:font script="Tibt" typeface="Microsoft Himalaya"/>
+        <a:font script="Thaa" typeface="MV Boli"/>
+        <a:font script="Deva" typeface="Mangal"/>
+        <a:font script="Telu" typeface="Gautami"/>
+        <a:font script="Taml" typeface="Latha"/>
+        <a:font script="Syrc" typeface="Estrangelo Edessa"/>
+        <a:font script="Orya" typeface="Kalinga"/>
+        <a:font script="Mlym" typeface="Kartika"/>
+        <a:font script="Laoo" typeface="DokChampa"/>
+        <a:font script="Sinh" typeface="Iskoola Pota"/>
+        <a:font script="Mong" typeface="Mongolian Baiti"/>
+        <a:font script="Viet" typeface="Arial"/>
+        <a:font script="Uigh" typeface="Microsoft Uighur"/>
+        <a:font script="Geor" typeface="Sylfaen"/>
+      </a:minorFont>
+    </a:fontScheme>
+    <a:fmtScheme name="Office">
+      <a:fillStyleLst>
+        <a:solidFill>
+          <a:schemeClr val="phClr"/>
+        </a:solidFill>
+        <a:gradFill rotWithShape="1">
+          <a:gsLst>
+            <a:gs pos="0">
+              <a:schemeClr val="phClr">
+                <a:lumMod val="110000"/>
+                <a:satMod val="105000"/>
+                <a:tint val="67000"/>
+              </a:schemeClr>
+            </a:gs>
+            <a:gs pos="50000">
+              <a:schemeClr val="phClr">
+                <a:lumMod val="105000"/>
+                <a:satMod val="103000"/>
+                <a:tint val="73000"/>
+              </a:schemeClr>
+            </a:gs>
+            <a:gs pos="100000">
+              <a:schemeClr val="phClr">
+                <a:lumMod val="105000"/>
+                <a:satMod val="109000"/>
+                <a:tint val="81000"/>
+              </a:schemeClr>
+            </a:gs>
+          </a:gsLst>
+          <a:lin ang="5400000" scaled="0"/>
+        </a:gradFill>
+        <a:gradFill rotWithShape="1">
+          <a:gsLst>
+            <a:gs pos="0">
+              <a:schemeClr val="phClr">
+                <a:satMod val="103000"/>
+                <a:lumMod val="102000"/>
+                <a:tint val="94000"/>
+              </a:schemeClr>
+            </a:gs>
+            <a:gs pos="50000">
+              <a:schemeClr val="phClr">
+                <a:satMod val="110000"/>
+                <a:lumMod val="100000"/>
+                <a:shade val="100000"/>
+              </a:schemeClr>
+            </a:gs>
+            <a:gs pos="100000">
+              <a:schemeClr val="phClr">
+                <a:lumMod val="99000"/>
+                <a:satMod val="120000"/>
+                <a:shade val="78000"/>
+              </a:schemeClr>
+            </a:gs>
+          </a:gsLst>
+          <a:lin ang="5400000" scaled="0"/>
+        </a:gradFill>
+      </a:fillStyleLst>
+      <a:lnStyleLst>
+        <a:ln w="6350" cap="flat" cmpd="sng" algn="ctr">
+          <a:solidFill>
+            <a:schemeClr val="phClr"/>
+          </a:solidFill>
+          <a:prstDash val="solid"/>
+          <a:miter lim="800000"/>
+        </a:ln>
+        <a:ln w="12700" cap="flat" cmpd="sng" algn="ctr">
+          <a:solidFill>
+            <a:schemeClr val="phClr"/>
+          </a:solidFill>
+          <a:prstDash val="solid"/>
+          <a:miter lim="800000"/>
+        </a:ln>
+        <a:ln w="19050" cap="flat" cmpd="sng" algn="ctr">
+          <a:solidFill>
+            <a:schemeClr val="phClr"/>
+          </a:solidFill>
+          <a:prstDash val="solid"/>
+          <a:miter lim="800000"/>
+        </a:ln>
+      </a:lnStyleLst>
+      <a:effectStyleLst>
+        <a:effectStyle>
+          <a:effectLst/>
+        </a:effectStyle>
+        <a:effectStyle>
+          <a:effectLst/>
+        </a:effectStyle>
+        <a:effectStyle>
+          <a:effectLst>
+            <a:outerShdw blurRad="57150" dist="19050" dir="5400000" algn="ctr" rotWithShape="0">
+              <a:srgbClr val="000000">
+                <a:alpha val="63000"/>
+              </a:srgbClr>
+            </a:outerShdw>
+          </a:effectLst>
+        </a:effectStyle>
+      </a:effectStyleLst>
+      <a:bgFillStyleLst>
+        <a:solidFill>
+          <a:schemeClr val="phClr"/>
+        </a:solidFill>
+        <a:solidFill>
+          <a:schemeClr val="phClr">
+            <a:tint val="95000"/>
+            <a:satMod val="170000"/>
+          </a:schemeClr>
+        </a:solidFill>
+        <a:gradFill rotWithShape="1">
+          <a:gsLst>
+            <a:gs pos="0">
+              <a:schemeClr val="phClr">
+                <a:tint val="93000"/>
+                <a:satMod val="150000"/>
+                <a:shade val="98000"/>
+                <a:lumMod val="102000"/>
+              </a:schemeClr>
+            </a:gs>
+            <a:gs pos="50000">
+              <a:schemeClr val="phClr">
+                <a:tint val="98000"/>
+                <a:satMod val="130000"/>
+                <a:shade val="90000"/>
+                <a:lumMod val="103000"/>
+              </a:schemeClr>
+            </a:gs>
+            <a:gs pos="100000">
+              <a:schemeClr val="phClr">
+                <a:shade val="63000"/>
+                <a:satMod val="120000"/>
+              </a:schemeClr>
+            </a:gs>
+          </a:gsLst>
+          <a:lin ang="5400000" scaled="0"/>
+        </a:gradFill>
+      </a:bgFillStyleLst>
+    </a:fmtScheme>
+  </a:themeElements>
+  <a:objectDefaults/>
+  <a:extraClrSchemeLst/>
+  <a:extLst>
+    <a:ext uri="{05A4C25C-085E-4340-85A3-A5531E510DB2}">
+      <thm15:themeFamily xmlns:thm15="http://schemas.microsoft.com/office/thememl/2012/main" name="Office Theme" id="{62F939B6-93AF-4DB8-9C6B-D6C7DFDC589F}" vid="{4A3C46E8-61CC-4603-A589-7422A47A8E4A}"/>
+    </a:ext>
+  </a:extLst>
+</a:theme>
+</file>
+
+<file path=ppt/theme/theme3.xml><?xml version="1.0" encoding="utf-8"?>
 <a:theme xmlns:a="http://schemas.openxmlformats.org/drawingml/2006/main" name="Office Theme">
   <a:themeElements>
     <a:clrScheme name="Office">

--- a/Document/presentation/nam/8 voice notify.pptx
+++ b/Document/presentation/nam/8 voice notify.pptx
@@ -10,7 +10,7 @@
   </p:notesMasterIdLst>
   <p:sldIdLst>
     <p:sldId id="328" r:id="rId3"/>
-    <p:sldId id="329" r:id="rId4"/>
+    <p:sldId id="351" r:id="rId4"/>
     <p:sldId id="330" r:id="rId5"/>
     <p:sldId id="341" r:id="rId6"/>
     <p:sldId id="346" r:id="rId7"/>
@@ -211,7 +211,7 @@
           <a:p>
             <a:fld id="{7A8151B2-7AEE-B245-86B8-7AA2B9F69044}" type="datetimeFigureOut">
               <a:rPr lang="en-US" smtClean="0"/>
-              <a:t>12/14/15</a:t>
+              <a:t>12/14/2015</a:t>
             </a:fld>
             <a:endParaRPr lang="en-US"/>
           </a:p>
@@ -1249,7 +1249,11 @@
             </a:r>
             <a:r>
               <a:rPr lang="en-US" baseline="0" dirty="0" smtClean="0"/>
-              <a:t> qua sound</a:t>
+              <a:t> bang going </a:t>
+            </a:r>
+            <a:r>
+              <a:rPr lang="en-US" baseline="0" dirty="0" err="1" smtClean="0"/>
+              <a:t>noi</a:t>
             </a:r>
             <a:endParaRPr lang="en-US" dirty="0"/>
           </a:p>
@@ -1281,7 +1285,7 @@
     </p:spTree>
     <p:extLst>
       <p:ext uri="{BB962C8B-B14F-4D97-AF65-F5344CB8AC3E}">
-        <p14:creationId xmlns:p14="http://schemas.microsoft.com/office/powerpoint/2010/main" val="1273156930"/>
+        <p14:creationId xmlns:p14="http://schemas.microsoft.com/office/powerpoint/2010/main" val="947110138"/>
       </p:ext>
     </p:extLst>
   </p:cSld>
@@ -2593,7 +2597,7 @@
           <a:p>
             <a:fld id="{94B1E4EC-92D8-4A33-94B0-5CDDBDDA3BE9}" type="datetimeFigureOut">
               <a:rPr lang="en-US" smtClean="0"/>
-              <a:t>12/14/15</a:t>
+              <a:t>12/14/2015</a:t>
             </a:fld>
             <a:endParaRPr lang="en-US"/>
           </a:p>
@@ -2763,7 +2767,7 @@
           <a:p>
             <a:fld id="{94B1E4EC-92D8-4A33-94B0-5CDDBDDA3BE9}" type="datetimeFigureOut">
               <a:rPr lang="en-US" smtClean="0"/>
-              <a:t>12/14/15</a:t>
+              <a:t>12/14/2015</a:t>
             </a:fld>
             <a:endParaRPr lang="en-US"/>
           </a:p>
@@ -2943,7 +2947,7 @@
           <a:p>
             <a:fld id="{94B1E4EC-92D8-4A33-94B0-5CDDBDDA3BE9}" type="datetimeFigureOut">
               <a:rPr lang="en-US" smtClean="0"/>
-              <a:t>12/14/15</a:t>
+              <a:t>12/14/2015</a:t>
             </a:fld>
             <a:endParaRPr lang="en-US"/>
           </a:p>
@@ -3437,7 +3441,7 @@
                 </a:solidFill>
               </a:rPr>
               <a:pPr/>
-              <a:t>12/14/15</a:t>
+              <a:t>12/14/2015</a:t>
             </a:fld>
             <a:endParaRPr lang="en-US">
               <a:solidFill>
@@ -3639,7 +3643,7 @@
                 </a:solidFill>
               </a:rPr>
               <a:pPr/>
-              <a:t>12/14/15</a:t>
+              <a:t>12/14/2015</a:t>
             </a:fld>
             <a:endParaRPr lang="en-US">
               <a:solidFill>
@@ -3917,7 +3921,7 @@
                 </a:solidFill>
               </a:rPr>
               <a:pPr/>
-              <a:t>12/14/15</a:t>
+              <a:t>12/14/2015</a:t>
             </a:fld>
             <a:endParaRPr lang="en-US">
               <a:solidFill>
@@ -4181,7 +4185,7 @@
                 </a:solidFill>
               </a:rPr>
               <a:pPr/>
-              <a:t>12/14/15</a:t>
+              <a:t>12/14/2015</a:t>
             </a:fld>
             <a:endParaRPr lang="en-US">
               <a:solidFill>
@@ -4580,7 +4584,7 @@
                 </a:solidFill>
               </a:rPr>
               <a:pPr/>
-              <a:t>12/14/15</a:t>
+              <a:t>12/14/2015</a:t>
             </a:fld>
             <a:endParaRPr lang="en-US">
               <a:solidFill>
@@ -4730,7 +4734,7 @@
                 </a:solidFill>
               </a:rPr>
               <a:pPr/>
-              <a:t>12/14/15</a:t>
+              <a:t>12/14/2015</a:t>
             </a:fld>
             <a:endParaRPr lang="en-US">
               <a:solidFill>
@@ -4857,7 +4861,7 @@
                 </a:solidFill>
               </a:rPr>
               <a:pPr/>
-              <a:t>12/14/15</a:t>
+              <a:t>12/14/2015</a:t>
             </a:fld>
             <a:endParaRPr lang="en-US">
               <a:solidFill>
@@ -5052,7 +5056,7 @@
           <a:p>
             <a:fld id="{94B1E4EC-92D8-4A33-94B0-5CDDBDDA3BE9}" type="datetimeFigureOut">
               <a:rPr lang="en-US" smtClean="0"/>
-              <a:t>12/14/15</a:t>
+              <a:t>12/14/2015</a:t>
             </a:fld>
             <a:endParaRPr lang="en-US"/>
           </a:p>
@@ -5336,7 +5340,7 @@
                 </a:solidFill>
               </a:rPr>
               <a:pPr/>
-              <a:t>12/14/15</a:t>
+              <a:t>12/14/2015</a:t>
             </a:fld>
             <a:endParaRPr lang="en-US">
               <a:solidFill>
@@ -5621,7 +5625,7 @@
                 </a:solidFill>
               </a:rPr>
               <a:pPr/>
-              <a:t>12/14/15</a:t>
+              <a:t>12/14/2015</a:t>
             </a:fld>
             <a:endParaRPr lang="en-US">
               <a:solidFill>
@@ -5823,7 +5827,7 @@
                 </a:solidFill>
               </a:rPr>
               <a:pPr/>
-              <a:t>12/14/15</a:t>
+              <a:t>12/14/2015</a:t>
             </a:fld>
             <a:endParaRPr lang="en-US">
               <a:solidFill>
@@ -6035,7 +6039,7 @@
                 </a:solidFill>
               </a:rPr>
               <a:pPr/>
-              <a:t>12/14/15</a:t>
+              <a:t>12/14/2015</a:t>
             </a:fld>
             <a:endParaRPr lang="en-US">
               <a:solidFill>
@@ -6304,7 +6308,7 @@
           <a:p>
             <a:fld id="{94B1E4EC-92D8-4A33-94B0-5CDDBDDA3BE9}" type="datetimeFigureOut">
               <a:rPr lang="en-US" smtClean="0"/>
-              <a:t>12/14/15</a:t>
+              <a:t>12/14/2015</a:t>
             </a:fld>
             <a:endParaRPr lang="en-US"/>
           </a:p>
@@ -6536,7 +6540,7 @@
           <a:p>
             <a:fld id="{94B1E4EC-92D8-4A33-94B0-5CDDBDDA3BE9}" type="datetimeFigureOut">
               <a:rPr lang="en-US" smtClean="0"/>
-              <a:t>12/14/15</a:t>
+              <a:t>12/14/2015</a:t>
             </a:fld>
             <a:endParaRPr lang="en-US"/>
           </a:p>
@@ -6903,7 +6907,7 @@
           <a:p>
             <a:fld id="{94B1E4EC-92D8-4A33-94B0-5CDDBDDA3BE9}" type="datetimeFigureOut">
               <a:rPr lang="en-US" smtClean="0"/>
-              <a:t>12/14/15</a:t>
+              <a:t>12/14/2015</a:t>
             </a:fld>
             <a:endParaRPr lang="en-US"/>
           </a:p>
@@ -7021,7 +7025,7 @@
           <a:p>
             <a:fld id="{94B1E4EC-92D8-4A33-94B0-5CDDBDDA3BE9}" type="datetimeFigureOut">
               <a:rPr lang="en-US" smtClean="0"/>
-              <a:t>12/14/15</a:t>
+              <a:t>12/14/2015</a:t>
             </a:fld>
             <a:endParaRPr lang="en-US"/>
           </a:p>
@@ -7116,7 +7120,7 @@
           <a:p>
             <a:fld id="{94B1E4EC-92D8-4A33-94B0-5CDDBDDA3BE9}" type="datetimeFigureOut">
               <a:rPr lang="en-US" smtClean="0"/>
-              <a:t>12/14/15</a:t>
+              <a:t>12/14/2015</a:t>
             </a:fld>
             <a:endParaRPr lang="en-US"/>
           </a:p>
@@ -7393,7 +7397,7 @@
           <a:p>
             <a:fld id="{94B1E4EC-92D8-4A33-94B0-5CDDBDDA3BE9}" type="datetimeFigureOut">
               <a:rPr lang="en-US" smtClean="0"/>
-              <a:t>12/14/15</a:t>
+              <a:t>12/14/2015</a:t>
             </a:fld>
             <a:endParaRPr lang="en-US"/>
           </a:p>
@@ -7650,7 +7654,7 @@
           <a:p>
             <a:fld id="{94B1E4EC-92D8-4A33-94B0-5CDDBDDA3BE9}" type="datetimeFigureOut">
               <a:rPr lang="en-US" smtClean="0"/>
-              <a:t>12/14/15</a:t>
+              <a:t>12/14/2015</a:t>
             </a:fld>
             <a:endParaRPr lang="en-US"/>
           </a:p>
@@ -7863,7 +7867,7 @@
           <a:p>
             <a:fld id="{94B1E4EC-92D8-4A33-94B0-5CDDBDDA3BE9}" type="datetimeFigureOut">
               <a:rPr lang="en-US" smtClean="0"/>
-              <a:t>12/14/15</a:t>
+              <a:t>12/14/2015</a:t>
             </a:fld>
             <a:endParaRPr lang="en-US"/>
           </a:p>
@@ -8412,7 +8416,7 @@
                 </a:solidFill>
               </a:rPr>
               <a:pPr defTabSz="914400"/>
-              <a:t>12/14/15</a:t>
+              <a:t>12/14/2015</a:t>
             </a:fld>
             <a:endParaRPr lang="en-US">
               <a:solidFill>
@@ -9096,22 +9100,30 @@
           </a:lstStyle>
           <a:p>
             <a:r>
-              <a:rPr lang="en-US" dirty="0" smtClean="0"/>
+              <a:rPr lang="en-US" dirty="0" smtClean="0">
+                <a:latin typeface="Cambria" panose="02040503050406030204" pitchFamily="18" charset="0"/>
+              </a:rPr>
               <a:t>Smart wear is too small to view detail information</a:t>
             </a:r>
           </a:p>
           <a:p>
             <a:r>
-              <a:rPr lang="en-US" dirty="0" smtClean="0"/>
+              <a:rPr lang="en-US" dirty="0" smtClean="0">
+                <a:latin typeface="Cambria" panose="02040503050406030204" pitchFamily="18" charset="0"/>
+              </a:rPr>
               <a:t>Not everyone has smart wear.</a:t>
             </a:r>
           </a:p>
           <a:p>
             <a:r>
-              <a:rPr lang="en-US" dirty="0" smtClean="0"/>
+              <a:rPr lang="en-US" dirty="0" smtClean="0">
+                <a:latin typeface="Cambria" panose="02040503050406030204" pitchFamily="18" charset="0"/>
+              </a:rPr>
               <a:t>Price of smart wear is not cheap.</a:t>
             </a:r>
-            <a:endParaRPr lang="en-US" dirty="0"/>
+            <a:endParaRPr lang="en-US" dirty="0">
+              <a:latin typeface="Cambria" panose="02040503050406030204" pitchFamily="18" charset="0"/>
+            </a:endParaRPr>
           </a:p>
         </p:txBody>
       </p:sp>
@@ -10155,7 +10167,7 @@
           <p:nvPr/>
         </p:nvPicPr>
         <p:blipFill>
-          <a:blip r:embed="rId4">
+          <a:blip r:embed="rId4" cstate="print">
             <a:extLst>
               <a:ext uri="{28A0092B-C50C-407E-A947-70E740481C1C}">
                 <a14:useLocalDpi xmlns:a14="http://schemas.microsoft.com/office/drawing/2010/main" val="0"/>
@@ -10509,7 +10521,7 @@
           <p:nvPr/>
         </p:nvPicPr>
         <p:blipFill>
-          <a:blip r:embed="rId5">
+          <a:blip r:embed="rId5" cstate="print">
             <a:extLst>
               <a:ext uri="{28A0092B-C50C-407E-A947-70E740481C1C}">
                 <a14:useLocalDpi xmlns:a14="http://schemas.microsoft.com/office/drawing/2010/main" val="0"/>
@@ -10539,7 +10551,7 @@
           <p:nvPr/>
         </p:nvPicPr>
         <p:blipFill rotWithShape="1">
-          <a:blip r:embed="rId6">
+          <a:blip r:embed="rId6" cstate="print">
             <a:extLst>
               <a:ext uri="{28A0092B-C50C-407E-A947-70E740481C1C}">
                 <a14:useLocalDpi xmlns:a14="http://schemas.microsoft.com/office/drawing/2010/main" val="0"/>
@@ -10699,7 +10711,7 @@
           <p:nvPr/>
         </p:nvPicPr>
         <p:blipFill rotWithShape="1">
-          <a:blip r:embed="rId7">
+          <a:blip r:embed="rId7" cstate="print">
             <a:extLst>
               <a:ext uri="{28A0092B-C50C-407E-A947-70E740481C1C}">
                 <a14:useLocalDpi xmlns:a14="http://schemas.microsoft.com/office/drawing/2010/main" val="0"/>
@@ -10928,7 +10940,7 @@
           <p:nvPr/>
         </p:nvPicPr>
         <p:blipFill rotWithShape="1">
-          <a:blip r:embed="rId8">
+          <a:blip r:embed="rId8" cstate="print">
             <a:extLst>
               <a:ext uri="{28A0092B-C50C-407E-A947-70E740481C1C}">
                 <a14:useLocalDpi xmlns:a14="http://schemas.microsoft.com/office/drawing/2010/main" val="0"/>
@@ -10958,13 +10970,6 @@
   <p:clrMapOvr>
     <a:masterClrMapping/>
   </p:clrMapOvr>
-  <p:timing>
-    <p:tnLst>
-      <p:par>
-        <p:cTn id="1" dur="indefinite" restart="never" nodeType="tmRoot"/>
-      </p:par>
-    </p:tnLst>
-  </p:timing>
 </p:sld>
 </file>
 
@@ -11218,7 +11223,7 @@
           <p:nvPr/>
         </p:nvPicPr>
         <p:blipFill>
-          <a:blip r:embed="rId4">
+          <a:blip r:embed="rId4" cstate="print">
             <a:extLst>
               <a:ext uri="{28A0092B-C50C-407E-A947-70E740481C1C}">
                 <a14:useLocalDpi xmlns:a14="http://schemas.microsoft.com/office/drawing/2010/main" val="0"/>
@@ -11572,7 +11577,7 @@
           <p:nvPr/>
         </p:nvPicPr>
         <p:blipFill>
-          <a:blip r:embed="rId5">
+          <a:blip r:embed="rId5" cstate="print">
             <a:extLst>
               <a:ext uri="{28A0092B-C50C-407E-A947-70E740481C1C}">
                 <a14:useLocalDpi xmlns:a14="http://schemas.microsoft.com/office/drawing/2010/main" val="0"/>
@@ -11602,7 +11607,7 @@
           <p:nvPr/>
         </p:nvPicPr>
         <p:blipFill rotWithShape="1">
-          <a:blip r:embed="rId6">
+          <a:blip r:embed="rId6" cstate="print">
             <a:extLst>
               <a:ext uri="{28A0092B-C50C-407E-A947-70E740481C1C}">
                 <a14:useLocalDpi xmlns:a14="http://schemas.microsoft.com/office/drawing/2010/main" val="0"/>
@@ -11762,7 +11767,7 @@
           <p:nvPr/>
         </p:nvPicPr>
         <p:blipFill rotWithShape="1">
-          <a:blip r:embed="rId7">
+          <a:blip r:embed="rId7" cstate="print">
             <a:extLst>
               <a:ext uri="{28A0092B-C50C-407E-A947-70E740481C1C}">
                 <a14:useLocalDpi xmlns:a14="http://schemas.microsoft.com/office/drawing/2010/main" val="0"/>
@@ -11991,7 +11996,7 @@
           <p:nvPr/>
         </p:nvPicPr>
         <p:blipFill rotWithShape="1">
-          <a:blip r:embed="rId8">
+          <a:blip r:embed="rId8" cstate="print">
             <a:extLst>
               <a:ext uri="{28A0092B-C50C-407E-A947-70E740481C1C}">
                 <a14:useLocalDpi xmlns:a14="http://schemas.microsoft.com/office/drawing/2010/main" val="0"/>
@@ -12110,13 +12115,6 @@
   <p:clrMapOvr>
     <a:masterClrMapping/>
   </p:clrMapOvr>
-  <p:timing>
-    <p:tnLst>
-      <p:par>
-        <p:cTn id="1" dur="indefinite" restart="never" nodeType="tmRoot"/>
-      </p:par>
-    </p:tnLst>
-  </p:timing>
 </p:sld>
 </file>
 
@@ -12370,7 +12368,7 @@
           <p:nvPr/>
         </p:nvPicPr>
         <p:blipFill>
-          <a:blip r:embed="rId4">
+          <a:blip r:embed="rId4" cstate="print">
             <a:extLst>
               <a:ext uri="{28A0092B-C50C-407E-A947-70E740481C1C}">
                 <a14:useLocalDpi xmlns:a14="http://schemas.microsoft.com/office/drawing/2010/main" val="0"/>
@@ -12724,7 +12722,7 @@
           <p:nvPr/>
         </p:nvPicPr>
         <p:blipFill>
-          <a:blip r:embed="rId5">
+          <a:blip r:embed="rId5" cstate="print">
             <a:extLst>
               <a:ext uri="{28A0092B-C50C-407E-A947-70E740481C1C}">
                 <a14:useLocalDpi xmlns:a14="http://schemas.microsoft.com/office/drawing/2010/main" val="0"/>
@@ -12754,7 +12752,7 @@
           <p:nvPr/>
         </p:nvPicPr>
         <p:blipFill rotWithShape="1">
-          <a:blip r:embed="rId6">
+          <a:blip r:embed="rId6" cstate="print">
             <a:extLst>
               <a:ext uri="{28A0092B-C50C-407E-A947-70E740481C1C}">
                 <a14:useLocalDpi xmlns:a14="http://schemas.microsoft.com/office/drawing/2010/main" val="0"/>
@@ -12914,7 +12912,7 @@
           <p:nvPr/>
         </p:nvPicPr>
         <p:blipFill rotWithShape="1">
-          <a:blip r:embed="rId7">
+          <a:blip r:embed="rId7" cstate="print">
             <a:extLst>
               <a:ext uri="{28A0092B-C50C-407E-A947-70E740481C1C}">
                 <a14:useLocalDpi xmlns:a14="http://schemas.microsoft.com/office/drawing/2010/main" val="0"/>
@@ -13143,7 +13141,7 @@
           <p:nvPr/>
         </p:nvPicPr>
         <p:blipFill rotWithShape="1">
-          <a:blip r:embed="rId8">
+          <a:blip r:embed="rId8" cstate="print">
             <a:extLst>
               <a:ext uri="{28A0092B-C50C-407E-A947-70E740481C1C}">
                 <a14:useLocalDpi xmlns:a14="http://schemas.microsoft.com/office/drawing/2010/main" val="0"/>
@@ -13351,13 +13349,6 @@
   <p:clrMapOvr>
     <a:masterClrMapping/>
   </p:clrMapOvr>
-  <p:timing>
-    <p:tnLst>
-      <p:par>
-        <p:cTn id="1" dur="indefinite" restart="never" nodeType="tmRoot"/>
-      </p:par>
-    </p:tnLst>
-  </p:timing>
 </p:sld>
 </file>
 
@@ -13693,7 +13684,7 @@
       </p:grpSpPr>
       <p:sp>
         <p:nvSpPr>
-          <p:cNvPr id="6" name="Title 5"/>
+          <p:cNvPr id="2" name="Title 1"/>
           <p:cNvSpPr>
             <a:spLocks noGrp="1"/>
           </p:cNvSpPr>
@@ -13704,37 +13695,31 @@
         <p:spPr/>
         <p:txBody>
           <a:bodyPr>
-            <a:normAutofit/>
+            <a:noAutofit/>
           </a:bodyPr>
           <a:lstStyle/>
           <a:p>
             <a:r>
-              <a:rPr lang="vi-VN" sz="5400" dirty="0" smtClean="0">
+              <a:rPr lang="en-US" sz="6000" dirty="0" smtClean="0">
                 <a:solidFill>
                   <a:schemeClr val="bg1"/>
                 </a:solidFill>
-                <a:latin typeface="Cambria"/>
-                <a:ea typeface="Cambria"/>
-                <a:cs typeface="Cambria"/>
-                <a:sym typeface="Cambria"/>
+                <a:latin typeface="Cambria" pitchFamily="18" charset="0"/>
               </a:rPr>
               <a:t>Solution</a:t>
             </a:r>
-            <a:endParaRPr lang="en-US" sz="5400" dirty="0">
+            <a:endParaRPr lang="en-US" sz="6000" dirty="0">
               <a:solidFill>
                 <a:schemeClr val="bg1"/>
               </a:solidFill>
-              <a:latin typeface="Cambria"/>
-              <a:ea typeface="Cambria"/>
-              <a:cs typeface="Cambria"/>
-              <a:sym typeface="Cambria"/>
+              <a:latin typeface="Cambria" pitchFamily="18" charset="0"/>
             </a:endParaRPr>
           </a:p>
         </p:txBody>
       </p:sp>
       <p:sp>
         <p:nvSpPr>
-          <p:cNvPr id="5" name="Slide Number Placeholder 4"/>
+          <p:cNvPr id="4" name="Slide Number Placeholder 3"/>
           <p:cNvSpPr>
             <a:spLocks noGrp="1"/>
           </p:cNvSpPr>
@@ -13756,272 +13741,433 @@
           </a:p>
         </p:txBody>
       </p:sp>
-      <p:sp>
-        <p:nvSpPr>
-          <p:cNvPr id="7" name="Content Placeholder 2"/>
-          <p:cNvSpPr txBox="1">
-            <a:spLocks/>
-          </p:cNvSpPr>
+      <p:grpSp>
+        <p:nvGrpSpPr>
+          <p:cNvPr id="16" name="Group 15"/>
+          <p:cNvGrpSpPr/>
           <p:nvPr/>
-        </p:nvSpPr>
-        <p:spPr>
-          <a:xfrm>
-            <a:off x="628650" y="1825625"/>
-            <a:ext cx="7886700" cy="4351338"/>
-          </a:xfrm>
-          <a:prstGeom prst="rect">
-            <a:avLst/>
-          </a:prstGeom>
-        </p:spPr>
-        <p:txBody>
-          <a:bodyPr vert="horz" lIns="91425" tIns="91425" rIns="91425" bIns="91425" rtlCol="0" anchor="t" anchorCtr="0">
-            <a:normAutofit/>
-          </a:bodyPr>
-          <a:lstStyle>
-            <a:lvl1pPr marL="228594" indent="-228594" algn="l" defTabSz="914377" rtl="0" eaLnBrk="1" latinLnBrk="0" hangingPunct="1">
-              <a:lnSpc>
-                <a:spcPct val="90000"/>
-              </a:lnSpc>
-              <a:spcBef>
-                <a:spcPts val="0"/>
-              </a:spcBef>
-              <a:buFont typeface="Arial" panose="020B0604020202020204" pitchFamily="34" charset="0"/>
-              <a:buChar char="•"/>
-              <a:defRPr sz="2800" kern="1200">
-                <a:solidFill>
-                  <a:schemeClr val="tx1"/>
-                </a:solidFill>
-                <a:latin typeface="+mn-lt"/>
-                <a:ea typeface="+mn-ea"/>
-                <a:cs typeface="+mn-cs"/>
-              </a:defRPr>
-            </a:lvl1pPr>
-            <a:lvl2pPr marL="685783" indent="-228594" algn="l" defTabSz="914377" rtl="0" eaLnBrk="1" latinLnBrk="0" hangingPunct="1">
-              <a:lnSpc>
-                <a:spcPct val="90000"/>
-              </a:lnSpc>
-              <a:spcBef>
-                <a:spcPts val="0"/>
-              </a:spcBef>
-              <a:buFont typeface="Arial" panose="020B0604020202020204" pitchFamily="34" charset="0"/>
-              <a:buChar char="•"/>
-              <a:defRPr sz="2400" kern="1200">
-                <a:solidFill>
-                  <a:schemeClr val="tx1"/>
-                </a:solidFill>
-                <a:latin typeface="+mn-lt"/>
-                <a:ea typeface="+mn-ea"/>
-                <a:cs typeface="+mn-cs"/>
-              </a:defRPr>
-            </a:lvl2pPr>
-            <a:lvl3pPr marL="1142971" indent="-228594" algn="l" defTabSz="914377" rtl="0" eaLnBrk="1" latinLnBrk="0" hangingPunct="1">
-              <a:lnSpc>
-                <a:spcPct val="90000"/>
-              </a:lnSpc>
-              <a:spcBef>
-                <a:spcPts val="0"/>
-              </a:spcBef>
-              <a:buFont typeface="Arial" panose="020B0604020202020204" pitchFamily="34" charset="0"/>
-              <a:buChar char="•"/>
-              <a:defRPr sz="2000" kern="1200">
-                <a:solidFill>
-                  <a:schemeClr val="tx1"/>
-                </a:solidFill>
-                <a:latin typeface="+mn-lt"/>
-                <a:ea typeface="+mn-ea"/>
-                <a:cs typeface="+mn-cs"/>
-              </a:defRPr>
-            </a:lvl3pPr>
-            <a:lvl4pPr marL="1600160" indent="-228594" algn="l" defTabSz="914377" rtl="0" eaLnBrk="1" latinLnBrk="0" hangingPunct="1">
-              <a:lnSpc>
-                <a:spcPct val="90000"/>
-              </a:lnSpc>
-              <a:spcBef>
-                <a:spcPts val="0"/>
-              </a:spcBef>
-              <a:buFont typeface="Arial" panose="020B0604020202020204" pitchFamily="34" charset="0"/>
-              <a:buChar char="•"/>
-              <a:defRPr sz="1800" kern="1200">
-                <a:solidFill>
-                  <a:schemeClr val="tx1"/>
-                </a:solidFill>
-                <a:latin typeface="+mn-lt"/>
-                <a:ea typeface="+mn-ea"/>
-                <a:cs typeface="+mn-cs"/>
-              </a:defRPr>
-            </a:lvl4pPr>
-            <a:lvl5pPr marL="2057349" indent="-228594" algn="l" defTabSz="914377" rtl="0" eaLnBrk="1" latinLnBrk="0" hangingPunct="1">
-              <a:lnSpc>
-                <a:spcPct val="90000"/>
-              </a:lnSpc>
-              <a:spcBef>
-                <a:spcPts val="0"/>
-              </a:spcBef>
-              <a:buFont typeface="Arial" panose="020B0604020202020204" pitchFamily="34" charset="0"/>
-              <a:buChar char="•"/>
-              <a:defRPr sz="1800" kern="1200">
-                <a:solidFill>
-                  <a:schemeClr val="tx1"/>
-                </a:solidFill>
-                <a:latin typeface="+mn-lt"/>
-                <a:ea typeface="+mn-ea"/>
-                <a:cs typeface="+mn-cs"/>
-              </a:defRPr>
-            </a:lvl5pPr>
-            <a:lvl6pPr marL="2514537" indent="-228594" algn="l" defTabSz="914377" rtl="0" eaLnBrk="1" latinLnBrk="0" hangingPunct="1">
-              <a:lnSpc>
-                <a:spcPct val="90000"/>
-              </a:lnSpc>
-              <a:spcBef>
-                <a:spcPts val="0"/>
-              </a:spcBef>
-              <a:buFont typeface="Arial" panose="020B0604020202020204" pitchFamily="34" charset="0"/>
-              <a:buChar char="•"/>
-              <a:defRPr sz="1800" kern="1200">
-                <a:solidFill>
-                  <a:schemeClr val="tx1"/>
-                </a:solidFill>
-                <a:latin typeface="+mn-lt"/>
-                <a:ea typeface="+mn-ea"/>
-                <a:cs typeface="+mn-cs"/>
-              </a:defRPr>
-            </a:lvl6pPr>
-            <a:lvl7pPr marL="2971726" indent="-228594" algn="l" defTabSz="914377" rtl="0" eaLnBrk="1" latinLnBrk="0" hangingPunct="1">
-              <a:lnSpc>
-                <a:spcPct val="90000"/>
-              </a:lnSpc>
-              <a:spcBef>
-                <a:spcPts val="0"/>
-              </a:spcBef>
-              <a:buFont typeface="Arial" panose="020B0604020202020204" pitchFamily="34" charset="0"/>
-              <a:buChar char="•"/>
-              <a:defRPr sz="1800" kern="1200">
-                <a:solidFill>
-                  <a:schemeClr val="tx1"/>
-                </a:solidFill>
-                <a:latin typeface="+mn-lt"/>
-                <a:ea typeface="+mn-ea"/>
-                <a:cs typeface="+mn-cs"/>
-              </a:defRPr>
-            </a:lvl7pPr>
-            <a:lvl8pPr marL="3428914" indent="-228594" algn="l" defTabSz="914377" rtl="0" eaLnBrk="1" latinLnBrk="0" hangingPunct="1">
-              <a:lnSpc>
-                <a:spcPct val="90000"/>
-              </a:lnSpc>
-              <a:spcBef>
-                <a:spcPts val="0"/>
-              </a:spcBef>
-              <a:buFont typeface="Arial" panose="020B0604020202020204" pitchFamily="34" charset="0"/>
-              <a:buChar char="•"/>
-              <a:defRPr sz="1800" kern="1200">
-                <a:solidFill>
-                  <a:schemeClr val="tx1"/>
-                </a:solidFill>
-                <a:latin typeface="+mn-lt"/>
-                <a:ea typeface="+mn-ea"/>
-                <a:cs typeface="+mn-cs"/>
-              </a:defRPr>
-            </a:lvl8pPr>
-            <a:lvl9pPr marL="3886103" indent="-228594" algn="l" defTabSz="914377" rtl="0" eaLnBrk="1" latinLnBrk="0" hangingPunct="1">
-              <a:lnSpc>
-                <a:spcPct val="90000"/>
-              </a:lnSpc>
-              <a:spcBef>
-                <a:spcPts val="0"/>
-              </a:spcBef>
-              <a:buFont typeface="Arial" panose="020B0604020202020204" pitchFamily="34" charset="0"/>
-              <a:buChar char="•"/>
-              <a:defRPr sz="1800" kern="1200">
-                <a:solidFill>
-                  <a:schemeClr val="tx1"/>
-                </a:solidFill>
-                <a:latin typeface="+mn-lt"/>
-                <a:ea typeface="+mn-ea"/>
-                <a:cs typeface="+mn-cs"/>
-              </a:defRPr>
-            </a:lvl9pPr>
-          </a:lstStyle>
-          <a:p>
-            <a:r>
-              <a:rPr lang="en-US" dirty="0" smtClean="0"/>
-              <a:t>Provide notify by sound function. </a:t>
-            </a:r>
-            <a:endParaRPr lang="en-US" dirty="0"/>
-          </a:p>
-        </p:txBody>
-      </p:sp>
-      <p:pic>
-        <p:nvPicPr>
-          <p:cNvPr id="9" name="Picture 8"/>
-          <p:cNvPicPr>
-            <a:picLocks noChangeAspect="1"/>
-          </p:cNvPicPr>
+        </p:nvGrpSpPr>
+        <p:grpSpPr>
+          <a:xfrm>
+            <a:off x="3236070" y="4580136"/>
+            <a:ext cx="1808508" cy="1522346"/>
+            <a:chOff x="3762294" y="3466888"/>
+            <a:chExt cx="1808508" cy="1522346"/>
+          </a:xfrm>
+        </p:grpSpPr>
+        <p:pic>
+          <p:nvPicPr>
+            <p:cNvPr id="3" name="Picture 2"/>
+            <p:cNvPicPr>
+              <a:picLocks noChangeAspect="1"/>
+            </p:cNvPicPr>
+            <p:nvPr/>
+          </p:nvPicPr>
+          <p:blipFill>
+            <a:blip r:embed="rId3" cstate="print">
+              <a:extLst>
+                <a:ext uri="{28A0092B-C50C-407E-A947-70E740481C1C}">
+                  <a14:useLocalDpi xmlns:a14="http://schemas.microsoft.com/office/drawing/2010/main" val="0"/>
+                </a:ext>
+              </a:extLst>
+            </a:blip>
+            <a:stretch>
+              <a:fillRect/>
+            </a:stretch>
+          </p:blipFill>
+          <p:spPr>
+            <a:xfrm>
+              <a:off x="3787747" y="3466888"/>
+              <a:ext cx="1306902" cy="1306902"/>
+            </a:xfrm>
+            <a:prstGeom prst="rect">
+              <a:avLst/>
+            </a:prstGeom>
+          </p:spPr>
+        </p:pic>
+        <p:sp>
+          <p:nvSpPr>
+            <p:cNvPr id="8" name="TextBox 7"/>
+            <p:cNvSpPr txBox="1"/>
+            <p:nvPr/>
+          </p:nvSpPr>
+          <p:spPr>
+            <a:xfrm>
+              <a:off x="3762294" y="4589124"/>
+              <a:ext cx="1808508" cy="400110"/>
+            </a:xfrm>
+            <a:prstGeom prst="rect">
+              <a:avLst/>
+            </a:prstGeom>
+            <a:noFill/>
+          </p:spPr>
+          <p:txBody>
+            <a:bodyPr wrap="none" rtlCol="0">
+              <a:spAutoFit/>
+            </a:bodyPr>
+            <a:lstStyle/>
+            <a:p>
+              <a:r>
+                <a:rPr lang="en-US" sz="2000" b="1" dirty="0" smtClean="0">
+                  <a:latin typeface="Cambria" panose="02040503050406030204" pitchFamily="18" charset="0"/>
+                </a:rPr>
+                <a:t>Street Router</a:t>
+              </a:r>
+              <a:endParaRPr lang="en-US" sz="2000" b="1" dirty="0">
+                <a:latin typeface="Cambria" panose="02040503050406030204" pitchFamily="18" charset="0"/>
+              </a:endParaRPr>
+            </a:p>
+          </p:txBody>
+        </p:sp>
+      </p:grpSp>
+      <p:grpSp>
+        <p:nvGrpSpPr>
+          <p:cNvPr id="5" name="Group 4"/>
+          <p:cNvGrpSpPr/>
           <p:nvPr/>
-        </p:nvPicPr>
-        <p:blipFill>
-          <a:blip r:embed="rId3" cstate="print">
+        </p:nvGrpSpPr>
+        <p:grpSpPr>
+          <a:xfrm>
+            <a:off x="829807" y="4773790"/>
+            <a:ext cx="1458733" cy="1535149"/>
+            <a:chOff x="982207" y="1642667"/>
+            <a:chExt cx="1458733" cy="1535149"/>
+          </a:xfrm>
+        </p:grpSpPr>
+        <p:pic>
+          <p:nvPicPr>
+            <p:cNvPr id="10" name="Picture 2" descr="C:\Users\ngoan\Desktop\image\bus.png"/>
+            <p:cNvPicPr>
+              <a:picLocks noChangeAspect="1" noChangeArrowheads="1"/>
+            </p:cNvPicPr>
+            <p:nvPr/>
+          </p:nvPicPr>
+          <p:blipFill>
+            <a:blip r:embed="rId4">
+              <a:extLst>
+                <a:ext uri="{28A0092B-C50C-407E-A947-70E740481C1C}">
+                  <a14:useLocalDpi xmlns:a14="http://schemas.microsoft.com/office/drawing/2010/main" val="0"/>
+                </a:ext>
+              </a:extLst>
+            </a:blip>
+            <a:srcRect/>
+            <a:stretch>
+              <a:fillRect/>
+            </a:stretch>
+          </p:blipFill>
+          <p:spPr bwMode="auto">
+            <a:xfrm>
+              <a:off x="1046342" y="1642667"/>
+              <a:ext cx="1135039" cy="1135039"/>
+            </a:xfrm>
+            <a:prstGeom prst="rect">
+              <a:avLst/>
+            </a:prstGeom>
+            <a:noFill/>
             <a:extLst>
-              <a:ext uri="{28A0092B-C50C-407E-A947-70E740481C1C}">
-                <a14:useLocalDpi xmlns:a14="http://schemas.microsoft.com/office/drawing/2010/main" val="0"/>
+              <a:ext uri="{909E8E84-426E-40DD-AFC4-6F175D3DCCD1}">
+                <a14:hiddenFill xmlns:a14="http://schemas.microsoft.com/office/drawing/2010/main">
+                  <a:solidFill>
+                    <a:srgbClr val="FFFFFF"/>
+                  </a:solidFill>
+                </a14:hiddenFill>
               </a:ext>
             </a:extLst>
-          </a:blip>
-          <a:stretch>
-            <a:fillRect/>
-          </a:stretch>
-        </p:blipFill>
-        <p:spPr>
-          <a:xfrm>
-            <a:off x="1607255" y="3129602"/>
-            <a:ext cx="1306902" cy="1306902"/>
-          </a:xfrm>
-          <a:prstGeom prst="rect">
-            <a:avLst/>
-          </a:prstGeom>
-        </p:spPr>
-      </p:pic>
-      <p:sp>
-        <p:nvSpPr>
-          <p:cNvPr id="10" name="TextBox 9"/>
-          <p:cNvSpPr txBox="1"/>
+          </p:spPr>
+        </p:pic>
+        <p:sp>
+          <p:nvSpPr>
+            <p:cNvPr id="11" name="TextBox 10"/>
+            <p:cNvSpPr txBox="1"/>
+            <p:nvPr/>
+          </p:nvSpPr>
+          <p:spPr>
+            <a:xfrm>
+              <a:off x="982207" y="2777706"/>
+              <a:ext cx="1458733" cy="400110"/>
+            </a:xfrm>
+            <a:prstGeom prst="rect">
+              <a:avLst/>
+            </a:prstGeom>
+            <a:noFill/>
+          </p:spPr>
+          <p:txBody>
+            <a:bodyPr wrap="none" rtlCol="0">
+              <a:spAutoFit/>
+            </a:bodyPr>
+            <a:lstStyle/>
+            <a:p>
+              <a:r>
+                <a:rPr lang="en-US" sz="2000" b="1" dirty="0" smtClean="0">
+                  <a:latin typeface="Cambria" panose="02040503050406030204" pitchFamily="18" charset="0"/>
+                </a:rPr>
+                <a:t>Search bus</a:t>
+              </a:r>
+              <a:endParaRPr lang="en-US" sz="2000" b="1" dirty="0">
+                <a:latin typeface="Cambria" panose="02040503050406030204" pitchFamily="18" charset="0"/>
+              </a:endParaRPr>
+            </a:p>
+          </p:txBody>
+        </p:sp>
+      </p:grpSp>
+      <p:grpSp>
+        <p:nvGrpSpPr>
+          <p:cNvPr id="6" name="Group 5"/>
+          <p:cNvGrpSpPr/>
           <p:nvPr/>
-        </p:nvSpPr>
-        <p:spPr>
-          <a:xfrm>
-            <a:off x="1581802" y="4251838"/>
-            <a:ext cx="1437958" cy="369332"/>
-          </a:xfrm>
-          <a:prstGeom prst="rect">
-            <a:avLst/>
-          </a:prstGeom>
-          <a:noFill/>
-        </p:spPr>
-        <p:txBody>
-          <a:bodyPr wrap="none" rtlCol="0">
-            <a:spAutoFit/>
-          </a:bodyPr>
-          <a:lstStyle/>
-          <a:p>
-            <a:r>
-              <a:rPr lang="en-US" dirty="0" smtClean="0"/>
-              <a:t>Street Router</a:t>
-            </a:r>
-            <a:endParaRPr lang="en-US" dirty="0"/>
-          </a:p>
-        </p:txBody>
-      </p:sp>
+        </p:nvGrpSpPr>
+        <p:grpSpPr>
+          <a:xfrm>
+            <a:off x="677681" y="2708031"/>
+            <a:ext cx="1762983" cy="1517713"/>
+            <a:chOff x="3697069" y="1642667"/>
+            <a:chExt cx="1762983" cy="1517713"/>
+          </a:xfrm>
+        </p:grpSpPr>
+        <p:pic>
+          <p:nvPicPr>
+            <p:cNvPr id="9" name="Picture 2" descr="C:\Users\ngoan\Desktop\image\24598-200.png"/>
+            <p:cNvPicPr>
+              <a:picLocks noChangeAspect="1" noChangeArrowheads="1"/>
+            </p:cNvPicPr>
+            <p:nvPr/>
+          </p:nvPicPr>
+          <p:blipFill>
+            <a:blip r:embed="rId5">
+              <a:extLst>
+                <a:ext uri="{28A0092B-C50C-407E-A947-70E740481C1C}">
+                  <a14:useLocalDpi xmlns:a14="http://schemas.microsoft.com/office/drawing/2010/main" val="0"/>
+                </a:ext>
+              </a:extLst>
+            </a:blip>
+            <a:srcRect/>
+            <a:stretch>
+              <a:fillRect/>
+            </a:stretch>
+          </p:blipFill>
+          <p:spPr bwMode="auto">
+            <a:xfrm>
+              <a:off x="3853851" y="1642667"/>
+              <a:ext cx="1135039" cy="1135039"/>
+            </a:xfrm>
+            <a:prstGeom prst="rect">
+              <a:avLst/>
+            </a:prstGeom>
+            <a:noFill/>
+            <a:extLst>
+              <a:ext uri="{909E8E84-426E-40DD-AFC4-6F175D3DCCD1}">
+                <a14:hiddenFill xmlns:a14="http://schemas.microsoft.com/office/drawing/2010/main">
+                  <a:solidFill>
+                    <a:srgbClr val="FFFFFF"/>
+                  </a:solidFill>
+                </a14:hiddenFill>
+              </a:ext>
+            </a:extLst>
+          </p:spPr>
+        </p:pic>
+        <p:sp>
+          <p:nvSpPr>
+            <p:cNvPr id="12" name="TextBox 11"/>
+            <p:cNvSpPr txBox="1"/>
+            <p:nvPr/>
+          </p:nvSpPr>
+          <p:spPr>
+            <a:xfrm>
+              <a:off x="3697069" y="2760270"/>
+              <a:ext cx="1762983" cy="400110"/>
+            </a:xfrm>
+            <a:prstGeom prst="rect">
+              <a:avLst/>
+            </a:prstGeom>
+            <a:noFill/>
+          </p:spPr>
+          <p:txBody>
+            <a:bodyPr wrap="none" rtlCol="0">
+              <a:spAutoFit/>
+            </a:bodyPr>
+            <a:lstStyle/>
+            <a:p>
+              <a:r>
+                <a:rPr lang="en-US" sz="2000" b="1" dirty="0" smtClean="0">
+                  <a:latin typeface="Cambria" panose="02040503050406030204" pitchFamily="18" charset="0"/>
+                </a:rPr>
+                <a:t>Search motor</a:t>
+              </a:r>
+              <a:endParaRPr lang="en-US" sz="2000" b="1" dirty="0">
+                <a:latin typeface="Cambria" panose="02040503050406030204" pitchFamily="18" charset="0"/>
+              </a:endParaRPr>
+            </a:p>
+          </p:txBody>
+        </p:sp>
+      </p:grpSp>
+      <p:grpSp>
+        <p:nvGrpSpPr>
+          <p:cNvPr id="28" name="Group 27"/>
+          <p:cNvGrpSpPr/>
+          <p:nvPr/>
+        </p:nvGrpSpPr>
+        <p:grpSpPr>
+          <a:xfrm>
+            <a:off x="2372666" y="1827800"/>
+            <a:ext cx="2162772" cy="1447750"/>
+            <a:chOff x="6247665" y="1847819"/>
+            <a:chExt cx="2162772" cy="1447750"/>
+          </a:xfrm>
+        </p:grpSpPr>
+        <p:pic>
+          <p:nvPicPr>
+            <p:cNvPr id="29" name="Picture 28"/>
+            <p:cNvPicPr>
+              <a:picLocks noChangeAspect="1"/>
+            </p:cNvPicPr>
+            <p:nvPr/>
+          </p:nvPicPr>
+          <p:blipFill>
+            <a:blip r:embed="rId6" cstate="print">
+              <a:extLst>
+                <a:ext uri="{28A0092B-C50C-407E-A947-70E740481C1C}">
+                  <a14:useLocalDpi xmlns:a14="http://schemas.microsoft.com/office/drawing/2010/main" val="0"/>
+                </a:ext>
+              </a:extLst>
+            </a:blip>
+            <a:stretch>
+              <a:fillRect/>
+            </a:stretch>
+          </p:blipFill>
+          <p:spPr>
+            <a:xfrm>
+              <a:off x="6661359" y="1847819"/>
+              <a:ext cx="1066401" cy="1066401"/>
+            </a:xfrm>
+            <a:prstGeom prst="rect">
+              <a:avLst/>
+            </a:prstGeom>
+          </p:spPr>
+        </p:pic>
+        <p:sp>
+          <p:nvSpPr>
+            <p:cNvPr id="30" name="TextBox 29"/>
+            <p:cNvSpPr txBox="1"/>
+            <p:nvPr/>
+          </p:nvSpPr>
+          <p:spPr>
+            <a:xfrm>
+              <a:off x="6247665" y="2895459"/>
+              <a:ext cx="2162772" cy="400110"/>
+            </a:xfrm>
+            <a:prstGeom prst="rect">
+              <a:avLst/>
+            </a:prstGeom>
+            <a:noFill/>
+          </p:spPr>
+          <p:txBody>
+            <a:bodyPr wrap="none" rtlCol="0">
+              <a:spAutoFit/>
+            </a:bodyPr>
+            <a:lstStyle/>
+            <a:p>
+              <a:r>
+                <a:rPr lang="en-US" sz="2000" b="1" dirty="0" smtClean="0">
+                  <a:latin typeface="Cambria" panose="02040503050406030204" pitchFamily="18" charset="0"/>
+                </a:rPr>
+                <a:t>Detect right way</a:t>
+              </a:r>
+              <a:endParaRPr lang="en-US" sz="2000" b="1" dirty="0">
+                <a:latin typeface="Cambria" panose="02040503050406030204" pitchFamily="18" charset="0"/>
+              </a:endParaRPr>
+            </a:p>
+          </p:txBody>
+        </p:sp>
+      </p:grpSp>
+      <p:grpSp>
+        <p:nvGrpSpPr>
+          <p:cNvPr id="31" name="Group 30"/>
+          <p:cNvGrpSpPr/>
+          <p:nvPr/>
+        </p:nvGrpSpPr>
+        <p:grpSpPr>
+          <a:xfrm>
+            <a:off x="4898490" y="1733890"/>
+            <a:ext cx="1535998" cy="1556199"/>
+            <a:chOff x="927495" y="3581865"/>
+            <a:chExt cx="1535998" cy="1556199"/>
+          </a:xfrm>
+        </p:grpSpPr>
+        <p:pic>
+          <p:nvPicPr>
+            <p:cNvPr id="32" name="Picture 31"/>
+            <p:cNvPicPr>
+              <a:picLocks noChangeAspect="1"/>
+            </p:cNvPicPr>
+            <p:nvPr/>
+          </p:nvPicPr>
+          <p:blipFill>
+            <a:blip r:embed="rId7" cstate="print">
+              <a:extLst>
+                <a:ext uri="{28A0092B-C50C-407E-A947-70E740481C1C}">
+                  <a14:useLocalDpi xmlns:a14="http://schemas.microsoft.com/office/drawing/2010/main" val="0"/>
+                </a:ext>
+              </a:extLst>
+            </a:blip>
+            <a:stretch>
+              <a:fillRect/>
+            </a:stretch>
+          </p:blipFill>
+          <p:spPr>
+            <a:xfrm>
+              <a:off x="982207" y="3581865"/>
+              <a:ext cx="1156089" cy="1156089"/>
+            </a:xfrm>
+            <a:prstGeom prst="rect">
+              <a:avLst/>
+            </a:prstGeom>
+          </p:spPr>
+        </p:pic>
+        <p:sp>
+          <p:nvSpPr>
+            <p:cNvPr id="33" name="TextBox 32"/>
+            <p:cNvSpPr txBox="1"/>
+            <p:nvPr/>
+          </p:nvSpPr>
+          <p:spPr>
+            <a:xfrm>
+              <a:off x="927495" y="4737954"/>
+              <a:ext cx="1535998" cy="400110"/>
+            </a:xfrm>
+            <a:prstGeom prst="rect">
+              <a:avLst/>
+            </a:prstGeom>
+            <a:noFill/>
+          </p:spPr>
+          <p:txBody>
+            <a:bodyPr wrap="none" rtlCol="0">
+              <a:spAutoFit/>
+            </a:bodyPr>
+            <a:lstStyle/>
+            <a:p>
+              <a:r>
+                <a:rPr lang="en-US" sz="2000" b="1" dirty="0" smtClean="0">
+                  <a:latin typeface="Cambria" panose="02040503050406030204" pitchFamily="18" charset="0"/>
+                </a:rPr>
+                <a:t>Map offline</a:t>
+              </a:r>
+              <a:endParaRPr lang="en-US" b="1" dirty="0">
+                <a:latin typeface="Cambria" panose="02040503050406030204" pitchFamily="18" charset="0"/>
+              </a:endParaRPr>
+            </a:p>
+          </p:txBody>
+        </p:sp>
+      </p:grpSp>
       <p:cxnSp>
         <p:nvCxnSpPr>
-          <p:cNvPr id="3" name="Straight Arrow Connector 2"/>
-          <p:cNvCxnSpPr>
-            <a:stCxn id="9" idx="3"/>
-          </p:cNvCxnSpPr>
+          <p:cNvPr id="35" name="Straight Arrow Connector 34"/>
+          <p:cNvCxnSpPr/>
           <p:nvPr/>
         </p:nvCxnSpPr>
         <p:spPr>
           <a:xfrm>
-            <a:off x="2914157" y="3783053"/>
-            <a:ext cx="3403068" cy="0"/>
+            <a:off x="4808802" y="5341309"/>
+            <a:ext cx="1896798" cy="0"/>
           </a:xfrm>
           <a:prstGeom prst="straightConnector1">
             <a:avLst/>
@@ -14048,40 +14194,164 @@
           </a:fontRef>
         </p:style>
       </p:cxnSp>
-      <p:pic>
-        <p:nvPicPr>
-          <p:cNvPr id="11" name="Picture 10"/>
-          <p:cNvPicPr>
-            <a:picLocks noChangeAspect="1"/>
-          </p:cNvPicPr>
+      <p:grpSp>
+        <p:nvGrpSpPr>
+          <p:cNvPr id="21" name="Group 20"/>
+          <p:cNvGrpSpPr/>
           <p:nvPr/>
-        </p:nvPicPr>
-        <p:blipFill>
-          <a:blip r:embed="rId4" cstate="print">
-            <a:extLst>
-              <a:ext uri="{28A0092B-C50C-407E-A947-70E740481C1C}">
-                <a14:useLocalDpi xmlns:a14="http://schemas.microsoft.com/office/drawing/2010/main" val="0"/>
-              </a:ext>
-            </a:extLst>
-          </a:blip>
-          <a:stretch>
-            <a:fillRect/>
-          </a:stretch>
-        </p:blipFill>
-        <p:spPr>
-          <a:xfrm>
-            <a:off x="6787219" y="3236248"/>
-            <a:ext cx="1093610" cy="1093610"/>
-          </a:xfrm>
-          <a:prstGeom prst="rect">
-            <a:avLst/>
-          </a:prstGeom>
-        </p:spPr>
-      </p:pic>
+        </p:nvGrpSpPr>
+        <p:grpSpPr>
+          <a:xfrm>
+            <a:off x="6553226" y="1827800"/>
+            <a:ext cx="2590774" cy="1493720"/>
+            <a:chOff x="4770877" y="5313385"/>
+            <a:chExt cx="2590774" cy="1493720"/>
+          </a:xfrm>
+        </p:grpSpPr>
+        <p:pic>
+          <p:nvPicPr>
+            <p:cNvPr id="22" name="Picture 21"/>
+            <p:cNvPicPr>
+              <a:picLocks noChangeAspect="1"/>
+            </p:cNvPicPr>
+            <p:nvPr/>
+          </p:nvPicPr>
+          <p:blipFill>
+            <a:blip r:embed="rId8" cstate="print">
+              <a:extLst>
+                <a:ext uri="{28A0092B-C50C-407E-A947-70E740481C1C}">
+                  <a14:useLocalDpi xmlns:a14="http://schemas.microsoft.com/office/drawing/2010/main" val="0"/>
+                </a:ext>
+              </a:extLst>
+            </a:blip>
+            <a:stretch>
+              <a:fillRect/>
+            </a:stretch>
+          </p:blipFill>
+          <p:spPr>
+            <a:xfrm>
+              <a:off x="5284987" y="5313385"/>
+              <a:ext cx="1093610" cy="1093610"/>
+            </a:xfrm>
+            <a:prstGeom prst="rect">
+              <a:avLst/>
+            </a:prstGeom>
+          </p:spPr>
+        </p:pic>
+        <p:sp>
+          <p:nvSpPr>
+            <p:cNvPr id="23" name="Rectangle 22"/>
+            <p:cNvSpPr/>
+            <p:nvPr/>
+          </p:nvSpPr>
+          <p:spPr>
+            <a:xfrm>
+              <a:off x="4770877" y="6406995"/>
+              <a:ext cx="2590774" cy="400110"/>
+            </a:xfrm>
+            <a:prstGeom prst="rect">
+              <a:avLst/>
+            </a:prstGeom>
+          </p:spPr>
+          <p:txBody>
+            <a:bodyPr wrap="none">
+              <a:spAutoFit/>
+            </a:bodyPr>
+            <a:lstStyle/>
+            <a:p>
+              <a:r>
+                <a:rPr lang="en-US" sz="2000" b="1" dirty="0" smtClean="0">
+                  <a:latin typeface="Cambria" panose="02040503050406030204" pitchFamily="18" charset="0"/>
+                </a:rPr>
+                <a:t>Support smart wear</a:t>
+              </a:r>
+              <a:endParaRPr lang="en-US" sz="2000" b="1" dirty="0">
+                <a:latin typeface="Cambria" panose="02040503050406030204" pitchFamily="18" charset="0"/>
+              </a:endParaRPr>
+            </a:p>
+          </p:txBody>
+        </p:sp>
+      </p:grpSp>
+      <p:grpSp>
+        <p:nvGrpSpPr>
+          <p:cNvPr id="25" name="Group 24"/>
+          <p:cNvGrpSpPr/>
+          <p:nvPr/>
+        </p:nvGrpSpPr>
+        <p:grpSpPr>
+          <a:xfrm>
+            <a:off x="6867203" y="4670621"/>
+            <a:ext cx="1689589" cy="1315004"/>
+            <a:chOff x="2024504" y="5313385"/>
+            <a:chExt cx="2019399" cy="1493720"/>
+          </a:xfrm>
+        </p:grpSpPr>
+        <p:sp>
+          <p:nvSpPr>
+            <p:cNvPr id="26" name="TextBox 25"/>
+            <p:cNvSpPr txBox="1"/>
+            <p:nvPr/>
+          </p:nvSpPr>
+          <p:spPr>
+            <a:xfrm>
+              <a:off x="2024504" y="6406995"/>
+              <a:ext cx="2019399" cy="400110"/>
+            </a:xfrm>
+            <a:prstGeom prst="rect">
+              <a:avLst/>
+            </a:prstGeom>
+            <a:noFill/>
+          </p:spPr>
+          <p:txBody>
+            <a:bodyPr wrap="none" rtlCol="0">
+              <a:spAutoFit/>
+            </a:bodyPr>
+            <a:lstStyle/>
+            <a:p>
+              <a:r>
+                <a:rPr lang="en-US" sz="2000" b="1" dirty="0">
+                  <a:latin typeface="Cambria" panose="02040503050406030204" pitchFamily="18" charset="0"/>
+                </a:rPr>
+                <a:t>Notify by sound</a:t>
+              </a:r>
+            </a:p>
+          </p:txBody>
+        </p:sp>
+        <p:pic>
+          <p:nvPicPr>
+            <p:cNvPr id="27" name="Picture 26"/>
+            <p:cNvPicPr>
+              <a:picLocks noChangeAspect="1"/>
+            </p:cNvPicPr>
+            <p:nvPr/>
+          </p:nvPicPr>
+          <p:blipFill>
+            <a:blip r:embed="rId9" cstate="print">
+              <a:extLst>
+                <a:ext uri="{28A0092B-C50C-407E-A947-70E740481C1C}">
+                  <a14:useLocalDpi xmlns:a14="http://schemas.microsoft.com/office/drawing/2010/main" val="0"/>
+                </a:ext>
+              </a:extLst>
+            </a:blip>
+            <a:stretch>
+              <a:fillRect/>
+            </a:stretch>
+          </p:blipFill>
+          <p:spPr>
+            <a:xfrm>
+              <a:off x="2339395" y="5313385"/>
+              <a:ext cx="1093610" cy="1093610"/>
+            </a:xfrm>
+            <a:prstGeom prst="rect">
+              <a:avLst/>
+            </a:prstGeom>
+          </p:spPr>
+        </p:pic>
+      </p:grpSp>
     </p:spTree>
     <p:extLst>
       <p:ext uri="{BB962C8B-B14F-4D97-AF65-F5344CB8AC3E}">
-        <p14:creationId xmlns:p14="http://schemas.microsoft.com/office/powerpoint/2010/main" val="1628417014"/>
+        <p14:creationId xmlns:p14="http://schemas.microsoft.com/office/powerpoint/2010/main" val="2885723375"/>
       </p:ext>
     </p:extLst>
   </p:cSld>
